--- a/Documentation/Capstone Project - Poster.pptx
+++ b/Documentation/Capstone Project - Poster.pptx
@@ -197,7 +197,7 @@
 <file path=ppt/revisionInfo.xml><?xml version="1.0" encoding="utf-8"?>
 <p1510:revInfo xmlns:a="http://schemas.openxmlformats.org/drawingml/2006/main" xmlns:r="http://schemas.openxmlformats.org/officeDocument/2006/relationships" xmlns:p1510="http://schemas.microsoft.com/office/powerpoint/2015/10/main">
   <p1510:revLst>
-    <p1510:client id="{1CFC6E96-CD92-DB7E-9D97-D911CCA9C7FA}" v="3027" dt="2024-05-11T17:32:59.060"/>
+    <p1510:client id="{1CFC6E96-CD92-DB7E-9D97-D911CCA9C7FA}" v="4704" dt="2024-05-11T23:09:59.335"/>
     <p1510:client id="{4F9C0DA7-252C-B555-86BC-A86E3FD9C9EE}" v="189" dt="2024-05-10T11:34:28.435"/>
     <p1510:client id="{53463F5A-0479-804E-3D88-BB5129ECB863}" v="151" dt="2024-05-10T01:14:26.736"/>
     <p1510:client id="{B23F6A55-9272-0C13-A53B-F52E05C60F66}" v="3053" dt="2024-05-10T17:07:12.593"/>
@@ -379,12 +379,12 @@
   <pc:docChgLst>
     <pc:chgData name="Ingrid Castro" userId="73b8d72571d56733" providerId="Windows Live" clId="Web-{1CFC6E96-CD92-DB7E-9D97-D911CCA9C7FA}"/>
     <pc:docChg chg="addSld delSld modSld">
-      <pc:chgData name="Ingrid Castro" userId="73b8d72571d56733" providerId="Windows Live" clId="Web-{1CFC6E96-CD92-DB7E-9D97-D911CCA9C7FA}" dt="2024-05-11T17:32:59.060" v="1814" actId="20577"/>
+      <pc:chgData name="Ingrid Castro" userId="73b8d72571d56733" providerId="Windows Live" clId="Web-{1CFC6E96-CD92-DB7E-9D97-D911CCA9C7FA}" dt="2024-05-11T23:09:59.335" v="2849" actId="20577"/>
       <pc:docMkLst>
         <pc:docMk/>
       </pc:docMkLst>
       <pc:sldChg chg="addSp delSp modSp">
-        <pc:chgData name="Ingrid Castro" userId="73b8d72571d56733" providerId="Windows Live" clId="Web-{1CFC6E96-CD92-DB7E-9D97-D911CCA9C7FA}" dt="2024-05-11T17:32:59.060" v="1814" actId="20577"/>
+        <pc:chgData name="Ingrid Castro" userId="73b8d72571d56733" providerId="Windows Live" clId="Web-{1CFC6E96-CD92-DB7E-9D97-D911CCA9C7FA}" dt="2024-05-11T23:09:59.335" v="2849" actId="20577"/>
         <pc:sldMkLst>
           <pc:docMk/>
           <pc:sldMk cId="3160527046" sldId="258"/>
@@ -429,12 +429,28 @@
             <ac:spMk id="8" creationId="{00000000-0000-0000-0000-000000000000}"/>
           </ac:spMkLst>
         </pc:spChg>
+        <pc:spChg chg="mod">
+          <ac:chgData name="Ingrid Castro" userId="73b8d72571d56733" providerId="Windows Live" clId="Web-{1CFC6E96-CD92-DB7E-9D97-D911CCA9C7FA}" dt="2024-05-11T22:46:25.472" v="2726" actId="1076"/>
+          <ac:spMkLst>
+            <pc:docMk/>
+            <pc:sldMk cId="3160527046" sldId="258"/>
+            <ac:spMk id="9" creationId="{00000000-0000-0000-0000-000000000000}"/>
+          </ac:spMkLst>
+        </pc:spChg>
         <pc:spChg chg="add mod">
           <ac:chgData name="Ingrid Castro" userId="73b8d72571d56733" providerId="Windows Live" clId="Web-{1CFC6E96-CD92-DB7E-9D97-D911CCA9C7FA}" dt="2024-05-11T13:25:24.415" v="1163" actId="1076"/>
           <ac:spMkLst>
             <pc:docMk/>
             <pc:sldMk cId="3160527046" sldId="258"/>
             <ac:spMk id="10" creationId="{71394AFA-DEE0-9F5A-4D01-797126D045CF}"/>
+          </ac:spMkLst>
+        </pc:spChg>
+        <pc:spChg chg="mod">
+          <ac:chgData name="Ingrid Castro" userId="73b8d72571d56733" providerId="Windows Live" clId="Web-{1CFC6E96-CD92-DB7E-9D97-D911CCA9C7FA}" dt="2024-05-11T22:46:07.644" v="2723" actId="1076"/>
+          <ac:spMkLst>
+            <pc:docMk/>
+            <pc:sldMk cId="3160527046" sldId="258"/>
+            <ac:spMk id="11" creationId="{00000000-0000-0000-0000-000000000000}"/>
           </ac:spMkLst>
         </pc:spChg>
         <pc:spChg chg="mod">
@@ -486,7 +502,7 @@
           </ac:spMkLst>
         </pc:spChg>
         <pc:spChg chg="add mod">
-          <ac:chgData name="Ingrid Castro" userId="73b8d72571d56733" providerId="Windows Live" clId="Web-{1CFC6E96-CD92-DB7E-9D97-D911CCA9C7FA}" dt="2024-05-11T17:32:59.060" v="1814" actId="20577"/>
+          <ac:chgData name="Ingrid Castro" userId="73b8d72571d56733" providerId="Windows Live" clId="Web-{1CFC6E96-CD92-DB7E-9D97-D911CCA9C7FA}" dt="2024-05-11T21:25:12.806" v="1826" actId="20577"/>
           <ac:spMkLst>
             <pc:docMk/>
             <pc:sldMk cId="3160527046" sldId="258"/>
@@ -509,6 +525,22 @@
             <ac:spMk id="21" creationId="{2FAAC147-C3CF-17EA-1A45-90FB1DFB55CE}"/>
           </ac:spMkLst>
         </pc:spChg>
+        <pc:spChg chg="add mod">
+          <ac:chgData name="Ingrid Castro" userId="73b8d72571d56733" providerId="Windows Live" clId="Web-{1CFC6E96-CD92-DB7E-9D97-D911CCA9C7FA}" dt="2024-05-11T21:25:56.917" v="1838" actId="20577"/>
+          <ac:spMkLst>
+            <pc:docMk/>
+            <pc:sldMk cId="3160527046" sldId="258"/>
+            <ac:spMk id="22" creationId="{F34DA761-C085-E013-6E1A-E77DA63F9F98}"/>
+          </ac:spMkLst>
+        </pc:spChg>
+        <pc:spChg chg="add mod">
+          <ac:chgData name="Ingrid Castro" userId="73b8d72571d56733" providerId="Windows Live" clId="Web-{1CFC6E96-CD92-DB7E-9D97-D911CCA9C7FA}" dt="2024-05-11T21:38:10.081" v="2168"/>
+          <ac:spMkLst>
+            <pc:docMk/>
+            <pc:sldMk cId="3160527046" sldId="258"/>
+            <ac:spMk id="23" creationId="{8C3BB717-4A20-4104-27D7-2AD6D8759B57}"/>
+          </ac:spMkLst>
+        </pc:spChg>
         <pc:spChg chg="add del mod">
           <ac:chgData name="Ingrid Castro" userId="73b8d72571d56733" providerId="Windows Live" clId="Web-{1CFC6E96-CD92-DB7E-9D97-D911CCA9C7FA}" dt="2024-05-11T13:18:37.542" v="1097"/>
           <ac:spMkLst>
@@ -517,12 +549,28 @@
             <ac:spMk id="24" creationId="{36798CB1-2FE8-75DD-1E59-231DEAFE1AAE}"/>
           </ac:spMkLst>
         </pc:spChg>
+        <pc:spChg chg="add mod">
+          <ac:chgData name="Ingrid Castro" userId="73b8d72571d56733" providerId="Windows Live" clId="Web-{1CFC6E96-CD92-DB7E-9D97-D911CCA9C7FA}" dt="2024-05-11T23:09:04.224" v="2831" actId="20577"/>
+          <ac:spMkLst>
+            <pc:docMk/>
+            <pc:sldMk cId="3160527046" sldId="258"/>
+            <ac:spMk id="24" creationId="{F09696AB-DE5E-1719-E147-0DE2864FE37B}"/>
+          </ac:spMkLst>
+        </pc:spChg>
         <pc:spChg chg="del">
           <ac:chgData name="Ingrid Castro" userId="73b8d72571d56733" providerId="Windows Live" clId="Web-{1CFC6E96-CD92-DB7E-9D97-D911CCA9C7FA}" dt="2024-05-11T10:33:52.843" v="11"/>
           <ac:spMkLst>
             <pc:docMk/>
             <pc:sldMk cId="3160527046" sldId="258"/>
             <ac:spMk id="27" creationId="{00000000-0000-0000-0000-000000000000}"/>
+          </ac:spMkLst>
+        </pc:spChg>
+        <pc:spChg chg="add mod">
+          <ac:chgData name="Ingrid Castro" userId="73b8d72571d56733" providerId="Windows Live" clId="Web-{1CFC6E96-CD92-DB7E-9D97-D911CCA9C7FA}" dt="2024-05-11T23:09:59.335" v="2849" actId="20577"/>
+          <ac:spMkLst>
+            <pc:docMk/>
+            <pc:sldMk cId="3160527046" sldId="258"/>
+            <ac:spMk id="27" creationId="{457DB4A5-0DC3-5E50-25F8-EEEFFA69FD50}"/>
           </ac:spMkLst>
         </pc:spChg>
         <pc:spChg chg="add del mod">
@@ -621,6 +669,14 @@
             <ac:spMk id="41" creationId="{00000000-0000-0000-0000-000000000000}"/>
           </ac:spMkLst>
         </pc:spChg>
+        <pc:spChg chg="mod">
+          <ac:chgData name="Ingrid Castro" userId="73b8d72571d56733" providerId="Windows Live" clId="Web-{1CFC6E96-CD92-DB7E-9D97-D911CCA9C7FA}" dt="2024-05-11T22:46:13.347" v="2724" actId="1076"/>
+          <ac:spMkLst>
+            <pc:docMk/>
+            <pc:sldMk cId="3160527046" sldId="258"/>
+            <ac:spMk id="42" creationId="{00000000-0000-0000-0000-000000000000}"/>
+          </ac:spMkLst>
+        </pc:spChg>
         <pc:spChg chg="add del mod">
           <ac:chgData name="Ingrid Castro" userId="73b8d72571d56733" providerId="Windows Live" clId="Web-{1CFC6E96-CD92-DB7E-9D97-D911CCA9C7FA}" dt="2024-05-11T13:18:33.229" v="1095"/>
           <ac:spMkLst>
@@ -643,6 +699,14 @@
             <pc:docMk/>
             <pc:sldMk cId="3160527046" sldId="258"/>
             <ac:spMk id="46" creationId="{BA7BC14E-5C68-4BFC-B8B8-A1CD9BF3BFC9}"/>
+          </ac:spMkLst>
+        </pc:spChg>
+        <pc:spChg chg="mod">
+          <ac:chgData name="Ingrid Castro" userId="73b8d72571d56733" providerId="Windows Live" clId="Web-{1CFC6E96-CD92-DB7E-9D97-D911CCA9C7FA}" dt="2024-05-11T22:46:03.628" v="2722" actId="1076"/>
+          <ac:spMkLst>
+            <pc:docMk/>
+            <pc:sldMk cId="3160527046" sldId="258"/>
+            <ac:spMk id="47" creationId="{C12A8FE5-E10F-498E-9E7D-EC629905A877}"/>
           </ac:spMkLst>
         </pc:spChg>
         <pc:spChg chg="add mod">
@@ -691,6 +755,14 @@
             <pc:docMk/>
             <pc:sldMk cId="3160527046" sldId="258"/>
             <ac:picMk id="22" creationId="{28B12B5F-075A-ABFC-3DF7-2AA4A6C09B89}"/>
+          </ac:picMkLst>
+        </pc:picChg>
+        <pc:picChg chg="add mod">
+          <ac:chgData name="Ingrid Castro" userId="73b8d72571d56733" providerId="Windows Live" clId="Web-{1CFC6E96-CD92-DB7E-9D97-D911CCA9C7FA}" dt="2024-05-11T23:09:09.130" v="2833" actId="1076"/>
+          <ac:picMkLst>
+            <pc:docMk/>
+            <pc:sldMk cId="3160527046" sldId="258"/>
+            <ac:picMk id="26" creationId="{2F68D4EE-63B4-B304-F1DF-2719624F6DC5}"/>
           </ac:picMkLst>
         </pc:picChg>
         <pc:picChg chg="add del mod">
@@ -15196,7 +15268,7 @@
         </p:nvSpPr>
         <p:spPr>
           <a:xfrm>
-            <a:off x="33346443" y="21931197"/>
+            <a:off x="33398202" y="25053959"/>
             <a:ext cx="10047018" cy="677100"/>
           </a:xfrm>
         </p:spPr>
@@ -15229,7 +15301,7 @@
         </p:nvSpPr>
         <p:spPr>
           <a:xfrm>
-            <a:off x="33392567" y="28504101"/>
+            <a:off x="33375314" y="30367407"/>
             <a:ext cx="10047018" cy="754045"/>
           </a:xfrm>
         </p:spPr>
@@ -16038,15 +16110,15 @@
         </p:nvSpPr>
         <p:spPr>
           <a:xfrm>
-            <a:off x="33513137" y="22823005"/>
-            <a:ext cx="9736942" cy="5408649"/>
+            <a:off x="33564895" y="25721480"/>
+            <a:ext cx="9667932" cy="4649525"/>
           </a:xfrm>
           <a:prstGeom prst="rect">
             <a:avLst/>
           </a:prstGeom>
         </p:spPr>
         <p:txBody>
-          <a:bodyPr>
+          <a:bodyPr lIns="91440" tIns="45720" rIns="91440" bIns="45720" anchor="t">
             <a:noAutofit/>
           </a:bodyPr>
           <a:lstStyle>
@@ -16188,138 +16260,40 @@
           </a:lstStyle>
           <a:p>
             <a:pPr marL="0" indent="0" algn="just" defTabSz="895350">
-              <a:buFont typeface="Arial" pitchFamily="34" charset="0"/>
               <a:buNone/>
             </a:pPr>
             <a:r>
               <a:rPr lang="en-IE" sz="2400" dirty="0">
-                <a:latin typeface="Arial" panose="020B0604020202020204" pitchFamily="34" charset="0"/>
-                <a:cs typeface="Arial" panose="020B0604020202020204" pitchFamily="34" charset="0"/>
+                <a:latin typeface="Arial"/>
+                <a:cs typeface="Arial"/>
               </a:rPr>
-              <a:t>A summarised answer to the research questions are presented below:</a:t>
+              <a:t>As a reflection of our overall project development we can say that both objectives were reached and we were able not only to provide the source code for our system (including multiple trained models), but also a User Interface that is able to show the real life usage of the system. </a:t>
             </a:r>
           </a:p>
           <a:p>
             <a:pPr marL="0" indent="0" algn="just" defTabSz="895350">
-              <a:buFont typeface="Arial" pitchFamily="34" charset="0"/>
               <a:buNone/>
             </a:pPr>
-            <a:endParaRPr lang="en-IE" sz="1000" dirty="0">
+            <a:endParaRPr lang="en-IE" sz="2400" dirty="0">
               <a:latin typeface="Arial" panose="020B0604020202020204" pitchFamily="34" charset="0"/>
               <a:cs typeface="Arial" panose="020B0604020202020204" pitchFamily="34" charset="0"/>
             </a:endParaRPr>
           </a:p>
           <a:p>
-            <a:pPr marL="0" indent="0" defTabSz="895350">
-              <a:buFont typeface="Arial" pitchFamily="34" charset="0"/>
+            <a:pPr marL="0" indent="0" algn="just" defTabSz="895350">
               <a:buNone/>
             </a:pPr>
             <a:r>
-              <a:rPr lang="en-IE" sz="2200" b="1" dirty="0">
-                <a:latin typeface="Arial" panose="020B0604020202020204" pitchFamily="34" charset="0"/>
-                <a:cs typeface="Arial" panose="020B0604020202020204" pitchFamily="34" charset="0"/>
+              <a:rPr lang="en-IE" sz="2400" dirty="0">
+                <a:latin typeface="Arial"/>
+                <a:cs typeface="Arial"/>
               </a:rPr>
-              <a:t>Q.1.</a:t>
+              <a:t>The project amplified our understanding of the technologies used and explored an alternative approach to this task, since there are many available. The CRISP-DM methodology helped us structuring our research and development steps, as well as made it easier for us to set internal deadlines for certain phases that required more or less time to be completed.</a:t>
             </a:r>
-            <a:r>
-              <a:rPr lang="en-IE" sz="2200" dirty="0">
-                <a:latin typeface="Arial" panose="020B0604020202020204" pitchFamily="34" charset="0"/>
-                <a:cs typeface="Arial" panose="020B0604020202020204" pitchFamily="34" charset="0"/>
-              </a:rPr>
-              <a:t> 	</a:t>
-            </a:r>
-            <a:r>
-              <a:rPr lang="en-IE" sz="2200" i="1" dirty="0">
-                <a:latin typeface="Arial" panose="020B0604020202020204" pitchFamily="34" charset="0"/>
-                <a:cs typeface="Arial" panose="020B0604020202020204" pitchFamily="34" charset="0"/>
-              </a:rPr>
-              <a:t>Both of the studies on the use of a reflective learning journal were 	mostly negative, in that students did not find it beneficial, and in some 	cases, saw it as an additional ungraded piece of assessment .</a:t>
-            </a:r>
-          </a:p>
-          <a:p>
-            <a:pPr marL="0" indent="0" defTabSz="895350">
-              <a:buFont typeface="Arial" pitchFamily="34" charset="0"/>
-              <a:buNone/>
-            </a:pPr>
-            <a:r>
-              <a:rPr lang="en-IE" sz="2200" b="1" dirty="0">
-                <a:latin typeface="Arial" panose="020B0604020202020204" pitchFamily="34" charset="0"/>
-                <a:cs typeface="Arial" panose="020B0604020202020204" pitchFamily="34" charset="0"/>
-              </a:rPr>
-              <a:t>Q.2. </a:t>
-            </a:r>
-            <a:r>
-              <a:rPr lang="en-IE" sz="2200" dirty="0">
-                <a:latin typeface="Arial" panose="020B0604020202020204" pitchFamily="34" charset="0"/>
-                <a:cs typeface="Arial" panose="020B0604020202020204" pitchFamily="34" charset="0"/>
-              </a:rPr>
-              <a:t>	There was </a:t>
-            </a:r>
-            <a:r>
-              <a:rPr lang="en-IE" sz="2200" i="1" dirty="0">
-                <a:latin typeface="Arial" panose="020B0604020202020204" pitchFamily="34" charset="0"/>
-                <a:cs typeface="Arial" panose="020B0604020202020204" pitchFamily="34" charset="0"/>
-              </a:rPr>
-              <a:t>evidence to suggest it does, specifically relating to 	group based activities, and communicating with peers.  However, it is 	difficult to say positive findings were directly linked to the social 	learning activities introduced over the semester.</a:t>
-            </a:r>
-            <a:endParaRPr lang="en-IE" sz="2200" dirty="0">
+            <a:endParaRPr lang="en-IE" sz="2400" dirty="0">
               <a:latin typeface="Arial" panose="020B0604020202020204" pitchFamily="34" charset="0"/>
               <a:cs typeface="Arial" panose="020B0604020202020204" pitchFamily="34" charset="0"/>
             </a:endParaRPr>
-          </a:p>
-          <a:p>
-            <a:pPr marL="0" indent="0" defTabSz="895350">
-              <a:buFont typeface="Arial" pitchFamily="34" charset="0"/>
-              <a:buNone/>
-            </a:pPr>
-            <a:r>
-              <a:rPr lang="en-IE" sz="2200" b="1" dirty="0">
-                <a:latin typeface="Arial" panose="020B0604020202020204" pitchFamily="34" charset="0"/>
-                <a:cs typeface="Arial" panose="020B0604020202020204" pitchFamily="34" charset="0"/>
-              </a:rPr>
-              <a:t>Q.3 </a:t>
-            </a:r>
-            <a:r>
-              <a:rPr lang="en-IE" sz="2200" dirty="0">
-                <a:latin typeface="Arial" panose="020B0604020202020204" pitchFamily="34" charset="0"/>
-                <a:cs typeface="Arial" panose="020B0604020202020204" pitchFamily="34" charset="0"/>
-              </a:rPr>
-              <a:t>	</a:t>
-            </a:r>
-            <a:r>
-              <a:rPr lang="en-IE" sz="2200" i="1" dirty="0">
-                <a:latin typeface="Arial" panose="020B0604020202020204" pitchFamily="34" charset="0"/>
-                <a:cs typeface="Arial" panose="020B0604020202020204" pitchFamily="34" charset="0"/>
-              </a:rPr>
-              <a:t>The use of PBL and PAL was very successful in engaging students in 	computer programming, the students engaged in the activities and 	requested more of these activities in the future.</a:t>
-            </a:r>
-          </a:p>
-          <a:p>
-            <a:pPr marL="0" indent="0" defTabSz="895350">
-              <a:buFont typeface="Arial" pitchFamily="34" charset="0"/>
-              <a:buNone/>
-            </a:pPr>
-            <a:r>
-              <a:rPr lang="en-IE" sz="2200" b="1" dirty="0">
-                <a:latin typeface="Arial" panose="020B0604020202020204" pitchFamily="34" charset="0"/>
-                <a:cs typeface="Arial" panose="020B0604020202020204" pitchFamily="34" charset="0"/>
-              </a:rPr>
-              <a:t>Q.4</a:t>
-            </a:r>
-            <a:r>
-              <a:rPr lang="en-IE" sz="2200" dirty="0">
-                <a:latin typeface="Arial" panose="020B0604020202020204" pitchFamily="34" charset="0"/>
-                <a:cs typeface="Arial" panose="020B0604020202020204" pitchFamily="34" charset="0"/>
-              </a:rPr>
-              <a:t>	</a:t>
-            </a:r>
-            <a:r>
-              <a:rPr lang="en-IE" sz="2200" i="1" dirty="0">
-                <a:latin typeface="Arial" panose="020B0604020202020204" pitchFamily="34" charset="0"/>
-                <a:cs typeface="Arial" panose="020B0604020202020204" pitchFamily="34" charset="0"/>
-              </a:rPr>
-              <a:t>There was no strong evidence to suggest social learning improved 	self-efficacy in computer programming, however, there was strong 	evidence found that participating in group work enhances self-efficacy 	in working with others in group activities.</a:t>
-            </a:r>
           </a:p>
         </p:txBody>
       </p:sp>
@@ -16514,15 +16488,15 @@
         </p:nvSpPr>
         <p:spPr>
           <a:xfrm>
-            <a:off x="33656519" y="29479722"/>
-            <a:ext cx="9736942" cy="2621175"/>
+            <a:off x="33518497" y="31118741"/>
+            <a:ext cx="9805952" cy="947651"/>
           </a:xfrm>
           <a:prstGeom prst="rect">
             <a:avLst/>
           </a:prstGeom>
         </p:spPr>
         <p:txBody>
-          <a:bodyPr>
+          <a:bodyPr lIns="91440" tIns="45720" rIns="91440" bIns="45720" anchor="t">
             <a:noAutofit/>
           </a:bodyPr>
           <a:lstStyle>
@@ -16667,18 +16641,13 @@
               <a:buNone/>
             </a:pPr>
             <a:r>
-              <a:rPr lang="en-IE" sz="900" dirty="0">
-                <a:latin typeface="Arial" panose="020B0604020202020204" pitchFamily="34" charset="0"/>
-                <a:cs typeface="Arial" panose="020B0604020202020204" pitchFamily="34" charset="0"/>
+              <a:rPr lang="en-IE" sz="2400" dirty="0">
+                <a:latin typeface="Arial"/>
+                <a:cs typeface="Arial"/>
               </a:rPr>
-              <a:t>Bandura, A. (1986). Social Foundations of Thought and Action: Social Cognitive Theory. U.S.A: Pearson Education.</a:t>
+              <a:t>Full reference list with all references of the project:</a:t>
             </a:r>
-          </a:p>
-          <a:p>
-            <a:pPr marL="0" indent="0" algn="just" defTabSz="895350">
-              <a:buNone/>
-            </a:pPr>
-            <a:endParaRPr lang="en-IE" sz="900" dirty="0">
+            <a:endParaRPr lang="en-IE" sz="2400" dirty="0">
               <a:latin typeface="Arial" panose="020B0604020202020204" pitchFamily="34" charset="0"/>
               <a:cs typeface="Arial" panose="020B0604020202020204" pitchFamily="34" charset="0"/>
             </a:endParaRPr>
@@ -16688,199 +16657,19 @@
               <a:buNone/>
             </a:pPr>
             <a:r>
-              <a:rPr lang="en-IE" sz="900" dirty="0">
-                <a:latin typeface="Arial" panose="020B0604020202020204" pitchFamily="34" charset="0"/>
-                <a:cs typeface="Arial" panose="020B0604020202020204" pitchFamily="34" charset="0"/>
+              <a:rPr lang="en-IE" sz="2400" dirty="0">
+                <a:latin typeface="Arial"/>
+                <a:ea typeface="+mn-lt"/>
+                <a:cs typeface="+mn-lt"/>
+                <a:hlinkClick r:id="rId3"/>
               </a:rPr>
-              <a:t>Bandura, A. (2006). Guide for constructing self-efficacy scales. In F. </a:t>
+              <a:t>https://www.mybib.com/b/yKNwZN</a:t>
             </a:r>
-            <a:r>
-              <a:rPr lang="en-IE" sz="900" dirty="0" err="1">
-                <a:latin typeface="Arial" panose="020B0604020202020204" pitchFamily="34" charset="0"/>
-                <a:cs typeface="Arial" panose="020B0604020202020204" pitchFamily="34" charset="0"/>
-              </a:rPr>
-              <a:t>Pajares</a:t>
-            </a:r>
-            <a:r>
-              <a:rPr lang="en-IE" sz="900" dirty="0">
-                <a:latin typeface="Arial" panose="020B0604020202020204" pitchFamily="34" charset="0"/>
-                <a:cs typeface="Arial" panose="020B0604020202020204" pitchFamily="34" charset="0"/>
-              </a:rPr>
-              <a:t>, &amp; T. </a:t>
-            </a:r>
-            <a:r>
-              <a:rPr lang="en-IE" sz="900" dirty="0" err="1">
-                <a:latin typeface="Arial" panose="020B0604020202020204" pitchFamily="34" charset="0"/>
-                <a:cs typeface="Arial" panose="020B0604020202020204" pitchFamily="34" charset="0"/>
-              </a:rPr>
-              <a:t>Urdan</a:t>
-            </a:r>
-            <a:r>
-              <a:rPr lang="en-IE" sz="900" dirty="0">
-                <a:latin typeface="Arial" panose="020B0604020202020204" pitchFamily="34" charset="0"/>
-                <a:cs typeface="Arial" panose="020B0604020202020204" pitchFamily="34" charset="0"/>
-              </a:rPr>
-              <a:t> (Eds.), Adolescence and education: Vol. 5. Self efficacy and adolescence (pp. 307-337). Greenwich, CT: Information Age.</a:t>
-            </a:r>
-          </a:p>
-          <a:p>
-            <a:pPr marL="0" indent="0" algn="just" defTabSz="895350">
-              <a:buNone/>
-            </a:pPr>
-            <a:endParaRPr lang="en-IE" sz="900" dirty="0">
-              <a:latin typeface="Arial" panose="020B0604020202020204" pitchFamily="34" charset="0"/>
-              <a:cs typeface="Arial" panose="020B0604020202020204" pitchFamily="34" charset="0"/>
+            <a:endParaRPr lang="en-IE">
+              <a:latin typeface="Arial"/>
+              <a:ea typeface="+mn-lt"/>
+              <a:cs typeface="+mn-lt"/>
             </a:endParaRPr>
-          </a:p>
-          <a:p>
-            <a:pPr marL="0" indent="0" algn="just" defTabSz="895350">
-              <a:buNone/>
-            </a:pPr>
-            <a:r>
-              <a:rPr lang="en-IE" sz="900" dirty="0">
-                <a:latin typeface="Arial" panose="020B0604020202020204" pitchFamily="34" charset="0"/>
-                <a:cs typeface="Arial" panose="020B0604020202020204" pitchFamily="34" charset="0"/>
-              </a:rPr>
-              <a:t>Bogdan, R.C., </a:t>
-            </a:r>
-            <a:r>
-              <a:rPr lang="en-IE" sz="900" dirty="0" err="1">
-                <a:latin typeface="Arial" panose="020B0604020202020204" pitchFamily="34" charset="0"/>
-                <a:cs typeface="Arial" panose="020B0604020202020204" pitchFamily="34" charset="0"/>
-              </a:rPr>
-              <a:t>Biklin</a:t>
-            </a:r>
-            <a:r>
-              <a:rPr lang="en-IE" sz="900" dirty="0">
-                <a:latin typeface="Arial" panose="020B0604020202020204" pitchFamily="34" charset="0"/>
-                <a:cs typeface="Arial" panose="020B0604020202020204" pitchFamily="34" charset="0"/>
-              </a:rPr>
-              <a:t>, S.K. (1998). Qualitative research for education: An introduction to theory and methods. (3rd edition).  Boston: </a:t>
-            </a:r>
-            <a:r>
-              <a:rPr lang="en-IE" sz="900" dirty="0" err="1">
-                <a:latin typeface="Arial" panose="020B0604020202020204" pitchFamily="34" charset="0"/>
-                <a:cs typeface="Arial" panose="020B0604020202020204" pitchFamily="34" charset="0"/>
-              </a:rPr>
-              <a:t>Allyn</a:t>
-            </a:r>
-            <a:r>
-              <a:rPr lang="en-IE" sz="900" dirty="0">
-                <a:latin typeface="Arial" panose="020B0604020202020204" pitchFamily="34" charset="0"/>
-                <a:cs typeface="Arial" panose="020B0604020202020204" pitchFamily="34" charset="0"/>
-              </a:rPr>
-              <a:t> and Bacon.</a:t>
-            </a:r>
-          </a:p>
-          <a:p>
-            <a:pPr marL="0" indent="0" algn="just" defTabSz="895350">
-              <a:buNone/>
-            </a:pPr>
-            <a:endParaRPr lang="en-IE" sz="900" dirty="0">
-              <a:latin typeface="Arial" panose="020B0604020202020204" pitchFamily="34" charset="0"/>
-              <a:cs typeface="Arial" panose="020B0604020202020204" pitchFamily="34" charset="0"/>
-            </a:endParaRPr>
-          </a:p>
-          <a:p>
-            <a:pPr marL="0" indent="0" algn="just" defTabSz="895350">
-              <a:buNone/>
-            </a:pPr>
-            <a:r>
-              <a:rPr lang="en-IE" sz="900" dirty="0">
-                <a:latin typeface="Arial" panose="020B0604020202020204" pitchFamily="34" charset="0"/>
-                <a:cs typeface="Arial" panose="020B0604020202020204" pitchFamily="34" charset="0"/>
-              </a:rPr>
-              <a:t>Bryman, A. (2004). Social Research Methods.  U.K.: Oxford University Press.</a:t>
-            </a:r>
-          </a:p>
-          <a:p>
-            <a:pPr marL="0" indent="0" algn="just" defTabSz="895350">
-              <a:buNone/>
-            </a:pPr>
-            <a:endParaRPr lang="en-IE" sz="900" dirty="0">
-              <a:latin typeface="Arial" panose="020B0604020202020204" pitchFamily="34" charset="0"/>
-              <a:cs typeface="Arial" panose="020B0604020202020204" pitchFamily="34" charset="0"/>
-            </a:endParaRPr>
-          </a:p>
-          <a:p>
-            <a:pPr marL="0" indent="0" algn="just" defTabSz="895350">
-              <a:buNone/>
-            </a:pPr>
-            <a:r>
-              <a:rPr lang="en-IE" sz="900" dirty="0">
-                <a:latin typeface="Arial" panose="020B0604020202020204" pitchFamily="34" charset="0"/>
-                <a:cs typeface="Arial" panose="020B0604020202020204" pitchFamily="34" charset="0"/>
-              </a:rPr>
-              <a:t>Creswell, J.W., Miller, G.A. (1997).  Research Methodologies and Doctoral Process.  New Directions for Higher Education, no.99.  U.S.A.: Wiley.</a:t>
-            </a:r>
-          </a:p>
-          <a:p>
-            <a:pPr marL="0" indent="0" algn="just" defTabSz="895350">
-              <a:buNone/>
-            </a:pPr>
-            <a:endParaRPr lang="en-IE" sz="900" dirty="0">
-              <a:latin typeface="Arial" panose="020B0604020202020204" pitchFamily="34" charset="0"/>
-              <a:cs typeface="Arial" panose="020B0604020202020204" pitchFamily="34" charset="0"/>
-            </a:endParaRPr>
-          </a:p>
-          <a:p>
-            <a:pPr marL="0" indent="0" algn="just" defTabSz="895350">
-              <a:buNone/>
-            </a:pPr>
-            <a:r>
-              <a:rPr lang="en-IE" sz="900" dirty="0">
-                <a:latin typeface="Arial" panose="020B0604020202020204" pitchFamily="34" charset="0"/>
-                <a:cs typeface="Arial" panose="020B0604020202020204" pitchFamily="34" charset="0"/>
-              </a:rPr>
-              <a:t>Hamir, S., </a:t>
-            </a:r>
-            <a:r>
-              <a:rPr lang="en-IE" sz="900" dirty="0" err="1">
-                <a:latin typeface="Arial" panose="020B0604020202020204" pitchFamily="34" charset="0"/>
-                <a:cs typeface="Arial" panose="020B0604020202020204" pitchFamily="34" charset="0"/>
-              </a:rPr>
-              <a:t>Maion</a:t>
-            </a:r>
-            <a:r>
-              <a:rPr lang="en-IE" sz="900" dirty="0">
-                <a:latin typeface="Arial" panose="020B0604020202020204" pitchFamily="34" charset="0"/>
-                <a:cs typeface="Arial" panose="020B0604020202020204" pitchFamily="34" charset="0"/>
-              </a:rPr>
-              <a:t>, S., Tice, S., &amp; Wideman, A. (2015) Constructivism in</a:t>
-            </a:r>
-          </a:p>
-          <a:p>
-            <a:pPr marL="0" indent="0" algn="just" defTabSz="895350">
-              <a:buNone/>
-            </a:pPr>
-            <a:r>
-              <a:rPr lang="en-IE" sz="900" dirty="0">
-                <a:latin typeface="Arial" panose="020B0604020202020204" pitchFamily="34" charset="0"/>
-                <a:cs typeface="Arial" panose="020B0604020202020204" pitchFamily="34" charset="0"/>
-              </a:rPr>
-              <a:t>Education. Available at: http://constructivism512.weebly.com . Accessed 27th February 2018.</a:t>
-            </a:r>
-          </a:p>
-          <a:p>
-            <a:pPr marL="0" indent="0" algn="just" defTabSz="895350">
-              <a:buNone/>
-            </a:pPr>
-            <a:endParaRPr lang="en-IE" sz="900" dirty="0">
-              <a:latin typeface="Arial" panose="020B0604020202020204" pitchFamily="34" charset="0"/>
-              <a:cs typeface="Arial" panose="020B0604020202020204" pitchFamily="34" charset="0"/>
-            </a:endParaRPr>
-          </a:p>
-          <a:p>
-            <a:pPr marL="0" indent="0" algn="just" defTabSz="895350">
-              <a:buNone/>
-            </a:pPr>
-            <a:r>
-              <a:rPr lang="en-IE" sz="900" dirty="0">
-                <a:latin typeface="Arial" panose="020B0604020202020204" pitchFamily="34" charset="0"/>
-                <a:cs typeface="Arial" panose="020B0604020202020204" pitchFamily="34" charset="0"/>
-              </a:rPr>
-              <a:t>Miles, M.B., &amp; Huberman, A.M. (1994). Qualitative data analysis: A sourcebook of new methods.  Thousand Oaks, CA: Sage.</a:t>
-            </a:r>
           </a:p>
         </p:txBody>
       </p:sp>
@@ -16899,7 +16688,7 @@
           <p:nvPr/>
         </p:nvPicPr>
         <p:blipFill>
-          <a:blip r:embed="rId3"/>
+          <a:blip r:embed="rId4"/>
           <a:stretch>
             <a:fillRect/>
           </a:stretch>
@@ -17662,7 +17451,7 @@
           <p:nvPr/>
         </p:nvPicPr>
         <p:blipFill>
-          <a:blip r:embed="rId4"/>
+          <a:blip r:embed="rId5"/>
           <a:stretch>
             <a:fillRect/>
           </a:stretch>
@@ -17777,7 +17566,7 @@
           <p:nvPr/>
         </p:nvPicPr>
         <p:blipFill>
-          <a:blip r:embed="rId5"/>
+          <a:blip r:embed="rId6"/>
           <a:stretch>
             <a:fillRect/>
           </a:stretch>
@@ -17807,7 +17596,7 @@
           <p:nvPr/>
         </p:nvPicPr>
         <p:blipFill>
-          <a:blip r:embed="rId6"/>
+          <a:blip r:embed="rId7"/>
           <a:stretch>
             <a:fillRect/>
           </a:stretch>
@@ -18027,7 +17816,7 @@
         <p:spPr>
           <a:xfrm>
             <a:off x="22545675" y="26566393"/>
-            <a:ext cx="9751218" cy="3785652"/>
+            <a:ext cx="9751218" cy="5262979"/>
           </a:xfrm>
           <a:prstGeom prst="rect">
             <a:avLst/>
@@ -18050,15 +17839,286 @@
                 <a:ea typeface="Calibri"/>
                 <a:cs typeface="Calibri"/>
               </a:rPr>
-              <a:t>In the evaluation phase we did the assessment of the results of our final model. We could observe that the testing set had an RMSE of 0.895, while the training set had a 0.891 Root Mean Squared Error – way better than the initial indices of 2.24 for the LDA algorithm and </a:t>
+              <a:t>In the evaluation phase we did the assessment of the results of our final model. We could observe that the testing set had an RMSE of 0.895, while the training set had a 0.891 Root Mean Squared Error – way better than the initial indices of 2.24 for the LDA algorithm and 2.04 for the SVD (in a smaller sample of the data).</a:t>
             </a:r>
+          </a:p>
+          <a:p>
+            <a:pPr algn="just"/>
+            <a:endParaRPr lang="en-GB" sz="2400" dirty="0">
+              <a:latin typeface="Arial"/>
+              <a:ea typeface="Calibri"/>
+              <a:cs typeface="Calibri"/>
+            </a:endParaRPr>
+          </a:p>
+          <a:p>
+            <a:pPr algn="just"/>
             <a:r>
               <a:rPr lang="en-GB" sz="2400">
                 <a:latin typeface="Arial"/>
                 <a:ea typeface="Calibri"/>
                 <a:cs typeface="Calibri"/>
               </a:rPr>
-              <a:t>2.04 for the SVD (in a smaller sample of the data).</a:t>
+              <a:t>With that assessment we are proved that not only the use of the SVD algorithm already upgraded the efficiency of our model in smaller samples of data, but also got even better results at a bigger sample, which is what we have. With that, 0.89 points up or down.</a:t>
+            </a:r>
+            <a:endParaRPr lang="en-GB" sz="2400" dirty="0">
+              <a:latin typeface="Arial"/>
+              <a:ea typeface="Calibri"/>
+              <a:cs typeface="Calibri"/>
+            </a:endParaRPr>
+          </a:p>
+          <a:p>
+            <a:pPr algn="just"/>
+            <a:endParaRPr lang="en-GB" sz="2400" dirty="0">
+              <a:latin typeface="Arial"/>
+              <a:ea typeface="Calibri"/>
+              <a:cs typeface="Calibri"/>
+            </a:endParaRPr>
+          </a:p>
+          <a:p>
+            <a:pPr algn="just"/>
+            <a:r>
+              <a:rPr lang="en-GB" sz="2400" dirty="0">
+                <a:latin typeface="Arial"/>
+                <a:ea typeface="Calibri"/>
+                <a:cs typeface="Arial"/>
+              </a:rPr>
+              <a:t>Another important factor is that the final prediction consists of an average across several users. This might potentially mitigate inaccuracies in predictions for a single user. </a:t>
+            </a:r>
+            <a:endParaRPr lang="en-GB" sz="2400" dirty="0">
+              <a:latin typeface="Arial"/>
+              <a:ea typeface="Calibri"/>
+              <a:cs typeface="Calibri"/>
+            </a:endParaRPr>
+          </a:p>
+        </p:txBody>
+      </p:sp>
+      <p:sp>
+        <p:nvSpPr>
+          <p:cNvPr id="22" name="CaixaDeTexto 21">
+            <a:extLst>
+              <a:ext uri="{FF2B5EF4-FFF2-40B4-BE49-F238E27FC236}">
+                <a16:creationId xmlns:a16="http://schemas.microsoft.com/office/drawing/2014/main" id="{F34DA761-C085-E013-6E1A-E77DA63F9F98}"/>
+              </a:ext>
+            </a:extLst>
+          </p:cNvPr>
+          <p:cNvSpPr txBox="1"/>
+          <p:nvPr/>
+        </p:nvSpPr>
+        <p:spPr>
+          <a:xfrm>
+            <a:off x="33582768" y="5722143"/>
+            <a:ext cx="9665493" cy="3046988"/>
+          </a:xfrm>
+          <a:prstGeom prst="rect">
+            <a:avLst/>
+          </a:prstGeom>
+          <a:noFill/>
+        </p:spPr>
+        <p:txBody>
+          <a:bodyPr rot="0" spcFirstLastPara="0" vertOverflow="overflow" horzOverflow="overflow" vert="horz" wrap="square" lIns="91440" tIns="45720" rIns="91440" bIns="45720" numCol="1" spcCol="0" rtlCol="0" fromWordArt="0" anchor="t" anchorCtr="0" forceAA="0" compatLnSpc="1">
+            <a:prstTxWarp prst="textNoShape">
+              <a:avLst/>
+            </a:prstTxWarp>
+            <a:spAutoFit/>
+          </a:bodyPr>
+          <a:lstStyle/>
+          <a:p>
+            <a:pPr algn="just"/>
+            <a:r>
+              <a:rPr lang="en-GB" sz="2400" dirty="0">
+                <a:latin typeface="Arial"/>
+                <a:cs typeface="Arial"/>
+              </a:rPr>
+              <a:t>Systems that leverage, both collaborative filtering and prediction estimation, might further benefit from the fact that users are biassed toward their preferences. With this hybrid model, we are combining the best from both approaches, we take into account what similar users like, and tilt toward their preferences and  simultaneously, try to expand the pool of movies to recommend by predicting  rating across the entire final set. </a:t>
+            </a:r>
+            <a:endParaRPr lang="pt-BR" sz="2400" dirty="0">
+              <a:latin typeface="Arial"/>
+              <a:cs typeface="Arial"/>
+            </a:endParaRPr>
+          </a:p>
+          <a:p>
+            <a:endParaRPr lang="pt-BR" sz="2400" dirty="0">
+              <a:latin typeface="Arial"/>
+              <a:ea typeface="Calibri"/>
+              <a:cs typeface="Calibri"/>
+            </a:endParaRPr>
+          </a:p>
+        </p:txBody>
+      </p:sp>
+      <p:sp>
+        <p:nvSpPr>
+          <p:cNvPr id="23" name="CaixaDeTexto 22">
+            <a:extLst>
+              <a:ext uri="{FF2B5EF4-FFF2-40B4-BE49-F238E27FC236}">
+                <a16:creationId xmlns:a16="http://schemas.microsoft.com/office/drawing/2014/main" id="{8C3BB717-4A20-4104-27D7-2AD6D8759B57}"/>
+              </a:ext>
+            </a:extLst>
+          </p:cNvPr>
+          <p:cNvSpPr txBox="1"/>
+          <p:nvPr/>
+        </p:nvSpPr>
+        <p:spPr>
+          <a:xfrm>
+            <a:off x="33582768" y="8572500"/>
+            <a:ext cx="9665493" cy="2739211"/>
+          </a:xfrm>
+          <a:prstGeom prst="rect">
+            <a:avLst/>
+          </a:prstGeom>
+          <a:noFill/>
+        </p:spPr>
+        <p:txBody>
+          <a:bodyPr rot="0" spcFirstLastPara="0" vertOverflow="overflow" horzOverflow="overflow" vert="horz" wrap="square" lIns="91440" tIns="45720" rIns="91440" bIns="45720" numCol="1" spcCol="0" rtlCol="0" fromWordArt="0" anchor="t" anchorCtr="0" forceAA="0" compatLnSpc="1">
+            <a:prstTxWarp prst="textNoShape">
+              <a:avLst/>
+            </a:prstTxWarp>
+            <a:spAutoFit/>
+          </a:bodyPr>
+          <a:lstStyle/>
+          <a:p>
+            <a:pPr algn="ctr"/>
+            <a:r>
+              <a:rPr lang="pt-BR" sz="3700" b="1" u="sng" dirty="0" err="1">
+                <a:solidFill>
+                  <a:schemeClr val="tx2"/>
+                </a:solidFill>
+                <a:latin typeface="Arial"/>
+                <a:cs typeface="Arial"/>
+              </a:rPr>
+              <a:t>Stage</a:t>
+            </a:r>
+            <a:r>
+              <a:rPr lang="pt-BR" sz="3700" b="1" u="sng" dirty="0">
+                <a:solidFill>
+                  <a:schemeClr val="tx2"/>
+                </a:solidFill>
+                <a:latin typeface="Arial"/>
+                <a:cs typeface="Arial"/>
+              </a:rPr>
+              <a:t> 6 - Deployment</a:t>
+            </a:r>
+          </a:p>
+        </p:txBody>
+      </p:sp>
+      <p:sp>
+        <p:nvSpPr>
+          <p:cNvPr id="24" name="CaixaDeTexto 23">
+            <a:extLst>
+              <a:ext uri="{FF2B5EF4-FFF2-40B4-BE49-F238E27FC236}">
+                <a16:creationId xmlns:a16="http://schemas.microsoft.com/office/drawing/2014/main" id="{F09696AB-DE5E-1719-E147-0DE2864FE37B}"/>
+              </a:ext>
+            </a:extLst>
+          </p:cNvPr>
+          <p:cNvSpPr txBox="1"/>
+          <p:nvPr/>
+        </p:nvSpPr>
+        <p:spPr>
+          <a:xfrm>
+            <a:off x="33495427" y="9226894"/>
+            <a:ext cx="9748656" cy="8586966"/>
+          </a:xfrm>
+          <a:prstGeom prst="rect">
+            <a:avLst/>
+          </a:prstGeom>
+          <a:noFill/>
+        </p:spPr>
+        <p:txBody>
+          <a:bodyPr rot="0" spcFirstLastPara="0" vertOverflow="overflow" horzOverflow="overflow" vert="horz" wrap="square" lIns="91440" tIns="45720" rIns="91440" bIns="45720" numCol="1" spcCol="0" rtlCol="0" fromWordArt="0" anchor="t" anchorCtr="0" forceAA="0" compatLnSpc="1">
+            <a:prstTxWarp prst="textNoShape">
+              <a:avLst/>
+            </a:prstTxWarp>
+            <a:spAutoFit/>
+          </a:bodyPr>
+          <a:lstStyle/>
+          <a:p>
+            <a:pPr algn="just"/>
+            <a:r>
+              <a:rPr lang="en-GB" sz="2400" dirty="0">
+                <a:latin typeface="Arial"/>
+                <a:ea typeface="Calibri"/>
+                <a:cs typeface="Calibri"/>
+              </a:rPr>
+              <a:t>For the deployment phase we started by generating a </a:t>
+            </a:r>
+            <a:r>
+              <a:rPr lang="en-GB" sz="2400" dirty="0" err="1">
+                <a:latin typeface="Arial"/>
+                <a:ea typeface="Calibri"/>
+                <a:cs typeface="Calibri"/>
+              </a:rPr>
+              <a:t>dataframe</a:t>
+            </a:r>
+            <a:r>
+              <a:rPr lang="en-GB" sz="2400" dirty="0">
+                <a:latin typeface="Arial"/>
+                <a:ea typeface="Calibri"/>
+                <a:cs typeface="Calibri"/>
+              </a:rPr>
+              <a:t> with estimated rating as a preprocessing step and named it '</a:t>
+            </a:r>
+            <a:r>
+              <a:rPr lang="en-GB" sz="2400" dirty="0" err="1">
+                <a:latin typeface="Arial"/>
+                <a:ea typeface="Calibri"/>
+                <a:cs typeface="Calibri"/>
+              </a:rPr>
+              <a:t>df_estimated</a:t>
+            </a:r>
+            <a:r>
+              <a:rPr lang="en-GB" sz="2400" dirty="0">
+                <a:latin typeface="Arial"/>
+                <a:ea typeface="Calibri"/>
+                <a:cs typeface="Calibri"/>
+              </a:rPr>
+              <a:t>'. This dataset generates rating predictions in advanced so when we run our application it does not have to run for a longer period </a:t>
+            </a:r>
+            <a:r>
+              <a:rPr lang="en-GB" sz="2400" dirty="0" err="1">
+                <a:latin typeface="Arial"/>
+                <a:ea typeface="Calibri"/>
+                <a:cs typeface="Calibri"/>
+              </a:rPr>
+              <a:t>period</a:t>
+            </a:r>
+            <a:r>
+              <a:rPr lang="en-GB" sz="2400" dirty="0">
+                <a:latin typeface="Arial"/>
+                <a:ea typeface="Calibri"/>
+                <a:cs typeface="Calibri"/>
+              </a:rPr>
+              <a:t> of time. This dataset has 3 columns ('</a:t>
+            </a:r>
+            <a:r>
+              <a:rPr lang="en-GB" sz="2400" dirty="0" err="1">
+                <a:latin typeface="Arial"/>
+                <a:ea typeface="Calibri"/>
+                <a:cs typeface="Calibri"/>
+              </a:rPr>
+              <a:t>UserId</a:t>
+            </a:r>
+            <a:r>
+              <a:rPr lang="en-GB" sz="2400" dirty="0">
+                <a:latin typeface="Arial"/>
+                <a:ea typeface="Calibri"/>
+                <a:cs typeface="Calibri"/>
+              </a:rPr>
+              <a:t>', '</a:t>
+            </a:r>
+            <a:r>
+              <a:rPr lang="en-GB" sz="2400" dirty="0" err="1">
+                <a:latin typeface="Arial"/>
+                <a:ea typeface="Calibri"/>
+                <a:cs typeface="Calibri"/>
+              </a:rPr>
+              <a:t>movieId</a:t>
+            </a:r>
+            <a:r>
+              <a:rPr lang="en-GB" sz="2400" dirty="0">
+                <a:latin typeface="Arial"/>
+                <a:ea typeface="Calibri"/>
+                <a:cs typeface="Calibri"/>
+              </a:rPr>
+              <a:t>' and 'rating') and more than 95M rows. It contains 588 movies and 162k unique users, giving us enough amplitude to recommend movies from there and eliminate some possible biases.</a:t>
             </a:r>
           </a:p>
           <a:p>
@@ -18077,532 +18137,151 @@
                 <a:ea typeface="Calibri"/>
                 <a:cs typeface="Calibri"/>
               </a:rPr>
-              <a:t>With that assessment we are</a:t>
+              <a:t>After this first step, we did a function called '</a:t>
             </a:r>
+            <a:r>
+              <a:rPr lang="en-GB" sz="2400" dirty="0" err="1">
+                <a:latin typeface="Arial"/>
+                <a:ea typeface="Calibri"/>
+                <a:cs typeface="Calibri"/>
+              </a:rPr>
+              <a:t>find_similar_users</a:t>
+            </a:r>
+            <a:r>
+              <a:rPr lang="en-GB" sz="2400" dirty="0">
+                <a:latin typeface="Arial"/>
+                <a:ea typeface="Calibri"/>
+                <a:cs typeface="Calibri"/>
+              </a:rPr>
+              <a:t>' that uses cosine similarity to find users that rated movies in a similar way that we did (or will do) when using the app. This allows us to see how these users rated other movies and use their rating as a recommendation mechanism for us. To validate our model we created a random user, gave this user random ratings to random movies and compared it to other 9 similar users.</a:t>
+            </a:r>
+          </a:p>
+          <a:p>
+            <a:pPr algn="just"/>
+            <a:endParaRPr lang="en-GB" sz="2400" dirty="0">
+              <a:latin typeface="Arial"/>
+              <a:ea typeface="Calibri"/>
+              <a:cs typeface="Calibri"/>
+            </a:endParaRPr>
+          </a:p>
+          <a:p>
+            <a:pPr algn="just"/>
+            <a:r>
+              <a:rPr lang="en-GB" sz="2400" dirty="0">
+                <a:latin typeface="Arial"/>
+                <a:ea typeface="Calibri"/>
+                <a:cs typeface="Calibri"/>
+              </a:rPr>
+              <a:t>This allowed us to create a decrescent dataset entitled '</a:t>
+            </a:r>
+            <a:r>
+              <a:rPr lang="en-GB" sz="2400" dirty="0" err="1">
+                <a:latin typeface="Arial"/>
+                <a:ea typeface="Calibri"/>
+                <a:cs typeface="Calibri"/>
+              </a:rPr>
+              <a:t>sorted_df</a:t>
+            </a:r>
+            <a:r>
+              <a:rPr lang="en-GB" sz="2400" dirty="0">
+                <a:latin typeface="Arial"/>
+                <a:ea typeface="Calibri"/>
+                <a:cs typeface="Calibri"/>
+              </a:rPr>
+              <a:t>' with estimated ratings for all the movies presents in the '</a:t>
+            </a:r>
+            <a:r>
+              <a:rPr lang="en-GB" sz="2400" dirty="0" err="1">
+                <a:latin typeface="Arial"/>
+                <a:ea typeface="Calibri"/>
+                <a:cs typeface="Calibri"/>
+              </a:rPr>
+              <a:t>df_estimated</a:t>
+            </a:r>
+            <a:r>
+              <a:rPr lang="en-GB" sz="2400" dirty="0">
+                <a:latin typeface="Arial"/>
+                <a:ea typeface="Calibri"/>
+                <a:cs typeface="Calibri"/>
+              </a:rPr>
+              <a:t>' dataset (588 movies with 10k+ ratings). This enables us to create a class 'Recommender' to be used in our last item: Our GUI. Where our user can give a rating between 1-10 to how many movies they want (we recommend 10) and obtain a decrescent list of titles.</a:t>
+            </a:r>
+          </a:p>
+        </p:txBody>
+      </p:sp>
+      <p:pic>
+        <p:nvPicPr>
+          <p:cNvPr id="26" name="Imagem 25" descr="Tabela&#10;&#10;Descrição gerada automaticamente">
+            <a:extLst>
+              <a:ext uri="{FF2B5EF4-FFF2-40B4-BE49-F238E27FC236}">
+                <a16:creationId xmlns:a16="http://schemas.microsoft.com/office/drawing/2014/main" id="{2F68D4EE-63B4-B304-F1DF-2719624F6DC5}"/>
+              </a:ext>
+            </a:extLst>
+          </p:cNvPr>
+          <p:cNvPicPr>
+            <a:picLocks noChangeAspect="1"/>
+          </p:cNvPicPr>
+          <p:nvPr/>
+        </p:nvPicPr>
+        <p:blipFill>
+          <a:blip r:embed="rId8"/>
+          <a:stretch>
+            <a:fillRect/>
+          </a:stretch>
+        </p:blipFill>
+        <p:spPr>
+          <a:xfrm>
+            <a:off x="33812492" y="17818489"/>
+            <a:ext cx="9201869" cy="6477179"/>
+          </a:xfrm>
+          <a:prstGeom prst="rect">
+            <a:avLst/>
+          </a:prstGeom>
+        </p:spPr>
+      </p:pic>
+      <p:sp>
+        <p:nvSpPr>
+          <p:cNvPr id="27" name="CaixaDeTexto 26">
+            <a:extLst>
+              <a:ext uri="{FF2B5EF4-FFF2-40B4-BE49-F238E27FC236}">
+                <a16:creationId xmlns:a16="http://schemas.microsoft.com/office/drawing/2014/main" id="{457DB4A5-0DC3-5E50-25F8-EEEFFA69FD50}"/>
+              </a:ext>
+            </a:extLst>
+          </p:cNvPr>
+          <p:cNvSpPr txBox="1"/>
+          <p:nvPr/>
+        </p:nvSpPr>
+        <p:spPr>
+          <a:xfrm>
+            <a:off x="33647063" y="24453056"/>
+            <a:ext cx="9515474" cy="461665"/>
+          </a:xfrm>
+          <a:prstGeom prst="rect">
+            <a:avLst/>
+          </a:prstGeom>
+          <a:noFill/>
+        </p:spPr>
+        <p:txBody>
+          <a:bodyPr rot="0" spcFirstLastPara="0" vertOverflow="overflow" horzOverflow="overflow" vert="horz" wrap="square" lIns="91440" tIns="45720" rIns="91440" bIns="45720" numCol="1" spcCol="0" rtlCol="0" fromWordArt="0" anchor="t" anchorCtr="0" forceAA="0" compatLnSpc="1">
+            <a:prstTxWarp prst="textNoShape">
+              <a:avLst/>
+            </a:prstTxWarp>
+            <a:spAutoFit/>
+          </a:bodyPr>
+          <a:lstStyle/>
+          <a:p>
+            <a:pPr algn="ctr"/>
             <a:r>
               <a:rPr lang="pt-BR" sz="2400" dirty="0">
                 <a:latin typeface="Arial"/>
                 <a:ea typeface="Calibri"/>
                 <a:cs typeface="Calibri"/>
               </a:rPr>
-              <a:t> </a:t>
-            </a:r>
-            <a:r>
-              <a:rPr lang="pt-BR" sz="2400" err="1">
-                <a:latin typeface="Arial"/>
-                <a:ea typeface="Calibri"/>
-                <a:cs typeface="Calibri"/>
-              </a:rPr>
-              <a:t>proved</a:t>
-            </a:r>
-            <a:r>
-              <a:rPr lang="pt-BR" sz="2400" dirty="0">
-                <a:latin typeface="Arial"/>
-                <a:ea typeface="Calibri"/>
-                <a:cs typeface="Calibri"/>
-              </a:rPr>
-              <a:t> </a:t>
-            </a:r>
-            <a:r>
-              <a:rPr lang="pt-BR" sz="2400" err="1">
-                <a:latin typeface="Arial"/>
-                <a:ea typeface="Calibri"/>
-                <a:cs typeface="Calibri"/>
-              </a:rPr>
-              <a:t>that</a:t>
-            </a:r>
-            <a:r>
-              <a:rPr lang="pt-BR" sz="2400" dirty="0">
-                <a:latin typeface="Arial"/>
-                <a:ea typeface="Calibri"/>
-                <a:cs typeface="Calibri"/>
-              </a:rPr>
-              <a:t> </a:t>
-            </a:r>
-            <a:r>
-              <a:rPr lang="pt-BR" sz="2400" err="1">
-                <a:latin typeface="Arial"/>
-                <a:ea typeface="Calibri"/>
-                <a:cs typeface="Calibri"/>
-              </a:rPr>
-              <a:t>not</a:t>
-            </a:r>
-            <a:r>
-              <a:rPr lang="pt-BR" sz="2400" dirty="0">
-                <a:latin typeface="Arial"/>
-                <a:ea typeface="Calibri"/>
-                <a:cs typeface="Calibri"/>
-              </a:rPr>
-              <a:t> </a:t>
-            </a:r>
-            <a:r>
-              <a:rPr lang="pt-BR" sz="2400" err="1">
-                <a:latin typeface="Arial"/>
-                <a:ea typeface="Calibri"/>
-                <a:cs typeface="Calibri"/>
-              </a:rPr>
-              <a:t>only</a:t>
-            </a:r>
-            <a:r>
-              <a:rPr lang="pt-BR" sz="2400" dirty="0">
-                <a:latin typeface="Arial"/>
-                <a:ea typeface="Calibri"/>
-                <a:cs typeface="Calibri"/>
-              </a:rPr>
-              <a:t> </a:t>
-            </a:r>
-            <a:r>
-              <a:rPr lang="pt-BR" sz="2400" err="1">
-                <a:latin typeface="Arial"/>
-                <a:ea typeface="Calibri"/>
-                <a:cs typeface="Calibri"/>
-              </a:rPr>
-              <a:t>the</a:t>
-            </a:r>
-            <a:r>
-              <a:rPr lang="pt-BR" sz="2400" dirty="0">
-                <a:latin typeface="Arial"/>
-                <a:ea typeface="Calibri"/>
-                <a:cs typeface="Calibri"/>
-              </a:rPr>
-              <a:t> use </a:t>
-            </a:r>
-            <a:r>
-              <a:rPr lang="pt-BR" sz="2400" err="1">
-                <a:latin typeface="Arial"/>
-                <a:ea typeface="Calibri"/>
-                <a:cs typeface="Calibri"/>
-              </a:rPr>
-              <a:t>of</a:t>
-            </a:r>
-            <a:r>
-              <a:rPr lang="pt-BR" sz="2400" dirty="0">
-                <a:latin typeface="Arial"/>
-                <a:ea typeface="Calibri"/>
-                <a:cs typeface="Calibri"/>
-              </a:rPr>
-              <a:t> </a:t>
-            </a:r>
-            <a:r>
-              <a:rPr lang="pt-BR" sz="2400" err="1">
-                <a:latin typeface="Arial"/>
-                <a:ea typeface="Calibri"/>
-                <a:cs typeface="Calibri"/>
-              </a:rPr>
-              <a:t>the</a:t>
-            </a:r>
-            <a:r>
-              <a:rPr lang="pt-BR" sz="2400" dirty="0">
-                <a:latin typeface="Arial"/>
-                <a:ea typeface="Calibri"/>
-                <a:cs typeface="Calibri"/>
-              </a:rPr>
-              <a:t> SVD </a:t>
-            </a:r>
-            <a:r>
-              <a:rPr lang="pt-BR" sz="2400" err="1">
-                <a:latin typeface="Arial"/>
-                <a:ea typeface="Calibri"/>
-                <a:cs typeface="Calibri"/>
-              </a:rPr>
-              <a:t>algorithm</a:t>
-            </a:r>
-            <a:r>
-              <a:rPr lang="pt-BR" sz="2400" dirty="0">
-                <a:latin typeface="Arial"/>
-                <a:ea typeface="Calibri"/>
-                <a:cs typeface="Calibri"/>
-              </a:rPr>
-              <a:t> </a:t>
-            </a:r>
-            <a:r>
-              <a:rPr lang="pt-BR" sz="2400" err="1">
-                <a:latin typeface="Arial"/>
-                <a:ea typeface="Calibri"/>
-                <a:cs typeface="Calibri"/>
-              </a:rPr>
-              <a:t>already</a:t>
-            </a:r>
-            <a:r>
-              <a:rPr lang="pt-BR" sz="2400" dirty="0">
-                <a:latin typeface="Arial"/>
-                <a:ea typeface="Calibri"/>
-                <a:cs typeface="Calibri"/>
-              </a:rPr>
-              <a:t> </a:t>
-            </a:r>
-            <a:r>
-              <a:rPr lang="pt-BR" sz="2400" err="1">
-                <a:latin typeface="Arial"/>
-                <a:ea typeface="Calibri"/>
-                <a:cs typeface="Calibri"/>
-              </a:rPr>
-              <a:t>upgraded</a:t>
-            </a:r>
-            <a:r>
-              <a:rPr lang="pt-BR" sz="2400" dirty="0">
-                <a:latin typeface="Arial"/>
-                <a:ea typeface="Calibri"/>
-                <a:cs typeface="Calibri"/>
-              </a:rPr>
-              <a:t> </a:t>
-            </a:r>
-            <a:r>
-              <a:rPr lang="pt-BR" sz="2400" err="1">
-                <a:latin typeface="Arial"/>
-                <a:ea typeface="Calibri"/>
-                <a:cs typeface="Calibri"/>
-              </a:rPr>
-              <a:t>the</a:t>
-            </a:r>
-            <a:r>
-              <a:rPr lang="pt-BR" sz="2400" dirty="0">
-                <a:latin typeface="Arial"/>
-                <a:ea typeface="Calibri"/>
-                <a:cs typeface="Calibri"/>
-              </a:rPr>
-              <a:t> </a:t>
-            </a:r>
-            <a:r>
-              <a:rPr lang="pt-BR" sz="2400" err="1">
-                <a:latin typeface="Arial"/>
-                <a:ea typeface="Calibri"/>
-                <a:cs typeface="Calibri"/>
-              </a:rPr>
-              <a:t>efficiency</a:t>
-            </a:r>
-            <a:r>
-              <a:rPr lang="pt-BR" sz="2400" dirty="0">
-                <a:latin typeface="Arial"/>
-                <a:ea typeface="Calibri"/>
-                <a:cs typeface="Calibri"/>
-              </a:rPr>
-              <a:t> </a:t>
-            </a:r>
-            <a:r>
-              <a:rPr lang="pt-BR" sz="2400" err="1">
-                <a:latin typeface="Arial"/>
-                <a:ea typeface="Calibri"/>
-                <a:cs typeface="Calibri"/>
-              </a:rPr>
-              <a:t>of</a:t>
-            </a:r>
-            <a:r>
-              <a:rPr lang="pt-BR" sz="2400" dirty="0">
-                <a:latin typeface="Arial"/>
-                <a:ea typeface="Calibri"/>
-                <a:cs typeface="Calibri"/>
-              </a:rPr>
-              <a:t> </a:t>
-            </a:r>
-            <a:r>
-              <a:rPr lang="pt-BR" sz="2400" err="1">
-                <a:latin typeface="Arial"/>
-                <a:ea typeface="Calibri"/>
-                <a:cs typeface="Calibri"/>
-              </a:rPr>
-              <a:t>our</a:t>
-            </a:r>
-            <a:r>
-              <a:rPr lang="pt-BR" sz="2400" dirty="0">
-                <a:latin typeface="Arial"/>
-                <a:ea typeface="Calibri"/>
-                <a:cs typeface="Calibri"/>
-              </a:rPr>
-              <a:t> model in </a:t>
-            </a:r>
-            <a:r>
-              <a:rPr lang="pt-BR" sz="2400" err="1">
-                <a:latin typeface="Arial"/>
-                <a:ea typeface="Calibri"/>
-                <a:cs typeface="Calibri"/>
-              </a:rPr>
-              <a:t>smaller</a:t>
-            </a:r>
-            <a:r>
-              <a:rPr lang="pt-BR" sz="2400" dirty="0">
-                <a:latin typeface="Arial"/>
-                <a:ea typeface="Calibri"/>
-                <a:cs typeface="Calibri"/>
-              </a:rPr>
-              <a:t> samples </a:t>
-            </a:r>
-            <a:r>
-              <a:rPr lang="pt-BR" sz="2400" err="1">
-                <a:latin typeface="Arial"/>
-                <a:ea typeface="Calibri"/>
-                <a:cs typeface="Calibri"/>
-              </a:rPr>
-              <a:t>of</a:t>
-            </a:r>
-            <a:r>
-              <a:rPr lang="pt-BR" sz="2400" dirty="0">
-                <a:latin typeface="Arial"/>
-                <a:ea typeface="Calibri"/>
-                <a:cs typeface="Calibri"/>
-              </a:rPr>
-              <a:t> data, </a:t>
-            </a:r>
-            <a:r>
-              <a:rPr lang="pt-BR" sz="2400" err="1">
-                <a:latin typeface="Arial"/>
-                <a:ea typeface="Calibri"/>
-                <a:cs typeface="Calibri"/>
-              </a:rPr>
-              <a:t>but</a:t>
-            </a:r>
-            <a:r>
-              <a:rPr lang="pt-BR" sz="2400" dirty="0">
-                <a:latin typeface="Arial"/>
-                <a:ea typeface="Calibri"/>
-                <a:cs typeface="Calibri"/>
-              </a:rPr>
-              <a:t> </a:t>
-            </a:r>
-            <a:r>
-              <a:rPr lang="pt-BR" sz="2400" err="1">
-                <a:latin typeface="Arial"/>
-                <a:ea typeface="Calibri"/>
-                <a:cs typeface="Calibri"/>
-              </a:rPr>
-              <a:t>also</a:t>
-            </a:r>
-            <a:r>
-              <a:rPr lang="pt-BR" sz="2400" dirty="0">
-                <a:latin typeface="Arial"/>
-                <a:ea typeface="Calibri"/>
-                <a:cs typeface="Calibri"/>
-              </a:rPr>
-              <a:t> </a:t>
-            </a:r>
-            <a:r>
-              <a:rPr lang="pt-BR" sz="2400" err="1">
-                <a:latin typeface="Arial"/>
-                <a:ea typeface="Calibri"/>
-                <a:cs typeface="Calibri"/>
-              </a:rPr>
-              <a:t>got</a:t>
-            </a:r>
-            <a:r>
-              <a:rPr lang="pt-BR" sz="2400" dirty="0">
-                <a:latin typeface="Arial"/>
-                <a:ea typeface="Calibri"/>
-                <a:cs typeface="Calibri"/>
-              </a:rPr>
-              <a:t> </a:t>
-            </a:r>
-            <a:r>
-              <a:rPr lang="pt-BR" sz="2400" err="1">
-                <a:latin typeface="Arial"/>
-                <a:ea typeface="Calibri"/>
-                <a:cs typeface="Calibri"/>
-              </a:rPr>
-              <a:t>even</a:t>
-            </a:r>
-            <a:r>
-              <a:rPr lang="pt-BR" sz="2400" dirty="0">
-                <a:latin typeface="Arial"/>
-                <a:ea typeface="Calibri"/>
-                <a:cs typeface="Calibri"/>
-              </a:rPr>
-              <a:t> </a:t>
-            </a:r>
-            <a:r>
-              <a:rPr lang="pt-BR" sz="2400" err="1">
-                <a:latin typeface="Arial"/>
-                <a:ea typeface="Calibri"/>
-                <a:cs typeface="Calibri"/>
-              </a:rPr>
-              <a:t>better</a:t>
-            </a:r>
-            <a:r>
-              <a:rPr lang="pt-BR" sz="2400" dirty="0">
-                <a:latin typeface="Arial"/>
-                <a:ea typeface="Calibri"/>
-                <a:cs typeface="Calibri"/>
-              </a:rPr>
-              <a:t> </a:t>
-            </a:r>
-            <a:r>
-              <a:rPr lang="pt-BR" sz="2400" err="1">
-                <a:latin typeface="Arial"/>
-                <a:ea typeface="Calibri"/>
-                <a:cs typeface="Calibri"/>
-              </a:rPr>
-              <a:t>results</a:t>
-            </a:r>
-            <a:r>
-              <a:rPr lang="pt-BR" sz="2400" dirty="0">
-                <a:latin typeface="Arial"/>
-                <a:ea typeface="Calibri"/>
-                <a:cs typeface="Calibri"/>
-              </a:rPr>
-              <a:t> </a:t>
-            </a:r>
-            <a:r>
-              <a:rPr lang="pt-BR" sz="2400" err="1">
-                <a:latin typeface="Arial"/>
-                <a:ea typeface="Calibri"/>
-                <a:cs typeface="Calibri"/>
-              </a:rPr>
-              <a:t>at</a:t>
-            </a:r>
-            <a:r>
-              <a:rPr lang="pt-BR" sz="2400" dirty="0">
-                <a:latin typeface="Arial"/>
-                <a:ea typeface="Calibri"/>
-                <a:cs typeface="Calibri"/>
-              </a:rPr>
-              <a:t> a </a:t>
-            </a:r>
-            <a:r>
-              <a:rPr lang="pt-BR" sz="2400" err="1">
-                <a:latin typeface="Arial"/>
-                <a:ea typeface="Calibri"/>
-                <a:cs typeface="Calibri"/>
-              </a:rPr>
-              <a:t>bigger</a:t>
-            </a:r>
-            <a:r>
-              <a:rPr lang="pt-BR" sz="2400" dirty="0">
-                <a:latin typeface="Arial"/>
-                <a:ea typeface="Calibri"/>
-                <a:cs typeface="Calibri"/>
-              </a:rPr>
-              <a:t> sample, </a:t>
-            </a:r>
-            <a:r>
-              <a:rPr lang="pt-BR" sz="2400" err="1">
-                <a:latin typeface="Arial"/>
-                <a:ea typeface="Calibri"/>
-                <a:cs typeface="Calibri"/>
-              </a:rPr>
-              <a:t>which</a:t>
-            </a:r>
-            <a:r>
-              <a:rPr lang="pt-BR" sz="2400" dirty="0">
-                <a:latin typeface="Arial"/>
-                <a:ea typeface="Calibri"/>
-                <a:cs typeface="Calibri"/>
-              </a:rPr>
-              <a:t> </a:t>
-            </a:r>
-            <a:r>
-              <a:rPr lang="pt-BR" sz="2400" err="1">
-                <a:latin typeface="Arial"/>
-                <a:ea typeface="Calibri"/>
-                <a:cs typeface="Calibri"/>
-              </a:rPr>
-              <a:t>is</a:t>
-            </a:r>
-            <a:r>
-              <a:rPr lang="pt-BR" sz="2400" dirty="0">
-                <a:latin typeface="Arial"/>
-                <a:ea typeface="Calibri"/>
-                <a:cs typeface="Calibri"/>
-              </a:rPr>
-              <a:t> </a:t>
-            </a:r>
-            <a:r>
-              <a:rPr lang="pt-BR" sz="2400" err="1">
-                <a:latin typeface="Arial"/>
-                <a:ea typeface="Calibri"/>
-                <a:cs typeface="Calibri"/>
-              </a:rPr>
-              <a:t>what</a:t>
-            </a:r>
-            <a:r>
-              <a:rPr lang="pt-BR" sz="2400" dirty="0">
-                <a:latin typeface="Arial"/>
-                <a:ea typeface="Calibri"/>
-                <a:cs typeface="Calibri"/>
-              </a:rPr>
-              <a:t> </a:t>
-            </a:r>
-            <a:r>
-              <a:rPr lang="pt-BR" sz="2400" err="1">
-                <a:latin typeface="Arial"/>
-                <a:ea typeface="Calibri"/>
-                <a:cs typeface="Calibri"/>
-              </a:rPr>
-              <a:t>we</a:t>
-            </a:r>
-            <a:r>
-              <a:rPr lang="pt-BR" sz="2400" dirty="0">
-                <a:latin typeface="Arial"/>
-                <a:ea typeface="Calibri"/>
-                <a:cs typeface="Calibri"/>
-              </a:rPr>
-              <a:t> </a:t>
-            </a:r>
-            <a:r>
-              <a:rPr lang="pt-BR" sz="2400" err="1">
-                <a:latin typeface="Arial"/>
-                <a:ea typeface="Calibri"/>
-                <a:cs typeface="Calibri"/>
-              </a:rPr>
-              <a:t>have</a:t>
-            </a:r>
-            <a:r>
-              <a:rPr lang="pt-BR" sz="2400" dirty="0">
-                <a:latin typeface="Arial"/>
-                <a:ea typeface="Calibri"/>
-                <a:cs typeface="Calibri"/>
-              </a:rPr>
-              <a:t>. </a:t>
-            </a:r>
-            <a:r>
-              <a:rPr lang="pt-BR" sz="2400" err="1">
-                <a:latin typeface="Arial"/>
-                <a:ea typeface="Calibri"/>
-                <a:cs typeface="Calibri"/>
-              </a:rPr>
-              <a:t>With</a:t>
-            </a:r>
-            <a:r>
-              <a:rPr lang="pt-BR" sz="2400" dirty="0">
-                <a:latin typeface="Arial"/>
-                <a:ea typeface="Calibri"/>
-                <a:cs typeface="Calibri"/>
-              </a:rPr>
-              <a:t> </a:t>
-            </a:r>
-            <a:r>
-              <a:rPr lang="pt-BR" sz="2400" err="1">
-                <a:latin typeface="Arial"/>
-                <a:ea typeface="Calibri"/>
-                <a:cs typeface="Calibri"/>
-              </a:rPr>
-              <a:t>that</a:t>
-            </a:r>
-            <a:r>
-              <a:rPr lang="pt-BR" sz="2400">
-                <a:latin typeface="Arial"/>
-                <a:ea typeface="Calibri"/>
-                <a:cs typeface="Calibri"/>
-              </a:rPr>
-              <a:t>, 0.89 points </a:t>
-            </a:r>
-            <a:r>
-              <a:rPr lang="pt-BR" sz="2400" err="1">
-                <a:latin typeface="Arial"/>
-                <a:ea typeface="Calibri"/>
-                <a:cs typeface="Calibri"/>
-              </a:rPr>
-              <a:t>up</a:t>
-            </a:r>
-            <a:r>
-              <a:rPr lang="pt-BR" sz="2400">
-                <a:latin typeface="Arial"/>
-                <a:ea typeface="Calibri"/>
-                <a:cs typeface="Calibri"/>
-              </a:rPr>
-              <a:t> or down </a:t>
+              <a:t>Fig. 6.1 - GUI</a:t>
             </a:r>
             <a:endParaRPr lang="pt-BR" sz="2400" dirty="0">
               <a:latin typeface="Arial"/>
-              <a:ea typeface="Calibri"/>
-              <a:cs typeface="Calibri"/>
+              <a:cs typeface="Arial"/>
             </a:endParaRPr>
           </a:p>
         </p:txBody>

--- a/Documentation/Capstone Project - Poster.pptx
+++ b/Documentation/Capstone Project - Poster.pptx
@@ -198,10 +198,7 @@
 <p1510:revInfo xmlns:a="http://schemas.openxmlformats.org/drawingml/2006/main" xmlns:r="http://schemas.openxmlformats.org/officeDocument/2006/relationships" xmlns:p1510="http://schemas.microsoft.com/office/powerpoint/2015/10/main">
   <p1510:revLst>
     <p1510:client id="{1CFC6E96-CD92-DB7E-9D97-D911CCA9C7FA}" v="4704" dt="2024-05-11T23:09:59.335"/>
-    <p1510:client id="{4F9C0DA7-252C-B555-86BC-A86E3FD9C9EE}" v="189" dt="2024-05-10T11:34:28.435"/>
-    <p1510:client id="{53463F5A-0479-804E-3D88-BB5129ECB863}" v="151" dt="2024-05-10T01:14:26.736"/>
-    <p1510:client id="{B23F6A55-9272-0C13-A53B-F52E05C60F66}" v="3053" dt="2024-05-10T17:07:12.593"/>
-    <p1510:client id="{BF0A896C-3CB8-168F-2290-1D6291211CBC}" v="520" dt="2024-05-09T23:28:30.591"/>
+    <p1510:client id="{CEA858CD-CA47-587B-678A-1C5E2B75AB1A}" v="20" dt="2024-05-13T14:12:42.245"/>
   </p1510:revLst>
 </p1510:revInfo>
 </file>
@@ -856,6 +853,38 @@
     </pc:docChg>
   </pc:docChgLst>
   <pc:docChgLst>
+    <pc:chgData name="Ingrid Castro" userId="73b8d72571d56733" providerId="Windows Live" clId="Web-{CEA858CD-CA47-587B-678A-1C5E2B75AB1A}"/>
+    <pc:docChg chg="modSld">
+      <pc:chgData name="Ingrid Castro" userId="73b8d72571d56733" providerId="Windows Live" clId="Web-{CEA858CD-CA47-587B-678A-1C5E2B75AB1A}" dt="2024-05-13T14:12:42.245" v="9" actId="1076"/>
+      <pc:docMkLst>
+        <pc:docMk/>
+      </pc:docMkLst>
+      <pc:sldChg chg="modSp">
+        <pc:chgData name="Ingrid Castro" userId="73b8d72571d56733" providerId="Windows Live" clId="Web-{CEA858CD-CA47-587B-678A-1C5E2B75AB1A}" dt="2024-05-13T14:12:42.245" v="9" actId="1076"/>
+        <pc:sldMkLst>
+          <pc:docMk/>
+          <pc:sldMk cId="3160527046" sldId="258"/>
+        </pc:sldMkLst>
+        <pc:spChg chg="mod">
+          <ac:chgData name="Ingrid Castro" userId="73b8d72571d56733" providerId="Windows Live" clId="Web-{CEA858CD-CA47-587B-678A-1C5E2B75AB1A}" dt="2024-05-13T14:12:30.338" v="7" actId="20577"/>
+          <ac:spMkLst>
+            <pc:docMk/>
+            <pc:sldMk cId="3160527046" sldId="258"/>
+            <ac:spMk id="40" creationId="{00000000-0000-0000-0000-000000000000}"/>
+          </ac:spMkLst>
+        </pc:spChg>
+        <pc:picChg chg="mod">
+          <ac:chgData name="Ingrid Castro" userId="73b8d72571d56733" providerId="Windows Live" clId="Web-{CEA858CD-CA47-587B-678A-1C5E2B75AB1A}" dt="2024-05-13T14:12:42.245" v="9" actId="1076"/>
+          <ac:picMkLst>
+            <pc:docMk/>
+            <pc:sldMk cId="3160527046" sldId="258"/>
+            <ac:picMk id="26" creationId="{2F68D4EE-63B4-B304-F1DF-2719624F6DC5}"/>
+          </ac:picMkLst>
+        </pc:picChg>
+      </pc:sldChg>
+    </pc:docChg>
+  </pc:docChgLst>
+  <pc:docChgLst>
     <pc:chgData name="Ingrid Castro" userId="73b8d72571d56733" providerId="Windows Live" clId="Web-{53463F5A-0479-804E-3D88-BB5129ECB863}"/>
     <pc:docChg chg="modSld">
       <pc:chgData name="Ingrid Castro" userId="73b8d72571d56733" providerId="Windows Live" clId="Web-{53463F5A-0479-804E-3D88-BB5129ECB863}" dt="2024-05-10T01:14:26.736" v="119" actId="1076"/>
@@ -1005,7 +1034,7 @@
             <a:fld id="{0158C5BC-9A70-462C-B28D-9600239EAC64}" type="datetimeFigureOut">
               <a:rPr lang="en-US" smtClean="0"/>
               <a:pPr/>
-              <a:t>5/11/2024</a:t>
+              <a:t>5/13/2024</a:t>
             </a:fld>
             <a:endParaRPr lang="en-US"/>
           </a:p>
@@ -1072,7 +1101,7 @@
             <a:fld id="{79C131B7-05CA-4AEE-9267-6D0ED4DC84F3}" type="slidenum">
               <a:rPr lang="en-US" smtClean="0"/>
               <a:pPr/>
-              <a:t>‹nº›</a:t>
+              <a:t>‹#›</a:t>
             </a:fld>
             <a:endParaRPr lang="en-US"/>
           </a:p>
@@ -1172,7 +1201,7 @@
             <a:fld id="{E6CC2317-6751-4CD4-9995-8782DD78E936}" type="datetimeFigureOut">
               <a:rPr lang="en-US" smtClean="0"/>
               <a:pPr/>
-              <a:t>5/11/2024</a:t>
+              <a:t>5/13/2024</a:t>
             </a:fld>
             <a:endParaRPr lang="en-US" dirty="0"/>
           </a:p>
@@ -1333,7 +1362,7 @@
             <a:fld id="{26A1A87D-CAF7-4BDC-A0D3-C0DBEDE81619}" type="slidenum">
               <a:rPr lang="en-US" smtClean="0"/>
               <a:pPr/>
-              <a:t>‹nº›</a:t>
+              <a:t>‹#›</a:t>
             </a:fld>
             <a:endParaRPr lang="en-US" dirty="0"/>
           </a:p>
@@ -15866,7 +15895,7 @@
                 <a:latin typeface="Arial"/>
                 <a:cs typeface="Arial"/>
               </a:rPr>
-              <a:t>RESEARCH OBJECTIVES</a:t>
+              <a:t>PROJECT OBJECTIVES</a:t>
             </a:r>
             <a:endParaRPr lang="en-US" dirty="0">
               <a:solidFill>
@@ -18231,8 +18260,8 @@
         </p:blipFill>
         <p:spPr>
           <a:xfrm>
-            <a:off x="33812492" y="17818489"/>
-            <a:ext cx="9201869" cy="6477179"/>
+            <a:off x="33867632" y="18232036"/>
+            <a:ext cx="8981310" cy="6201481"/>
           </a:xfrm>
           <a:prstGeom prst="rect">
             <a:avLst/>

--- a/Documentation/Capstone Project - Poster.pptx
+++ b/Documentation/Capstone Project - Poster.pptx
@@ -197,758 +197,13 @@
 <file path=ppt/revisionInfo.xml><?xml version="1.0" encoding="utf-8"?>
 <p1510:revInfo xmlns:a="http://schemas.openxmlformats.org/drawingml/2006/main" xmlns:r="http://schemas.openxmlformats.org/officeDocument/2006/relationships" xmlns:p1510="http://schemas.microsoft.com/office/powerpoint/2015/10/main">
   <p1510:revLst>
-    <p1510:client id="{1CFC6E96-CD92-DB7E-9D97-D911CCA9C7FA}" v="4704" dt="2024-05-11T23:09:59.335"/>
-    <p1510:client id="{CEA858CD-CA47-587B-678A-1C5E2B75AB1A}" v="20" dt="2024-05-13T14:12:42.245"/>
+    <p1510:client id="{16204E16-829E-8073-52E6-D44EF0589E29}" v="86" dt="2024-05-15T13:35:11.086"/>
+    <p1510:client id="{598B5855-3F05-2AC6-A276-A02D560C209E}" v="60" dt="2024-05-15T20:09:43.906"/>
+    <p1510:client id="{986FC086-B49C-E8FF-7BEE-56C74F845B2C}" v="17" dt="2024-05-15T23:08:06.642"/>
+    <p1510:client id="{D60DB268-15E0-74F3-EC37-BC0DCD7EED79}" v="416" dt="2024-05-16T22:13:50.825"/>
+    <p1510:client id="{E1C16D92-7333-80A4-B4C8-D74FD8226392}" v="281" dt="2024-05-16T12:03:24.266"/>
   </p1510:revLst>
 </p1510:revInfo>
-</file>
-
-<file path=ppt/changesInfos/changesInfo1.xml><?xml version="1.0" encoding="utf-8"?>
-<pc:chgInfo xmlns:a="http://schemas.openxmlformats.org/drawingml/2006/main" xmlns:r="http://schemas.openxmlformats.org/officeDocument/2006/relationships" xmlns:ac="http://schemas.microsoft.com/office/drawing/2013/main/command" xmlns:pc="http://schemas.microsoft.com/office/powerpoint/2013/main/command">
-  <pc:docChgLst>
-    <pc:chgData name="Ingrid Castro" userId="73b8d72571d56733" providerId="Windows Live" clId="Web-{4F9C0DA7-252C-B555-86BC-A86E3FD9C9EE}"/>
-    <pc:docChg chg="modSld">
-      <pc:chgData name="Ingrid Castro" userId="73b8d72571d56733" providerId="Windows Live" clId="Web-{4F9C0DA7-252C-B555-86BC-A86E3FD9C9EE}" dt="2024-05-10T11:34:28.435" v="162" actId="20577"/>
-      <pc:docMkLst>
-        <pc:docMk/>
-      </pc:docMkLst>
-      <pc:sldChg chg="modSp">
-        <pc:chgData name="Ingrid Castro" userId="73b8d72571d56733" providerId="Windows Live" clId="Web-{4F9C0DA7-252C-B555-86BC-A86E3FD9C9EE}" dt="2024-05-10T11:34:28.435" v="162" actId="20577"/>
-        <pc:sldMkLst>
-          <pc:docMk/>
-          <pc:sldMk cId="3160527046" sldId="258"/>
-        </pc:sldMkLst>
-        <pc:spChg chg="mod">
-          <ac:chgData name="Ingrid Castro" userId="73b8d72571d56733" providerId="Windows Live" clId="Web-{4F9C0DA7-252C-B555-86BC-A86E3FD9C9EE}" dt="2024-05-10T11:34:28.435" v="162" actId="20577"/>
-          <ac:spMkLst>
-            <pc:docMk/>
-            <pc:sldMk cId="3160527046" sldId="258"/>
-            <ac:spMk id="6" creationId="{00000000-0000-0000-0000-000000000000}"/>
-          </ac:spMkLst>
-        </pc:spChg>
-        <pc:spChg chg="mod">
-          <ac:chgData name="Ingrid Castro" userId="73b8d72571d56733" providerId="Windows Live" clId="Web-{4F9C0DA7-252C-B555-86BC-A86E3FD9C9EE}" dt="2024-05-10T11:34:06.121" v="136" actId="20577"/>
-          <ac:spMkLst>
-            <pc:docMk/>
-            <pc:sldMk cId="3160527046" sldId="258"/>
-            <ac:spMk id="32" creationId="{00000000-0000-0000-0000-000000000000}"/>
-          </ac:spMkLst>
-        </pc:spChg>
-      </pc:sldChg>
-    </pc:docChg>
-  </pc:docChgLst>
-  <pc:docChgLst>
-    <pc:chgData name="Ingrid Castro" userId="73b8d72571d56733" providerId="Windows Live" clId="Web-{B23F6A55-9272-0C13-A53B-F52E05C60F66}"/>
-    <pc:docChg chg="modSld">
-      <pc:chgData name="Ingrid Castro" userId="73b8d72571d56733" providerId="Windows Live" clId="Web-{B23F6A55-9272-0C13-A53B-F52E05C60F66}" dt="2024-05-10T17:07:12.593" v="1603"/>
-      <pc:docMkLst>
-        <pc:docMk/>
-      </pc:docMkLst>
-      <pc:sldChg chg="addSp delSp modSp">
-        <pc:chgData name="Ingrid Castro" userId="73b8d72571d56733" providerId="Windows Live" clId="Web-{B23F6A55-9272-0C13-A53B-F52E05C60F66}" dt="2024-05-10T17:07:12.593" v="1603"/>
-        <pc:sldMkLst>
-          <pc:docMk/>
-          <pc:sldMk cId="3160527046" sldId="258"/>
-        </pc:sldMkLst>
-        <pc:spChg chg="mod">
-          <ac:chgData name="Ingrid Castro" userId="73b8d72571d56733" providerId="Windows Live" clId="Web-{B23F6A55-9272-0C13-A53B-F52E05C60F66}" dt="2024-05-10T16:13:15.914" v="767" actId="20577"/>
-          <ac:spMkLst>
-            <pc:docMk/>
-            <pc:sldMk cId="3160527046" sldId="258"/>
-            <ac:spMk id="5" creationId="{00000000-0000-0000-0000-000000000000}"/>
-          </ac:spMkLst>
-        </pc:spChg>
-        <pc:spChg chg="mod">
-          <ac:chgData name="Ingrid Castro" userId="73b8d72571d56733" providerId="Windows Live" clId="Web-{B23F6A55-9272-0C13-A53B-F52E05C60F66}" dt="2024-05-10T16:14:34.904" v="812" actId="1076"/>
-          <ac:spMkLst>
-            <pc:docMk/>
-            <pc:sldMk cId="3160527046" sldId="258"/>
-            <ac:spMk id="6" creationId="{00000000-0000-0000-0000-000000000000}"/>
-          </ac:spMkLst>
-        </pc:spChg>
-        <pc:spChg chg="add del">
-          <ac:chgData name="Ingrid Castro" userId="73b8d72571d56733" providerId="Windows Live" clId="Web-{B23F6A55-9272-0C13-A53B-F52E05C60F66}" dt="2024-05-10T16:10:00.776" v="733"/>
-          <ac:spMkLst>
-            <pc:docMk/>
-            <pc:sldMk cId="3160527046" sldId="258"/>
-            <ac:spMk id="10" creationId="{FF7D9A25-BAC4-2F10-6A6A-7202981C83A5}"/>
-          </ac:spMkLst>
-        </pc:spChg>
-        <pc:spChg chg="add mod">
-          <ac:chgData name="Ingrid Castro" userId="73b8d72571d56733" providerId="Windows Live" clId="Web-{B23F6A55-9272-0C13-A53B-F52E05C60F66}" dt="2024-05-10T16:14:42.139" v="815" actId="20577"/>
-          <ac:spMkLst>
-            <pc:docMk/>
-            <pc:sldMk cId="3160527046" sldId="258"/>
-            <ac:spMk id="12" creationId="{61808B6D-1DB1-1125-E6CA-809CF0767776}"/>
-          </ac:spMkLst>
-        </pc:spChg>
-        <pc:spChg chg="add mod">
-          <ac:chgData name="Ingrid Castro" userId="73b8d72571d56733" providerId="Windows Live" clId="Web-{B23F6A55-9272-0C13-A53B-F52E05C60F66}" dt="2024-05-10T16:28:56.276" v="1162" actId="20577"/>
-          <ac:spMkLst>
-            <pc:docMk/>
-            <pc:sldMk cId="3160527046" sldId="258"/>
-            <ac:spMk id="13" creationId="{A5486C13-D6B1-B421-EA4E-62E9987C64AC}"/>
-          </ac:spMkLst>
-        </pc:spChg>
-        <pc:spChg chg="add mod">
-          <ac:chgData name="Ingrid Castro" userId="73b8d72571d56733" providerId="Windows Live" clId="Web-{B23F6A55-9272-0C13-A53B-F52E05C60F66}" dt="2024-05-10T16:29:40.139" v="1182" actId="20577"/>
-          <ac:spMkLst>
-            <pc:docMk/>
-            <pc:sldMk cId="3160527046" sldId="258"/>
-            <ac:spMk id="14" creationId="{CF760B5E-AA84-F486-80AF-9E45B5F18AB3}"/>
-          </ac:spMkLst>
-        </pc:spChg>
-        <pc:spChg chg="add del mod">
-          <ac:chgData name="Ingrid Castro" userId="73b8d72571d56733" providerId="Windows Live" clId="Web-{B23F6A55-9272-0C13-A53B-F52E05C60F66}" dt="2024-05-10T17:07:12.593" v="1603"/>
-          <ac:spMkLst>
-            <pc:docMk/>
-            <pc:sldMk cId="3160527046" sldId="258"/>
-            <ac:spMk id="17" creationId="{8E786B4C-BE00-C7C5-56B8-5E98E57A36D5}"/>
-          </ac:spMkLst>
-        </pc:spChg>
-        <pc:spChg chg="add mod">
-          <ac:chgData name="Ingrid Castro" userId="73b8d72571d56733" providerId="Windows Live" clId="Web-{B23F6A55-9272-0C13-A53B-F52E05C60F66}" dt="2024-05-10T17:07:05.436" v="1602" actId="20577"/>
-          <ac:spMkLst>
-            <pc:docMk/>
-            <pc:sldMk cId="3160527046" sldId="258"/>
-            <ac:spMk id="21" creationId="{2FAAC147-C3CF-17EA-1A45-90FB1DFB55CE}"/>
-          </ac:spMkLst>
-        </pc:spChg>
-        <pc:spChg chg="del mod">
-          <ac:chgData name="Ingrid Castro" userId="73b8d72571d56733" providerId="Windows Live" clId="Web-{B23F6A55-9272-0C13-A53B-F52E05C60F66}" dt="2024-05-10T16:18:18.295" v="909"/>
-          <ac:spMkLst>
-            <pc:docMk/>
-            <pc:sldMk cId="3160527046" sldId="258"/>
-            <ac:spMk id="34" creationId="{00000000-0000-0000-0000-000000000000}"/>
-          </ac:spMkLst>
-        </pc:spChg>
-        <pc:spChg chg="del">
-          <ac:chgData name="Ingrid Castro" userId="73b8d72571d56733" providerId="Windows Live" clId="Web-{B23F6A55-9272-0C13-A53B-F52E05C60F66}" dt="2024-05-10T16:18:00.840" v="901"/>
-          <ac:spMkLst>
-            <pc:docMk/>
-            <pc:sldMk cId="3160527046" sldId="258"/>
-            <ac:spMk id="35" creationId="{9000B3FD-55D3-45AB-92CB-10A741BAA0B3}"/>
-          </ac:spMkLst>
-        </pc:spChg>
-        <pc:spChg chg="del">
-          <ac:chgData name="Ingrid Castro" userId="73b8d72571d56733" providerId="Windows Live" clId="Web-{B23F6A55-9272-0C13-A53B-F52E05C60F66}" dt="2024-05-10T16:29:46.217" v="1184"/>
-          <ac:spMkLst>
-            <pc:docMk/>
-            <pc:sldMk cId="3160527046" sldId="258"/>
-            <ac:spMk id="43" creationId="{D01E89C6-0794-4157-9DEF-383030D60FAB}"/>
-          </ac:spMkLst>
-        </pc:spChg>
-        <pc:spChg chg="del">
-          <ac:chgData name="Ingrid Castro" userId="73b8d72571d56733" providerId="Windows Live" clId="Web-{B23F6A55-9272-0C13-A53B-F52E05C60F66}" dt="2024-05-10T16:29:44.576" v="1183"/>
-          <ac:spMkLst>
-            <pc:docMk/>
-            <pc:sldMk cId="3160527046" sldId="258"/>
-            <ac:spMk id="45" creationId="{00000000-0000-0000-0000-000000000000}"/>
-          </ac:spMkLst>
-        </pc:spChg>
-        <pc:graphicFrameChg chg="del">
-          <ac:chgData name="Ingrid Castro" userId="73b8d72571d56733" providerId="Windows Live" clId="Web-{B23F6A55-9272-0C13-A53B-F52E05C60F66}" dt="2024-05-10T16:29:49.577" v="1185"/>
-          <ac:graphicFrameMkLst>
-            <pc:docMk/>
-            <pc:sldMk cId="3160527046" sldId="258"/>
-            <ac:graphicFrameMk id="37" creationId="{00000000-0000-0000-0000-000000000000}"/>
-          </ac:graphicFrameMkLst>
-        </pc:graphicFrameChg>
-        <pc:picChg chg="del">
-          <ac:chgData name="Ingrid Castro" userId="73b8d72571d56733" providerId="Windows Live" clId="Web-{B23F6A55-9272-0C13-A53B-F52E05C60F66}" dt="2024-05-10T16:17:55.949" v="900"/>
-          <ac:picMkLst>
-            <pc:docMk/>
-            <pc:sldMk cId="3160527046" sldId="258"/>
-            <ac:picMk id="20" creationId="{00000000-0000-0000-0000-000000000000}"/>
-          </ac:picMkLst>
-        </pc:picChg>
-        <pc:picChg chg="del">
-          <ac:chgData name="Ingrid Castro" userId="73b8d72571d56733" providerId="Windows Live" clId="Web-{B23F6A55-9272-0C13-A53B-F52E05C60F66}" dt="2024-05-10T15:53:16.675" v="228"/>
-          <ac:picMkLst>
-            <pc:docMk/>
-            <pc:sldMk cId="3160527046" sldId="258"/>
-            <ac:picMk id="22" creationId="{00000000-0000-0000-0000-000000000000}"/>
-          </ac:picMkLst>
-        </pc:picChg>
-      </pc:sldChg>
-    </pc:docChg>
-  </pc:docChgLst>
-  <pc:docChgLst>
-    <pc:chgData name="Ingrid Castro" userId="73b8d72571d56733" providerId="Windows Live" clId="Web-{1CFC6E96-CD92-DB7E-9D97-D911CCA9C7FA}"/>
-    <pc:docChg chg="addSld delSld modSld">
-      <pc:chgData name="Ingrid Castro" userId="73b8d72571d56733" providerId="Windows Live" clId="Web-{1CFC6E96-CD92-DB7E-9D97-D911CCA9C7FA}" dt="2024-05-11T23:09:59.335" v="2849" actId="20577"/>
-      <pc:docMkLst>
-        <pc:docMk/>
-      </pc:docMkLst>
-      <pc:sldChg chg="addSp delSp modSp">
-        <pc:chgData name="Ingrid Castro" userId="73b8d72571d56733" providerId="Windows Live" clId="Web-{1CFC6E96-CD92-DB7E-9D97-D911CCA9C7FA}" dt="2024-05-11T23:09:59.335" v="2849" actId="20577"/>
-        <pc:sldMkLst>
-          <pc:docMk/>
-          <pc:sldMk cId="3160527046" sldId="258"/>
-        </pc:sldMkLst>
-        <pc:spChg chg="mod">
-          <ac:chgData name="Ingrid Castro" userId="73b8d72571d56733" providerId="Windows Live" clId="Web-{1CFC6E96-CD92-DB7E-9D97-D911CCA9C7FA}" dt="2024-05-11T13:26:19.980" v="1172" actId="1076"/>
-          <ac:spMkLst>
-            <pc:docMk/>
-            <pc:sldMk cId="3160527046" sldId="258"/>
-            <ac:spMk id="2" creationId="{00000000-0000-0000-0000-000000000000}"/>
-          </ac:spMkLst>
-        </pc:spChg>
-        <pc:spChg chg="mod">
-          <ac:chgData name="Ingrid Castro" userId="73b8d72571d56733" providerId="Windows Live" clId="Web-{1CFC6E96-CD92-DB7E-9D97-D911CCA9C7FA}" dt="2024-05-11T13:21:06.937" v="1108" actId="1076"/>
-          <ac:spMkLst>
-            <pc:docMk/>
-            <pc:sldMk cId="3160527046" sldId="258"/>
-            <ac:spMk id="4" creationId="{00000000-0000-0000-0000-000000000000}"/>
-          </ac:spMkLst>
-        </pc:spChg>
-        <pc:spChg chg="mod">
-          <ac:chgData name="Ingrid Castro" userId="73b8d72571d56733" providerId="Windows Live" clId="Web-{1CFC6E96-CD92-DB7E-9D97-D911CCA9C7FA}" dt="2024-05-11T13:22:37.097" v="1128" actId="1076"/>
-          <ac:spMkLst>
-            <pc:docMk/>
-            <pc:sldMk cId="3160527046" sldId="258"/>
-            <ac:spMk id="5" creationId="{00000000-0000-0000-0000-000000000000}"/>
-          </ac:spMkLst>
-        </pc:spChg>
-        <pc:spChg chg="mod">
-          <ac:chgData name="Ingrid Castro" userId="73b8d72571d56733" providerId="Windows Live" clId="Web-{1CFC6E96-CD92-DB7E-9D97-D911CCA9C7FA}" dt="2024-05-11T16:09:51.813" v="1462" actId="20577"/>
-          <ac:spMkLst>
-            <pc:docMk/>
-            <pc:sldMk cId="3160527046" sldId="258"/>
-            <ac:spMk id="6" creationId="{00000000-0000-0000-0000-000000000000}"/>
-          </ac:spMkLst>
-        </pc:spChg>
-        <pc:spChg chg="mod">
-          <ac:chgData name="Ingrid Castro" userId="73b8d72571d56733" providerId="Windows Live" clId="Web-{1CFC6E96-CD92-DB7E-9D97-D911CCA9C7FA}" dt="2024-05-11T16:10:11.892" v="1479" actId="20577"/>
-          <ac:spMkLst>
-            <pc:docMk/>
-            <pc:sldMk cId="3160527046" sldId="258"/>
-            <ac:spMk id="8" creationId="{00000000-0000-0000-0000-000000000000}"/>
-          </ac:spMkLst>
-        </pc:spChg>
-        <pc:spChg chg="mod">
-          <ac:chgData name="Ingrid Castro" userId="73b8d72571d56733" providerId="Windows Live" clId="Web-{1CFC6E96-CD92-DB7E-9D97-D911CCA9C7FA}" dt="2024-05-11T22:46:25.472" v="2726" actId="1076"/>
-          <ac:spMkLst>
-            <pc:docMk/>
-            <pc:sldMk cId="3160527046" sldId="258"/>
-            <ac:spMk id="9" creationId="{00000000-0000-0000-0000-000000000000}"/>
-          </ac:spMkLst>
-        </pc:spChg>
-        <pc:spChg chg="add mod">
-          <ac:chgData name="Ingrid Castro" userId="73b8d72571d56733" providerId="Windows Live" clId="Web-{1CFC6E96-CD92-DB7E-9D97-D911CCA9C7FA}" dt="2024-05-11T13:25:24.415" v="1163" actId="1076"/>
-          <ac:spMkLst>
-            <pc:docMk/>
-            <pc:sldMk cId="3160527046" sldId="258"/>
-            <ac:spMk id="10" creationId="{71394AFA-DEE0-9F5A-4D01-797126D045CF}"/>
-          </ac:spMkLst>
-        </pc:spChg>
-        <pc:spChg chg="mod">
-          <ac:chgData name="Ingrid Castro" userId="73b8d72571d56733" providerId="Windows Live" clId="Web-{1CFC6E96-CD92-DB7E-9D97-D911CCA9C7FA}" dt="2024-05-11T22:46:07.644" v="2723" actId="1076"/>
-          <ac:spMkLst>
-            <pc:docMk/>
-            <pc:sldMk cId="3160527046" sldId="258"/>
-            <ac:spMk id="11" creationId="{00000000-0000-0000-0000-000000000000}"/>
-          </ac:spMkLst>
-        </pc:spChg>
-        <pc:spChg chg="mod">
-          <ac:chgData name="Ingrid Castro" userId="73b8d72571d56733" providerId="Windows Live" clId="Web-{1CFC6E96-CD92-DB7E-9D97-D911CCA9C7FA}" dt="2024-05-11T16:09:59.657" v="1466" actId="20577"/>
-          <ac:spMkLst>
-            <pc:docMk/>
-            <pc:sldMk cId="3160527046" sldId="258"/>
-            <ac:spMk id="12" creationId="{61808B6D-1DB1-1125-E6CA-809CF0767776}"/>
-          </ac:spMkLst>
-        </pc:spChg>
-        <pc:spChg chg="mod">
-          <ac:chgData name="Ingrid Castro" userId="73b8d72571d56733" providerId="Windows Live" clId="Web-{1CFC6E96-CD92-DB7E-9D97-D911CCA9C7FA}" dt="2024-05-11T14:16:15.227" v="1425" actId="20577"/>
-          <ac:spMkLst>
-            <pc:docMk/>
-            <pc:sldMk cId="3160527046" sldId="258"/>
-            <ac:spMk id="13" creationId="{A5486C13-D6B1-B421-EA4E-62E9987C64AC}"/>
-          </ac:spMkLst>
-        </pc:spChg>
-        <pc:spChg chg="mod">
-          <ac:chgData name="Ingrid Castro" userId="73b8d72571d56733" providerId="Windows Live" clId="Web-{1CFC6E96-CD92-DB7E-9D97-D911CCA9C7FA}" dt="2024-05-11T16:10:08.158" v="1473" actId="20577"/>
-          <ac:spMkLst>
-            <pc:docMk/>
-            <pc:sldMk cId="3160527046" sldId="258"/>
-            <ac:spMk id="14" creationId="{CF760B5E-AA84-F486-80AF-9E45B5F18AB3}"/>
-          </ac:spMkLst>
-        </pc:spChg>
-        <pc:spChg chg="add del mod">
-          <ac:chgData name="Ingrid Castro" userId="73b8d72571d56733" providerId="Windows Live" clId="Web-{1CFC6E96-CD92-DB7E-9D97-D911CCA9C7FA}" dt="2024-05-11T10:33:46.155" v="10"/>
-          <ac:spMkLst>
-            <pc:docMk/>
-            <pc:sldMk cId="3160527046" sldId="258"/>
-            <ac:spMk id="15" creationId="{23A25C31-AC7C-71A4-E231-8E56D8F1D65D}"/>
-          </ac:spMkLst>
-        </pc:spChg>
-        <pc:spChg chg="add mod">
-          <ac:chgData name="Ingrid Castro" userId="73b8d72571d56733" providerId="Windows Live" clId="Web-{1CFC6E96-CD92-DB7E-9D97-D911CCA9C7FA}" dt="2024-05-11T16:10:26.470" v="1486" actId="20577"/>
-          <ac:spMkLst>
-            <pc:docMk/>
-            <pc:sldMk cId="3160527046" sldId="258"/>
-            <ac:spMk id="15" creationId="{B424563B-9B57-D356-BED0-FBA8C58CE047}"/>
-          </ac:spMkLst>
-        </pc:spChg>
-        <pc:spChg chg="add mod">
-          <ac:chgData name="Ingrid Castro" userId="73b8d72571d56733" providerId="Windows Live" clId="Web-{1CFC6E96-CD92-DB7E-9D97-D911CCA9C7FA}" dt="2024-05-11T13:24:39.086" v="1153" actId="1076"/>
-          <ac:spMkLst>
-            <pc:docMk/>
-            <pc:sldMk cId="3160527046" sldId="258"/>
-            <ac:spMk id="17" creationId="{51F2C3BA-E944-93E9-7D8D-A59DBB20A14B}"/>
-          </ac:spMkLst>
-        </pc:spChg>
-        <pc:spChg chg="add mod">
-          <ac:chgData name="Ingrid Castro" userId="73b8d72571d56733" providerId="Windows Live" clId="Web-{1CFC6E96-CD92-DB7E-9D97-D911CCA9C7FA}" dt="2024-05-11T21:25:12.806" v="1826" actId="20577"/>
-          <ac:spMkLst>
-            <pc:docMk/>
-            <pc:sldMk cId="3160527046" sldId="258"/>
-            <ac:spMk id="19" creationId="{EC110640-5101-B9AA-D87B-CA7DD6F19DFC}"/>
-          </ac:spMkLst>
-        </pc:spChg>
-        <pc:spChg chg="add del mod">
-          <ac:chgData name="Ingrid Castro" userId="73b8d72571d56733" providerId="Windows Live" clId="Web-{1CFC6E96-CD92-DB7E-9D97-D911CCA9C7FA}" dt="2024-05-11T10:34:13.782" v="16"/>
-          <ac:spMkLst>
-            <pc:docMk/>
-            <pc:sldMk cId="3160527046" sldId="258"/>
-            <ac:spMk id="20" creationId="{09C342BD-2630-E889-AFE4-E21CB296A508}"/>
-          </ac:spMkLst>
-        </pc:spChg>
-        <pc:spChg chg="mod">
-          <ac:chgData name="Ingrid Castro" userId="73b8d72571d56733" providerId="Windows Live" clId="Web-{1CFC6E96-CD92-DB7E-9D97-D911CCA9C7FA}" dt="2024-05-11T13:24:47.664" v="1155" actId="1076"/>
-          <ac:spMkLst>
-            <pc:docMk/>
-            <pc:sldMk cId="3160527046" sldId="258"/>
-            <ac:spMk id="21" creationId="{2FAAC147-C3CF-17EA-1A45-90FB1DFB55CE}"/>
-          </ac:spMkLst>
-        </pc:spChg>
-        <pc:spChg chg="add mod">
-          <ac:chgData name="Ingrid Castro" userId="73b8d72571d56733" providerId="Windows Live" clId="Web-{1CFC6E96-CD92-DB7E-9D97-D911CCA9C7FA}" dt="2024-05-11T21:25:56.917" v="1838" actId="20577"/>
-          <ac:spMkLst>
-            <pc:docMk/>
-            <pc:sldMk cId="3160527046" sldId="258"/>
-            <ac:spMk id="22" creationId="{F34DA761-C085-E013-6E1A-E77DA63F9F98}"/>
-          </ac:spMkLst>
-        </pc:spChg>
-        <pc:spChg chg="add mod">
-          <ac:chgData name="Ingrid Castro" userId="73b8d72571d56733" providerId="Windows Live" clId="Web-{1CFC6E96-CD92-DB7E-9D97-D911CCA9C7FA}" dt="2024-05-11T21:38:10.081" v="2168"/>
-          <ac:spMkLst>
-            <pc:docMk/>
-            <pc:sldMk cId="3160527046" sldId="258"/>
-            <ac:spMk id="23" creationId="{8C3BB717-4A20-4104-27D7-2AD6D8759B57}"/>
-          </ac:spMkLst>
-        </pc:spChg>
-        <pc:spChg chg="add del mod">
-          <ac:chgData name="Ingrid Castro" userId="73b8d72571d56733" providerId="Windows Live" clId="Web-{1CFC6E96-CD92-DB7E-9D97-D911CCA9C7FA}" dt="2024-05-11T13:18:37.542" v="1097"/>
-          <ac:spMkLst>
-            <pc:docMk/>
-            <pc:sldMk cId="3160527046" sldId="258"/>
-            <ac:spMk id="24" creationId="{36798CB1-2FE8-75DD-1E59-231DEAFE1AAE}"/>
-          </ac:spMkLst>
-        </pc:spChg>
-        <pc:spChg chg="add mod">
-          <ac:chgData name="Ingrid Castro" userId="73b8d72571d56733" providerId="Windows Live" clId="Web-{1CFC6E96-CD92-DB7E-9D97-D911CCA9C7FA}" dt="2024-05-11T23:09:04.224" v="2831" actId="20577"/>
-          <ac:spMkLst>
-            <pc:docMk/>
-            <pc:sldMk cId="3160527046" sldId="258"/>
-            <ac:spMk id="24" creationId="{F09696AB-DE5E-1719-E147-0DE2864FE37B}"/>
-          </ac:spMkLst>
-        </pc:spChg>
-        <pc:spChg chg="del">
-          <ac:chgData name="Ingrid Castro" userId="73b8d72571d56733" providerId="Windows Live" clId="Web-{1CFC6E96-CD92-DB7E-9D97-D911CCA9C7FA}" dt="2024-05-11T10:33:52.843" v="11"/>
-          <ac:spMkLst>
-            <pc:docMk/>
-            <pc:sldMk cId="3160527046" sldId="258"/>
-            <ac:spMk id="27" creationId="{00000000-0000-0000-0000-000000000000}"/>
-          </ac:spMkLst>
-        </pc:spChg>
-        <pc:spChg chg="add mod">
-          <ac:chgData name="Ingrid Castro" userId="73b8d72571d56733" providerId="Windows Live" clId="Web-{1CFC6E96-CD92-DB7E-9D97-D911CCA9C7FA}" dt="2024-05-11T23:09:59.335" v="2849" actId="20577"/>
-          <ac:spMkLst>
-            <pc:docMk/>
-            <pc:sldMk cId="3160527046" sldId="258"/>
-            <ac:spMk id="27" creationId="{457DB4A5-0DC3-5E50-25F8-EEEFFA69FD50}"/>
-          </ac:spMkLst>
-        </pc:spChg>
-        <pc:spChg chg="add del mod">
-          <ac:chgData name="Ingrid Castro" userId="73b8d72571d56733" providerId="Windows Live" clId="Web-{1CFC6E96-CD92-DB7E-9D97-D911CCA9C7FA}" dt="2024-05-11T13:17:46.680" v="1089"/>
-          <ac:spMkLst>
-            <pc:docMk/>
-            <pc:sldMk cId="3160527046" sldId="258"/>
-            <ac:spMk id="27" creationId="{65C35F52-FA4F-5B1F-6F15-4C3AF2D796AC}"/>
-          </ac:spMkLst>
-        </pc:spChg>
-        <pc:spChg chg="del">
-          <ac:chgData name="Ingrid Castro" userId="73b8d72571d56733" providerId="Windows Live" clId="Web-{1CFC6E96-CD92-DB7E-9D97-D911CCA9C7FA}" dt="2024-05-11T10:33:39.670" v="9"/>
-          <ac:spMkLst>
-            <pc:docMk/>
-            <pc:sldMk cId="3160527046" sldId="258"/>
-            <ac:spMk id="28" creationId="{00000000-0000-0000-0000-000000000000}"/>
-          </ac:spMkLst>
-        </pc:spChg>
-        <pc:spChg chg="del">
-          <ac:chgData name="Ingrid Castro" userId="73b8d72571d56733" providerId="Windows Live" clId="Web-{1CFC6E96-CD92-DB7E-9D97-D911CCA9C7FA}" dt="2024-05-11T13:00:47.187" v="890"/>
-          <ac:spMkLst>
-            <pc:docMk/>
-            <pc:sldMk cId="3160527046" sldId="258"/>
-            <ac:spMk id="29" creationId="{00000000-0000-0000-0000-000000000000}"/>
-          </ac:spMkLst>
-        </pc:spChg>
-        <pc:spChg chg="del mod">
-          <ac:chgData name="Ingrid Castro" userId="73b8d72571d56733" providerId="Windows Live" clId="Web-{1CFC6E96-CD92-DB7E-9D97-D911CCA9C7FA}" dt="2024-05-11T13:18:19.947" v="1091"/>
-          <ac:spMkLst>
-            <pc:docMk/>
-            <pc:sldMk cId="3160527046" sldId="258"/>
-            <ac:spMk id="30" creationId="{00000000-0000-0000-0000-000000000000}"/>
-          </ac:spMkLst>
-        </pc:spChg>
-        <pc:spChg chg="del mod">
-          <ac:chgData name="Ingrid Castro" userId="73b8d72571d56733" providerId="Windows Live" clId="Web-{1CFC6E96-CD92-DB7E-9D97-D911CCA9C7FA}" dt="2024-05-11T13:18:25.713" v="1093"/>
-          <ac:spMkLst>
-            <pc:docMk/>
-            <pc:sldMk cId="3160527046" sldId="258"/>
-            <ac:spMk id="31" creationId="{00000000-0000-0000-0000-000000000000}"/>
-          </ac:spMkLst>
-        </pc:spChg>
-        <pc:spChg chg="mod">
-          <ac:chgData name="Ingrid Castro" userId="73b8d72571d56733" providerId="Windows Live" clId="Web-{1CFC6E96-CD92-DB7E-9D97-D911CCA9C7FA}" dt="2024-05-11T13:21:16.157" v="1111" actId="14100"/>
-          <ac:spMkLst>
-            <pc:docMk/>
-            <pc:sldMk cId="3160527046" sldId="258"/>
-            <ac:spMk id="32" creationId="{00000000-0000-0000-0000-000000000000}"/>
-          </ac:spMkLst>
-        </pc:spChg>
-        <pc:spChg chg="add mod">
-          <ac:chgData name="Ingrid Castro" userId="73b8d72571d56733" providerId="Windows Live" clId="Web-{1CFC6E96-CD92-DB7E-9D97-D911CCA9C7FA}" dt="2024-05-11T13:25:37.728" v="1166" actId="14100"/>
-          <ac:spMkLst>
-            <pc:docMk/>
-            <pc:sldMk cId="3160527046" sldId="258"/>
-            <ac:spMk id="33" creationId="{1DF8D5C9-359C-B520-048E-8B03169ACEBD}"/>
-          </ac:spMkLst>
-        </pc:spChg>
-        <pc:spChg chg="add mod">
-          <ac:chgData name="Ingrid Castro" userId="73b8d72571d56733" providerId="Windows Live" clId="Web-{1CFC6E96-CD92-DB7E-9D97-D911CCA9C7FA}" dt="2024-05-11T13:25:50.244" v="1169" actId="14100"/>
-          <ac:spMkLst>
-            <pc:docMk/>
-            <pc:sldMk cId="3160527046" sldId="258"/>
-            <ac:spMk id="34" creationId="{5550B942-9E2F-C9AF-B103-3AD2B1D34DD4}"/>
-          </ac:spMkLst>
-        </pc:spChg>
-        <pc:spChg chg="add del mod">
-          <ac:chgData name="Ingrid Castro" userId="73b8d72571d56733" providerId="Windows Live" clId="Web-{1CFC6E96-CD92-DB7E-9D97-D911CCA9C7FA}" dt="2024-05-11T13:24:54.946" v="1157" actId="1076"/>
-          <ac:spMkLst>
-            <pc:docMk/>
-            <pc:sldMk cId="3160527046" sldId="258"/>
-            <ac:spMk id="36" creationId="{00000000-0000-0000-0000-000000000000}"/>
-          </ac:spMkLst>
-        </pc:spChg>
-        <pc:spChg chg="del mod">
-          <ac:chgData name="Ingrid Castro" userId="73b8d72571d56733" providerId="Windows Live" clId="Web-{1CFC6E96-CD92-DB7E-9D97-D911CCA9C7FA}" dt="2024-05-11T13:00:21.608" v="888"/>
-          <ac:spMkLst>
-            <pc:docMk/>
-            <pc:sldMk cId="3160527046" sldId="258"/>
-            <ac:spMk id="38" creationId="{00000000-0000-0000-0000-000000000000}"/>
-          </ac:spMkLst>
-        </pc:spChg>
-        <pc:spChg chg="mod">
-          <ac:chgData name="Ingrid Castro" userId="73b8d72571d56733" providerId="Windows Live" clId="Web-{1CFC6E96-CD92-DB7E-9D97-D911CCA9C7FA}" dt="2024-05-11T13:26:31.090" v="1175" actId="1076"/>
-          <ac:spMkLst>
-            <pc:docMk/>
-            <pc:sldMk cId="3160527046" sldId="258"/>
-            <ac:spMk id="40" creationId="{00000000-0000-0000-0000-000000000000}"/>
-          </ac:spMkLst>
-        </pc:spChg>
-        <pc:spChg chg="mod">
-          <ac:chgData name="Ingrid Castro" userId="73b8d72571d56733" providerId="Windows Live" clId="Web-{1CFC6E96-CD92-DB7E-9D97-D911CCA9C7FA}" dt="2024-05-11T13:26:33.793" v="1176" actId="1076"/>
-          <ac:spMkLst>
-            <pc:docMk/>
-            <pc:sldMk cId="3160527046" sldId="258"/>
-            <ac:spMk id="41" creationId="{00000000-0000-0000-0000-000000000000}"/>
-          </ac:spMkLst>
-        </pc:spChg>
-        <pc:spChg chg="mod">
-          <ac:chgData name="Ingrid Castro" userId="73b8d72571d56733" providerId="Windows Live" clId="Web-{1CFC6E96-CD92-DB7E-9D97-D911CCA9C7FA}" dt="2024-05-11T22:46:13.347" v="2724" actId="1076"/>
-          <ac:spMkLst>
-            <pc:docMk/>
-            <pc:sldMk cId="3160527046" sldId="258"/>
-            <ac:spMk id="42" creationId="{00000000-0000-0000-0000-000000000000}"/>
-          </ac:spMkLst>
-        </pc:spChg>
-        <pc:spChg chg="add del mod">
-          <ac:chgData name="Ingrid Castro" userId="73b8d72571d56733" providerId="Windows Live" clId="Web-{1CFC6E96-CD92-DB7E-9D97-D911CCA9C7FA}" dt="2024-05-11T13:18:33.229" v="1095"/>
-          <ac:spMkLst>
-            <pc:docMk/>
-            <pc:sldMk cId="3160527046" sldId="258"/>
-            <ac:spMk id="43" creationId="{A7EC3AF6-7610-6801-D7A2-E7B7BEA9987D}"/>
-          </ac:spMkLst>
-        </pc:spChg>
-        <pc:spChg chg="add mod">
-          <ac:chgData name="Ingrid Castro" userId="73b8d72571d56733" providerId="Windows Live" clId="Web-{1CFC6E96-CD92-DB7E-9D97-D911CCA9C7FA}" dt="2024-05-11T17:27:37.949" v="1693" actId="20577"/>
-          <ac:spMkLst>
-            <pc:docMk/>
-            <pc:sldMk cId="3160527046" sldId="258"/>
-            <ac:spMk id="45" creationId="{B538086A-CD92-5CB0-0719-B25AB5CB2979}"/>
-          </ac:spMkLst>
-        </pc:spChg>
-        <pc:spChg chg="del">
-          <ac:chgData name="Ingrid Castro" userId="73b8d72571d56733" providerId="Windows Live" clId="Web-{1CFC6E96-CD92-DB7E-9D97-D911CCA9C7FA}" dt="2024-05-11T12:12:04.092" v="426"/>
-          <ac:spMkLst>
-            <pc:docMk/>
-            <pc:sldMk cId="3160527046" sldId="258"/>
-            <ac:spMk id="46" creationId="{BA7BC14E-5C68-4BFC-B8B8-A1CD9BF3BFC9}"/>
-          </ac:spMkLst>
-        </pc:spChg>
-        <pc:spChg chg="mod">
-          <ac:chgData name="Ingrid Castro" userId="73b8d72571d56733" providerId="Windows Live" clId="Web-{1CFC6E96-CD92-DB7E-9D97-D911CCA9C7FA}" dt="2024-05-11T22:46:03.628" v="2722" actId="1076"/>
-          <ac:spMkLst>
-            <pc:docMk/>
-            <pc:sldMk cId="3160527046" sldId="258"/>
-            <ac:spMk id="47" creationId="{C12A8FE5-E10F-498E-9E7D-EC629905A877}"/>
-          </ac:spMkLst>
-        </pc:spChg>
-        <pc:spChg chg="add mod">
-          <ac:chgData name="Ingrid Castro" userId="73b8d72571d56733" providerId="Windows Live" clId="Web-{1CFC6E96-CD92-DB7E-9D97-D911CCA9C7FA}" dt="2024-05-11T14:14:42.036" v="1403" actId="20577"/>
-          <ac:spMkLst>
-            <pc:docMk/>
-            <pc:sldMk cId="3160527046" sldId="258"/>
-            <ac:spMk id="48" creationId="{40DAD1F4-0E97-40B8-9B69-DB01F8962198}"/>
-          </ac:spMkLst>
-        </pc:spChg>
-        <pc:picChg chg="mod">
-          <ac:chgData name="Ingrid Castro" userId="73b8d72571d56733" providerId="Windows Live" clId="Web-{1CFC6E96-CD92-DB7E-9D97-D911CCA9C7FA}" dt="2024-05-11T13:22:15.502" v="1124" actId="1076"/>
-          <ac:picMkLst>
-            <pc:docMk/>
-            <pc:sldMk cId="3160527046" sldId="258"/>
-            <ac:picMk id="7" creationId="{D4EE316A-191F-8C17-4DCA-13837A0B3F98}"/>
-          </ac:picMkLst>
-        </pc:picChg>
-        <pc:picChg chg="add del mod">
-          <ac:chgData name="Ingrid Castro" userId="73b8d72571d56733" providerId="Windows Live" clId="Web-{1CFC6E96-CD92-DB7E-9D97-D911CCA9C7FA}" dt="2024-05-11T12:38:31.243" v="521"/>
-          <ac:picMkLst>
-            <pc:docMk/>
-            <pc:sldMk cId="3160527046" sldId="258"/>
-            <ac:picMk id="15" creationId="{D6277ABA-32DF-15BE-8955-4759F672964F}"/>
-          </ac:picMkLst>
-        </pc:picChg>
-        <pc:picChg chg="del">
-          <ac:chgData name="Ingrid Castro" userId="73b8d72571d56733" providerId="Windows Live" clId="Web-{1CFC6E96-CD92-DB7E-9D97-D911CCA9C7FA}" dt="2024-05-11T13:18:39.057" v="1098"/>
-          <ac:picMkLst>
-            <pc:docMk/>
-            <pc:sldMk cId="3160527046" sldId="258"/>
-            <ac:picMk id="19" creationId="{00000000-0000-0000-0000-000000000000}"/>
-          </ac:picMkLst>
-        </pc:picChg>
-        <pc:picChg chg="add mod">
-          <ac:chgData name="Ingrid Castro" userId="73b8d72571d56733" providerId="Windows Live" clId="Web-{1CFC6E96-CD92-DB7E-9D97-D911CCA9C7FA}" dt="2024-05-11T13:24:34.195" v="1152" actId="1076"/>
-          <ac:picMkLst>
-            <pc:docMk/>
-            <pc:sldMk cId="3160527046" sldId="258"/>
-            <ac:picMk id="20" creationId="{275AE0A7-9DC7-DD67-662C-A4917897D815}"/>
-          </ac:picMkLst>
-        </pc:picChg>
-        <pc:picChg chg="add del mod">
-          <ac:chgData name="Ingrid Castro" userId="73b8d72571d56733" providerId="Windows Live" clId="Web-{1CFC6E96-CD92-DB7E-9D97-D911CCA9C7FA}" dt="2024-05-11T13:00:40.530" v="889"/>
-          <ac:picMkLst>
-            <pc:docMk/>
-            <pc:sldMk cId="3160527046" sldId="258"/>
-            <ac:picMk id="22" creationId="{28B12B5F-075A-ABFC-3DF7-2AA4A6C09B89}"/>
-          </ac:picMkLst>
-        </pc:picChg>
-        <pc:picChg chg="add mod">
-          <ac:chgData name="Ingrid Castro" userId="73b8d72571d56733" providerId="Windows Live" clId="Web-{1CFC6E96-CD92-DB7E-9D97-D911CCA9C7FA}" dt="2024-05-11T23:09:09.130" v="2833" actId="1076"/>
-          <ac:picMkLst>
-            <pc:docMk/>
-            <pc:sldMk cId="3160527046" sldId="258"/>
-            <ac:picMk id="26" creationId="{2F68D4EE-63B4-B304-F1DF-2719624F6DC5}"/>
-          </ac:picMkLst>
-        </pc:picChg>
-        <pc:picChg chg="add del mod">
-          <ac:chgData name="Ingrid Castro" userId="73b8d72571d56733" providerId="Windows Live" clId="Web-{1CFC6E96-CD92-DB7E-9D97-D911CCA9C7FA}" dt="2024-05-11T13:13:52.619" v="977"/>
-          <ac:picMkLst>
-            <pc:docMk/>
-            <pc:sldMk cId="3160527046" sldId="258"/>
-            <ac:picMk id="28" creationId="{7170A07A-6F80-0960-3641-3C61A7113632}"/>
-          </ac:picMkLst>
-        </pc:picChg>
-        <pc:picChg chg="add mod">
-          <ac:chgData name="Ingrid Castro" userId="73b8d72571d56733" providerId="Windows Live" clId="Web-{1CFC6E96-CD92-DB7E-9D97-D911CCA9C7FA}" dt="2024-05-11T13:25:20.634" v="1162" actId="1076"/>
-          <ac:picMkLst>
-            <pc:docMk/>
-            <pc:sldMk cId="3160527046" sldId="258"/>
-            <ac:picMk id="35" creationId="{91B0C565-9054-B97D-81C9-AD515AA374E5}"/>
-          </ac:picMkLst>
-        </pc:picChg>
-        <pc:picChg chg="add mod">
-          <ac:chgData name="Ingrid Castro" userId="73b8d72571d56733" providerId="Windows Live" clId="Web-{1CFC6E96-CD92-DB7E-9D97-D911CCA9C7FA}" dt="2024-05-11T13:25:59.073" v="1171" actId="1076"/>
-          <ac:picMkLst>
-            <pc:docMk/>
-            <pc:sldMk cId="3160527046" sldId="258"/>
-            <ac:picMk id="44" creationId="{D09B51BD-FA5B-05C9-65DA-AAAEB3FF9EA1}"/>
-          </ac:picMkLst>
-        </pc:picChg>
-        <pc:picChg chg="del">
-          <ac:chgData name="Ingrid Castro" userId="73b8d72571d56733" providerId="Windows Live" clId="Web-{1CFC6E96-CD92-DB7E-9D97-D911CCA9C7FA}" dt="2024-05-11T13:18:26.588" v="1094"/>
-          <ac:picMkLst>
-            <pc:docMk/>
-            <pc:sldMk cId="3160527046" sldId="258"/>
-            <ac:picMk id="4098" creationId="{00000000-0000-0000-0000-000000000000}"/>
-          </ac:picMkLst>
-        </pc:picChg>
-        <pc:picChg chg="del">
-          <ac:chgData name="Ingrid Castro" userId="73b8d72571d56733" providerId="Windows Live" clId="Web-{1CFC6E96-CD92-DB7E-9D97-D911CCA9C7FA}" dt="2024-05-11T12:35:28.877" v="481"/>
-          <ac:picMkLst>
-            <pc:docMk/>
-            <pc:sldMk cId="3160527046" sldId="258"/>
-            <ac:picMk id="4100" creationId="{00000000-0000-0000-0000-000000000000}"/>
-          </ac:picMkLst>
-        </pc:picChg>
-      </pc:sldChg>
-      <pc:sldChg chg="add del replId">
-        <pc:chgData name="Ingrid Castro" userId="73b8d72571d56733" providerId="Windows Live" clId="Web-{1CFC6E96-CD92-DB7E-9D97-D911CCA9C7FA}" dt="2024-05-11T13:00:55.093" v="892"/>
-        <pc:sldMkLst>
-          <pc:docMk/>
-          <pc:sldMk cId="3127120402" sldId="259"/>
-        </pc:sldMkLst>
-      </pc:sldChg>
-    </pc:docChg>
-  </pc:docChgLst>
-  <pc:docChgLst>
-    <pc:chgData name="Ingrid Castro" userId="73b8d72571d56733" providerId="Windows Live" clId="Web-{BF0A896C-3CB8-168F-2290-1D6291211CBC}"/>
-    <pc:docChg chg="modSld">
-      <pc:chgData name="Ingrid Castro" userId="73b8d72571d56733" providerId="Windows Live" clId="Web-{BF0A896C-3CB8-168F-2290-1D6291211CBC}" dt="2024-05-09T23:28:30.591" v="302" actId="20577"/>
-      <pc:docMkLst>
-        <pc:docMk/>
-      </pc:docMkLst>
-      <pc:sldChg chg="modSp">
-        <pc:chgData name="Ingrid Castro" userId="73b8d72571d56733" providerId="Windows Live" clId="Web-{BF0A896C-3CB8-168F-2290-1D6291211CBC}" dt="2024-05-09T23:28:30.591" v="302" actId="20577"/>
-        <pc:sldMkLst>
-          <pc:docMk/>
-          <pc:sldMk cId="3160527046" sldId="258"/>
-        </pc:sldMkLst>
-        <pc:spChg chg="mod">
-          <ac:chgData name="Ingrid Castro" userId="73b8d72571d56733" providerId="Windows Live" clId="Web-{BF0A896C-3CB8-168F-2290-1D6291211CBC}" dt="2024-05-09T23:28:30.591" v="302" actId="20577"/>
-          <ac:spMkLst>
-            <pc:docMk/>
-            <pc:sldMk cId="3160527046" sldId="258"/>
-            <ac:spMk id="2" creationId="{00000000-0000-0000-0000-000000000000}"/>
-          </ac:spMkLst>
-        </pc:spChg>
-        <pc:spChg chg="mod">
-          <ac:chgData name="Ingrid Castro" userId="73b8d72571d56733" providerId="Windows Live" clId="Web-{BF0A896C-3CB8-168F-2290-1D6291211CBC}" dt="2024-05-09T23:07:32.187" v="57" actId="20577"/>
-          <ac:spMkLst>
-            <pc:docMk/>
-            <pc:sldMk cId="3160527046" sldId="258"/>
-            <ac:spMk id="16" creationId="{00000000-0000-0000-0000-000000000000}"/>
-          </ac:spMkLst>
-        </pc:spChg>
-        <pc:spChg chg="mod">
-          <ac:chgData name="Ingrid Castro" userId="73b8d72571d56733" providerId="Windows Live" clId="Web-{BF0A896C-3CB8-168F-2290-1D6291211CBC}" dt="2024-05-09T23:05:51.840" v="27" actId="20577"/>
-          <ac:spMkLst>
-            <pc:docMk/>
-            <pc:sldMk cId="3160527046" sldId="258"/>
-            <ac:spMk id="18" creationId="{00000000-0000-0000-0000-000000000000}"/>
-          </ac:spMkLst>
-        </pc:spChg>
-      </pc:sldChg>
-    </pc:docChg>
-  </pc:docChgLst>
-  <pc:docChgLst>
-    <pc:chgData name="Ingrid Castro" userId="73b8d72571d56733" providerId="Windows Live" clId="Web-{CEA858CD-CA47-587B-678A-1C5E2B75AB1A}"/>
-    <pc:docChg chg="modSld">
-      <pc:chgData name="Ingrid Castro" userId="73b8d72571d56733" providerId="Windows Live" clId="Web-{CEA858CD-CA47-587B-678A-1C5E2B75AB1A}" dt="2024-05-13T14:12:42.245" v="9" actId="1076"/>
-      <pc:docMkLst>
-        <pc:docMk/>
-      </pc:docMkLst>
-      <pc:sldChg chg="modSp">
-        <pc:chgData name="Ingrid Castro" userId="73b8d72571d56733" providerId="Windows Live" clId="Web-{CEA858CD-CA47-587B-678A-1C5E2B75AB1A}" dt="2024-05-13T14:12:42.245" v="9" actId="1076"/>
-        <pc:sldMkLst>
-          <pc:docMk/>
-          <pc:sldMk cId="3160527046" sldId="258"/>
-        </pc:sldMkLst>
-        <pc:spChg chg="mod">
-          <ac:chgData name="Ingrid Castro" userId="73b8d72571d56733" providerId="Windows Live" clId="Web-{CEA858CD-CA47-587B-678A-1C5E2B75AB1A}" dt="2024-05-13T14:12:30.338" v="7" actId="20577"/>
-          <ac:spMkLst>
-            <pc:docMk/>
-            <pc:sldMk cId="3160527046" sldId="258"/>
-            <ac:spMk id="40" creationId="{00000000-0000-0000-0000-000000000000}"/>
-          </ac:spMkLst>
-        </pc:spChg>
-        <pc:picChg chg="mod">
-          <ac:chgData name="Ingrid Castro" userId="73b8d72571d56733" providerId="Windows Live" clId="Web-{CEA858CD-CA47-587B-678A-1C5E2B75AB1A}" dt="2024-05-13T14:12:42.245" v="9" actId="1076"/>
-          <ac:picMkLst>
-            <pc:docMk/>
-            <pc:sldMk cId="3160527046" sldId="258"/>
-            <ac:picMk id="26" creationId="{2F68D4EE-63B4-B304-F1DF-2719624F6DC5}"/>
-          </ac:picMkLst>
-        </pc:picChg>
-      </pc:sldChg>
-    </pc:docChg>
-  </pc:docChgLst>
-  <pc:docChgLst>
-    <pc:chgData name="Ingrid Castro" userId="73b8d72571d56733" providerId="Windows Live" clId="Web-{53463F5A-0479-804E-3D88-BB5129ECB863}"/>
-    <pc:docChg chg="modSld">
-      <pc:chgData name="Ingrid Castro" userId="73b8d72571d56733" providerId="Windows Live" clId="Web-{53463F5A-0479-804E-3D88-BB5129ECB863}" dt="2024-05-10T01:14:26.736" v="119" actId="1076"/>
-      <pc:docMkLst>
-        <pc:docMk/>
-      </pc:docMkLst>
-      <pc:sldChg chg="addSp delSp modSp">
-        <pc:chgData name="Ingrid Castro" userId="73b8d72571d56733" providerId="Windows Live" clId="Web-{53463F5A-0479-804E-3D88-BB5129ECB863}" dt="2024-05-10T01:14:26.736" v="119" actId="1076"/>
-        <pc:sldMkLst>
-          <pc:docMk/>
-          <pc:sldMk cId="3160527046" sldId="258"/>
-        </pc:sldMkLst>
-        <pc:spChg chg="mod">
-          <ac:chgData name="Ingrid Castro" userId="73b8d72571d56733" providerId="Windows Live" clId="Web-{53463F5A-0479-804E-3D88-BB5129ECB863}" dt="2024-05-10T00:36:33.890" v="8" actId="20577"/>
-          <ac:spMkLst>
-            <pc:docMk/>
-            <pc:sldMk cId="3160527046" sldId="258"/>
-            <ac:spMk id="2" creationId="{00000000-0000-0000-0000-000000000000}"/>
-          </ac:spMkLst>
-        </pc:spChg>
-        <pc:spChg chg="mod">
-          <ac:chgData name="Ingrid Castro" userId="73b8d72571d56733" providerId="Windows Live" clId="Web-{53463F5A-0479-804E-3D88-BB5129ECB863}" dt="2024-05-10T00:40:55.710" v="111" actId="20577"/>
-          <ac:spMkLst>
-            <pc:docMk/>
-            <pc:sldMk cId="3160527046" sldId="258"/>
-            <ac:spMk id="32" creationId="{00000000-0000-0000-0000-000000000000}"/>
-          </ac:spMkLst>
-        </pc:spChg>
-        <pc:spChg chg="mod">
-          <ac:chgData name="Ingrid Castro" userId="73b8d72571d56733" providerId="Windows Live" clId="Web-{53463F5A-0479-804E-3D88-BB5129ECB863}" dt="2024-05-10T00:37:11.578" v="29" actId="20577"/>
-          <ac:spMkLst>
-            <pc:docMk/>
-            <pc:sldMk cId="3160527046" sldId="258"/>
-            <ac:spMk id="40" creationId="{00000000-0000-0000-0000-000000000000}"/>
-          </ac:spMkLst>
-        </pc:spChg>
-        <pc:spChg chg="mod">
-          <ac:chgData name="Ingrid Castro" userId="73b8d72571d56733" providerId="Windows Live" clId="Web-{53463F5A-0479-804E-3D88-BB5129ECB863}" dt="2024-05-10T00:39:56.395" v="66" actId="20577"/>
-          <ac:spMkLst>
-            <pc:docMk/>
-            <pc:sldMk cId="3160527046" sldId="258"/>
-            <ac:spMk id="41" creationId="{00000000-0000-0000-0000-000000000000}"/>
-          </ac:spMkLst>
-        </pc:spChg>
-        <pc:picChg chg="add mod">
-          <ac:chgData name="Ingrid Castro" userId="73b8d72571d56733" providerId="Windows Live" clId="Web-{53463F5A-0479-804E-3D88-BB5129ECB863}" dt="2024-05-10T01:14:26.736" v="119" actId="1076"/>
-          <ac:picMkLst>
-            <pc:docMk/>
-            <pc:sldMk cId="3160527046" sldId="258"/>
-            <ac:picMk id="7" creationId="{D4EE316A-191F-8C17-4DCA-13837A0B3F98}"/>
-          </ac:picMkLst>
-        </pc:picChg>
-        <pc:picChg chg="del">
-          <ac:chgData name="Ingrid Castro" userId="73b8d72571d56733" providerId="Windows Live" clId="Web-{53463F5A-0479-804E-3D88-BB5129ECB863}" dt="2024-05-10T01:13:47.218" v="112"/>
-          <ac:picMkLst>
-            <pc:docMk/>
-            <pc:sldMk cId="3160527046" sldId="258"/>
-            <ac:picMk id="4099" creationId="{00000000-0000-0000-0000-000000000000}"/>
-          </ac:picMkLst>
-        </pc:picChg>
-      </pc:sldChg>
-    </pc:docChg>
-  </pc:docChgLst>
-</pc:chgInfo>
 </file>
 
 <file path=ppt/handoutMasters/handoutMaster1.xml><?xml version="1.0" encoding="utf-8"?>
@@ -1034,7 +289,7 @@
             <a:fld id="{0158C5BC-9A70-462C-B28D-9600239EAC64}" type="datetimeFigureOut">
               <a:rPr lang="en-US" smtClean="0"/>
               <a:pPr/>
-              <a:t>5/13/2024</a:t>
+              <a:t>5/16/2024</a:t>
             </a:fld>
             <a:endParaRPr lang="en-US"/>
           </a:p>
@@ -1101,7 +356,7 @@
             <a:fld id="{79C131B7-05CA-4AEE-9267-6D0ED4DC84F3}" type="slidenum">
               <a:rPr lang="en-US" smtClean="0"/>
               <a:pPr/>
-              <a:t>‹#›</a:t>
+              <a:t>‹nº›</a:t>
             </a:fld>
             <a:endParaRPr lang="en-US"/>
           </a:p>
@@ -1167,7 +422,7 @@
             </a:lvl1pPr>
           </a:lstStyle>
           <a:p>
-            <a:endParaRPr lang="en-US" dirty="0"/>
+            <a:endParaRPr lang="en-US"/>
           </a:p>
         </p:txBody>
       </p:sp>
@@ -1201,9 +456,9 @@
             <a:fld id="{E6CC2317-6751-4CD4-9995-8782DD78E936}" type="datetimeFigureOut">
               <a:rPr lang="en-US" smtClean="0"/>
               <a:pPr/>
-              <a:t>5/13/2024</a:t>
+              <a:t>5/16/2024</a:t>
             </a:fld>
-            <a:endParaRPr lang="en-US" dirty="0"/>
+            <a:endParaRPr lang="en-US"/>
           </a:p>
         </p:txBody>
       </p:sp>
@@ -1236,7 +491,7 @@
           <a:bodyPr vert="horz" lIns="91440" tIns="45720" rIns="91440" bIns="45720" rtlCol="0" anchor="ctr"/>
           <a:lstStyle/>
           <a:p>
-            <a:endParaRPr lang="en-US" dirty="0"/>
+            <a:endParaRPr lang="en-US"/>
           </a:p>
         </p:txBody>
       </p:sp>
@@ -1328,7 +583,7 @@
             </a:lvl1pPr>
           </a:lstStyle>
           <a:p>
-            <a:endParaRPr lang="en-US" dirty="0"/>
+            <a:endParaRPr lang="en-US"/>
           </a:p>
         </p:txBody>
       </p:sp>
@@ -1362,9 +617,9 @@
             <a:fld id="{26A1A87D-CAF7-4BDC-A0D3-C0DBEDE81619}" type="slidenum">
               <a:rPr lang="en-US" smtClean="0"/>
               <a:pPr/>
-              <a:t>‹#›</a:t>
+              <a:t>‹nº›</a:t>
             </a:fld>
-            <a:endParaRPr lang="en-US" dirty="0"/>
+            <a:endParaRPr lang="en-US"/>
           </a:p>
         </p:txBody>
       </p:sp>
@@ -1515,7 +770,7 @@
           <a:bodyPr/>
           <a:lstStyle/>
           <a:p>
-            <a:endParaRPr lang="en-IE" dirty="0"/>
+            <a:endParaRPr lang="en-IE"/>
           </a:p>
         </p:txBody>
       </p:sp>
@@ -1539,7 +794,7 @@
               <a:pPr/>
               <a:t>1</a:t>
             </a:fld>
-            <a:endParaRPr lang="en-US" dirty="0"/>
+            <a:endParaRPr lang="en-US"/>
           </a:p>
         </p:txBody>
       </p:sp>
@@ -1633,7 +888,7 @@
           <a:p>
             <a:pPr lvl="0"/>
             <a:r>
-              <a:rPr lang="en-US" dirty="0"/>
+              <a:rPr lang="en-US"/>
               <a:t>Type in or paste your text here</a:t>
             </a:r>
           </a:p>
@@ -1678,7 +933,7 @@
           <a:p>
             <a:pPr lvl="0"/>
             <a:r>
-              <a:rPr lang="en-US" dirty="0"/>
+              <a:rPr lang="en-US"/>
               <a:t>(click to edit) INTRODUCTION or ABSTRACT</a:t>
             </a:r>
           </a:p>
@@ -1723,7 +978,7 @@
           <a:p>
             <a:pPr lvl="0"/>
             <a:r>
-              <a:rPr lang="en-US" dirty="0"/>
+              <a:rPr lang="en-US"/>
               <a:t>(click to edit)  OBJECTIVES</a:t>
             </a:r>
           </a:p>
@@ -1789,7 +1044,7 @@
           <a:p>
             <a:pPr lvl="0"/>
             <a:r>
-              <a:rPr lang="en-US" dirty="0"/>
+              <a:rPr lang="en-US"/>
               <a:t>Type in or paste your text here</a:t>
             </a:r>
           </a:p>
@@ -1834,7 +1089,7 @@
           <a:p>
             <a:pPr lvl="0"/>
             <a:r>
-              <a:rPr lang="en-US" dirty="0"/>
+              <a:rPr lang="en-US"/>
               <a:t>(click to edit)  MATERIALS &amp; METHODS</a:t>
             </a:r>
           </a:p>
@@ -1900,7 +1155,7 @@
           <a:p>
             <a:pPr lvl="0"/>
             <a:r>
-              <a:rPr lang="en-US" dirty="0"/>
+              <a:rPr lang="en-US"/>
               <a:t>Type in or paste your text here</a:t>
             </a:r>
           </a:p>
@@ -1945,7 +1200,7 @@
           <a:p>
             <a:pPr lvl="0"/>
             <a:r>
-              <a:rPr lang="en-US" dirty="0"/>
+              <a:rPr lang="en-US"/>
               <a:t>(click to edit)  RESULTS</a:t>
             </a:r>
           </a:p>
@@ -1990,7 +1245,7 @@
           <a:p>
             <a:pPr lvl="0"/>
             <a:r>
-              <a:rPr lang="en-US" dirty="0"/>
+              <a:rPr lang="en-US"/>
               <a:t>(click to edit)  CONCLUSIONS</a:t>
             </a:r>
           </a:p>
@@ -2056,7 +1311,7 @@
           <a:p>
             <a:pPr lvl="0"/>
             <a:r>
-              <a:rPr lang="en-US" dirty="0"/>
+              <a:rPr lang="en-US"/>
               <a:t>Type in or paste your text here</a:t>
             </a:r>
           </a:p>
@@ -2101,7 +1356,7 @@
           <a:p>
             <a:pPr lvl="0"/>
             <a:r>
-              <a:rPr lang="en-US" dirty="0"/>
+              <a:rPr lang="en-US"/>
               <a:t>(click to edit)  REFERENCES</a:t>
             </a:r>
           </a:p>
@@ -2167,7 +1422,7 @@
           <a:p>
             <a:pPr lvl="0"/>
             <a:r>
-              <a:rPr lang="en-US" dirty="0"/>
+              <a:rPr lang="en-US"/>
               <a:t>Type in or paste your text here</a:t>
             </a:r>
           </a:p>
@@ -2212,7 +1467,7 @@
           <a:p>
             <a:pPr lvl="0"/>
             <a:r>
-              <a:rPr lang="en-US" dirty="0"/>
+              <a:rPr lang="en-US"/>
               <a:t>(click to edit)  ACKNOWLEDGEMENTS or  CONTACT</a:t>
             </a:r>
           </a:p>
@@ -2278,7 +1533,7 @@
           <a:p>
             <a:pPr lvl="0"/>
             <a:r>
-              <a:rPr lang="en-US" dirty="0"/>
+              <a:rPr lang="en-US"/>
               <a:t>Type in or paste your text here</a:t>
             </a:r>
           </a:p>
@@ -2344,7 +1599,7 @@
           <a:p>
             <a:pPr lvl="0"/>
             <a:r>
-              <a:rPr lang="en-US" dirty="0"/>
+              <a:rPr lang="en-US"/>
               <a:t>Type in or paste your text here</a:t>
             </a:r>
           </a:p>
@@ -2408,7 +1663,7 @@
           <a:p>
             <a:pPr lvl="0"/>
             <a:r>
-              <a:rPr lang="en-US" dirty="0"/>
+              <a:rPr lang="en-US"/>
               <a:t>Click here to add affiliations</a:t>
             </a:r>
           </a:p>
@@ -2472,7 +1727,7 @@
           <a:p>
             <a:pPr lvl="0"/>
             <a:r>
-              <a:rPr lang="en-US" dirty="0"/>
+              <a:rPr lang="en-US"/>
               <a:t>Click here to add authors</a:t>
             </a:r>
           </a:p>
@@ -2536,7 +1791,7 @@
           <a:p>
             <a:pPr lvl="0"/>
             <a:r>
-              <a:rPr lang="en-US" dirty="0"/>
+              <a:rPr lang="en-US"/>
               <a:t>Click here to add title</a:t>
             </a:r>
           </a:p>
@@ -2627,7 +1882,7 @@
           <a:p>
             <a:pPr lvl="0"/>
             <a:r>
-              <a:rPr lang="en-US" dirty="0"/>
+              <a:rPr lang="en-US"/>
               <a:t>Type in or paste your text here</a:t>
             </a:r>
           </a:p>
@@ -2672,7 +1927,7 @@
           <a:p>
             <a:pPr lvl="0"/>
             <a:r>
-              <a:rPr lang="en-US" dirty="0"/>
+              <a:rPr lang="en-US"/>
               <a:t>(click to add) INTRODUCTION or ABSTRACT</a:t>
             </a:r>
           </a:p>
@@ -2738,7 +1993,7 @@
           <a:p>
             <a:pPr lvl="0"/>
             <a:r>
-              <a:rPr lang="en-US" dirty="0"/>
+              <a:rPr lang="en-US"/>
               <a:t>Type in or paste your text here</a:t>
             </a:r>
           </a:p>
@@ -2783,7 +2038,7 @@
           <a:p>
             <a:pPr lvl="0"/>
             <a:r>
-              <a:rPr lang="en-US" dirty="0"/>
+              <a:rPr lang="en-US"/>
               <a:t>(click to add)  OBJECTIVES</a:t>
             </a:r>
           </a:p>
@@ -2849,7 +2104,7 @@
           <a:p>
             <a:pPr lvl="0"/>
             <a:r>
-              <a:rPr lang="en-US" dirty="0"/>
+              <a:rPr lang="en-US"/>
               <a:t>Type in or paste your text here</a:t>
             </a:r>
           </a:p>
@@ -2894,7 +2149,7 @@
           <a:p>
             <a:pPr lvl="0"/>
             <a:r>
-              <a:rPr lang="en-US" dirty="0"/>
+              <a:rPr lang="en-US"/>
               <a:t>(click to add)  MATERIALS &amp; METHODS</a:t>
             </a:r>
           </a:p>
@@ -2960,7 +2215,7 @@
           <a:p>
             <a:pPr lvl="0"/>
             <a:r>
-              <a:rPr lang="en-US" dirty="0"/>
+              <a:rPr lang="en-US"/>
               <a:t>Type in or paste your text here</a:t>
             </a:r>
           </a:p>
@@ -3005,7 +2260,7 @@
           <a:p>
             <a:pPr lvl="0"/>
             <a:r>
-              <a:rPr lang="en-US" dirty="0"/>
+              <a:rPr lang="en-US"/>
               <a:t>(click to add)  RESULTS</a:t>
             </a:r>
           </a:p>
@@ -3050,7 +2305,7 @@
           <a:p>
             <a:pPr lvl="0"/>
             <a:r>
-              <a:rPr lang="en-US" dirty="0"/>
+              <a:rPr lang="en-US"/>
               <a:t>(click to add)  CONCLUSIONS</a:t>
             </a:r>
           </a:p>
@@ -3116,7 +2371,7 @@
           <a:p>
             <a:pPr lvl="0"/>
             <a:r>
-              <a:rPr lang="en-US" dirty="0"/>
+              <a:rPr lang="en-US"/>
               <a:t>Type in or paste your text here</a:t>
             </a:r>
           </a:p>
@@ -3162,7 +2417,7 @@
           <a:p>
             <a:pPr lvl="0"/>
             <a:r>
-              <a:rPr lang="en-US" dirty="0"/>
+              <a:rPr lang="en-US"/>
               <a:t>(click to add)  REFERENCES</a:t>
             </a:r>
           </a:p>
@@ -3228,7 +2483,7 @@
           <a:p>
             <a:pPr lvl="0"/>
             <a:r>
-              <a:rPr lang="en-US" dirty="0"/>
+              <a:rPr lang="en-US"/>
               <a:t>Type in or paste your text here</a:t>
             </a:r>
           </a:p>
@@ -3273,7 +2528,7 @@
           <a:p>
             <a:pPr lvl="0"/>
             <a:r>
-              <a:rPr lang="en-US" dirty="0"/>
+              <a:rPr lang="en-US"/>
               <a:t>(click to add)  ACKNOWLEDGEMENTS  or  CONTACT</a:t>
             </a:r>
           </a:p>
@@ -3339,7 +2594,7 @@
           <a:p>
             <a:pPr lvl="0"/>
             <a:r>
-              <a:rPr lang="en-US" dirty="0"/>
+              <a:rPr lang="en-US"/>
               <a:t>Type in or paste your text here</a:t>
             </a:r>
           </a:p>
@@ -3403,7 +2658,7 @@
           <a:p>
             <a:pPr lvl="0"/>
             <a:r>
-              <a:rPr lang="en-US" dirty="0"/>
+              <a:rPr lang="en-US"/>
               <a:t>Click here to add affiliations</a:t>
             </a:r>
           </a:p>
@@ -3467,7 +2722,7 @@
           <a:p>
             <a:pPr lvl="0"/>
             <a:r>
-              <a:rPr lang="en-US" dirty="0"/>
+              <a:rPr lang="en-US"/>
               <a:t>Click here to add authors</a:t>
             </a:r>
           </a:p>
@@ -3531,7 +2786,7 @@
           <a:p>
             <a:pPr lvl="0"/>
             <a:r>
-              <a:rPr lang="en-US" dirty="0"/>
+              <a:rPr lang="en-US"/>
               <a:t>Click here to add title</a:t>
             </a:r>
           </a:p>
@@ -3616,7 +2871,7 @@
           <a:p>
             <a:pPr lvl="0"/>
             <a:r>
-              <a:rPr lang="en-US" dirty="0"/>
+              <a:rPr lang="en-US"/>
               <a:t>Enter your text here</a:t>
             </a:r>
           </a:p>
@@ -3661,7 +2916,7 @@
           <a:p>
             <a:pPr lvl="0"/>
             <a:r>
-              <a:rPr lang="en-US" dirty="0"/>
+              <a:rPr lang="en-US"/>
               <a:t>(click to add) INTRODUCTION or ABSTRACT</a:t>
             </a:r>
           </a:p>
@@ -3721,7 +2976,7 @@
           <a:p>
             <a:pPr lvl="0"/>
             <a:r>
-              <a:rPr lang="en-US" dirty="0"/>
+              <a:rPr lang="en-US"/>
               <a:t>Enter your text here</a:t>
             </a:r>
           </a:p>
@@ -3766,7 +3021,7 @@
           <a:p>
             <a:pPr lvl="0"/>
             <a:r>
-              <a:rPr lang="en-US" dirty="0"/>
+              <a:rPr lang="en-US"/>
               <a:t>(click to add)  OBJECTIVES</a:t>
             </a:r>
           </a:p>
@@ -3826,7 +3081,7 @@
           <a:p>
             <a:pPr lvl="0"/>
             <a:r>
-              <a:rPr lang="en-US" dirty="0"/>
+              <a:rPr lang="en-US"/>
               <a:t>Enter your text here</a:t>
             </a:r>
           </a:p>
@@ -3871,7 +3126,7 @@
           <a:p>
             <a:pPr lvl="0"/>
             <a:r>
-              <a:rPr lang="en-US" dirty="0"/>
+              <a:rPr lang="en-US"/>
               <a:t>(header)  MATERIALS &amp; METHODS</a:t>
             </a:r>
           </a:p>
@@ -3931,7 +3186,7 @@
           <a:p>
             <a:pPr lvl="0"/>
             <a:r>
-              <a:rPr lang="en-US" dirty="0"/>
+              <a:rPr lang="en-US"/>
               <a:t>Enter your text here</a:t>
             </a:r>
           </a:p>
@@ -3976,7 +3231,7 @@
           <a:p>
             <a:pPr lvl="0"/>
             <a:r>
-              <a:rPr lang="en-US" dirty="0"/>
+              <a:rPr lang="en-US"/>
               <a:t>(click to add)  RESULTS</a:t>
             </a:r>
           </a:p>
@@ -4021,7 +3276,7 @@
           <a:p>
             <a:pPr lvl="0"/>
             <a:r>
-              <a:rPr lang="en-US" dirty="0"/>
+              <a:rPr lang="en-US"/>
               <a:t>(click to add) CONCLUSIONS</a:t>
             </a:r>
           </a:p>
@@ -4081,7 +3336,7 @@
           <a:p>
             <a:pPr lvl="0"/>
             <a:r>
-              <a:rPr lang="en-US" dirty="0"/>
+              <a:rPr lang="en-US"/>
               <a:t>Enter your text here</a:t>
             </a:r>
           </a:p>
@@ -4126,7 +3381,7 @@
           <a:p>
             <a:pPr lvl="0"/>
             <a:r>
-              <a:rPr lang="en-US" dirty="0"/>
+              <a:rPr lang="en-US"/>
               <a:t>(click to add) REFERENCES</a:t>
             </a:r>
           </a:p>
@@ -4186,7 +3441,7 @@
           <a:p>
             <a:pPr lvl="0"/>
             <a:r>
-              <a:rPr lang="en-US" dirty="0"/>
+              <a:rPr lang="en-US"/>
               <a:t>Enter your text here</a:t>
             </a:r>
           </a:p>
@@ -4231,7 +3486,7 @@
           <a:p>
             <a:pPr lvl="0"/>
             <a:r>
-              <a:rPr lang="en-US" dirty="0"/>
+              <a:rPr lang="en-US"/>
               <a:t>(click to add)  ACKNOWLEDGEMENTS or CONTACT</a:t>
             </a:r>
           </a:p>
@@ -4291,7 +3546,7 @@
           <a:p>
             <a:pPr lvl="0"/>
             <a:r>
-              <a:rPr lang="en-US" dirty="0"/>
+              <a:rPr lang="en-US"/>
               <a:t>Enter your text here</a:t>
             </a:r>
           </a:p>
@@ -4355,7 +3610,7 @@
           <a:p>
             <a:pPr lvl="0"/>
             <a:r>
-              <a:rPr lang="en-US" dirty="0"/>
+              <a:rPr lang="en-US"/>
               <a:t>Click here to add affiliations</a:t>
             </a:r>
           </a:p>
@@ -4419,7 +3674,7 @@
           <a:p>
             <a:pPr lvl="0"/>
             <a:r>
-              <a:rPr lang="en-US" dirty="0"/>
+              <a:rPr lang="en-US"/>
               <a:t>Click here to add authors</a:t>
             </a:r>
           </a:p>
@@ -4483,7 +3738,7 @@
           <a:p>
             <a:pPr lvl="0"/>
             <a:r>
-              <a:rPr lang="en-US" dirty="0"/>
+              <a:rPr lang="en-US"/>
               <a:t>Click here to add title</a:t>
             </a:r>
           </a:p>
@@ -4580,7 +3835,7 @@
             <a:pPr>
               <a:defRPr/>
             </a:pPr>
-            <a:endParaRPr lang="en-US" dirty="0"/>
+            <a:endParaRPr lang="en-US"/>
           </a:p>
         </p:txBody>
       </p:sp>
@@ -4624,7 +3879,7 @@
             <a:pPr>
               <a:defRPr/>
             </a:pPr>
-            <a:endParaRPr lang="en-US" dirty="0"/>
+            <a:endParaRPr lang="en-US"/>
           </a:p>
         </p:txBody>
       </p:sp>
@@ -4669,7 +3924,7 @@
               <a:defRPr/>
             </a:pPr>
             <a:r>
-              <a:rPr lang="en-US" sz="500" b="1" dirty="0">
+              <a:rPr lang="en-US" sz="500" b="1">
                 <a:solidFill>
                   <a:schemeClr val="bg1">
                     <a:lumMod val="75000"/>
@@ -4691,7 +3946,7 @@
               <a:defRPr/>
             </a:pPr>
             <a:r>
-              <a:rPr lang="en-US" sz="1100" b="1" dirty="0">
+              <a:rPr lang="en-US" sz="1100" b="1">
                 <a:solidFill>
                   <a:schemeClr val="bg1">
                     <a:lumMod val="75000"/>
@@ -5036,7 +4291,7 @@
                 <a:defRPr/>
               </a:pPr>
               <a:r>
-                <a:rPr lang="en-US" sz="3200" b="1" spc="0" dirty="0">
+                <a:rPr lang="en-US" sz="3200" b="1" spc="0">
                   <a:solidFill>
                     <a:srgbClr val="FF0000"/>
                   </a:solidFill>
@@ -5044,7 +4299,7 @@
                 </a:rPr>
                 <a:t>(—THIS SIDEBAR DOES NOT PRINT—)</a:t>
               </a:r>
-              <a:endParaRPr lang="en-US" sz="3200" b="1" spc="600" dirty="0">
+              <a:endParaRPr lang="en-US" sz="3200" b="1" spc="600">
                 <a:solidFill>
                   <a:schemeClr val="bg1"/>
                 </a:solidFill>
@@ -5054,7 +4309,7 @@
             <a:p>
               <a:pPr algn="ctr"/>
               <a:r>
-                <a:rPr lang="en-US" sz="4000" b="1" spc="600" dirty="0">
+                <a:rPr lang="en-US" sz="4000" b="1" spc="600">
                   <a:solidFill>
                     <a:schemeClr val="bg1"/>
                   </a:solidFill>
@@ -5063,7 +4318,7 @@
                 <a:t>DESIGN</a:t>
               </a:r>
               <a:r>
-                <a:rPr lang="en-US" sz="4000" b="1" spc="600" baseline="0" dirty="0">
+                <a:rPr lang="en-US" sz="4000" b="1" spc="600" baseline="0">
                   <a:solidFill>
                     <a:schemeClr val="bg1"/>
                   </a:solidFill>
@@ -5072,7 +4327,7 @@
                 <a:t> </a:t>
               </a:r>
               <a:r>
-                <a:rPr lang="en-US" sz="4000" b="1" spc="600" dirty="0">
+                <a:rPr lang="en-US" sz="4000" b="1" spc="600">
                   <a:solidFill>
                     <a:schemeClr val="bg1"/>
                   </a:solidFill>
@@ -5083,80 +4338,80 @@
             </a:p>
             <a:p>
               <a:pPr algn="ctr"/>
-              <a:endParaRPr lang="en-US" sz="2800" b="1" dirty="0">
+              <a:endParaRPr lang="en-US" sz="2800" b="1">
                 <a:latin typeface="Trebuchet MS" pitchFamily="34" charset="0"/>
               </a:endParaRPr>
             </a:p>
             <a:p>
               <a:pPr defTabSz="3765639"/>
               <a:r>
-                <a:rPr lang="en-US" sz="2800" i="0" dirty="0">
+                <a:rPr lang="en-US" sz="2800" i="0">
                   <a:latin typeface="Trebuchet MS" pitchFamily="34" charset="0"/>
                 </a:rPr>
                 <a:t>This PowerPoint</a:t>
               </a:r>
               <a:r>
-                <a:rPr lang="en-US" sz="2800" i="0" baseline="0" dirty="0">
+                <a:rPr lang="en-US" sz="2800" i="0" baseline="0">
                   <a:latin typeface="Trebuchet MS" pitchFamily="34" charset="0"/>
                 </a:rPr>
                 <a:t> </a:t>
               </a:r>
               <a:r>
-                <a:rPr lang="en-US" sz="2800" i="0" dirty="0">
+                <a:rPr lang="en-US" sz="2800" i="0">
                   <a:latin typeface="Trebuchet MS" pitchFamily="34" charset="0"/>
                 </a:rPr>
                 <a:t>2007 template produces</a:t>
               </a:r>
               <a:r>
-                <a:rPr lang="en-US" sz="2800" i="0" baseline="0" dirty="0">
+                <a:rPr lang="en-US" sz="2800" i="0" baseline="0">
                   <a:latin typeface="Trebuchet MS" pitchFamily="34" charset="0"/>
                 </a:rPr>
                 <a:t> </a:t>
               </a:r>
               <a:r>
-                <a:rPr lang="en-US" sz="2800" i="0" dirty="0">
+                <a:rPr lang="en-US" sz="2800" i="0">
                   <a:latin typeface="Trebuchet MS" pitchFamily="34" charset="0"/>
                 </a:rPr>
                 <a:t>a 36”x48” presentation poster. </a:t>
               </a:r>
               <a:r>
-                <a:rPr lang="en-US" sz="2800" dirty="0">
+                <a:rPr lang="en-US" sz="2800">
                   <a:latin typeface="Trebuchet MS" pitchFamily="34" charset="0"/>
                 </a:rPr>
                 <a:t>You</a:t>
               </a:r>
               <a:r>
-                <a:rPr lang="en-US" sz="2800" baseline="0" dirty="0">
+                <a:rPr lang="en-US" sz="2800" baseline="0">
                   <a:latin typeface="Trebuchet MS" pitchFamily="34" charset="0"/>
                 </a:rPr>
                 <a:t> can u</a:t>
               </a:r>
               <a:r>
-                <a:rPr lang="en-US" sz="2800" dirty="0">
+                <a:rPr lang="en-US" sz="2800">
                   <a:latin typeface="Trebuchet MS" pitchFamily="34" charset="0"/>
                 </a:rPr>
                 <a:t>se</a:t>
               </a:r>
               <a:r>
-                <a:rPr lang="en-US" sz="2800" baseline="0" dirty="0">
+                <a:rPr lang="en-US" sz="2800" baseline="0">
                   <a:latin typeface="Trebuchet MS" pitchFamily="34" charset="0"/>
                 </a:rPr>
                 <a:t> it to create your research poster and </a:t>
               </a:r>
               <a:r>
-                <a:rPr lang="en-US" sz="2800" dirty="0">
+                <a:rPr lang="en-US" sz="2800">
                   <a:latin typeface="Trebuchet MS" pitchFamily="34" charset="0"/>
                 </a:rPr>
                 <a:t>save valuable time placing titles, subtitles,</a:t>
               </a:r>
               <a:r>
-                <a:rPr lang="en-US" sz="2800" baseline="0" dirty="0">
+                <a:rPr lang="en-US" sz="2800" baseline="0">
                   <a:latin typeface="Trebuchet MS" pitchFamily="34" charset="0"/>
                 </a:rPr>
                 <a:t> text, and graphics</a:t>
               </a:r>
               <a:r>
-                <a:rPr lang="en-US" sz="2800" dirty="0">
+                <a:rPr lang="en-US" sz="2800">
                   <a:latin typeface="Trebuchet MS" pitchFamily="34" charset="0"/>
                 </a:rPr>
                 <a:t>. </a:t>
@@ -5164,20 +4419,20 @@
             </a:p>
             <a:p>
               <a:pPr defTabSz="3765639"/>
-              <a:endParaRPr lang="en-US" sz="2800" dirty="0">
+              <a:endParaRPr lang="en-US" sz="2800">
                 <a:latin typeface="Trebuchet MS" pitchFamily="34" charset="0"/>
               </a:endParaRPr>
             </a:p>
             <a:p>
               <a:pPr defTabSz="4389219"/>
               <a:r>
-                <a:rPr lang="en-US" sz="2800" dirty="0">
+                <a:rPr lang="en-US" sz="2800">
                   <a:latin typeface="Trebuchet MS" pitchFamily="34" charset="0"/>
                 </a:rPr>
                 <a:t>We provide a series of online tutorials that will guide you through the poster design process and answer your poster production questions. To view our template tutorials, go online to </a:t>
               </a:r>
               <a:r>
-                <a:rPr lang="en-US" sz="2800" b="1" dirty="0">
+                <a:rPr lang="en-US" sz="2800" b="1">
                   <a:solidFill>
                     <a:srgbClr val="FFC000"/>
                   </a:solidFill>
@@ -5186,7 +4441,7 @@
                 <a:t>PosterPresentations.com</a:t>
               </a:r>
               <a:r>
-                <a:rPr lang="en-US" sz="2800" b="1" dirty="0">
+                <a:rPr lang="en-US" sz="2800" b="1">
                   <a:solidFill>
                     <a:schemeClr val="bg1"/>
                   </a:solidFill>
@@ -5195,7 +4450,7 @@
                 <a:t> </a:t>
               </a:r>
               <a:r>
-                <a:rPr lang="en-US" sz="2800" dirty="0">
+                <a:rPr lang="en-US" sz="2800">
                   <a:solidFill>
                     <a:schemeClr val="bg1"/>
                   </a:solidFill>
@@ -5206,14 +4461,14 @@
             </a:p>
             <a:p>
               <a:pPr defTabSz="4389219"/>
-              <a:endParaRPr lang="en-US" sz="2800" dirty="0">
+              <a:endParaRPr lang="en-US" sz="2800">
                 <a:latin typeface="Trebuchet MS" pitchFamily="34" charset="0"/>
               </a:endParaRPr>
             </a:p>
             <a:p>
               <a:pPr defTabSz="4389219"/>
               <a:r>
-                <a:rPr lang="en-US" sz="2800" dirty="0">
+                <a:rPr lang="en-US" sz="2800">
                   <a:solidFill>
                     <a:schemeClr val="bg1"/>
                   </a:solidFill>
@@ -5222,7 +4477,7 @@
                 <a:t>When</a:t>
               </a:r>
               <a:r>
-                <a:rPr lang="en-US" sz="2800" baseline="0" dirty="0">
+                <a:rPr lang="en-US" sz="2800" baseline="0">
                   <a:solidFill>
                     <a:schemeClr val="bg1"/>
                   </a:solidFill>
@@ -5231,7 +4486,7 @@
                 <a:t> you are ready to print your poster</a:t>
               </a:r>
               <a:r>
-                <a:rPr lang="en-US" sz="2800" dirty="0">
+                <a:rPr lang="en-US" sz="2800">
                   <a:solidFill>
                     <a:schemeClr val="bg1"/>
                   </a:solidFill>
@@ -5240,7 +4495,7 @@
                 <a:t>,</a:t>
               </a:r>
               <a:r>
-                <a:rPr lang="en-US" sz="2800" baseline="0" dirty="0">
+                <a:rPr lang="en-US" sz="2800" baseline="0">
                   <a:solidFill>
                     <a:schemeClr val="bg1"/>
                   </a:solidFill>
@@ -5249,7 +4504,7 @@
                 <a:t> go online to </a:t>
               </a:r>
               <a:r>
-                <a:rPr lang="en-US" sz="2800" b="0" dirty="0">
+                <a:rPr lang="en-US" sz="2800" b="0">
                   <a:solidFill>
                     <a:schemeClr val="bg1"/>
                   </a:solidFill>
@@ -5258,14 +4513,14 @@
                 <a:t>PosterPresentations.com</a:t>
               </a:r>
               <a:br>
-                <a:rPr lang="en-US" sz="2800" dirty="0">
+                <a:rPr lang="en-US" sz="2800">
                   <a:solidFill>
                     <a:schemeClr val="bg1"/>
                   </a:solidFill>
                   <a:latin typeface="Trebuchet MS" pitchFamily="34" charset="0"/>
                 </a:rPr>
               </a:br>
-              <a:endParaRPr lang="en-US" sz="2800" dirty="0">
+              <a:endParaRPr lang="en-US" sz="2800">
                 <a:solidFill>
                   <a:schemeClr val="bg1"/>
                 </a:solidFill>
@@ -5275,7 +4530,7 @@
             <a:p>
               <a:pPr algn="l" defTabSz="3765639"/>
               <a:r>
-                <a:rPr lang="en-US" sz="2800" b="0" dirty="0">
+                <a:rPr lang="en-US" sz="2800" b="0">
                   <a:solidFill>
                     <a:schemeClr val="bg1"/>
                   </a:solidFill>
@@ -5284,7 +4539,7 @@
                 <a:t>Need</a:t>
               </a:r>
               <a:r>
-                <a:rPr lang="en-US" sz="2800" b="0" baseline="0" dirty="0">
+                <a:rPr lang="en-US" sz="2800" b="0" baseline="0">
                   <a:solidFill>
                     <a:schemeClr val="bg1"/>
                   </a:solidFill>
@@ -5293,7 +4548,7 @@
                 <a:t> assistance? Call us at </a:t>
               </a:r>
               <a:r>
-                <a:rPr lang="en-US" sz="2800" b="0" dirty="0">
+                <a:rPr lang="en-US" sz="2800" b="0">
                   <a:solidFill>
                     <a:srgbClr val="FFC000"/>
                   </a:solidFill>
@@ -5304,7 +4559,7 @@
             </a:p>
             <a:p>
               <a:pPr algn="l" defTabSz="3765639"/>
-              <a:endParaRPr lang="en-US" sz="3600" b="1" dirty="0">
+              <a:endParaRPr lang="en-US" sz="3600" b="1">
                 <a:solidFill>
                   <a:srgbClr val="FFFF00"/>
                 </a:solidFill>
@@ -5313,7 +4568,7 @@
             </a:p>
             <a:p>
               <a:pPr algn="ctr"/>
-              <a:endParaRPr lang="en-US" sz="2400" b="1" dirty="0">
+              <a:endParaRPr lang="en-US" sz="2400" b="1">
                 <a:solidFill>
                   <a:schemeClr val="bg1"/>
                 </a:solidFill>
@@ -5323,7 +4578,7 @@
             <a:p>
               <a:pPr algn="ctr"/>
               <a:r>
-                <a:rPr lang="en-US" sz="4000" b="1" spc="600" dirty="0">
+                <a:rPr lang="en-US" sz="4000" b="1" spc="600">
                   <a:solidFill>
                     <a:schemeClr val="bg1"/>
                   </a:solidFill>
@@ -5334,7 +4589,7 @@
             </a:p>
             <a:p>
               <a:pPr algn="ctr"/>
-              <a:endParaRPr lang="en-US" sz="3200" b="1" baseline="0" dirty="0">
+              <a:endParaRPr lang="en-US" sz="3200" b="1" baseline="0">
                 <a:solidFill>
                   <a:schemeClr val="bg1"/>
                 </a:solidFill>
@@ -5344,7 +4599,7 @@
             <a:p>
               <a:pPr algn="ctr"/>
               <a:r>
-                <a:rPr lang="en-US" sz="3200" b="1" baseline="0" dirty="0">
+                <a:rPr lang="en-US" sz="3200" b="1" baseline="0">
                   <a:solidFill>
                     <a:srgbClr val="FFC000"/>
                   </a:solidFill>
@@ -5356,7 +4611,7 @@
             <a:p>
               <a:pPr marL="1892300" indent="-1892300" algn="l" defTabSz="850900"/>
               <a:r>
-                <a:rPr lang="en-US" sz="2400" b="0" baseline="0" dirty="0">
+                <a:rPr lang="en-US" sz="2400" b="0" baseline="0">
                   <a:solidFill>
                     <a:schemeClr val="bg1"/>
                   </a:solidFill>
@@ -5365,7 +4620,7 @@
                 <a:t>	</a:t>
               </a:r>
               <a:r>
-                <a:rPr lang="en-US" sz="2400" b="0" baseline="0" dirty="0">
+                <a:rPr lang="en-US" sz="2400" b="0" baseline="0">
                   <a:solidFill>
                     <a:schemeClr val="bg1">
                       <a:lumMod val="75000"/>
@@ -5379,7 +4634,7 @@
             <a:p>
               <a:pPr marL="1892300" indent="-1892300" algn="l" defTabSz="850900"/>
               <a:r>
-                <a:rPr lang="en-US" sz="2400" b="1" baseline="0" dirty="0">
+                <a:rPr lang="en-US" sz="2400" b="1" baseline="0">
                   <a:solidFill>
                     <a:schemeClr val="bg1">
                       <a:lumMod val="75000"/>
@@ -5390,7 +4645,7 @@
                 <a:t>	</a:t>
               </a:r>
               <a:r>
-                <a:rPr lang="en-US" sz="2400" b="0" baseline="0" dirty="0">
+                <a:rPr lang="en-US" sz="2400" b="0" baseline="0">
                   <a:solidFill>
                     <a:schemeClr val="bg1">
                       <a:lumMod val="75000"/>
@@ -5403,7 +4658,7 @@
             </a:p>
             <a:p>
               <a:pPr algn="l"/>
-              <a:endParaRPr lang="en-US" sz="2800" b="0" baseline="0" dirty="0">
+              <a:endParaRPr lang="en-US" sz="2800" b="0" baseline="0">
                 <a:solidFill>
                   <a:schemeClr val="bg1"/>
                 </a:solidFill>
@@ -5413,7 +4668,7 @@
             <a:p>
               <a:pPr algn="ctr"/>
               <a:r>
-                <a:rPr lang="en-US" sz="3200" b="1" baseline="0" dirty="0">
+                <a:rPr lang="en-US" sz="3200" b="1" baseline="0">
                   <a:solidFill>
                     <a:srgbClr val="FFC000"/>
                   </a:solidFill>
@@ -5425,7 +4680,7 @@
             <a:p>
               <a:pPr algn="l"/>
               <a:r>
-                <a:rPr lang="en-US" sz="2400" b="0" baseline="0" dirty="0">
+                <a:rPr lang="en-US" sz="2400" b="0" baseline="0">
                   <a:solidFill>
                     <a:schemeClr val="bg1">
                       <a:lumMod val="75000"/>
@@ -5436,7 +4691,7 @@
                 <a:t>Start designing your poster by adding the title, the names of the authors, and the affiliated institutions. </a:t>
               </a:r>
               <a:r>
-                <a:rPr lang="en-US" sz="2400" b="0" spc="0" baseline="0" dirty="0">
+                <a:rPr lang="en-US" sz="2400" b="0" spc="0" baseline="0">
                   <a:solidFill>
                     <a:schemeClr val="bg1">
                       <a:lumMod val="75000"/>
@@ -5449,7 +4704,7 @@
             </a:p>
             <a:p>
               <a:pPr algn="l"/>
-              <a:endParaRPr lang="en-US" sz="2400" b="0" spc="0" baseline="0" dirty="0">
+              <a:endParaRPr lang="en-US" sz="2400" b="0" spc="0" baseline="0">
                 <a:solidFill>
                   <a:schemeClr val="bg1">
                     <a:lumMod val="75000"/>
@@ -5461,7 +4716,7 @@
             <a:p>
               <a:pPr algn="l"/>
               <a:r>
-                <a:rPr lang="en-US" sz="2400" b="1" spc="300" baseline="0" dirty="0">
+                <a:rPr lang="en-US" sz="2400" b="1" spc="300" baseline="0">
                   <a:solidFill>
                     <a:srgbClr val="FFC000"/>
                   </a:solidFill>
@@ -5470,7 +4725,7 @@
                 <a:t>TIP</a:t>
               </a:r>
               <a:r>
-                <a:rPr lang="en-US" sz="2400" b="1" baseline="0" dirty="0">
+                <a:rPr lang="en-US" sz="2400" b="1" baseline="0">
                   <a:solidFill>
                     <a:srgbClr val="FFC000"/>
                   </a:solidFill>
@@ -5479,7 +4734,7 @@
                 <a:t>: </a:t>
               </a:r>
               <a:r>
-                <a:rPr lang="en-US" sz="2400" b="0" baseline="0" dirty="0">
+                <a:rPr lang="en-US" sz="2400" b="0" baseline="0">
                   <a:solidFill>
                     <a:schemeClr val="bg1">
                       <a:lumMod val="75000"/>
@@ -5493,14 +4748,14 @@
             <a:p>
               <a:pPr algn="l"/>
               <a:br>
-                <a:rPr lang="en-US" sz="2800" b="1" baseline="0" dirty="0">
+                <a:rPr lang="en-US" sz="2800" b="1" baseline="0">
                   <a:solidFill>
                     <a:schemeClr val="bg1"/>
                   </a:solidFill>
                   <a:latin typeface="Trebuchet MS" pitchFamily="34" charset="0"/>
                 </a:rPr>
               </a:br>
-              <a:endParaRPr lang="en-US" sz="2800" b="1" dirty="0">
+              <a:endParaRPr lang="en-US" sz="2800" b="1">
                 <a:solidFill>
                   <a:schemeClr val="bg1"/>
                 </a:solidFill>
@@ -5509,7 +4764,7 @@
             </a:p>
             <a:p>
               <a:pPr algn="ctr"/>
-              <a:endParaRPr lang="en-US" sz="2800" b="1" dirty="0">
+              <a:endParaRPr lang="en-US" sz="2800" b="1">
                 <a:solidFill>
                   <a:srgbClr val="FFC000"/>
                 </a:solidFill>
@@ -5518,7 +4773,7 @@
             </a:p>
             <a:p>
               <a:pPr algn="ctr"/>
-              <a:endParaRPr lang="en-US" sz="2800" b="1" dirty="0">
+              <a:endParaRPr lang="en-US" sz="2800" b="1">
                 <a:solidFill>
                   <a:srgbClr val="FFC000"/>
                 </a:solidFill>
@@ -5528,7 +4783,7 @@
             <a:p>
               <a:pPr algn="ctr"/>
               <a:r>
-                <a:rPr lang="en-US" sz="3200" b="1" dirty="0">
+                <a:rPr lang="en-US" sz="3200" b="1">
                   <a:solidFill>
                     <a:srgbClr val="FFC000"/>
                   </a:solidFill>
@@ -5537,7 +4792,7 @@
                 <a:t>Adding Logos</a:t>
               </a:r>
               <a:r>
-                <a:rPr lang="en-US" sz="3200" b="1" baseline="0" dirty="0">
+                <a:rPr lang="en-US" sz="3200" b="1" baseline="0">
                   <a:solidFill>
                     <a:srgbClr val="FFC000"/>
                   </a:solidFill>
@@ -5549,7 +4804,7 @@
             <a:p>
               <a:pPr algn="l"/>
               <a:r>
-                <a:rPr lang="en-US" sz="2400" b="0" baseline="0" dirty="0">
+                <a:rPr lang="en-US" sz="2400" b="0" baseline="0">
                   <a:solidFill>
                     <a:schemeClr val="bg1">
                       <a:lumMod val="75000"/>
@@ -5562,7 +4817,7 @@
             </a:p>
             <a:p>
               <a:pPr algn="l"/>
-              <a:endParaRPr lang="en-US" sz="2400" b="0" spc="300" baseline="0" dirty="0">
+              <a:endParaRPr lang="en-US" sz="2400" b="0" spc="300" baseline="0">
                 <a:solidFill>
                   <a:schemeClr val="bg1">
                     <a:lumMod val="75000"/>
@@ -5574,7 +4829,7 @@
             <a:p>
               <a:pPr algn="l"/>
               <a:r>
-                <a:rPr lang="en-US" sz="2400" b="1" spc="300" baseline="0" dirty="0">
+                <a:rPr lang="en-US" sz="2400" b="1" spc="300" baseline="0">
                   <a:solidFill>
                     <a:srgbClr val="FFC000"/>
                   </a:solidFill>
@@ -5583,7 +4838,7 @@
                 <a:t>TIP:</a:t>
               </a:r>
               <a:r>
-                <a:rPr lang="en-US" sz="2400" b="1" spc="0" baseline="0" dirty="0">
+                <a:rPr lang="en-US" sz="2400" b="1" spc="0" baseline="0">
                   <a:solidFill>
                     <a:srgbClr val="FFC000"/>
                   </a:solidFill>
@@ -5592,7 +4847,7 @@
                 <a:t> </a:t>
               </a:r>
               <a:r>
-                <a:rPr lang="en-US" sz="2400" b="0" baseline="0" dirty="0">
+                <a:rPr lang="en-US" sz="2400" b="0" baseline="0">
                   <a:solidFill>
                     <a:schemeClr val="bg1">
                       <a:lumMod val="75000"/>
@@ -5605,14 +4860,14 @@
             </a:p>
             <a:p>
               <a:pPr algn="l"/>
-              <a:endParaRPr lang="en-US" sz="2400" b="0" baseline="0" dirty="0">
+              <a:endParaRPr lang="en-US" sz="2400" b="0" baseline="0">
                 <a:latin typeface="Trebuchet MS" pitchFamily="34" charset="0"/>
               </a:endParaRPr>
             </a:p>
             <a:p>
               <a:pPr algn="ctr"/>
               <a:r>
-                <a:rPr lang="en-US" sz="3200" b="1" baseline="0" dirty="0">
+                <a:rPr lang="en-US" sz="3200" b="1" baseline="0">
                   <a:solidFill>
                     <a:srgbClr val="FFC000"/>
                   </a:solidFill>
@@ -5624,7 +4879,7 @@
             <a:p>
               <a:pPr algn="l" defTabSz="977900"/>
               <a:r>
-                <a:rPr lang="en-US" sz="2400" b="0" baseline="0" dirty="0">
+                <a:rPr lang="en-US" sz="2400" b="0" baseline="0">
                   <a:solidFill>
                     <a:schemeClr val="bg1">
                       <a:lumMod val="75000"/>
@@ -5635,7 +4890,7 @@
                 <a:t>You can add images by dragging and dropping from your desktop, copy and paste, or by going to INSERT &gt; PICTURES. Resize images proportionally by holding down the SHIFT key and dragging one of the corner handles. For a professional-looking poster, do not distort your images by enlarging them </a:t>
               </a:r>
               <a:r>
-                <a:rPr lang="en-US" sz="2400" b="0" spc="0" baseline="0" dirty="0">
+                <a:rPr lang="en-US" sz="2400" b="0" spc="0" baseline="0">
                   <a:solidFill>
                     <a:schemeClr val="bg1">
                       <a:lumMod val="75000"/>
@@ -5648,13 +4903,13 @@
             </a:p>
             <a:p>
               <a:pPr algn="l" defTabSz="977900"/>
-              <a:endParaRPr lang="en-US" sz="2400" b="0" baseline="0" dirty="0">
+              <a:endParaRPr lang="en-US" sz="2400" b="0" baseline="0">
                 <a:latin typeface="Trebuchet MS" pitchFamily="34" charset="0"/>
               </a:endParaRPr>
             </a:p>
             <a:p>
               <a:pPr algn="ctr"/>
-              <a:endParaRPr lang="en-US" sz="2800" b="1" baseline="0" dirty="0">
+              <a:endParaRPr lang="en-US" sz="2800" b="1" baseline="0">
                 <a:solidFill>
                   <a:srgbClr val="FFC000"/>
                 </a:solidFill>
@@ -5663,7 +4918,7 @@
             </a:p>
             <a:p>
               <a:pPr algn="ctr"/>
-              <a:endParaRPr lang="en-US" sz="2800" b="1" baseline="0" dirty="0">
+              <a:endParaRPr lang="en-US" sz="2800" b="1" baseline="0">
                 <a:solidFill>
                   <a:srgbClr val="FFC000"/>
                 </a:solidFill>
@@ -5672,7 +4927,7 @@
             </a:p>
             <a:p>
               <a:pPr algn="ctr"/>
-              <a:endParaRPr lang="en-US" sz="2800" b="1" baseline="0" dirty="0">
+              <a:endParaRPr lang="en-US" sz="2800" b="1" baseline="0">
                 <a:solidFill>
                   <a:srgbClr val="FFC000"/>
                 </a:solidFill>
@@ -5681,7 +4936,7 @@
             </a:p>
             <a:p>
               <a:pPr algn="ctr"/>
-              <a:endParaRPr lang="en-US" sz="2800" b="1" baseline="0" dirty="0">
+              <a:endParaRPr lang="en-US" sz="2800" b="1" baseline="0">
                 <a:solidFill>
                   <a:srgbClr val="FFC000"/>
                 </a:solidFill>
@@ -5690,7 +4945,7 @@
             </a:p>
             <a:p>
               <a:pPr algn="ctr"/>
-              <a:endParaRPr lang="en-US" sz="2800" b="1" baseline="0" dirty="0">
+              <a:endParaRPr lang="en-US" sz="2800" b="1" baseline="0">
                 <a:solidFill>
                   <a:srgbClr val="FFC000"/>
                 </a:solidFill>
@@ -5699,7 +4954,7 @@
             </a:p>
             <a:p>
               <a:pPr algn="ctr"/>
-              <a:endParaRPr lang="en-US" sz="2800" b="1" baseline="0" dirty="0">
+              <a:endParaRPr lang="en-US" sz="2800" b="1" baseline="0">
                 <a:solidFill>
                   <a:srgbClr val="FFC000"/>
                 </a:solidFill>
@@ -5709,7 +4964,7 @@
             <a:p>
               <a:pPr algn="ctr"/>
               <a:r>
-                <a:rPr lang="en-US" sz="3200" b="1" baseline="0" dirty="0">
+                <a:rPr lang="en-US" sz="3200" b="1" baseline="0">
                   <a:solidFill>
                     <a:srgbClr val="FFC000"/>
                   </a:solidFill>
@@ -5721,7 +4976,7 @@
             <a:p>
               <a:pPr lvl="0" algn="l" defTabSz="977900"/>
               <a:r>
-                <a:rPr lang="en-US" sz="2400" b="0" baseline="0" dirty="0">
+                <a:rPr lang="en-US" sz="2400" b="0" baseline="0">
                   <a:solidFill>
                     <a:schemeClr val="bg1">
                       <a:lumMod val="75000"/>
@@ -5731,7 +4986,7 @@
                 </a:rPr>
                 <a:t>Zoom in and look at your images at 100% magnification. If they look good they will print well. </a:t>
               </a:r>
-              <a:endParaRPr lang="en-US" sz="2800" b="0" dirty="0">
+              <a:endParaRPr lang="en-US" sz="2800" b="0">
                 <a:latin typeface="Trebuchet MS" pitchFamily="34" charset="0"/>
               </a:endParaRPr>
             </a:p>
@@ -5901,7 +5156,7 @@
                 <a:p>
                   <a:pPr algn="ctr"/>
                   <a:r>
-                    <a:rPr lang="en-US" sz="1600" b="1" dirty="0">
+                    <a:rPr lang="en-US" sz="1600" b="1">
                       <a:solidFill>
                         <a:schemeClr val="tx1"/>
                       </a:solidFill>
@@ -5976,14 +5231,14 @@
                 <a:p>
                   <a:pPr algn="ctr"/>
                   <a:r>
-                    <a:rPr lang="en-US" sz="1400" b="1" dirty="0">
+                    <a:rPr lang="en-US" sz="1400" b="1">
                       <a:solidFill>
                         <a:schemeClr val="bg1"/>
                       </a:solidFill>
                     </a:rPr>
                     <a:t>DISTORTED</a:t>
                   </a:r>
-                  <a:endParaRPr lang="en-US" sz="700" b="1" dirty="0">
+                  <a:endParaRPr lang="en-US" sz="700" b="1">
                     <a:solidFill>
                       <a:schemeClr val="bg1"/>
                     </a:solidFill>
@@ -6040,7 +5295,7 @@
               <a:p>
                 <a:pPr algn="ctr"/>
                 <a:r>
-                  <a:rPr lang="en-US" sz="1600" dirty="0">
+                  <a:rPr lang="en-US" sz="1600">
                     <a:solidFill>
                       <a:schemeClr val="bg1"/>
                     </a:solidFill>
@@ -6048,14 +5303,14 @@
                   <a:t>Corner</a:t>
                 </a:r>
                 <a:r>
-                  <a:rPr lang="en-US" sz="1600" baseline="0" dirty="0">
+                  <a:rPr lang="en-US" sz="1600" baseline="0">
                     <a:solidFill>
                       <a:schemeClr val="bg1"/>
                     </a:solidFill>
                   </a:rPr>
                   <a:t> handles</a:t>
                 </a:r>
-                <a:endParaRPr lang="en-US" sz="1600" dirty="0">
+                <a:endParaRPr lang="en-US" sz="1600">
                   <a:solidFill>
                     <a:schemeClr val="bg1"/>
                   </a:solidFill>
@@ -6109,7 +5364,7 @@
                       <p:embed/>
                       <p:pic>
                         <p:nvPicPr>
-                          <p:cNvPr id="0" name=""/>
+                          <p:cNvPr id="41" name="Object 40"/>
                           <p:cNvPicPr/>
                           <p:nvPr/>
                         </p:nvPicPr>
@@ -6166,7 +5421,7 @@
                       <p:embed/>
                       <p:pic>
                         <p:nvPicPr>
-                          <p:cNvPr id="0" name=""/>
+                          <p:cNvPr id="43" name="Object 42"/>
                           <p:cNvPicPr/>
                           <p:nvPr/>
                         </p:nvPicPr>
@@ -6216,7 +5471,7 @@
               <a:p>
                 <a:pPr algn="ctr"/>
                 <a:r>
-                  <a:rPr lang="en-US" sz="1600" dirty="0">
+                  <a:rPr lang="en-US" sz="1600">
                     <a:solidFill>
                       <a:srgbClr val="92D050"/>
                     </a:solidFill>
@@ -6224,7 +5479,7 @@
                   <a:t>Good</a:t>
                 </a:r>
                 <a:r>
-                  <a:rPr lang="en-US" sz="1600" baseline="0" dirty="0">
+                  <a:rPr lang="en-US" sz="1600" baseline="0">
                     <a:solidFill>
                       <a:srgbClr val="92D050"/>
                     </a:solidFill>
@@ -6232,14 +5487,14 @@
                   <a:t> </a:t>
                 </a:r>
                 <a:r>
-                  <a:rPr lang="en-US" sz="1600" baseline="0" dirty="0">
+                  <a:rPr lang="en-US" sz="1600" baseline="0">
                     <a:solidFill>
                       <a:schemeClr val="bg1"/>
                     </a:solidFill>
                   </a:rPr>
                   <a:t>printing quality</a:t>
                 </a:r>
-                <a:endParaRPr lang="en-US" sz="1600" dirty="0">
+                <a:endParaRPr lang="en-US" sz="1600">
                   <a:solidFill>
                     <a:schemeClr val="bg1"/>
                   </a:solidFill>
@@ -6271,7 +5526,7 @@
               <a:p>
                 <a:pPr algn="ctr"/>
                 <a:r>
-                  <a:rPr lang="en-US" sz="1600" dirty="0">
+                  <a:rPr lang="en-US" sz="1600">
                     <a:solidFill>
                       <a:srgbClr val="FF0000"/>
                     </a:solidFill>
@@ -6279,7 +5534,7 @@
                   <a:t>Bad </a:t>
                 </a:r>
                 <a:r>
-                  <a:rPr lang="en-US" sz="1600" dirty="0">
+                  <a:rPr lang="en-US" sz="1600">
                     <a:solidFill>
                       <a:schemeClr val="bg1"/>
                     </a:solidFill>
@@ -6351,7 +5606,7 @@
             <a:p>
               <a:pPr algn="ctr"/>
               <a:r>
-                <a:rPr lang="en-US" sz="4000" b="1" spc="600" dirty="0">
+                <a:rPr lang="en-US" sz="4000" b="1" spc="600">
                   <a:solidFill>
                     <a:schemeClr val="bg1"/>
                   </a:solidFill>
@@ -6362,7 +5617,7 @@
             </a:p>
             <a:p>
               <a:pPr algn="ctr"/>
-              <a:endParaRPr lang="en-US" sz="3600" b="1" baseline="0" dirty="0">
+              <a:endParaRPr lang="en-US" sz="3600" b="1" baseline="0">
                 <a:solidFill>
                   <a:schemeClr val="bg1"/>
                 </a:solidFill>
@@ -6372,7 +5627,7 @@
             <a:p>
               <a:pPr algn="ctr"/>
               <a:r>
-                <a:rPr lang="en-US" sz="3200" b="1" baseline="0" dirty="0">
+                <a:rPr lang="en-US" sz="3200" b="1" baseline="0">
                   <a:solidFill>
                     <a:srgbClr val="FFC000"/>
                   </a:solidFill>
@@ -6400,7 +5655,7 @@
                 <a:defRPr/>
               </a:pPr>
               <a:r>
-                <a:rPr lang="en-US" sz="2400" b="0" baseline="0" dirty="0">
+                <a:rPr lang="en-US" sz="2400" b="0" baseline="0">
                   <a:solidFill>
                     <a:schemeClr val="bg1">
                       <a:lumMod val="75000"/>
@@ -6411,7 +5666,7 @@
                 <a:t>You can easily change the color theme of your poster by going to the DESIGN menu, click on COLORS, and choose the color theme of your choice. You can </a:t>
               </a:r>
               <a:r>
-                <a:rPr lang="en-US" sz="2400" b="0" spc="0" baseline="0" dirty="0">
+                <a:rPr lang="en-US" sz="2400" b="0" spc="0" baseline="0">
                   <a:solidFill>
                     <a:schemeClr val="bg1">
                       <a:lumMod val="75000"/>
@@ -6440,7 +5695,7 @@
                 <a:tabLst/>
                 <a:defRPr/>
               </a:pPr>
-              <a:endParaRPr lang="en-US" sz="2400" b="0" baseline="0" dirty="0">
+              <a:endParaRPr lang="en-US" sz="2400" b="0" baseline="0">
                 <a:solidFill>
                   <a:schemeClr val="bg1">
                     <a:lumMod val="75000"/>
@@ -6451,7 +5706,7 @@
             </a:p>
             <a:p>
               <a:pPr marL="0" indent="0" algn="l" defTabSz="114300"/>
-              <a:endParaRPr lang="en-US" sz="2400" b="0" baseline="0" dirty="0">
+              <a:endParaRPr lang="en-US" sz="2400" b="0" baseline="0">
                 <a:solidFill>
                   <a:schemeClr val="bg1">
                     <a:lumMod val="75000"/>
@@ -6462,7 +5717,7 @@
             </a:p>
             <a:p>
               <a:pPr marL="0" indent="0" algn="l" defTabSz="114300"/>
-              <a:endParaRPr lang="en-US" sz="2400" b="0" baseline="0" dirty="0">
+              <a:endParaRPr lang="en-US" sz="2400" b="0" baseline="0">
                 <a:solidFill>
                   <a:schemeClr val="bg1">
                     <a:lumMod val="75000"/>
@@ -6473,7 +5728,7 @@
             </a:p>
             <a:p>
               <a:pPr marL="0" indent="0" algn="l" defTabSz="114300"/>
-              <a:endParaRPr lang="en-US" sz="2400" b="0" baseline="0" dirty="0">
+              <a:endParaRPr lang="en-US" sz="2400" b="0" baseline="0">
                 <a:solidFill>
                   <a:schemeClr val="bg1">
                     <a:lumMod val="75000"/>
@@ -6484,7 +5739,7 @@
             </a:p>
             <a:p>
               <a:pPr marL="0" indent="0" algn="l" defTabSz="114300"/>
-              <a:endParaRPr lang="en-US" sz="2400" b="0" baseline="0" dirty="0">
+              <a:endParaRPr lang="en-US" sz="2400" b="0" baseline="0">
                 <a:solidFill>
                   <a:schemeClr val="bg1">
                     <a:lumMod val="75000"/>
@@ -6495,7 +5750,7 @@
             </a:p>
             <a:p>
               <a:pPr marL="0" indent="0" algn="l" defTabSz="114300"/>
-              <a:endParaRPr lang="en-US" sz="2400" b="0" baseline="0" dirty="0">
+              <a:endParaRPr lang="en-US" sz="2400" b="0" baseline="0">
                 <a:solidFill>
                   <a:schemeClr val="bg1">
                     <a:lumMod val="75000"/>
@@ -6506,7 +5761,7 @@
             </a:p>
             <a:p>
               <a:pPr marL="0" indent="0" algn="l" defTabSz="114300"/>
-              <a:endParaRPr lang="en-US" sz="2400" b="0" baseline="0" dirty="0">
+              <a:endParaRPr lang="en-US" sz="2400" b="0" baseline="0">
                 <a:solidFill>
                   <a:schemeClr val="bg1">
                     <a:lumMod val="75000"/>
@@ -6518,7 +5773,7 @@
             <a:p>
               <a:pPr marL="0" indent="0" algn="l" defTabSz="114300"/>
               <a:r>
-                <a:rPr lang="en-US" sz="2400" b="0" baseline="0" dirty="0">
+                <a:rPr lang="en-US" sz="2400" b="0" baseline="0">
                   <a:solidFill>
                     <a:schemeClr val="bg1">
                       <a:lumMod val="75000"/>
@@ -6531,7 +5786,7 @@
             </a:p>
             <a:p>
               <a:pPr marL="0" indent="0" algn="l" defTabSz="114300"/>
-              <a:endParaRPr lang="en-US" sz="2400" b="0" baseline="0" dirty="0">
+              <a:endParaRPr lang="en-US" sz="2400" b="0" baseline="0">
                 <a:solidFill>
                   <a:schemeClr val="bg1">
                     <a:lumMod val="75000"/>
@@ -6543,7 +5798,7 @@
             <a:p>
               <a:pPr algn="ctr"/>
               <a:r>
-                <a:rPr lang="en-US" sz="3200" b="1" baseline="0" dirty="0">
+                <a:rPr lang="en-US" sz="3200" b="1" baseline="0">
                   <a:solidFill>
                     <a:srgbClr val="FFC000"/>
                   </a:solidFill>
@@ -6555,7 +5810,7 @@
             <a:p>
               <a:pPr marL="3265488" lvl="2" indent="0" algn="l" defTabSz="114300"/>
               <a:r>
-                <a:rPr lang="en-US" sz="2400" b="0" baseline="0" dirty="0">
+                <a:rPr lang="en-US" sz="2400" b="0" baseline="0">
                   <a:solidFill>
                     <a:schemeClr val="bg1">
                       <a:lumMod val="75000"/>
@@ -6568,7 +5823,7 @@
             </a:p>
             <a:p>
               <a:pPr marL="1518341" lvl="2" indent="0" algn="l" defTabSz="114300"/>
-              <a:endParaRPr lang="en-US" sz="2400" b="0" baseline="0" dirty="0">
+              <a:endParaRPr lang="en-US" sz="2400" b="0" baseline="0">
                 <a:solidFill>
                   <a:schemeClr val="bg1">
                     <a:lumMod val="75000"/>
@@ -6596,7 +5851,7 @@
                 <a:defRPr/>
               </a:pPr>
               <a:r>
-                <a:rPr lang="en-US" sz="2400" b="0" baseline="0" dirty="0">
+                <a:rPr lang="en-US" sz="2400" b="0" baseline="0">
                   <a:solidFill>
                     <a:schemeClr val="bg1">
                       <a:lumMod val="75000"/>
@@ -6607,7 +5862,7 @@
                 <a:t> </a:t>
               </a:r>
               <a:r>
-                <a:rPr kumimoji="0" lang="en-US" sz="3200" b="1" i="0" u="none" strike="noStrike" kern="1200" cap="none" spc="0" normalizeH="0" baseline="0" noProof="0" dirty="0">
+                <a:rPr kumimoji="0" lang="en-US" sz="3200" b="1" i="0" u="none" strike="noStrike" kern="1200" cap="none" spc="0" normalizeH="0" baseline="0" noProof="0">
                   <a:ln>
                     <a:noFill/>
                   </a:ln>
@@ -6641,7 +5896,7 @@
                 <a:defRPr/>
               </a:pPr>
               <a:r>
-                <a:rPr kumimoji="0" lang="en-US" sz="2400" b="0" i="0" u="none" strike="noStrike" kern="1200" cap="none" spc="0" normalizeH="0" baseline="0" noProof="0" dirty="0">
+                <a:rPr kumimoji="0" lang="en-US" sz="2400" b="0" i="0" u="none" strike="noStrike" kern="1200" cap="none" spc="0" normalizeH="0" baseline="0" noProof="0">
                   <a:ln>
                     <a:noFill/>
                   </a:ln>
@@ -6657,7 +5912,7 @@
                 </a:rPr>
                 <a:t>Adjust the size of your text based on how much content you have to present. The default template text offers a good starting point. Follow the conference requirements.</a:t>
               </a:r>
-              <a:endParaRPr lang="en-US" sz="2400" b="0" baseline="0" dirty="0">
+              <a:endParaRPr lang="en-US" sz="2400" b="0" baseline="0">
                 <a:solidFill>
                   <a:schemeClr val="bg1">
                     <a:lumMod val="75000"/>
@@ -6668,7 +5923,7 @@
             </a:p>
             <a:p>
               <a:pPr marL="1518341" lvl="2" indent="0" algn="l" defTabSz="114300"/>
-              <a:endParaRPr lang="en-US" sz="2400" b="0" baseline="0" dirty="0">
+              <a:endParaRPr lang="en-US" sz="2400" b="0" baseline="0">
                 <a:solidFill>
                   <a:schemeClr val="bg1">
                     <a:lumMod val="75000"/>
@@ -6680,7 +5935,7 @@
             <a:p>
               <a:pPr algn="ctr"/>
               <a:r>
-                <a:rPr lang="en-US" sz="3200" b="1" baseline="0" dirty="0">
+                <a:rPr lang="en-US" sz="3200" b="1" baseline="0">
                   <a:solidFill>
                     <a:srgbClr val="FFC000"/>
                   </a:solidFill>
@@ -6692,7 +5947,7 @@
             <a:p>
               <a:pPr marL="1730375" lvl="1" indent="0" algn="l" defTabSz="114300"/>
               <a:r>
-                <a:rPr lang="en-US" sz="2400" b="0" baseline="0" dirty="0">
+                <a:rPr lang="en-US" sz="2400" b="0" baseline="0">
                   <a:solidFill>
                     <a:schemeClr val="bg1">
                       <a:lumMod val="75000"/>
@@ -6703,7 +5958,7 @@
                 <a:t>To add a table from scratch go to the INSERT menu and </a:t>
               </a:r>
               <a:br>
-                <a:rPr lang="en-US" sz="2400" b="0" baseline="0" dirty="0">
+                <a:rPr lang="en-US" sz="2400" b="0" baseline="0">
                   <a:solidFill>
                     <a:schemeClr val="bg1">
                       <a:lumMod val="75000"/>
@@ -6713,7 +5968,7 @@
                 </a:rPr>
               </a:br>
               <a:r>
-                <a:rPr lang="en-US" sz="2400" b="0" baseline="0" dirty="0">
+                <a:rPr lang="en-US" sz="2400" b="0" baseline="0">
                   <a:solidFill>
                     <a:schemeClr val="bg1">
                       <a:lumMod val="75000"/>
@@ -6727,7 +5982,7 @@
             <a:p>
               <a:pPr marL="0" lvl="0" indent="0" algn="l" defTabSz="114300"/>
               <a:r>
-                <a:rPr lang="en-US" sz="2400" b="0" baseline="0" dirty="0">
+                <a:rPr lang="en-US" sz="2400" b="0" baseline="0">
                   <a:solidFill>
                     <a:schemeClr val="bg1">
                       <a:lumMod val="75000"/>
@@ -6740,7 +5995,7 @@
             </a:p>
             <a:p>
               <a:pPr marL="0" lvl="0" indent="0" algn="l" defTabSz="114300"/>
-              <a:endParaRPr lang="en-US" sz="2400" b="0" baseline="0" dirty="0">
+              <a:endParaRPr lang="en-US" sz="2400" b="0" baseline="0">
                 <a:solidFill>
                   <a:schemeClr val="bg1">
                     <a:lumMod val="75000"/>
@@ -6768,7 +6023,7 @@
                 <a:defRPr/>
               </a:pPr>
               <a:r>
-                <a:rPr kumimoji="0" lang="en-US" sz="3200" b="1" i="0" u="none" strike="noStrike" kern="1200" cap="none" spc="0" normalizeH="0" baseline="0" noProof="0" dirty="0">
+                <a:rPr kumimoji="0" lang="en-US" sz="3200" b="1" i="0" u="none" strike="noStrike" kern="1200" cap="none" spc="0" normalizeH="0" baseline="0" noProof="0">
                   <a:ln>
                     <a:noFill/>
                   </a:ln>
@@ -6802,7 +6057,7 @@
                 <a:defRPr/>
               </a:pPr>
               <a:r>
-                <a:rPr kumimoji="0" lang="en-US" sz="2400" b="0" i="0" u="none" strike="noStrike" kern="1200" cap="none" spc="0" normalizeH="0" baseline="0" noProof="0" dirty="0">
+                <a:rPr kumimoji="0" lang="en-US" sz="2400" b="0" i="0" u="none" strike="noStrike" kern="1200" cap="none" spc="0" normalizeH="0" baseline="0" noProof="0">
                   <a:ln>
                     <a:noFill/>
                   </a:ln>
@@ -6837,7 +6092,7 @@
                 <a:tabLst/>
                 <a:defRPr/>
               </a:pPr>
-              <a:endParaRPr kumimoji="0" lang="en-US" sz="2400" b="0" i="0" u="none" strike="noStrike" kern="1200" cap="none" spc="0" normalizeH="0" baseline="0" noProof="0" dirty="0">
+              <a:endParaRPr kumimoji="0" lang="en-US" sz="2400" b="0" i="0" u="none" strike="noStrike" kern="1200" cap="none" spc="0" normalizeH="0" baseline="0" noProof="0">
                 <a:ln>
                   <a:noFill/>
                 </a:ln>
@@ -6871,7 +6126,7 @@
                 <a:defRPr/>
               </a:pPr>
               <a:r>
-                <a:rPr kumimoji="0" lang="en-US" sz="3200" b="1" i="0" u="none" strike="noStrike" kern="1200" cap="none" spc="0" normalizeH="0" baseline="0" noProof="0" dirty="0">
+                <a:rPr kumimoji="0" lang="en-US" sz="3200" b="1" i="0" u="none" strike="noStrike" kern="1200" cap="none" spc="0" normalizeH="0" baseline="0" noProof="0">
                   <a:ln>
                     <a:noFill/>
                   </a:ln>
@@ -6905,7 +6160,7 @@
                 <a:defRPr/>
               </a:pPr>
               <a:r>
-                <a:rPr kumimoji="0" lang="en-US" sz="2400" b="0" i="0" u="none" strike="noStrike" kern="1200" cap="none" spc="0" normalizeH="0" baseline="0" noProof="0" dirty="0">
+                <a:rPr kumimoji="0" lang="en-US" sz="2400" b="0" i="0" u="none" strike="noStrike" kern="1200" cap="none" spc="0" normalizeH="0" baseline="0" noProof="0">
                   <a:ln>
                     <a:noFill/>
                   </a:ln>
@@ -6940,7 +6195,7 @@
                 <a:tabLst/>
                 <a:defRPr/>
               </a:pPr>
-              <a:endParaRPr kumimoji="0" lang="en-US" sz="3200" b="1" i="0" u="none" strike="noStrike" kern="1200" cap="none" spc="0" normalizeH="0" baseline="0" noProof="0" dirty="0">
+              <a:endParaRPr kumimoji="0" lang="en-US" sz="3200" b="1" i="0" u="none" strike="noStrike" kern="1200" cap="none" spc="0" normalizeH="0" baseline="0" noProof="0">
                 <a:ln>
                   <a:noFill/>
                 </a:ln>
@@ -6972,7 +6227,7 @@
                 <a:defRPr/>
               </a:pPr>
               <a:r>
-                <a:rPr kumimoji="0" lang="en-US" sz="3200" b="1" i="0" u="none" strike="noStrike" kern="1200" cap="none" spc="0" normalizeH="0" baseline="0" noProof="0" dirty="0">
+                <a:rPr kumimoji="0" lang="en-US" sz="3200" b="1" i="0" u="none" strike="noStrike" kern="1200" cap="none" spc="0" normalizeH="0" baseline="0" noProof="0">
                   <a:ln>
                     <a:noFill/>
                   </a:ln>
@@ -7006,7 +6261,7 @@
                 <a:defRPr/>
               </a:pPr>
               <a:r>
-                <a:rPr kumimoji="0" lang="en-US" sz="2400" b="0" i="0" u="none" strike="noStrike" kern="1200" cap="none" spc="0" normalizeH="0" baseline="0" noProof="0" dirty="0">
+                <a:rPr kumimoji="0" lang="en-US" sz="2400" b="0" i="0" u="none" strike="noStrike" kern="1200" cap="none" spc="0" normalizeH="0" baseline="0" noProof="0">
                   <a:ln>
                     <a:noFill/>
                   </a:ln>
@@ -7041,7 +6296,7 @@
                 <a:tabLst/>
                 <a:defRPr/>
               </a:pPr>
-              <a:endParaRPr kumimoji="0" lang="en-US" sz="2400" b="0" i="0" u="none" strike="noStrike" kern="1200" cap="none" spc="0" normalizeH="0" baseline="0" noProof="0" dirty="0">
+              <a:endParaRPr kumimoji="0" lang="en-US" sz="2400" b="0" i="0" u="none" strike="noStrike" kern="1200" cap="none" spc="0" normalizeH="0" baseline="0" noProof="0">
                 <a:ln>
                   <a:noFill/>
                 </a:ln>
@@ -7075,7 +6330,7 @@
                 <a:defRPr/>
               </a:pPr>
               <a:r>
-                <a:rPr kumimoji="0" lang="en-US" sz="3200" b="1" i="0" u="none" strike="noStrike" kern="1200" cap="none" spc="0" normalizeH="0" baseline="0" noProof="0" dirty="0">
+                <a:rPr kumimoji="0" lang="en-US" sz="3200" b="1" i="0" u="none" strike="noStrike" kern="1200" cap="none" spc="0" normalizeH="0" baseline="0" noProof="0">
                   <a:ln>
                     <a:noFill/>
                   </a:ln>
@@ -7109,7 +6364,7 @@
                 <a:defRPr/>
               </a:pPr>
               <a:r>
-                <a:rPr kumimoji="0" lang="en-US" sz="2400" b="0" i="0" u="none" strike="noStrike" kern="1200" cap="none" spc="0" normalizeH="0" baseline="0" noProof="0" dirty="0">
+                <a:rPr kumimoji="0" lang="en-US" sz="2400" b="0" i="0" u="none" strike="noStrike" kern="1200" cap="none" spc="0" normalizeH="0" baseline="0" noProof="0">
                   <a:ln>
                     <a:noFill/>
                   </a:ln>
@@ -7144,7 +6399,7 @@
                 <a:tabLst/>
                 <a:defRPr/>
               </a:pPr>
-              <a:endParaRPr lang="en-US" sz="2400" b="0" baseline="0" dirty="0">
+              <a:endParaRPr lang="en-US" sz="2400" b="0" baseline="0">
                 <a:solidFill>
                   <a:schemeClr val="bg1">
                     <a:lumMod val="75000"/>
@@ -7172,7 +6427,7 @@
                 <a:defRPr/>
               </a:pPr>
               <a:r>
-                <a:rPr kumimoji="0" lang="en-US" sz="3200" b="1" i="0" u="none" strike="noStrike" kern="1200" cap="none" spc="0" normalizeH="0" baseline="0" noProof="0" dirty="0">
+                <a:rPr kumimoji="0" lang="en-US" sz="3200" b="1" i="0" u="none" strike="noStrike" kern="1200" cap="none" spc="0" normalizeH="0" baseline="0" noProof="0">
                   <a:ln>
                     <a:noFill/>
                   </a:ln>
@@ -7206,7 +6461,7 @@
                 <a:defRPr/>
               </a:pPr>
               <a:r>
-                <a:rPr kumimoji="0" lang="en-US" sz="2400" b="0" i="0" u="none" strike="noStrike" kern="1200" cap="none" spc="0" normalizeH="0" baseline="0" noProof="0" dirty="0">
+                <a:rPr kumimoji="0" lang="en-US" sz="2400" b="0" i="0" u="none" strike="noStrike" kern="1200" cap="none" spc="0" normalizeH="0" baseline="0" noProof="0">
                   <a:ln>
                     <a:noFill/>
                   </a:ln>
@@ -7241,7 +6496,7 @@
                 <a:tabLst/>
                 <a:defRPr/>
               </a:pPr>
-              <a:endParaRPr kumimoji="0" lang="en-US" sz="2800" b="0" i="0" u="none" strike="noStrike" kern="1200" cap="none" spc="0" normalizeH="0" baseline="0" noProof="0" dirty="0">
+              <a:endParaRPr kumimoji="0" lang="en-US" sz="2800" b="0" i="0" u="none" strike="noStrike" kern="1200" cap="none" spc="0" normalizeH="0" baseline="0" noProof="0">
                 <a:ln>
                   <a:noFill/>
                 </a:ln>
@@ -7289,7 +6544,7 @@
                     <p:embed/>
                     <p:pic>
                       <p:nvPicPr>
-                        <p:cNvPr id="0" name=""/>
+                        <p:cNvPr id="56" name="Object 55"/>
                         <p:cNvPicPr/>
                         <p:nvPr/>
                       </p:nvPicPr>
@@ -7373,7 +6628,7 @@
                     <p:embed/>
                     <p:pic>
                       <p:nvPicPr>
-                        <p:cNvPr id="0" name=""/>
+                        <p:cNvPr id="58" name="Object 57"/>
                         <p:cNvPicPr/>
                         <p:nvPr/>
                       </p:nvPicPr>
@@ -7516,7 +6771,7 @@
               <a:lstStyle/>
               <a:p>
                 <a:r>
-                  <a:rPr lang="en-US" sz="2400" dirty="0">
+                  <a:rPr lang="en-US" sz="2400">
                     <a:solidFill>
                       <a:schemeClr val="tx2"/>
                     </a:solidFill>
@@ -7525,7 +6780,7 @@
                   <a:t>Student</a:t>
                 </a:r>
                 <a:r>
-                  <a:rPr lang="en-US" sz="2400" baseline="0" dirty="0">
+                  <a:rPr lang="en-US" sz="2400" baseline="0">
                     <a:solidFill>
                       <a:schemeClr val="tx2"/>
                     </a:solidFill>
@@ -7534,7 +6789,7 @@
                   <a:t> discounts are available on our </a:t>
                 </a:r>
                 <a:r>
-                  <a:rPr lang="en-US" sz="2400" baseline="0" dirty="0" err="1">
+                  <a:rPr lang="en-US" sz="2400" baseline="0" err="1">
                     <a:solidFill>
                       <a:schemeClr val="tx2"/>
                     </a:solidFill>
@@ -7543,7 +6798,7 @@
                   <a:t>Facebook</a:t>
                 </a:r>
                 <a:r>
-                  <a:rPr lang="en-US" sz="2400" baseline="0" dirty="0">
+                  <a:rPr lang="en-US" sz="2400" baseline="0">
                     <a:solidFill>
                       <a:schemeClr val="tx2"/>
                     </a:solidFill>
@@ -7552,7 +6807,7 @@
                   <a:t> page.</a:t>
                 </a:r>
                 <a:br>
-                  <a:rPr lang="en-US" sz="2400" baseline="0" dirty="0">
+                  <a:rPr lang="en-US" sz="2400" baseline="0">
                     <a:solidFill>
                       <a:schemeClr val="tx2"/>
                     </a:solidFill>
@@ -7560,7 +6815,7 @@
                   </a:rPr>
                 </a:br>
                 <a:r>
-                  <a:rPr lang="en-US" sz="2400" baseline="0" dirty="0">
+                  <a:rPr lang="en-US" sz="2400" baseline="0">
                     <a:solidFill>
                       <a:schemeClr val="tx2"/>
                     </a:solidFill>
@@ -7569,7 +6824,7 @@
                   <a:t>Go to </a:t>
                 </a:r>
                 <a:r>
-                  <a:rPr lang="en-US" sz="2400" u="sng" baseline="0" dirty="0">
+                  <a:rPr lang="en-US" sz="2400" u="sng" baseline="0">
                     <a:solidFill>
                       <a:schemeClr val="tx2"/>
                     </a:solidFill>
@@ -7578,7 +6833,7 @@
                   <a:t>PosterPresentations.com</a:t>
                 </a:r>
                 <a:r>
-                  <a:rPr lang="en-US" sz="2400" baseline="0" dirty="0">
+                  <a:rPr lang="en-US" sz="2400" baseline="0">
                     <a:solidFill>
                       <a:schemeClr val="tx2"/>
                     </a:solidFill>
@@ -7586,7 +6841,7 @@
                   </a:rPr>
                   <a:t> and click on the FB icon. </a:t>
                 </a:r>
-                <a:endParaRPr lang="en-US" sz="2400" dirty="0">
+                <a:endParaRPr lang="en-US" sz="2400">
                   <a:solidFill>
                     <a:schemeClr val="tx2"/>
                   </a:solidFill>
@@ -7624,7 +6879,7 @@
                 </a:lnSpc>
               </a:pPr>
               <a:r>
-                <a:rPr lang="en-US" sz="2800" dirty="0">
+                <a:rPr lang="en-US" sz="2800">
                   <a:solidFill>
                     <a:schemeClr val="bg1"/>
                   </a:solidFill>
@@ -7632,7 +6887,7 @@
                 <a:t>© 2015</a:t>
               </a:r>
               <a:r>
-                <a:rPr lang="en-US" sz="2800" baseline="0" dirty="0">
+                <a:rPr lang="en-US" sz="2800" baseline="0">
                   <a:solidFill>
                     <a:schemeClr val="bg1"/>
                   </a:solidFill>
@@ -7640,7 +6895,7 @@
                 <a:t> </a:t>
               </a:r>
               <a:r>
-                <a:rPr lang="en-US" sz="2800" dirty="0">
+                <a:rPr lang="en-US" sz="2800">
                   <a:solidFill>
                     <a:schemeClr val="bg1"/>
                   </a:solidFill>
@@ -7648,14 +6903,14 @@
                 <a:t>PosterPresentations.com</a:t>
               </a:r>
               <a:br>
-                <a:rPr lang="en-US" sz="2800" dirty="0">
+                <a:rPr lang="en-US" sz="2800">
                   <a:solidFill>
                     <a:schemeClr val="bg1"/>
                   </a:solidFill>
                 </a:rPr>
               </a:br>
               <a:r>
-                <a:rPr lang="en-US" sz="2800" dirty="0">
+                <a:rPr lang="en-US" sz="2800">
                   <a:solidFill>
                     <a:schemeClr val="bg1"/>
                   </a:solidFill>
@@ -7663,7 +6918,7 @@
                 <a:t>    </a:t>
               </a:r>
               <a:r>
-                <a:rPr lang="en-US" sz="2400" dirty="0">
+                <a:rPr lang="en-US" sz="2400">
                   <a:solidFill>
                     <a:schemeClr val="bg1"/>
                   </a:solidFill>
@@ -7671,7 +6926,7 @@
                 <a:t>2117 Fourth Street ,</a:t>
               </a:r>
               <a:r>
-                <a:rPr lang="en-US" sz="2400" baseline="0" dirty="0">
+                <a:rPr lang="en-US" sz="2400" baseline="0">
                   <a:solidFill>
                     <a:schemeClr val="bg1"/>
                   </a:solidFill>
@@ -7686,7 +6941,7 @@
                 </a:lnSpc>
               </a:pPr>
               <a:r>
-                <a:rPr lang="en-US" sz="2400" baseline="0" dirty="0">
+                <a:rPr lang="en-US" sz="2400" baseline="0">
                   <a:solidFill>
                     <a:schemeClr val="bg1"/>
                   </a:solidFill>
@@ -7694,7 +6949,7 @@
                 <a:t>     Berkeley CA </a:t>
               </a:r>
               <a:r>
-                <a:rPr lang="en-US" sz="2000" baseline="0" dirty="0">
+                <a:rPr lang="en-US" sz="2000" baseline="0">
                   <a:solidFill>
                     <a:schemeClr val="bg1"/>
                   </a:solidFill>
@@ -7702,14 +6957,14 @@
                 <a:t>94710</a:t>
               </a:r>
               <a:br>
-                <a:rPr lang="en-US" sz="2400" baseline="0" dirty="0">
+                <a:rPr lang="en-US" sz="2400" baseline="0">
                   <a:solidFill>
                     <a:schemeClr val="bg1"/>
                   </a:solidFill>
                 </a:rPr>
               </a:br>
               <a:r>
-                <a:rPr lang="en-US" sz="2400" baseline="0" dirty="0">
+                <a:rPr lang="en-US" sz="2400" baseline="0">
                   <a:solidFill>
                     <a:schemeClr val="bg1"/>
                   </a:solidFill>
@@ -7717,14 +6972,14 @@
                 <a:t>    </a:t>
               </a:r>
               <a:r>
-                <a:rPr lang="en-US" sz="2400" b="1" baseline="0" dirty="0">
+                <a:rPr lang="en-US" sz="2400" b="1" baseline="0">
                   <a:solidFill>
                     <a:srgbClr val="FFFF00"/>
                   </a:solidFill>
                 </a:rPr>
                 <a:t>posterpresenter@gmail.com</a:t>
               </a:r>
-              <a:endParaRPr lang="en-US" sz="2800" b="1" dirty="0">
+              <a:endParaRPr lang="en-US" sz="2800" b="1">
                 <a:solidFill>
                   <a:srgbClr val="FFFF00"/>
                 </a:solidFill>
@@ -8075,7 +7330,7 @@
             <a:pPr>
               <a:defRPr/>
             </a:pPr>
-            <a:endParaRPr lang="en-US" dirty="0"/>
+            <a:endParaRPr lang="en-US"/>
           </a:p>
         </p:txBody>
       </p:sp>
@@ -8115,7 +7370,7 @@
             <a:pPr>
               <a:defRPr/>
             </a:pPr>
-            <a:endParaRPr lang="en-US" dirty="0"/>
+            <a:endParaRPr lang="en-US"/>
           </a:p>
         </p:txBody>
       </p:sp>
@@ -8417,7 +7672,7 @@
             <a:p>
               <a:pPr algn="ctr"/>
               <a:r>
-                <a:rPr lang="en-US" sz="4000" b="1" spc="600" dirty="0">
+                <a:rPr lang="en-US" sz="4000" b="1" spc="600">
                   <a:solidFill>
                     <a:schemeClr val="bg1"/>
                   </a:solidFill>
@@ -8428,7 +7683,7 @@
             </a:p>
             <a:p>
               <a:pPr algn="ctr"/>
-              <a:endParaRPr lang="en-US" sz="3600" b="1" baseline="0" dirty="0">
+              <a:endParaRPr lang="en-US" sz="3600" b="1" baseline="0">
                 <a:solidFill>
                   <a:schemeClr val="bg1"/>
                 </a:solidFill>
@@ -8438,7 +7693,7 @@
             <a:p>
               <a:pPr algn="ctr"/>
               <a:r>
-                <a:rPr lang="en-US" sz="3200" b="1" baseline="0" dirty="0">
+                <a:rPr lang="en-US" sz="3200" b="1" baseline="0">
                   <a:solidFill>
                     <a:srgbClr val="FFC000"/>
                   </a:solidFill>
@@ -8466,7 +7721,7 @@
                 <a:defRPr/>
               </a:pPr>
               <a:r>
-                <a:rPr lang="en-US" sz="2400" b="0" baseline="0" dirty="0">
+                <a:rPr lang="en-US" sz="2400" b="0" baseline="0">
                   <a:solidFill>
                     <a:schemeClr val="bg1">
                       <a:lumMod val="75000"/>
@@ -8477,7 +7732,7 @@
                 <a:t>You can easily change the color theme of your poster by going to the DESIGN menu, click on COLORS, and choose the color theme of your choice. You can </a:t>
               </a:r>
               <a:r>
-                <a:rPr lang="en-US" sz="2400" b="0" spc="0" baseline="0" dirty="0">
+                <a:rPr lang="en-US" sz="2400" b="0" spc="0" baseline="0">
                   <a:solidFill>
                     <a:schemeClr val="bg1">
                       <a:lumMod val="75000"/>
@@ -8506,7 +7761,7 @@
                 <a:tabLst/>
                 <a:defRPr/>
               </a:pPr>
-              <a:endParaRPr lang="en-US" sz="2400" b="0" baseline="0" dirty="0">
+              <a:endParaRPr lang="en-US" sz="2400" b="0" baseline="0">
                 <a:solidFill>
                   <a:schemeClr val="bg1">
                     <a:lumMod val="75000"/>
@@ -8517,7 +7772,7 @@
             </a:p>
             <a:p>
               <a:pPr marL="0" indent="0" algn="l" defTabSz="114300"/>
-              <a:endParaRPr lang="en-US" sz="2400" b="0" baseline="0" dirty="0">
+              <a:endParaRPr lang="en-US" sz="2400" b="0" baseline="0">
                 <a:solidFill>
                   <a:schemeClr val="bg1">
                     <a:lumMod val="75000"/>
@@ -8528,7 +7783,7 @@
             </a:p>
             <a:p>
               <a:pPr marL="0" indent="0" algn="l" defTabSz="114300"/>
-              <a:endParaRPr lang="en-US" sz="2400" b="0" baseline="0" dirty="0">
+              <a:endParaRPr lang="en-US" sz="2400" b="0" baseline="0">
                 <a:solidFill>
                   <a:schemeClr val="bg1">
                     <a:lumMod val="75000"/>
@@ -8539,7 +7794,7 @@
             </a:p>
             <a:p>
               <a:pPr marL="0" indent="0" algn="l" defTabSz="114300"/>
-              <a:endParaRPr lang="en-US" sz="2400" b="0" baseline="0" dirty="0">
+              <a:endParaRPr lang="en-US" sz="2400" b="0" baseline="0">
                 <a:solidFill>
                   <a:schemeClr val="bg1">
                     <a:lumMod val="75000"/>
@@ -8550,7 +7805,7 @@
             </a:p>
             <a:p>
               <a:pPr marL="0" indent="0" algn="l" defTabSz="114300"/>
-              <a:endParaRPr lang="en-US" sz="2400" b="0" baseline="0" dirty="0">
+              <a:endParaRPr lang="en-US" sz="2400" b="0" baseline="0">
                 <a:solidFill>
                   <a:schemeClr val="bg1">
                     <a:lumMod val="75000"/>
@@ -8561,7 +7816,7 @@
             </a:p>
             <a:p>
               <a:pPr marL="0" indent="0" algn="l" defTabSz="114300"/>
-              <a:endParaRPr lang="en-US" sz="2400" b="0" baseline="0" dirty="0">
+              <a:endParaRPr lang="en-US" sz="2400" b="0" baseline="0">
                 <a:solidFill>
                   <a:schemeClr val="bg1">
                     <a:lumMod val="75000"/>
@@ -8572,7 +7827,7 @@
             </a:p>
             <a:p>
               <a:pPr marL="0" indent="0" algn="l" defTabSz="114300"/>
-              <a:endParaRPr lang="en-US" sz="2400" b="0" baseline="0" dirty="0">
+              <a:endParaRPr lang="en-US" sz="2400" b="0" baseline="0">
                 <a:solidFill>
                   <a:schemeClr val="bg1">
                     <a:lumMod val="75000"/>
@@ -8584,7 +7839,7 @@
             <a:p>
               <a:pPr marL="0" indent="0" algn="l" defTabSz="114300"/>
               <a:r>
-                <a:rPr lang="en-US" sz="2400" b="0" baseline="0" dirty="0">
+                <a:rPr lang="en-US" sz="2400" b="0" baseline="0">
                   <a:solidFill>
                     <a:schemeClr val="bg1">
                       <a:lumMod val="75000"/>
@@ -8597,7 +7852,7 @@
             </a:p>
             <a:p>
               <a:pPr marL="0" indent="0" algn="l" defTabSz="114300"/>
-              <a:endParaRPr lang="en-US" sz="2400" b="0" baseline="0" dirty="0">
+              <a:endParaRPr lang="en-US" sz="2400" b="0" baseline="0">
                 <a:solidFill>
                   <a:schemeClr val="bg1">
                     <a:lumMod val="75000"/>
@@ -8609,7 +7864,7 @@
             <a:p>
               <a:pPr algn="ctr"/>
               <a:r>
-                <a:rPr lang="en-US" sz="3200" b="1" baseline="0" dirty="0">
+                <a:rPr lang="en-US" sz="3200" b="1" baseline="0">
                   <a:solidFill>
                     <a:srgbClr val="FFC000"/>
                   </a:solidFill>
@@ -8621,7 +7876,7 @@
             <a:p>
               <a:pPr marL="3265488" lvl="2" indent="0" algn="l" defTabSz="114300"/>
               <a:r>
-                <a:rPr lang="en-US" sz="2400" b="0" baseline="0" dirty="0">
+                <a:rPr lang="en-US" sz="2400" b="0" baseline="0">
                   <a:solidFill>
                     <a:schemeClr val="bg1">
                       <a:lumMod val="75000"/>
@@ -8634,7 +7889,7 @@
             </a:p>
             <a:p>
               <a:pPr marL="1518341" lvl="2" indent="0" algn="l" defTabSz="114300"/>
-              <a:endParaRPr lang="en-US" sz="2400" b="0" baseline="0" dirty="0">
+              <a:endParaRPr lang="en-US" sz="2400" b="0" baseline="0">
                 <a:solidFill>
                   <a:schemeClr val="bg1">
                     <a:lumMod val="75000"/>
@@ -8662,7 +7917,7 @@
                 <a:defRPr/>
               </a:pPr>
               <a:r>
-                <a:rPr lang="en-US" sz="2400" b="0" baseline="0" dirty="0">
+                <a:rPr lang="en-US" sz="2400" b="0" baseline="0">
                   <a:solidFill>
                     <a:schemeClr val="bg1">
                       <a:lumMod val="75000"/>
@@ -8673,7 +7928,7 @@
                 <a:t> </a:t>
               </a:r>
               <a:r>
-                <a:rPr kumimoji="0" lang="en-US" sz="3200" b="1" i="0" u="none" strike="noStrike" kern="1200" cap="none" spc="0" normalizeH="0" baseline="0" noProof="0" dirty="0">
+                <a:rPr kumimoji="0" lang="en-US" sz="3200" b="1" i="0" u="none" strike="noStrike" kern="1200" cap="none" spc="0" normalizeH="0" baseline="0" noProof="0">
                   <a:ln>
                     <a:noFill/>
                   </a:ln>
@@ -8707,7 +7962,7 @@
                 <a:defRPr/>
               </a:pPr>
               <a:r>
-                <a:rPr kumimoji="0" lang="en-US" sz="2400" b="0" i="0" u="none" strike="noStrike" kern="1200" cap="none" spc="0" normalizeH="0" baseline="0" noProof="0" dirty="0">
+                <a:rPr kumimoji="0" lang="en-US" sz="2400" b="0" i="0" u="none" strike="noStrike" kern="1200" cap="none" spc="0" normalizeH="0" baseline="0" noProof="0">
                   <a:ln>
                     <a:noFill/>
                   </a:ln>
@@ -8723,7 +7978,7 @@
                 </a:rPr>
                 <a:t>Adjust the size of your text based on how much content you have to present. The default template text offers a good starting point. Follow the conference requirements.</a:t>
               </a:r>
-              <a:endParaRPr lang="en-US" sz="2400" b="0" baseline="0" dirty="0">
+              <a:endParaRPr lang="en-US" sz="2400" b="0" baseline="0">
                 <a:solidFill>
                   <a:schemeClr val="bg1">
                     <a:lumMod val="75000"/>
@@ -8734,7 +7989,7 @@
             </a:p>
             <a:p>
               <a:pPr marL="1518341" lvl="2" indent="0" algn="l" defTabSz="114300"/>
-              <a:endParaRPr lang="en-US" sz="2400" b="0" baseline="0" dirty="0">
+              <a:endParaRPr lang="en-US" sz="2400" b="0" baseline="0">
                 <a:solidFill>
                   <a:schemeClr val="bg1">
                     <a:lumMod val="75000"/>
@@ -8746,7 +8001,7 @@
             <a:p>
               <a:pPr algn="ctr"/>
               <a:r>
-                <a:rPr lang="en-US" sz="3200" b="1" baseline="0" dirty="0">
+                <a:rPr lang="en-US" sz="3200" b="1" baseline="0">
                   <a:solidFill>
                     <a:srgbClr val="FFC000"/>
                   </a:solidFill>
@@ -8758,7 +8013,7 @@
             <a:p>
               <a:pPr marL="1730375" lvl="1" indent="0" algn="l" defTabSz="114300"/>
               <a:r>
-                <a:rPr lang="en-US" sz="2400" b="0" baseline="0" dirty="0">
+                <a:rPr lang="en-US" sz="2400" b="0" baseline="0">
                   <a:solidFill>
                     <a:schemeClr val="bg1">
                       <a:lumMod val="75000"/>
@@ -8769,7 +8024,7 @@
                 <a:t>To add a table from scratch go to the INSERT menu and </a:t>
               </a:r>
               <a:br>
-                <a:rPr lang="en-US" sz="2400" b="0" baseline="0" dirty="0">
+                <a:rPr lang="en-US" sz="2400" b="0" baseline="0">
                   <a:solidFill>
                     <a:schemeClr val="bg1">
                       <a:lumMod val="75000"/>
@@ -8779,7 +8034,7 @@
                 </a:rPr>
               </a:br>
               <a:r>
-                <a:rPr lang="en-US" sz="2400" b="0" baseline="0" dirty="0">
+                <a:rPr lang="en-US" sz="2400" b="0" baseline="0">
                   <a:solidFill>
                     <a:schemeClr val="bg1">
                       <a:lumMod val="75000"/>
@@ -8793,7 +8048,7 @@
             <a:p>
               <a:pPr marL="0" lvl="0" indent="0" algn="l" defTabSz="114300"/>
               <a:r>
-                <a:rPr lang="en-US" sz="2400" b="0" baseline="0" dirty="0">
+                <a:rPr lang="en-US" sz="2400" b="0" baseline="0">
                   <a:solidFill>
                     <a:schemeClr val="bg1">
                       <a:lumMod val="75000"/>
@@ -8806,7 +8061,7 @@
             </a:p>
             <a:p>
               <a:pPr marL="0" lvl="0" indent="0" algn="l" defTabSz="114300"/>
-              <a:endParaRPr lang="en-US" sz="2400" b="0" baseline="0" dirty="0">
+              <a:endParaRPr lang="en-US" sz="2400" b="0" baseline="0">
                 <a:solidFill>
                   <a:schemeClr val="bg1">
                     <a:lumMod val="75000"/>
@@ -8834,7 +8089,7 @@
                 <a:defRPr/>
               </a:pPr>
               <a:r>
-                <a:rPr kumimoji="0" lang="en-US" sz="3200" b="1" i="0" u="none" strike="noStrike" kern="1200" cap="none" spc="0" normalizeH="0" baseline="0" noProof="0" dirty="0">
+                <a:rPr kumimoji="0" lang="en-US" sz="3200" b="1" i="0" u="none" strike="noStrike" kern="1200" cap="none" spc="0" normalizeH="0" baseline="0" noProof="0">
                   <a:ln>
                     <a:noFill/>
                   </a:ln>
@@ -8868,7 +8123,7 @@
                 <a:defRPr/>
               </a:pPr>
               <a:r>
-                <a:rPr kumimoji="0" lang="en-US" sz="2400" b="0" i="0" u="none" strike="noStrike" kern="1200" cap="none" spc="0" normalizeH="0" baseline="0" noProof="0" dirty="0">
+                <a:rPr kumimoji="0" lang="en-US" sz="2400" b="0" i="0" u="none" strike="noStrike" kern="1200" cap="none" spc="0" normalizeH="0" baseline="0" noProof="0">
                   <a:ln>
                     <a:noFill/>
                   </a:ln>
@@ -8903,7 +8158,7 @@
                 <a:tabLst/>
                 <a:defRPr/>
               </a:pPr>
-              <a:endParaRPr kumimoji="0" lang="en-US" sz="2400" b="0" i="0" u="none" strike="noStrike" kern="1200" cap="none" spc="0" normalizeH="0" baseline="0" noProof="0" dirty="0">
+              <a:endParaRPr kumimoji="0" lang="en-US" sz="2400" b="0" i="0" u="none" strike="noStrike" kern="1200" cap="none" spc="0" normalizeH="0" baseline="0" noProof="0">
                 <a:ln>
                   <a:noFill/>
                 </a:ln>
@@ -8937,7 +8192,7 @@
                 <a:defRPr/>
               </a:pPr>
               <a:r>
-                <a:rPr kumimoji="0" lang="en-US" sz="3200" b="1" i="0" u="none" strike="noStrike" kern="1200" cap="none" spc="0" normalizeH="0" baseline="0" noProof="0" dirty="0">
+                <a:rPr kumimoji="0" lang="en-US" sz="3200" b="1" i="0" u="none" strike="noStrike" kern="1200" cap="none" spc="0" normalizeH="0" baseline="0" noProof="0">
                   <a:ln>
                     <a:noFill/>
                   </a:ln>
@@ -8971,7 +8226,7 @@
                 <a:defRPr/>
               </a:pPr>
               <a:r>
-                <a:rPr kumimoji="0" lang="en-US" sz="2400" b="0" i="0" u="none" strike="noStrike" kern="1200" cap="none" spc="0" normalizeH="0" baseline="0" noProof="0" dirty="0">
+                <a:rPr kumimoji="0" lang="en-US" sz="2400" b="0" i="0" u="none" strike="noStrike" kern="1200" cap="none" spc="0" normalizeH="0" baseline="0" noProof="0">
                   <a:ln>
                     <a:noFill/>
                   </a:ln>
@@ -9006,7 +8261,7 @@
                 <a:tabLst/>
                 <a:defRPr/>
               </a:pPr>
-              <a:endParaRPr kumimoji="0" lang="en-US" sz="3200" b="1" i="0" u="none" strike="noStrike" kern="1200" cap="none" spc="0" normalizeH="0" baseline="0" noProof="0" dirty="0">
+              <a:endParaRPr kumimoji="0" lang="en-US" sz="3200" b="1" i="0" u="none" strike="noStrike" kern="1200" cap="none" spc="0" normalizeH="0" baseline="0" noProof="0">
                 <a:ln>
                   <a:noFill/>
                 </a:ln>
@@ -9038,7 +8293,7 @@
                 <a:defRPr/>
               </a:pPr>
               <a:r>
-                <a:rPr kumimoji="0" lang="en-US" sz="3200" b="1" i="0" u="none" strike="noStrike" kern="1200" cap="none" spc="0" normalizeH="0" baseline="0" noProof="0" dirty="0">
+                <a:rPr kumimoji="0" lang="en-US" sz="3200" b="1" i="0" u="none" strike="noStrike" kern="1200" cap="none" spc="0" normalizeH="0" baseline="0" noProof="0">
                   <a:ln>
                     <a:noFill/>
                   </a:ln>
@@ -9072,7 +8327,7 @@
                 <a:defRPr/>
               </a:pPr>
               <a:r>
-                <a:rPr kumimoji="0" lang="en-US" sz="2400" b="0" i="0" u="none" strike="noStrike" kern="1200" cap="none" spc="0" normalizeH="0" baseline="0" noProof="0" dirty="0">
+                <a:rPr kumimoji="0" lang="en-US" sz="2400" b="0" i="0" u="none" strike="noStrike" kern="1200" cap="none" spc="0" normalizeH="0" baseline="0" noProof="0">
                   <a:ln>
                     <a:noFill/>
                   </a:ln>
@@ -9107,7 +8362,7 @@
                 <a:tabLst/>
                 <a:defRPr/>
               </a:pPr>
-              <a:endParaRPr kumimoji="0" lang="en-US" sz="2400" b="0" i="0" u="none" strike="noStrike" kern="1200" cap="none" spc="0" normalizeH="0" baseline="0" noProof="0" dirty="0">
+              <a:endParaRPr kumimoji="0" lang="en-US" sz="2400" b="0" i="0" u="none" strike="noStrike" kern="1200" cap="none" spc="0" normalizeH="0" baseline="0" noProof="0">
                 <a:ln>
                   <a:noFill/>
                 </a:ln>
@@ -9141,7 +8396,7 @@
                 <a:defRPr/>
               </a:pPr>
               <a:r>
-                <a:rPr kumimoji="0" lang="en-US" sz="3200" b="1" i="0" u="none" strike="noStrike" kern="1200" cap="none" spc="0" normalizeH="0" baseline="0" noProof="0" dirty="0">
+                <a:rPr kumimoji="0" lang="en-US" sz="3200" b="1" i="0" u="none" strike="noStrike" kern="1200" cap="none" spc="0" normalizeH="0" baseline="0" noProof="0">
                   <a:ln>
                     <a:noFill/>
                   </a:ln>
@@ -9175,7 +8430,7 @@
                 <a:defRPr/>
               </a:pPr>
               <a:r>
-                <a:rPr kumimoji="0" lang="en-US" sz="2400" b="0" i="0" u="none" strike="noStrike" kern="1200" cap="none" spc="0" normalizeH="0" baseline="0" noProof="0" dirty="0">
+                <a:rPr kumimoji="0" lang="en-US" sz="2400" b="0" i="0" u="none" strike="noStrike" kern="1200" cap="none" spc="0" normalizeH="0" baseline="0" noProof="0">
                   <a:ln>
                     <a:noFill/>
                   </a:ln>
@@ -9210,7 +8465,7 @@
                 <a:tabLst/>
                 <a:defRPr/>
               </a:pPr>
-              <a:endParaRPr lang="en-US" sz="2400" b="0" baseline="0" dirty="0">
+              <a:endParaRPr lang="en-US" sz="2400" b="0" baseline="0">
                 <a:solidFill>
                   <a:schemeClr val="bg1">
                     <a:lumMod val="75000"/>
@@ -9238,7 +8493,7 @@
                 <a:defRPr/>
               </a:pPr>
               <a:r>
-                <a:rPr kumimoji="0" lang="en-US" sz="3200" b="1" i="0" u="none" strike="noStrike" kern="1200" cap="none" spc="0" normalizeH="0" baseline="0" noProof="0" dirty="0">
+                <a:rPr kumimoji="0" lang="en-US" sz="3200" b="1" i="0" u="none" strike="noStrike" kern="1200" cap="none" spc="0" normalizeH="0" baseline="0" noProof="0">
                   <a:ln>
                     <a:noFill/>
                   </a:ln>
@@ -9272,7 +8527,7 @@
                 <a:defRPr/>
               </a:pPr>
               <a:r>
-                <a:rPr kumimoji="0" lang="en-US" sz="2400" b="0" i="0" u="none" strike="noStrike" kern="1200" cap="none" spc="0" normalizeH="0" baseline="0" noProof="0" dirty="0">
+                <a:rPr kumimoji="0" lang="en-US" sz="2400" b="0" i="0" u="none" strike="noStrike" kern="1200" cap="none" spc="0" normalizeH="0" baseline="0" noProof="0">
                   <a:ln>
                     <a:noFill/>
                   </a:ln>
@@ -9307,7 +8562,7 @@
                 <a:tabLst/>
                 <a:defRPr/>
               </a:pPr>
-              <a:endParaRPr kumimoji="0" lang="en-US" sz="2800" b="0" i="0" u="none" strike="noStrike" kern="1200" cap="none" spc="0" normalizeH="0" baseline="0" noProof="0" dirty="0">
+              <a:endParaRPr kumimoji="0" lang="en-US" sz="2800" b="0" i="0" u="none" strike="noStrike" kern="1200" cap="none" spc="0" normalizeH="0" baseline="0" noProof="0">
                 <a:ln>
                   <a:noFill/>
                 </a:ln>
@@ -9355,7 +8610,7 @@
                     <p:embed/>
                     <p:pic>
                       <p:nvPicPr>
-                        <p:cNvPr id="0" name=""/>
+                        <p:cNvPr id="46" name="Object 45"/>
                         <p:cNvPicPr/>
                         <p:nvPr/>
                       </p:nvPicPr>
@@ -9439,7 +8694,7 @@
                     <p:embed/>
                     <p:pic>
                       <p:nvPicPr>
-                        <p:cNvPr id="0" name=""/>
+                        <p:cNvPr id="48" name="Object 47"/>
                         <p:cNvPicPr/>
                         <p:nvPr/>
                       </p:nvPicPr>
@@ -9582,7 +8837,7 @@
               <a:lstStyle/>
               <a:p>
                 <a:r>
-                  <a:rPr lang="en-US" sz="2400" dirty="0">
+                  <a:rPr lang="en-US" sz="2400">
                     <a:solidFill>
                       <a:schemeClr val="tx2"/>
                     </a:solidFill>
@@ -9591,7 +8846,7 @@
                   <a:t>Student</a:t>
                 </a:r>
                 <a:r>
-                  <a:rPr lang="en-US" sz="2400" baseline="0" dirty="0">
+                  <a:rPr lang="en-US" sz="2400" baseline="0">
                     <a:solidFill>
                       <a:schemeClr val="tx2"/>
                     </a:solidFill>
@@ -9600,7 +8855,7 @@
                   <a:t> discounts are available on our </a:t>
                 </a:r>
                 <a:r>
-                  <a:rPr lang="en-US" sz="2400" baseline="0" dirty="0" err="1">
+                  <a:rPr lang="en-US" sz="2400" baseline="0" err="1">
                     <a:solidFill>
                       <a:schemeClr val="tx2"/>
                     </a:solidFill>
@@ -9609,7 +8864,7 @@
                   <a:t>Facebook</a:t>
                 </a:r>
                 <a:r>
-                  <a:rPr lang="en-US" sz="2400" baseline="0" dirty="0">
+                  <a:rPr lang="en-US" sz="2400" baseline="0">
                     <a:solidFill>
                       <a:schemeClr val="tx2"/>
                     </a:solidFill>
@@ -9618,7 +8873,7 @@
                   <a:t> page.</a:t>
                 </a:r>
                 <a:br>
-                  <a:rPr lang="en-US" sz="2400" baseline="0" dirty="0">
+                  <a:rPr lang="en-US" sz="2400" baseline="0">
                     <a:solidFill>
                       <a:schemeClr val="tx2"/>
                     </a:solidFill>
@@ -9626,7 +8881,7 @@
                   </a:rPr>
                 </a:br>
                 <a:r>
-                  <a:rPr lang="en-US" sz="2400" baseline="0" dirty="0">
+                  <a:rPr lang="en-US" sz="2400" baseline="0">
                     <a:solidFill>
                       <a:schemeClr val="tx2"/>
                     </a:solidFill>
@@ -9635,7 +8890,7 @@
                   <a:t>Go to </a:t>
                 </a:r>
                 <a:r>
-                  <a:rPr lang="en-US" sz="2400" u="sng" baseline="0" dirty="0">
+                  <a:rPr lang="en-US" sz="2400" u="sng" baseline="0">
                     <a:solidFill>
                       <a:schemeClr val="tx2"/>
                     </a:solidFill>
@@ -9644,7 +8899,7 @@
                   <a:t>PosterPresentations.com</a:t>
                 </a:r>
                 <a:r>
-                  <a:rPr lang="en-US" sz="2400" baseline="0" dirty="0">
+                  <a:rPr lang="en-US" sz="2400" baseline="0">
                     <a:solidFill>
                       <a:schemeClr val="tx2"/>
                     </a:solidFill>
@@ -9652,7 +8907,7 @@
                   </a:rPr>
                   <a:t> and click on the FB icon. </a:t>
                 </a:r>
-                <a:endParaRPr lang="en-US" sz="2400" dirty="0">
+                <a:endParaRPr lang="en-US" sz="2400">
                   <a:solidFill>
                     <a:schemeClr val="tx2"/>
                   </a:solidFill>
@@ -9690,7 +8945,7 @@
                 </a:lnSpc>
               </a:pPr>
               <a:r>
-                <a:rPr lang="en-US" sz="2800" dirty="0">
+                <a:rPr lang="en-US" sz="2800">
                   <a:solidFill>
                     <a:schemeClr val="bg1"/>
                   </a:solidFill>
@@ -9698,7 +8953,7 @@
                 <a:t>© 2015</a:t>
               </a:r>
               <a:r>
-                <a:rPr lang="en-US" sz="2800" baseline="0" dirty="0">
+                <a:rPr lang="en-US" sz="2800" baseline="0">
                   <a:solidFill>
                     <a:schemeClr val="bg1"/>
                   </a:solidFill>
@@ -9706,7 +8961,7 @@
                 <a:t> </a:t>
               </a:r>
               <a:r>
-                <a:rPr lang="en-US" sz="2800" dirty="0">
+                <a:rPr lang="en-US" sz="2800">
                   <a:solidFill>
                     <a:schemeClr val="bg1"/>
                   </a:solidFill>
@@ -9714,14 +8969,14 @@
                 <a:t>PosterPresentations.com</a:t>
               </a:r>
               <a:br>
-                <a:rPr lang="en-US" sz="2800" dirty="0">
+                <a:rPr lang="en-US" sz="2800">
                   <a:solidFill>
                     <a:schemeClr val="bg1"/>
                   </a:solidFill>
                 </a:rPr>
               </a:br>
               <a:r>
-                <a:rPr lang="en-US" sz="2800" dirty="0">
+                <a:rPr lang="en-US" sz="2800">
                   <a:solidFill>
                     <a:schemeClr val="bg1"/>
                   </a:solidFill>
@@ -9729,7 +8984,7 @@
                 <a:t>    </a:t>
               </a:r>
               <a:r>
-                <a:rPr lang="en-US" sz="2400" dirty="0">
+                <a:rPr lang="en-US" sz="2400">
                   <a:solidFill>
                     <a:schemeClr val="bg1"/>
                   </a:solidFill>
@@ -9737,7 +8992,7 @@
                 <a:t>2117 Fourth Street ,</a:t>
               </a:r>
               <a:r>
-                <a:rPr lang="en-US" sz="2400" baseline="0" dirty="0">
+                <a:rPr lang="en-US" sz="2400" baseline="0">
                   <a:solidFill>
                     <a:schemeClr val="bg1"/>
                   </a:solidFill>
@@ -9752,7 +9007,7 @@
                 </a:lnSpc>
               </a:pPr>
               <a:r>
-                <a:rPr lang="en-US" sz="2400" baseline="0" dirty="0">
+                <a:rPr lang="en-US" sz="2400" baseline="0">
                   <a:solidFill>
                     <a:schemeClr val="bg1"/>
                   </a:solidFill>
@@ -9760,7 +9015,7 @@
                 <a:t>     Berkeley CA </a:t>
               </a:r>
               <a:r>
-                <a:rPr lang="en-US" sz="2000" baseline="0" dirty="0">
+                <a:rPr lang="en-US" sz="2000" baseline="0">
                   <a:solidFill>
                     <a:schemeClr val="bg1"/>
                   </a:solidFill>
@@ -9768,14 +9023,14 @@
                 <a:t>94710</a:t>
               </a:r>
               <a:br>
-                <a:rPr lang="en-US" sz="2400" baseline="0" dirty="0">
+                <a:rPr lang="en-US" sz="2400" baseline="0">
                   <a:solidFill>
                     <a:schemeClr val="bg1"/>
                   </a:solidFill>
                 </a:rPr>
               </a:br>
               <a:r>
-                <a:rPr lang="en-US" sz="2400" baseline="0" dirty="0">
+                <a:rPr lang="en-US" sz="2400" baseline="0">
                   <a:solidFill>
                     <a:schemeClr val="bg1"/>
                   </a:solidFill>
@@ -9783,14 +9038,14 @@
                 <a:t>    </a:t>
               </a:r>
               <a:r>
-                <a:rPr lang="en-US" sz="2400" b="1" baseline="0" dirty="0">
+                <a:rPr lang="en-US" sz="2400" b="1" baseline="0">
                   <a:solidFill>
                     <a:srgbClr val="FFFF00"/>
                   </a:solidFill>
                 </a:rPr>
                 <a:t>posterpresenter@gmail.com</a:t>
               </a:r>
-              <a:endParaRPr lang="en-US" sz="2800" b="1" dirty="0">
+              <a:endParaRPr lang="en-US" sz="2800" b="1">
                 <a:solidFill>
                   <a:srgbClr val="FFFF00"/>
                 </a:solidFill>
@@ -9875,7 +9130,7 @@
                 <a:defRPr/>
               </a:pPr>
               <a:r>
-                <a:rPr lang="en-US" sz="3200" b="1" spc="0" dirty="0">
+                <a:rPr lang="en-US" sz="3200" b="1" spc="0">
                   <a:solidFill>
                     <a:srgbClr val="FF0000"/>
                   </a:solidFill>
@@ -9883,7 +9138,7 @@
                 </a:rPr>
                 <a:t>(—THIS SIDEBAR DOES NOT PRINT—)</a:t>
               </a:r>
-              <a:endParaRPr lang="en-US" sz="3200" b="1" spc="600" dirty="0">
+              <a:endParaRPr lang="en-US" sz="3200" b="1" spc="600">
                 <a:solidFill>
                   <a:schemeClr val="bg1"/>
                 </a:solidFill>
@@ -9893,7 +9148,7 @@
             <a:p>
               <a:pPr algn="ctr"/>
               <a:r>
-                <a:rPr lang="en-US" sz="4000" b="1" spc="600" dirty="0">
+                <a:rPr lang="en-US" sz="4000" b="1" spc="600">
                   <a:solidFill>
                     <a:schemeClr val="bg1"/>
                   </a:solidFill>
@@ -9902,7 +9157,7 @@
                 <a:t>DESIGN</a:t>
               </a:r>
               <a:r>
-                <a:rPr lang="en-US" sz="4000" b="1" spc="600" baseline="0" dirty="0">
+                <a:rPr lang="en-US" sz="4000" b="1" spc="600" baseline="0">
                   <a:solidFill>
                     <a:schemeClr val="bg1"/>
                   </a:solidFill>
@@ -9911,7 +9166,7 @@
                 <a:t> </a:t>
               </a:r>
               <a:r>
-                <a:rPr lang="en-US" sz="4000" b="1" spc="600" dirty="0">
+                <a:rPr lang="en-US" sz="4000" b="1" spc="600">
                   <a:solidFill>
                     <a:schemeClr val="bg1"/>
                   </a:solidFill>
@@ -9922,80 +9177,80 @@
             </a:p>
             <a:p>
               <a:pPr algn="ctr"/>
-              <a:endParaRPr lang="en-US" sz="2800" b="1" dirty="0">
+              <a:endParaRPr lang="en-US" sz="2800" b="1">
                 <a:latin typeface="Trebuchet MS" pitchFamily="34" charset="0"/>
               </a:endParaRPr>
             </a:p>
             <a:p>
               <a:pPr defTabSz="3765639"/>
               <a:r>
-                <a:rPr lang="en-US" sz="2800" i="0" dirty="0">
+                <a:rPr lang="en-US" sz="2800" i="0">
                   <a:latin typeface="Trebuchet MS" pitchFamily="34" charset="0"/>
                 </a:rPr>
                 <a:t>This PowerPoint</a:t>
               </a:r>
               <a:r>
-                <a:rPr lang="en-US" sz="2800" i="0" baseline="0" dirty="0">
+                <a:rPr lang="en-US" sz="2800" i="0" baseline="0">
                   <a:latin typeface="Trebuchet MS" pitchFamily="34" charset="0"/>
                 </a:rPr>
                 <a:t> </a:t>
               </a:r>
               <a:r>
-                <a:rPr lang="en-US" sz="2800" i="0" dirty="0">
+                <a:rPr lang="en-US" sz="2800" i="0">
                   <a:latin typeface="Trebuchet MS" pitchFamily="34" charset="0"/>
                 </a:rPr>
                 <a:t>2007 template produces</a:t>
               </a:r>
               <a:r>
-                <a:rPr lang="en-US" sz="2800" i="0" baseline="0" dirty="0">
+                <a:rPr lang="en-US" sz="2800" i="0" baseline="0">
                   <a:latin typeface="Trebuchet MS" pitchFamily="34" charset="0"/>
                 </a:rPr>
                 <a:t> </a:t>
               </a:r>
               <a:r>
-                <a:rPr lang="en-US" sz="2800" i="0" dirty="0">
+                <a:rPr lang="en-US" sz="2800" i="0">
                   <a:latin typeface="Trebuchet MS" pitchFamily="34" charset="0"/>
                 </a:rPr>
                 <a:t>a 36”x48” presentation poster. </a:t>
               </a:r>
               <a:r>
-                <a:rPr lang="en-US" sz="2800" dirty="0">
+                <a:rPr lang="en-US" sz="2800">
                   <a:latin typeface="Trebuchet MS" pitchFamily="34" charset="0"/>
                 </a:rPr>
                 <a:t>You</a:t>
               </a:r>
               <a:r>
-                <a:rPr lang="en-US" sz="2800" baseline="0" dirty="0">
+                <a:rPr lang="en-US" sz="2800" baseline="0">
                   <a:latin typeface="Trebuchet MS" pitchFamily="34" charset="0"/>
                 </a:rPr>
                 <a:t> can u</a:t>
               </a:r>
               <a:r>
-                <a:rPr lang="en-US" sz="2800" dirty="0">
+                <a:rPr lang="en-US" sz="2800">
                   <a:latin typeface="Trebuchet MS" pitchFamily="34" charset="0"/>
                 </a:rPr>
                 <a:t>se</a:t>
               </a:r>
               <a:r>
-                <a:rPr lang="en-US" sz="2800" baseline="0" dirty="0">
+                <a:rPr lang="en-US" sz="2800" baseline="0">
                   <a:latin typeface="Trebuchet MS" pitchFamily="34" charset="0"/>
                 </a:rPr>
                 <a:t> it to create your research poster and </a:t>
               </a:r>
               <a:r>
-                <a:rPr lang="en-US" sz="2800" dirty="0">
+                <a:rPr lang="en-US" sz="2800">
                   <a:latin typeface="Trebuchet MS" pitchFamily="34" charset="0"/>
                 </a:rPr>
                 <a:t>save valuable time placing titles, subtitles,</a:t>
               </a:r>
               <a:r>
-                <a:rPr lang="en-US" sz="2800" baseline="0" dirty="0">
+                <a:rPr lang="en-US" sz="2800" baseline="0">
                   <a:latin typeface="Trebuchet MS" pitchFamily="34" charset="0"/>
                 </a:rPr>
                 <a:t> text, and graphics</a:t>
               </a:r>
               <a:r>
-                <a:rPr lang="en-US" sz="2800" dirty="0">
+                <a:rPr lang="en-US" sz="2800">
                   <a:latin typeface="Trebuchet MS" pitchFamily="34" charset="0"/>
                 </a:rPr>
                 <a:t>. </a:t>
@@ -10003,20 +9258,20 @@
             </a:p>
             <a:p>
               <a:pPr defTabSz="3765639"/>
-              <a:endParaRPr lang="en-US" sz="2800" dirty="0">
+              <a:endParaRPr lang="en-US" sz="2800">
                 <a:latin typeface="Trebuchet MS" pitchFamily="34" charset="0"/>
               </a:endParaRPr>
             </a:p>
             <a:p>
               <a:pPr defTabSz="4389219"/>
               <a:r>
-                <a:rPr lang="en-US" sz="2800" dirty="0">
+                <a:rPr lang="en-US" sz="2800">
                   <a:latin typeface="Trebuchet MS" pitchFamily="34" charset="0"/>
                 </a:rPr>
                 <a:t>We provide a series of online tutorials that will guide you through the poster design process and answer your poster production questions. To view our template tutorials, go online to </a:t>
               </a:r>
               <a:r>
-                <a:rPr lang="en-US" sz="2800" b="1" dirty="0">
+                <a:rPr lang="en-US" sz="2800" b="1">
                   <a:solidFill>
                     <a:srgbClr val="FFC000"/>
                   </a:solidFill>
@@ -10025,7 +9280,7 @@
                 <a:t>PosterPresentations.com</a:t>
               </a:r>
               <a:r>
-                <a:rPr lang="en-US" sz="2800" b="1" dirty="0">
+                <a:rPr lang="en-US" sz="2800" b="1">
                   <a:solidFill>
                     <a:schemeClr val="bg1"/>
                   </a:solidFill>
@@ -10034,7 +9289,7 @@
                 <a:t> </a:t>
               </a:r>
               <a:r>
-                <a:rPr lang="en-US" sz="2800" dirty="0">
+                <a:rPr lang="en-US" sz="2800">
                   <a:solidFill>
                     <a:schemeClr val="bg1"/>
                   </a:solidFill>
@@ -10045,14 +9300,14 @@
             </a:p>
             <a:p>
               <a:pPr defTabSz="4389219"/>
-              <a:endParaRPr lang="en-US" sz="2800" dirty="0">
+              <a:endParaRPr lang="en-US" sz="2800">
                 <a:latin typeface="Trebuchet MS" pitchFamily="34" charset="0"/>
               </a:endParaRPr>
             </a:p>
             <a:p>
               <a:pPr defTabSz="4389219"/>
               <a:r>
-                <a:rPr lang="en-US" sz="2800" dirty="0">
+                <a:rPr lang="en-US" sz="2800">
                   <a:solidFill>
                     <a:schemeClr val="bg1"/>
                   </a:solidFill>
@@ -10061,7 +9316,7 @@
                 <a:t>When</a:t>
               </a:r>
               <a:r>
-                <a:rPr lang="en-US" sz="2800" baseline="0" dirty="0">
+                <a:rPr lang="en-US" sz="2800" baseline="0">
                   <a:solidFill>
                     <a:schemeClr val="bg1"/>
                   </a:solidFill>
@@ -10070,7 +9325,7 @@
                 <a:t> you are ready to print your poster</a:t>
               </a:r>
               <a:r>
-                <a:rPr lang="en-US" sz="2800" dirty="0">
+                <a:rPr lang="en-US" sz="2800">
                   <a:solidFill>
                     <a:schemeClr val="bg1"/>
                   </a:solidFill>
@@ -10079,7 +9334,7 @@
                 <a:t>,</a:t>
               </a:r>
               <a:r>
-                <a:rPr lang="en-US" sz="2800" baseline="0" dirty="0">
+                <a:rPr lang="en-US" sz="2800" baseline="0">
                   <a:solidFill>
                     <a:schemeClr val="bg1"/>
                   </a:solidFill>
@@ -10088,7 +9343,7 @@
                 <a:t> go online to </a:t>
               </a:r>
               <a:r>
-                <a:rPr lang="en-US" sz="2800" b="0" dirty="0">
+                <a:rPr lang="en-US" sz="2800" b="0">
                   <a:solidFill>
                     <a:schemeClr val="bg1"/>
                   </a:solidFill>
@@ -10097,14 +9352,14 @@
                 <a:t>PosterPresentations.com</a:t>
               </a:r>
               <a:br>
-                <a:rPr lang="en-US" sz="2800" dirty="0">
+                <a:rPr lang="en-US" sz="2800">
                   <a:solidFill>
                     <a:schemeClr val="bg1"/>
                   </a:solidFill>
                   <a:latin typeface="Trebuchet MS" pitchFamily="34" charset="0"/>
                 </a:rPr>
               </a:br>
-              <a:endParaRPr lang="en-US" sz="2800" dirty="0">
+              <a:endParaRPr lang="en-US" sz="2800">
                 <a:solidFill>
                   <a:schemeClr val="bg1"/>
                 </a:solidFill>
@@ -10114,7 +9369,7 @@
             <a:p>
               <a:pPr algn="l" defTabSz="3765639"/>
               <a:r>
-                <a:rPr lang="en-US" sz="2800" b="0" dirty="0">
+                <a:rPr lang="en-US" sz="2800" b="0">
                   <a:solidFill>
                     <a:schemeClr val="bg1"/>
                   </a:solidFill>
@@ -10123,7 +9378,7 @@
                 <a:t>Need</a:t>
               </a:r>
               <a:r>
-                <a:rPr lang="en-US" sz="2800" b="0" baseline="0" dirty="0">
+                <a:rPr lang="en-US" sz="2800" b="0" baseline="0">
                   <a:solidFill>
                     <a:schemeClr val="bg1"/>
                   </a:solidFill>
@@ -10132,7 +9387,7 @@
                 <a:t> assistance? Call us at </a:t>
               </a:r>
               <a:r>
-                <a:rPr lang="en-US" sz="2800" b="0" dirty="0">
+                <a:rPr lang="en-US" sz="2800" b="0">
                   <a:solidFill>
                     <a:srgbClr val="FFC000"/>
                   </a:solidFill>
@@ -10143,7 +9398,7 @@
             </a:p>
             <a:p>
               <a:pPr algn="l" defTabSz="3765639"/>
-              <a:endParaRPr lang="en-US" sz="3600" b="1" dirty="0">
+              <a:endParaRPr lang="en-US" sz="3600" b="1">
                 <a:solidFill>
                   <a:srgbClr val="FFFF00"/>
                 </a:solidFill>
@@ -10152,7 +9407,7 @@
             </a:p>
             <a:p>
               <a:pPr algn="ctr"/>
-              <a:endParaRPr lang="en-US" sz="2400" b="1" dirty="0">
+              <a:endParaRPr lang="en-US" sz="2400" b="1">
                 <a:solidFill>
                   <a:schemeClr val="bg1"/>
                 </a:solidFill>
@@ -10162,7 +9417,7 @@
             <a:p>
               <a:pPr algn="ctr"/>
               <a:r>
-                <a:rPr lang="en-US" sz="4000" b="1" spc="600" dirty="0">
+                <a:rPr lang="en-US" sz="4000" b="1" spc="600">
                   <a:solidFill>
                     <a:schemeClr val="bg1"/>
                   </a:solidFill>
@@ -10173,7 +9428,7 @@
             </a:p>
             <a:p>
               <a:pPr algn="ctr"/>
-              <a:endParaRPr lang="en-US" sz="3200" b="1" baseline="0" dirty="0">
+              <a:endParaRPr lang="en-US" sz="3200" b="1" baseline="0">
                 <a:solidFill>
                   <a:schemeClr val="bg1"/>
                 </a:solidFill>
@@ -10183,7 +9438,7 @@
             <a:p>
               <a:pPr algn="ctr"/>
               <a:r>
-                <a:rPr lang="en-US" sz="3200" b="1" baseline="0" dirty="0">
+                <a:rPr lang="en-US" sz="3200" b="1" baseline="0">
                   <a:solidFill>
                     <a:srgbClr val="FFC000"/>
                   </a:solidFill>
@@ -10195,7 +9450,7 @@
             <a:p>
               <a:pPr marL="1892300" indent="-1892300" algn="l" defTabSz="850900"/>
               <a:r>
-                <a:rPr lang="en-US" sz="2400" b="0" baseline="0" dirty="0">
+                <a:rPr lang="en-US" sz="2400" b="0" baseline="0">
                   <a:solidFill>
                     <a:schemeClr val="bg1"/>
                   </a:solidFill>
@@ -10204,7 +9459,7 @@
                 <a:t>	</a:t>
               </a:r>
               <a:r>
-                <a:rPr lang="en-US" sz="2400" b="0" baseline="0" dirty="0">
+                <a:rPr lang="en-US" sz="2400" b="0" baseline="0">
                   <a:solidFill>
                     <a:schemeClr val="bg1">
                       <a:lumMod val="75000"/>
@@ -10218,7 +9473,7 @@
             <a:p>
               <a:pPr marL="1892300" indent="-1892300" algn="l" defTabSz="850900"/>
               <a:r>
-                <a:rPr lang="en-US" sz="2400" b="1" baseline="0" dirty="0">
+                <a:rPr lang="en-US" sz="2400" b="1" baseline="0">
                   <a:solidFill>
                     <a:schemeClr val="bg1">
                       <a:lumMod val="75000"/>
@@ -10229,7 +9484,7 @@
                 <a:t>	</a:t>
               </a:r>
               <a:r>
-                <a:rPr lang="en-US" sz="2400" b="0" baseline="0" dirty="0">
+                <a:rPr lang="en-US" sz="2400" b="0" baseline="0">
                   <a:solidFill>
                     <a:schemeClr val="bg1">
                       <a:lumMod val="75000"/>
@@ -10242,7 +9497,7 @@
             </a:p>
             <a:p>
               <a:pPr algn="l"/>
-              <a:endParaRPr lang="en-US" sz="2800" b="0" baseline="0" dirty="0">
+              <a:endParaRPr lang="en-US" sz="2800" b="0" baseline="0">
                 <a:solidFill>
                   <a:schemeClr val="bg1"/>
                 </a:solidFill>
@@ -10252,7 +9507,7 @@
             <a:p>
               <a:pPr algn="ctr"/>
               <a:r>
-                <a:rPr lang="en-US" sz="3200" b="1" baseline="0" dirty="0">
+                <a:rPr lang="en-US" sz="3200" b="1" baseline="0">
                   <a:solidFill>
                     <a:srgbClr val="FFC000"/>
                   </a:solidFill>
@@ -10264,7 +9519,7 @@
             <a:p>
               <a:pPr algn="l"/>
               <a:r>
-                <a:rPr lang="en-US" sz="2400" b="0" baseline="0" dirty="0">
+                <a:rPr lang="en-US" sz="2400" b="0" baseline="0">
                   <a:solidFill>
                     <a:schemeClr val="bg1">
                       <a:lumMod val="75000"/>
@@ -10275,7 +9530,7 @@
                 <a:t>Start designing your poster by adding the title, the names of the authors, and the affiliated institutions. </a:t>
               </a:r>
               <a:r>
-                <a:rPr lang="en-US" sz="2400" b="0" spc="0" baseline="0" dirty="0">
+                <a:rPr lang="en-US" sz="2400" b="0" spc="0" baseline="0">
                   <a:solidFill>
                     <a:schemeClr val="bg1">
                       <a:lumMod val="75000"/>
@@ -10288,7 +9543,7 @@
             </a:p>
             <a:p>
               <a:pPr algn="l"/>
-              <a:endParaRPr lang="en-US" sz="2400" b="0" spc="0" baseline="0" dirty="0">
+              <a:endParaRPr lang="en-US" sz="2400" b="0" spc="0" baseline="0">
                 <a:solidFill>
                   <a:schemeClr val="bg1">
                     <a:lumMod val="75000"/>
@@ -10300,7 +9555,7 @@
             <a:p>
               <a:pPr algn="l"/>
               <a:r>
-                <a:rPr lang="en-US" sz="2400" b="1" spc="300" baseline="0" dirty="0">
+                <a:rPr lang="en-US" sz="2400" b="1" spc="300" baseline="0">
                   <a:solidFill>
                     <a:srgbClr val="FFC000"/>
                   </a:solidFill>
@@ -10309,7 +9564,7 @@
                 <a:t>TIP</a:t>
               </a:r>
               <a:r>
-                <a:rPr lang="en-US" sz="2400" b="1" baseline="0" dirty="0">
+                <a:rPr lang="en-US" sz="2400" b="1" baseline="0">
                   <a:solidFill>
                     <a:srgbClr val="FFC000"/>
                   </a:solidFill>
@@ -10318,7 +9573,7 @@
                 <a:t>: </a:t>
               </a:r>
               <a:r>
-                <a:rPr lang="en-US" sz="2400" b="0" baseline="0" dirty="0">
+                <a:rPr lang="en-US" sz="2400" b="0" baseline="0">
                   <a:solidFill>
                     <a:schemeClr val="bg1">
                       <a:lumMod val="75000"/>
@@ -10332,14 +9587,14 @@
             <a:p>
               <a:pPr algn="l"/>
               <a:br>
-                <a:rPr lang="en-US" sz="2800" b="1" baseline="0" dirty="0">
+                <a:rPr lang="en-US" sz="2800" b="1" baseline="0">
                   <a:solidFill>
                     <a:schemeClr val="bg1"/>
                   </a:solidFill>
                   <a:latin typeface="Trebuchet MS" pitchFamily="34" charset="0"/>
                 </a:rPr>
               </a:br>
-              <a:endParaRPr lang="en-US" sz="2800" b="1" dirty="0">
+              <a:endParaRPr lang="en-US" sz="2800" b="1">
                 <a:solidFill>
                   <a:schemeClr val="bg1"/>
                 </a:solidFill>
@@ -10348,7 +9603,7 @@
             </a:p>
             <a:p>
               <a:pPr algn="ctr"/>
-              <a:endParaRPr lang="en-US" sz="2800" b="1" dirty="0">
+              <a:endParaRPr lang="en-US" sz="2800" b="1">
                 <a:solidFill>
                   <a:srgbClr val="FFC000"/>
                 </a:solidFill>
@@ -10357,7 +9612,7 @@
             </a:p>
             <a:p>
               <a:pPr algn="ctr"/>
-              <a:endParaRPr lang="en-US" sz="2800" b="1" dirty="0">
+              <a:endParaRPr lang="en-US" sz="2800" b="1">
                 <a:solidFill>
                   <a:srgbClr val="FFC000"/>
                 </a:solidFill>
@@ -10367,7 +9622,7 @@
             <a:p>
               <a:pPr algn="ctr"/>
               <a:r>
-                <a:rPr lang="en-US" sz="3200" b="1" dirty="0">
+                <a:rPr lang="en-US" sz="3200" b="1">
                   <a:solidFill>
                     <a:srgbClr val="FFC000"/>
                   </a:solidFill>
@@ -10376,7 +9631,7 @@
                 <a:t>Adding Logos</a:t>
               </a:r>
               <a:r>
-                <a:rPr lang="en-US" sz="3200" b="1" baseline="0" dirty="0">
+                <a:rPr lang="en-US" sz="3200" b="1" baseline="0">
                   <a:solidFill>
                     <a:srgbClr val="FFC000"/>
                   </a:solidFill>
@@ -10388,7 +9643,7 @@
             <a:p>
               <a:pPr algn="l"/>
               <a:r>
-                <a:rPr lang="en-US" sz="2400" b="0" baseline="0" dirty="0">
+                <a:rPr lang="en-US" sz="2400" b="0" baseline="0">
                   <a:solidFill>
                     <a:schemeClr val="bg1">
                       <a:lumMod val="75000"/>
@@ -10401,7 +9656,7 @@
             </a:p>
             <a:p>
               <a:pPr algn="l"/>
-              <a:endParaRPr lang="en-US" sz="2400" b="0" spc="300" baseline="0" dirty="0">
+              <a:endParaRPr lang="en-US" sz="2400" b="0" spc="300" baseline="0">
                 <a:solidFill>
                   <a:schemeClr val="bg1">
                     <a:lumMod val="75000"/>
@@ -10413,7 +9668,7 @@
             <a:p>
               <a:pPr algn="l"/>
               <a:r>
-                <a:rPr lang="en-US" sz="2400" b="1" spc="300" baseline="0" dirty="0">
+                <a:rPr lang="en-US" sz="2400" b="1" spc="300" baseline="0">
                   <a:solidFill>
                     <a:srgbClr val="FFC000"/>
                   </a:solidFill>
@@ -10422,7 +9677,7 @@
                 <a:t>TIP:</a:t>
               </a:r>
               <a:r>
-                <a:rPr lang="en-US" sz="2400" b="1" spc="0" baseline="0" dirty="0">
+                <a:rPr lang="en-US" sz="2400" b="1" spc="0" baseline="0">
                   <a:solidFill>
                     <a:srgbClr val="FFC000"/>
                   </a:solidFill>
@@ -10431,7 +9686,7 @@
                 <a:t> </a:t>
               </a:r>
               <a:r>
-                <a:rPr lang="en-US" sz="2400" b="0" baseline="0" dirty="0">
+                <a:rPr lang="en-US" sz="2400" b="0" baseline="0">
                   <a:solidFill>
                     <a:schemeClr val="bg1">
                       <a:lumMod val="75000"/>
@@ -10444,14 +9699,14 @@
             </a:p>
             <a:p>
               <a:pPr algn="l"/>
-              <a:endParaRPr lang="en-US" sz="2400" b="0" baseline="0" dirty="0">
+              <a:endParaRPr lang="en-US" sz="2400" b="0" baseline="0">
                 <a:latin typeface="Trebuchet MS" pitchFamily="34" charset="0"/>
               </a:endParaRPr>
             </a:p>
             <a:p>
               <a:pPr algn="ctr"/>
               <a:r>
-                <a:rPr lang="en-US" sz="3200" b="1" baseline="0" dirty="0">
+                <a:rPr lang="en-US" sz="3200" b="1" baseline="0">
                   <a:solidFill>
                     <a:srgbClr val="FFC000"/>
                   </a:solidFill>
@@ -10463,7 +9718,7 @@
             <a:p>
               <a:pPr algn="l" defTabSz="977900"/>
               <a:r>
-                <a:rPr lang="en-US" sz="2400" b="0" baseline="0" dirty="0">
+                <a:rPr lang="en-US" sz="2400" b="0" baseline="0">
                   <a:solidFill>
                     <a:schemeClr val="bg1">
                       <a:lumMod val="75000"/>
@@ -10474,7 +9729,7 @@
                 <a:t>You can add images by dragging and dropping from your desktop, copy and paste, or by going to INSERT &gt; PICTURES. Resize images proportionally by holding down the SHIFT key and dragging one of the corner handles. For a professional-looking poster, do not distort your images by enlarging them </a:t>
               </a:r>
               <a:r>
-                <a:rPr lang="en-US" sz="2400" b="0" spc="0" baseline="0" dirty="0">
+                <a:rPr lang="en-US" sz="2400" b="0" spc="0" baseline="0">
                   <a:solidFill>
                     <a:schemeClr val="bg1">
                       <a:lumMod val="75000"/>
@@ -10487,13 +9742,13 @@
             </a:p>
             <a:p>
               <a:pPr algn="l" defTabSz="977900"/>
-              <a:endParaRPr lang="en-US" sz="2400" b="0" baseline="0" dirty="0">
+              <a:endParaRPr lang="en-US" sz="2400" b="0" baseline="0">
                 <a:latin typeface="Trebuchet MS" pitchFamily="34" charset="0"/>
               </a:endParaRPr>
             </a:p>
             <a:p>
               <a:pPr algn="ctr"/>
-              <a:endParaRPr lang="en-US" sz="2800" b="1" baseline="0" dirty="0">
+              <a:endParaRPr lang="en-US" sz="2800" b="1" baseline="0">
                 <a:solidFill>
                   <a:srgbClr val="FFC000"/>
                 </a:solidFill>
@@ -10502,7 +9757,7 @@
             </a:p>
             <a:p>
               <a:pPr algn="ctr"/>
-              <a:endParaRPr lang="en-US" sz="2800" b="1" baseline="0" dirty="0">
+              <a:endParaRPr lang="en-US" sz="2800" b="1" baseline="0">
                 <a:solidFill>
                   <a:srgbClr val="FFC000"/>
                 </a:solidFill>
@@ -10511,7 +9766,7 @@
             </a:p>
             <a:p>
               <a:pPr algn="ctr"/>
-              <a:endParaRPr lang="en-US" sz="2800" b="1" baseline="0" dirty="0">
+              <a:endParaRPr lang="en-US" sz="2800" b="1" baseline="0">
                 <a:solidFill>
                   <a:srgbClr val="FFC000"/>
                 </a:solidFill>
@@ -10520,7 +9775,7 @@
             </a:p>
             <a:p>
               <a:pPr algn="ctr"/>
-              <a:endParaRPr lang="en-US" sz="2800" b="1" baseline="0" dirty="0">
+              <a:endParaRPr lang="en-US" sz="2800" b="1" baseline="0">
                 <a:solidFill>
                   <a:srgbClr val="FFC000"/>
                 </a:solidFill>
@@ -10529,7 +9784,7 @@
             </a:p>
             <a:p>
               <a:pPr algn="ctr"/>
-              <a:endParaRPr lang="en-US" sz="2800" b="1" baseline="0" dirty="0">
+              <a:endParaRPr lang="en-US" sz="2800" b="1" baseline="0">
                 <a:solidFill>
                   <a:srgbClr val="FFC000"/>
                 </a:solidFill>
@@ -10538,7 +9793,7 @@
             </a:p>
             <a:p>
               <a:pPr algn="ctr"/>
-              <a:endParaRPr lang="en-US" sz="2800" b="1" baseline="0" dirty="0">
+              <a:endParaRPr lang="en-US" sz="2800" b="1" baseline="0">
                 <a:solidFill>
                   <a:srgbClr val="FFC000"/>
                 </a:solidFill>
@@ -10548,7 +9803,7 @@
             <a:p>
               <a:pPr algn="ctr"/>
               <a:r>
-                <a:rPr lang="en-US" sz="3200" b="1" baseline="0" dirty="0">
+                <a:rPr lang="en-US" sz="3200" b="1" baseline="0">
                   <a:solidFill>
                     <a:srgbClr val="FFC000"/>
                   </a:solidFill>
@@ -10560,7 +9815,7 @@
             <a:p>
               <a:pPr lvl="0" algn="l" defTabSz="977900"/>
               <a:r>
-                <a:rPr lang="en-US" sz="2400" b="0" baseline="0" dirty="0">
+                <a:rPr lang="en-US" sz="2400" b="0" baseline="0">
                   <a:solidFill>
                     <a:schemeClr val="bg1">
                       <a:lumMod val="75000"/>
@@ -10570,7 +9825,7 @@
                 </a:rPr>
                 <a:t>Zoom in and look at your images at 100% magnification. If they look good they will print well. </a:t>
               </a:r>
-              <a:endParaRPr lang="en-US" sz="2800" b="0" dirty="0">
+              <a:endParaRPr lang="en-US" sz="2800" b="0">
                 <a:latin typeface="Trebuchet MS" pitchFamily="34" charset="0"/>
               </a:endParaRPr>
             </a:p>
@@ -10740,7 +9995,7 @@
                 <a:p>
                   <a:pPr algn="ctr"/>
                   <a:r>
-                    <a:rPr lang="en-US" sz="1600" b="1" dirty="0">
+                    <a:rPr lang="en-US" sz="1600" b="1">
                       <a:solidFill>
                         <a:schemeClr val="tx1"/>
                       </a:solidFill>
@@ -10815,14 +10070,14 @@
                 <a:p>
                   <a:pPr algn="ctr"/>
                   <a:r>
-                    <a:rPr lang="en-US" sz="1400" b="1" dirty="0">
+                    <a:rPr lang="en-US" sz="1400" b="1">
                       <a:solidFill>
                         <a:schemeClr val="bg1"/>
                       </a:solidFill>
                     </a:rPr>
                     <a:t>DISTORTED</a:t>
                   </a:r>
-                  <a:endParaRPr lang="en-US" sz="700" b="1" dirty="0">
+                  <a:endParaRPr lang="en-US" sz="700" b="1">
                     <a:solidFill>
                       <a:schemeClr val="bg1"/>
                     </a:solidFill>
@@ -10879,7 +10134,7 @@
               <a:p>
                 <a:pPr algn="ctr"/>
                 <a:r>
-                  <a:rPr lang="en-US" sz="1600" dirty="0">
+                  <a:rPr lang="en-US" sz="1600">
                     <a:solidFill>
                       <a:schemeClr val="bg1"/>
                     </a:solidFill>
@@ -10887,14 +10142,14 @@
                   <a:t>Corner</a:t>
                 </a:r>
                 <a:r>
-                  <a:rPr lang="en-US" sz="1600" baseline="0" dirty="0">
+                  <a:rPr lang="en-US" sz="1600" baseline="0">
                     <a:solidFill>
                       <a:schemeClr val="bg1"/>
                     </a:solidFill>
                   </a:rPr>
                   <a:t> handles</a:t>
                 </a:r>
-                <a:endParaRPr lang="en-US" sz="1600" dirty="0">
+                <a:endParaRPr lang="en-US" sz="1600">
                   <a:solidFill>
                     <a:schemeClr val="bg1"/>
                   </a:solidFill>
@@ -10948,7 +10203,7 @@
                       <p:embed/>
                       <p:pic>
                         <p:nvPicPr>
-                          <p:cNvPr id="0" name=""/>
+                          <p:cNvPr id="61" name="Object 60"/>
                           <p:cNvPicPr/>
                           <p:nvPr/>
                         </p:nvPicPr>
@@ -11005,7 +10260,7 @@
                       <p:embed/>
                       <p:pic>
                         <p:nvPicPr>
-                          <p:cNvPr id="0" name=""/>
+                          <p:cNvPr id="62" name="Object 61"/>
                           <p:cNvPicPr/>
                           <p:nvPr/>
                         </p:nvPicPr>
@@ -11055,7 +10310,7 @@
               <a:p>
                 <a:pPr algn="ctr"/>
                 <a:r>
-                  <a:rPr lang="en-US" sz="1600" dirty="0">
+                  <a:rPr lang="en-US" sz="1600">
                     <a:solidFill>
                       <a:srgbClr val="92D050"/>
                     </a:solidFill>
@@ -11063,7 +10318,7 @@
                   <a:t>Good</a:t>
                 </a:r>
                 <a:r>
-                  <a:rPr lang="en-US" sz="1600" baseline="0" dirty="0">
+                  <a:rPr lang="en-US" sz="1600" baseline="0">
                     <a:solidFill>
                       <a:srgbClr val="92D050"/>
                     </a:solidFill>
@@ -11071,14 +10326,14 @@
                   <a:t> </a:t>
                 </a:r>
                 <a:r>
-                  <a:rPr lang="en-US" sz="1600" baseline="0" dirty="0">
+                  <a:rPr lang="en-US" sz="1600" baseline="0">
                     <a:solidFill>
                       <a:schemeClr val="bg1"/>
                     </a:solidFill>
                   </a:rPr>
                   <a:t>printing quality</a:t>
                 </a:r>
-                <a:endParaRPr lang="en-US" sz="1600" dirty="0">
+                <a:endParaRPr lang="en-US" sz="1600">
                   <a:solidFill>
                     <a:schemeClr val="bg1"/>
                   </a:solidFill>
@@ -11110,7 +10365,7 @@
               <a:p>
                 <a:pPr algn="ctr"/>
                 <a:r>
-                  <a:rPr lang="en-US" sz="1600" dirty="0">
+                  <a:rPr lang="en-US" sz="1600">
                     <a:solidFill>
                       <a:srgbClr val="FF0000"/>
                     </a:solidFill>
@@ -11118,7 +10373,7 @@
                   <a:t>Bad </a:t>
                 </a:r>
                 <a:r>
-                  <a:rPr lang="en-US" sz="1600" dirty="0">
+                  <a:rPr lang="en-US" sz="1600">
                     <a:solidFill>
                       <a:schemeClr val="bg1"/>
                     </a:solidFill>
@@ -11171,7 +10426,7 @@
               <a:defRPr/>
             </a:pPr>
             <a:r>
-              <a:rPr lang="en-US" sz="500" b="1" dirty="0">
+              <a:rPr lang="en-US" sz="500" b="1">
                 <a:solidFill>
                   <a:schemeClr val="bg1">
                     <a:lumMod val="75000"/>
@@ -11193,7 +10448,7 @@
               <a:defRPr/>
             </a:pPr>
             <a:r>
-              <a:rPr lang="en-US" sz="1100" b="1" dirty="0">
+              <a:rPr lang="en-US" sz="1100" b="1">
                 <a:solidFill>
                   <a:schemeClr val="bg1">
                     <a:lumMod val="75000"/>
@@ -11548,7 +10803,7 @@
             <a:pPr>
               <a:defRPr/>
             </a:pPr>
-            <a:endParaRPr lang="en-US" dirty="0"/>
+            <a:endParaRPr lang="en-US"/>
           </a:p>
         </p:txBody>
       </p:sp>
@@ -11588,7 +10843,7 @@
             <a:pPr>
               <a:defRPr/>
             </a:pPr>
-            <a:endParaRPr lang="en-US" dirty="0"/>
+            <a:endParaRPr lang="en-US"/>
           </a:p>
         </p:txBody>
       </p:sp>
@@ -11853,7 +11108,7 @@
             <a:p>
               <a:pPr algn="ctr"/>
               <a:r>
-                <a:rPr lang="en-US" sz="4000" b="1" spc="600" dirty="0">
+                <a:rPr lang="en-US" sz="4000" b="1" spc="600">
                   <a:solidFill>
                     <a:schemeClr val="bg1"/>
                   </a:solidFill>
@@ -11864,7 +11119,7 @@
             </a:p>
             <a:p>
               <a:pPr algn="ctr"/>
-              <a:endParaRPr lang="en-US" sz="3600" b="1" baseline="0" dirty="0">
+              <a:endParaRPr lang="en-US" sz="3600" b="1" baseline="0">
                 <a:solidFill>
                   <a:schemeClr val="bg1"/>
                 </a:solidFill>
@@ -11874,7 +11129,7 @@
             <a:p>
               <a:pPr algn="ctr"/>
               <a:r>
-                <a:rPr lang="en-US" sz="3200" b="1" baseline="0" dirty="0">
+                <a:rPr lang="en-US" sz="3200" b="1" baseline="0">
                   <a:solidFill>
                     <a:srgbClr val="FFC000"/>
                   </a:solidFill>
@@ -11902,7 +11157,7 @@
                 <a:defRPr/>
               </a:pPr>
               <a:r>
-                <a:rPr lang="en-US" sz="2400" b="0" baseline="0" dirty="0">
+                <a:rPr lang="en-US" sz="2400" b="0" baseline="0">
                   <a:solidFill>
                     <a:schemeClr val="bg1">
                       <a:lumMod val="75000"/>
@@ -11913,7 +11168,7 @@
                 <a:t>You can easily change the color theme of your poster by going to the DESIGN menu, click on COLORS, and choose the color theme of your choice. You can </a:t>
               </a:r>
               <a:r>
-                <a:rPr lang="en-US" sz="2400" b="0" spc="0" baseline="0" dirty="0">
+                <a:rPr lang="en-US" sz="2400" b="0" spc="0" baseline="0">
                   <a:solidFill>
                     <a:schemeClr val="bg1">
                       <a:lumMod val="75000"/>
@@ -11942,7 +11197,7 @@
                 <a:tabLst/>
                 <a:defRPr/>
               </a:pPr>
-              <a:endParaRPr lang="en-US" sz="2400" b="0" baseline="0" dirty="0">
+              <a:endParaRPr lang="en-US" sz="2400" b="0" baseline="0">
                 <a:solidFill>
                   <a:schemeClr val="bg1">
                     <a:lumMod val="75000"/>
@@ -11953,7 +11208,7 @@
             </a:p>
             <a:p>
               <a:pPr marL="0" indent="0" algn="l" defTabSz="114300"/>
-              <a:endParaRPr lang="en-US" sz="2400" b="0" baseline="0" dirty="0">
+              <a:endParaRPr lang="en-US" sz="2400" b="0" baseline="0">
                 <a:solidFill>
                   <a:schemeClr val="bg1">
                     <a:lumMod val="75000"/>
@@ -11964,7 +11219,7 @@
             </a:p>
             <a:p>
               <a:pPr marL="0" indent="0" algn="l" defTabSz="114300"/>
-              <a:endParaRPr lang="en-US" sz="2400" b="0" baseline="0" dirty="0">
+              <a:endParaRPr lang="en-US" sz="2400" b="0" baseline="0">
                 <a:solidFill>
                   <a:schemeClr val="bg1">
                     <a:lumMod val="75000"/>
@@ -11975,7 +11230,7 @@
             </a:p>
             <a:p>
               <a:pPr marL="0" indent="0" algn="l" defTabSz="114300"/>
-              <a:endParaRPr lang="en-US" sz="2400" b="0" baseline="0" dirty="0">
+              <a:endParaRPr lang="en-US" sz="2400" b="0" baseline="0">
                 <a:solidFill>
                   <a:schemeClr val="bg1">
                     <a:lumMod val="75000"/>
@@ -11986,7 +11241,7 @@
             </a:p>
             <a:p>
               <a:pPr marL="0" indent="0" algn="l" defTabSz="114300"/>
-              <a:endParaRPr lang="en-US" sz="2400" b="0" baseline="0" dirty="0">
+              <a:endParaRPr lang="en-US" sz="2400" b="0" baseline="0">
                 <a:solidFill>
                   <a:schemeClr val="bg1">
                     <a:lumMod val="75000"/>
@@ -11997,7 +11252,7 @@
             </a:p>
             <a:p>
               <a:pPr marL="0" indent="0" algn="l" defTabSz="114300"/>
-              <a:endParaRPr lang="en-US" sz="2400" b="0" baseline="0" dirty="0">
+              <a:endParaRPr lang="en-US" sz="2400" b="0" baseline="0">
                 <a:solidFill>
                   <a:schemeClr val="bg1">
                     <a:lumMod val="75000"/>
@@ -12008,7 +11263,7 @@
             </a:p>
             <a:p>
               <a:pPr marL="0" indent="0" algn="l" defTabSz="114300"/>
-              <a:endParaRPr lang="en-US" sz="2400" b="0" baseline="0" dirty="0">
+              <a:endParaRPr lang="en-US" sz="2400" b="0" baseline="0">
                 <a:solidFill>
                   <a:schemeClr val="bg1">
                     <a:lumMod val="75000"/>
@@ -12020,7 +11275,7 @@
             <a:p>
               <a:pPr marL="0" indent="0" algn="l" defTabSz="114300"/>
               <a:r>
-                <a:rPr lang="en-US" sz="2400" b="0" baseline="0" dirty="0">
+                <a:rPr lang="en-US" sz="2400" b="0" baseline="0">
                   <a:solidFill>
                     <a:schemeClr val="bg1">
                       <a:lumMod val="75000"/>
@@ -12033,7 +11288,7 @@
             </a:p>
             <a:p>
               <a:pPr marL="0" indent="0" algn="l" defTabSz="114300"/>
-              <a:endParaRPr lang="en-US" sz="2400" b="0" baseline="0" dirty="0">
+              <a:endParaRPr lang="en-US" sz="2400" b="0" baseline="0">
                 <a:solidFill>
                   <a:schemeClr val="bg1">
                     <a:lumMod val="75000"/>
@@ -12045,7 +11300,7 @@
             <a:p>
               <a:pPr algn="ctr"/>
               <a:r>
-                <a:rPr lang="en-US" sz="3200" b="1" baseline="0" dirty="0">
+                <a:rPr lang="en-US" sz="3200" b="1" baseline="0">
                   <a:solidFill>
                     <a:srgbClr val="FFC000"/>
                   </a:solidFill>
@@ -12057,7 +11312,7 @@
             <a:p>
               <a:pPr marL="3265488" lvl="2" indent="0" algn="l" defTabSz="114300"/>
               <a:r>
-                <a:rPr lang="en-US" sz="2400" b="0" baseline="0" dirty="0">
+                <a:rPr lang="en-US" sz="2400" b="0" baseline="0">
                   <a:solidFill>
                     <a:schemeClr val="bg1">
                       <a:lumMod val="75000"/>
@@ -12070,7 +11325,7 @@
             </a:p>
             <a:p>
               <a:pPr marL="1518341" lvl="2" indent="0" algn="l" defTabSz="114300"/>
-              <a:endParaRPr lang="en-US" sz="2400" b="0" baseline="0" dirty="0">
+              <a:endParaRPr lang="en-US" sz="2400" b="0" baseline="0">
                 <a:solidFill>
                   <a:schemeClr val="bg1">
                     <a:lumMod val="75000"/>
@@ -12098,7 +11353,7 @@
                 <a:defRPr/>
               </a:pPr>
               <a:r>
-                <a:rPr lang="en-US" sz="2400" b="0" baseline="0" dirty="0">
+                <a:rPr lang="en-US" sz="2400" b="0" baseline="0">
                   <a:solidFill>
                     <a:schemeClr val="bg1">
                       <a:lumMod val="75000"/>
@@ -12109,7 +11364,7 @@
                 <a:t> </a:t>
               </a:r>
               <a:r>
-                <a:rPr kumimoji="0" lang="en-US" sz="3200" b="1" i="0" u="none" strike="noStrike" kern="1200" cap="none" spc="0" normalizeH="0" baseline="0" noProof="0" dirty="0">
+                <a:rPr kumimoji="0" lang="en-US" sz="3200" b="1" i="0" u="none" strike="noStrike" kern="1200" cap="none" spc="0" normalizeH="0" baseline="0" noProof="0">
                   <a:ln>
                     <a:noFill/>
                   </a:ln>
@@ -12143,7 +11398,7 @@
                 <a:defRPr/>
               </a:pPr>
               <a:r>
-                <a:rPr kumimoji="0" lang="en-US" sz="2400" b="0" i="0" u="none" strike="noStrike" kern="1200" cap="none" spc="0" normalizeH="0" baseline="0" noProof="0" dirty="0">
+                <a:rPr kumimoji="0" lang="en-US" sz="2400" b="0" i="0" u="none" strike="noStrike" kern="1200" cap="none" spc="0" normalizeH="0" baseline="0" noProof="0">
                   <a:ln>
                     <a:noFill/>
                   </a:ln>
@@ -12159,7 +11414,7 @@
                 </a:rPr>
                 <a:t>Adjust the size of your text based on how much content you have to present. The default template text offers a good starting point. Follow the conference requirements.</a:t>
               </a:r>
-              <a:endParaRPr lang="en-US" sz="2400" b="0" baseline="0" dirty="0">
+              <a:endParaRPr lang="en-US" sz="2400" b="0" baseline="0">
                 <a:solidFill>
                   <a:schemeClr val="bg1">
                     <a:lumMod val="75000"/>
@@ -12170,7 +11425,7 @@
             </a:p>
             <a:p>
               <a:pPr marL="1518341" lvl="2" indent="0" algn="l" defTabSz="114300"/>
-              <a:endParaRPr lang="en-US" sz="2400" b="0" baseline="0" dirty="0">
+              <a:endParaRPr lang="en-US" sz="2400" b="0" baseline="0">
                 <a:solidFill>
                   <a:schemeClr val="bg1">
                     <a:lumMod val="75000"/>
@@ -12182,7 +11437,7 @@
             <a:p>
               <a:pPr algn="ctr"/>
               <a:r>
-                <a:rPr lang="en-US" sz="3200" b="1" baseline="0" dirty="0">
+                <a:rPr lang="en-US" sz="3200" b="1" baseline="0">
                   <a:solidFill>
                     <a:srgbClr val="FFC000"/>
                   </a:solidFill>
@@ -12194,7 +11449,7 @@
             <a:p>
               <a:pPr marL="1730375" lvl="1" indent="0" algn="l" defTabSz="114300"/>
               <a:r>
-                <a:rPr lang="en-US" sz="2400" b="0" baseline="0" dirty="0">
+                <a:rPr lang="en-US" sz="2400" b="0" baseline="0">
                   <a:solidFill>
                     <a:schemeClr val="bg1">
                       <a:lumMod val="75000"/>
@@ -12205,7 +11460,7 @@
                 <a:t>To add a table from scratch go to the INSERT menu and </a:t>
               </a:r>
               <a:br>
-                <a:rPr lang="en-US" sz="2400" b="0" baseline="0" dirty="0">
+                <a:rPr lang="en-US" sz="2400" b="0" baseline="0">
                   <a:solidFill>
                     <a:schemeClr val="bg1">
                       <a:lumMod val="75000"/>
@@ -12215,7 +11470,7 @@
                 </a:rPr>
               </a:br>
               <a:r>
-                <a:rPr lang="en-US" sz="2400" b="0" baseline="0" dirty="0">
+                <a:rPr lang="en-US" sz="2400" b="0" baseline="0">
                   <a:solidFill>
                     <a:schemeClr val="bg1">
                       <a:lumMod val="75000"/>
@@ -12229,7 +11484,7 @@
             <a:p>
               <a:pPr marL="0" lvl="0" indent="0" algn="l" defTabSz="114300"/>
               <a:r>
-                <a:rPr lang="en-US" sz="2400" b="0" baseline="0" dirty="0">
+                <a:rPr lang="en-US" sz="2400" b="0" baseline="0">
                   <a:solidFill>
                     <a:schemeClr val="bg1">
                       <a:lumMod val="75000"/>
@@ -12242,7 +11497,7 @@
             </a:p>
             <a:p>
               <a:pPr marL="0" lvl="0" indent="0" algn="l" defTabSz="114300"/>
-              <a:endParaRPr lang="en-US" sz="2400" b="0" baseline="0" dirty="0">
+              <a:endParaRPr lang="en-US" sz="2400" b="0" baseline="0">
                 <a:solidFill>
                   <a:schemeClr val="bg1">
                     <a:lumMod val="75000"/>
@@ -12270,7 +11525,7 @@
                 <a:defRPr/>
               </a:pPr>
               <a:r>
-                <a:rPr kumimoji="0" lang="en-US" sz="3200" b="1" i="0" u="none" strike="noStrike" kern="1200" cap="none" spc="0" normalizeH="0" baseline="0" noProof="0" dirty="0">
+                <a:rPr kumimoji="0" lang="en-US" sz="3200" b="1" i="0" u="none" strike="noStrike" kern="1200" cap="none" spc="0" normalizeH="0" baseline="0" noProof="0">
                   <a:ln>
                     <a:noFill/>
                   </a:ln>
@@ -12304,7 +11559,7 @@
                 <a:defRPr/>
               </a:pPr>
               <a:r>
-                <a:rPr kumimoji="0" lang="en-US" sz="2400" b="0" i="0" u="none" strike="noStrike" kern="1200" cap="none" spc="0" normalizeH="0" baseline="0" noProof="0" dirty="0">
+                <a:rPr kumimoji="0" lang="en-US" sz="2400" b="0" i="0" u="none" strike="noStrike" kern="1200" cap="none" spc="0" normalizeH="0" baseline="0" noProof="0">
                   <a:ln>
                     <a:noFill/>
                   </a:ln>
@@ -12339,7 +11594,7 @@
                 <a:tabLst/>
                 <a:defRPr/>
               </a:pPr>
-              <a:endParaRPr kumimoji="0" lang="en-US" sz="2400" b="0" i="0" u="none" strike="noStrike" kern="1200" cap="none" spc="0" normalizeH="0" baseline="0" noProof="0" dirty="0">
+              <a:endParaRPr kumimoji="0" lang="en-US" sz="2400" b="0" i="0" u="none" strike="noStrike" kern="1200" cap="none" spc="0" normalizeH="0" baseline="0" noProof="0">
                 <a:ln>
                   <a:noFill/>
                 </a:ln>
@@ -12373,7 +11628,7 @@
                 <a:defRPr/>
               </a:pPr>
               <a:r>
-                <a:rPr kumimoji="0" lang="en-US" sz="3200" b="1" i="0" u="none" strike="noStrike" kern="1200" cap="none" spc="0" normalizeH="0" baseline="0" noProof="0" dirty="0">
+                <a:rPr kumimoji="0" lang="en-US" sz="3200" b="1" i="0" u="none" strike="noStrike" kern="1200" cap="none" spc="0" normalizeH="0" baseline="0" noProof="0">
                   <a:ln>
                     <a:noFill/>
                   </a:ln>
@@ -12407,7 +11662,7 @@
                 <a:defRPr/>
               </a:pPr>
               <a:r>
-                <a:rPr kumimoji="0" lang="en-US" sz="2400" b="0" i="0" u="none" strike="noStrike" kern="1200" cap="none" spc="0" normalizeH="0" baseline="0" noProof="0" dirty="0">
+                <a:rPr kumimoji="0" lang="en-US" sz="2400" b="0" i="0" u="none" strike="noStrike" kern="1200" cap="none" spc="0" normalizeH="0" baseline="0" noProof="0">
                   <a:ln>
                     <a:noFill/>
                   </a:ln>
@@ -12442,7 +11697,7 @@
                 <a:tabLst/>
                 <a:defRPr/>
               </a:pPr>
-              <a:endParaRPr kumimoji="0" lang="en-US" sz="3200" b="1" i="0" u="none" strike="noStrike" kern="1200" cap="none" spc="0" normalizeH="0" baseline="0" noProof="0" dirty="0">
+              <a:endParaRPr kumimoji="0" lang="en-US" sz="3200" b="1" i="0" u="none" strike="noStrike" kern="1200" cap="none" spc="0" normalizeH="0" baseline="0" noProof="0">
                 <a:ln>
                   <a:noFill/>
                 </a:ln>
@@ -12474,7 +11729,7 @@
                 <a:defRPr/>
               </a:pPr>
               <a:r>
-                <a:rPr kumimoji="0" lang="en-US" sz="3200" b="1" i="0" u="none" strike="noStrike" kern="1200" cap="none" spc="0" normalizeH="0" baseline="0" noProof="0" dirty="0">
+                <a:rPr kumimoji="0" lang="en-US" sz="3200" b="1" i="0" u="none" strike="noStrike" kern="1200" cap="none" spc="0" normalizeH="0" baseline="0" noProof="0">
                   <a:ln>
                     <a:noFill/>
                   </a:ln>
@@ -12508,7 +11763,7 @@
                 <a:defRPr/>
               </a:pPr>
               <a:r>
-                <a:rPr kumimoji="0" lang="en-US" sz="2400" b="0" i="0" u="none" strike="noStrike" kern="1200" cap="none" spc="0" normalizeH="0" baseline="0" noProof="0" dirty="0">
+                <a:rPr kumimoji="0" lang="en-US" sz="2400" b="0" i="0" u="none" strike="noStrike" kern="1200" cap="none" spc="0" normalizeH="0" baseline="0" noProof="0">
                   <a:ln>
                     <a:noFill/>
                   </a:ln>
@@ -12543,7 +11798,7 @@
                 <a:tabLst/>
                 <a:defRPr/>
               </a:pPr>
-              <a:endParaRPr kumimoji="0" lang="en-US" sz="2400" b="0" i="0" u="none" strike="noStrike" kern="1200" cap="none" spc="0" normalizeH="0" baseline="0" noProof="0" dirty="0">
+              <a:endParaRPr kumimoji="0" lang="en-US" sz="2400" b="0" i="0" u="none" strike="noStrike" kern="1200" cap="none" spc="0" normalizeH="0" baseline="0" noProof="0">
                 <a:ln>
                   <a:noFill/>
                 </a:ln>
@@ -12577,7 +11832,7 @@
                 <a:defRPr/>
               </a:pPr>
               <a:r>
-                <a:rPr kumimoji="0" lang="en-US" sz="3200" b="1" i="0" u="none" strike="noStrike" kern="1200" cap="none" spc="0" normalizeH="0" baseline="0" noProof="0" dirty="0">
+                <a:rPr kumimoji="0" lang="en-US" sz="3200" b="1" i="0" u="none" strike="noStrike" kern="1200" cap="none" spc="0" normalizeH="0" baseline="0" noProof="0">
                   <a:ln>
                     <a:noFill/>
                   </a:ln>
@@ -12611,7 +11866,7 @@
                 <a:defRPr/>
               </a:pPr>
               <a:r>
-                <a:rPr kumimoji="0" lang="en-US" sz="2400" b="0" i="0" u="none" strike="noStrike" kern="1200" cap="none" spc="0" normalizeH="0" baseline="0" noProof="0" dirty="0">
+                <a:rPr kumimoji="0" lang="en-US" sz="2400" b="0" i="0" u="none" strike="noStrike" kern="1200" cap="none" spc="0" normalizeH="0" baseline="0" noProof="0">
                   <a:ln>
                     <a:noFill/>
                   </a:ln>
@@ -12646,7 +11901,7 @@
                 <a:tabLst/>
                 <a:defRPr/>
               </a:pPr>
-              <a:endParaRPr lang="en-US" sz="2400" b="0" baseline="0" dirty="0">
+              <a:endParaRPr lang="en-US" sz="2400" b="0" baseline="0">
                 <a:solidFill>
                   <a:schemeClr val="bg1">
                     <a:lumMod val="75000"/>
@@ -12674,7 +11929,7 @@
                 <a:defRPr/>
               </a:pPr>
               <a:r>
-                <a:rPr kumimoji="0" lang="en-US" sz="3200" b="1" i="0" u="none" strike="noStrike" kern="1200" cap="none" spc="0" normalizeH="0" baseline="0" noProof="0" dirty="0">
+                <a:rPr kumimoji="0" lang="en-US" sz="3200" b="1" i="0" u="none" strike="noStrike" kern="1200" cap="none" spc="0" normalizeH="0" baseline="0" noProof="0">
                   <a:ln>
                     <a:noFill/>
                   </a:ln>
@@ -12708,7 +11963,7 @@
                 <a:defRPr/>
               </a:pPr>
               <a:r>
-                <a:rPr kumimoji="0" lang="en-US" sz="2400" b="0" i="0" u="none" strike="noStrike" kern="1200" cap="none" spc="0" normalizeH="0" baseline="0" noProof="0" dirty="0">
+                <a:rPr kumimoji="0" lang="en-US" sz="2400" b="0" i="0" u="none" strike="noStrike" kern="1200" cap="none" spc="0" normalizeH="0" baseline="0" noProof="0">
                   <a:ln>
                     <a:noFill/>
                   </a:ln>
@@ -12743,7 +11998,7 @@
                 <a:tabLst/>
                 <a:defRPr/>
               </a:pPr>
-              <a:endParaRPr kumimoji="0" lang="en-US" sz="2800" b="0" i="0" u="none" strike="noStrike" kern="1200" cap="none" spc="0" normalizeH="0" baseline="0" noProof="0" dirty="0">
+              <a:endParaRPr kumimoji="0" lang="en-US" sz="2800" b="0" i="0" u="none" strike="noStrike" kern="1200" cap="none" spc="0" normalizeH="0" baseline="0" noProof="0">
                 <a:ln>
                   <a:noFill/>
                 </a:ln>
@@ -12791,7 +12046,7 @@
                     <p:embed/>
                     <p:pic>
                       <p:nvPicPr>
-                        <p:cNvPr id="0" name=""/>
+                        <p:cNvPr id="45" name="Object 44"/>
                         <p:cNvPicPr/>
                         <p:nvPr/>
                       </p:nvPicPr>
@@ -12875,7 +12130,7 @@
                     <p:embed/>
                     <p:pic>
                       <p:nvPicPr>
-                        <p:cNvPr id="0" name=""/>
+                        <p:cNvPr id="47" name="Object 46"/>
                         <p:cNvPicPr/>
                         <p:nvPr/>
                       </p:nvPicPr>
@@ -13018,7 +12273,7 @@
               <a:lstStyle/>
               <a:p>
                 <a:r>
-                  <a:rPr lang="en-US" sz="2400" dirty="0">
+                  <a:rPr lang="en-US" sz="2400">
                     <a:solidFill>
                       <a:schemeClr val="tx2"/>
                     </a:solidFill>
@@ -13027,7 +12282,7 @@
                   <a:t>Student</a:t>
                 </a:r>
                 <a:r>
-                  <a:rPr lang="en-US" sz="2400" baseline="0" dirty="0">
+                  <a:rPr lang="en-US" sz="2400" baseline="0">
                     <a:solidFill>
                       <a:schemeClr val="tx2"/>
                     </a:solidFill>
@@ -13036,7 +12291,7 @@
                   <a:t> discounts are available on our </a:t>
                 </a:r>
                 <a:r>
-                  <a:rPr lang="en-US" sz="2400" baseline="0" dirty="0" err="1">
+                  <a:rPr lang="en-US" sz="2400" baseline="0" err="1">
                     <a:solidFill>
                       <a:schemeClr val="tx2"/>
                     </a:solidFill>
@@ -13045,7 +12300,7 @@
                   <a:t>Facebook</a:t>
                 </a:r>
                 <a:r>
-                  <a:rPr lang="en-US" sz="2400" baseline="0" dirty="0">
+                  <a:rPr lang="en-US" sz="2400" baseline="0">
                     <a:solidFill>
                       <a:schemeClr val="tx2"/>
                     </a:solidFill>
@@ -13054,7 +12309,7 @@
                   <a:t> page.</a:t>
                 </a:r>
                 <a:br>
-                  <a:rPr lang="en-US" sz="2400" baseline="0" dirty="0">
+                  <a:rPr lang="en-US" sz="2400" baseline="0">
                     <a:solidFill>
                       <a:schemeClr val="tx2"/>
                     </a:solidFill>
@@ -13062,7 +12317,7 @@
                   </a:rPr>
                 </a:br>
                 <a:r>
-                  <a:rPr lang="en-US" sz="2400" baseline="0" dirty="0">
+                  <a:rPr lang="en-US" sz="2400" baseline="0">
                     <a:solidFill>
                       <a:schemeClr val="tx2"/>
                     </a:solidFill>
@@ -13071,7 +12326,7 @@
                   <a:t>Go to </a:t>
                 </a:r>
                 <a:r>
-                  <a:rPr lang="en-US" sz="2400" u="sng" baseline="0" dirty="0">
+                  <a:rPr lang="en-US" sz="2400" u="sng" baseline="0">
                     <a:solidFill>
                       <a:schemeClr val="tx2"/>
                     </a:solidFill>
@@ -13080,7 +12335,7 @@
                   <a:t>PosterPresentations.com</a:t>
                 </a:r>
                 <a:r>
-                  <a:rPr lang="en-US" sz="2400" baseline="0" dirty="0">
+                  <a:rPr lang="en-US" sz="2400" baseline="0">
                     <a:solidFill>
                       <a:schemeClr val="tx2"/>
                     </a:solidFill>
@@ -13088,7 +12343,7 @@
                   </a:rPr>
                   <a:t> and click on the FB icon. </a:t>
                 </a:r>
-                <a:endParaRPr lang="en-US" sz="2400" dirty="0">
+                <a:endParaRPr lang="en-US" sz="2400">
                   <a:solidFill>
                     <a:schemeClr val="tx2"/>
                   </a:solidFill>
@@ -13126,7 +12381,7 @@
                 </a:lnSpc>
               </a:pPr>
               <a:r>
-                <a:rPr lang="en-US" sz="2800" dirty="0">
+                <a:rPr lang="en-US" sz="2800">
                   <a:solidFill>
                     <a:schemeClr val="bg1"/>
                   </a:solidFill>
@@ -13134,7 +12389,7 @@
                 <a:t>© 2015</a:t>
               </a:r>
               <a:r>
-                <a:rPr lang="en-US" sz="2800" baseline="0" dirty="0">
+                <a:rPr lang="en-US" sz="2800" baseline="0">
                   <a:solidFill>
                     <a:schemeClr val="bg1"/>
                   </a:solidFill>
@@ -13142,7 +12397,7 @@
                 <a:t> </a:t>
               </a:r>
               <a:r>
-                <a:rPr lang="en-US" sz="2800" dirty="0">
+                <a:rPr lang="en-US" sz="2800">
                   <a:solidFill>
                     <a:schemeClr val="bg1"/>
                   </a:solidFill>
@@ -13150,14 +12405,14 @@
                 <a:t>PosterPresentations.com</a:t>
               </a:r>
               <a:br>
-                <a:rPr lang="en-US" sz="2800" dirty="0">
+                <a:rPr lang="en-US" sz="2800">
                   <a:solidFill>
                     <a:schemeClr val="bg1"/>
                   </a:solidFill>
                 </a:rPr>
               </a:br>
               <a:r>
-                <a:rPr lang="en-US" sz="2800" dirty="0">
+                <a:rPr lang="en-US" sz="2800">
                   <a:solidFill>
                     <a:schemeClr val="bg1"/>
                   </a:solidFill>
@@ -13165,7 +12420,7 @@
                 <a:t>    </a:t>
               </a:r>
               <a:r>
-                <a:rPr lang="en-US" sz="2400" dirty="0">
+                <a:rPr lang="en-US" sz="2400">
                   <a:solidFill>
                     <a:schemeClr val="bg1"/>
                   </a:solidFill>
@@ -13173,7 +12428,7 @@
                 <a:t>2117 Fourth Street ,</a:t>
               </a:r>
               <a:r>
-                <a:rPr lang="en-US" sz="2400" baseline="0" dirty="0">
+                <a:rPr lang="en-US" sz="2400" baseline="0">
                   <a:solidFill>
                     <a:schemeClr val="bg1"/>
                   </a:solidFill>
@@ -13188,7 +12443,7 @@
                 </a:lnSpc>
               </a:pPr>
               <a:r>
-                <a:rPr lang="en-US" sz="2400" baseline="0" dirty="0">
+                <a:rPr lang="en-US" sz="2400" baseline="0">
                   <a:solidFill>
                     <a:schemeClr val="bg1"/>
                   </a:solidFill>
@@ -13196,7 +12451,7 @@
                 <a:t>     Berkeley CA </a:t>
               </a:r>
               <a:r>
-                <a:rPr lang="en-US" sz="2000" baseline="0" dirty="0">
+                <a:rPr lang="en-US" sz="2000" baseline="0">
                   <a:solidFill>
                     <a:schemeClr val="bg1"/>
                   </a:solidFill>
@@ -13204,14 +12459,14 @@
                 <a:t>94710</a:t>
               </a:r>
               <a:br>
-                <a:rPr lang="en-US" sz="2400" baseline="0" dirty="0">
+                <a:rPr lang="en-US" sz="2400" baseline="0">
                   <a:solidFill>
                     <a:schemeClr val="bg1"/>
                   </a:solidFill>
                 </a:rPr>
               </a:br>
               <a:r>
-                <a:rPr lang="en-US" sz="2400" baseline="0" dirty="0">
+                <a:rPr lang="en-US" sz="2400" baseline="0">
                   <a:solidFill>
                     <a:schemeClr val="bg1"/>
                   </a:solidFill>
@@ -13219,14 +12474,14 @@
                 <a:t>    </a:t>
               </a:r>
               <a:r>
-                <a:rPr lang="en-US" sz="2400" b="1" baseline="0" dirty="0">
+                <a:rPr lang="en-US" sz="2400" b="1" baseline="0">
                   <a:solidFill>
                     <a:srgbClr val="FFFF00"/>
                   </a:solidFill>
                 </a:rPr>
                 <a:t>posterpresenter@gmail.com</a:t>
               </a:r>
-              <a:endParaRPr lang="en-US" sz="2800" b="1" dirty="0">
+              <a:endParaRPr lang="en-US" sz="2800" b="1">
                 <a:solidFill>
                   <a:srgbClr val="FFFF00"/>
                 </a:solidFill>
@@ -13311,7 +12566,7 @@
                 <a:defRPr/>
               </a:pPr>
               <a:r>
-                <a:rPr lang="en-US" sz="3200" b="1" spc="0" dirty="0">
+                <a:rPr lang="en-US" sz="3200" b="1" spc="0">
                   <a:solidFill>
                     <a:srgbClr val="FF0000"/>
                   </a:solidFill>
@@ -13319,7 +12574,7 @@
                 </a:rPr>
                 <a:t>(—THIS SIDEBAR DOES NOT PRINT—)</a:t>
               </a:r>
-              <a:endParaRPr lang="en-US" sz="3200" b="1" spc="600" dirty="0">
+              <a:endParaRPr lang="en-US" sz="3200" b="1" spc="600">
                 <a:solidFill>
                   <a:schemeClr val="bg1"/>
                 </a:solidFill>
@@ -13329,7 +12584,7 @@
             <a:p>
               <a:pPr algn="ctr"/>
               <a:r>
-                <a:rPr lang="en-US" sz="4000" b="1" spc="600" dirty="0">
+                <a:rPr lang="en-US" sz="4000" b="1" spc="600">
                   <a:solidFill>
                     <a:schemeClr val="bg1"/>
                   </a:solidFill>
@@ -13338,7 +12593,7 @@
                 <a:t>DESIGN</a:t>
               </a:r>
               <a:r>
-                <a:rPr lang="en-US" sz="4000" b="1" spc="600" baseline="0" dirty="0">
+                <a:rPr lang="en-US" sz="4000" b="1" spc="600" baseline="0">
                   <a:solidFill>
                     <a:schemeClr val="bg1"/>
                   </a:solidFill>
@@ -13347,7 +12602,7 @@
                 <a:t> </a:t>
               </a:r>
               <a:r>
-                <a:rPr lang="en-US" sz="4000" b="1" spc="600" dirty="0">
+                <a:rPr lang="en-US" sz="4000" b="1" spc="600">
                   <a:solidFill>
                     <a:schemeClr val="bg1"/>
                   </a:solidFill>
@@ -13358,80 +12613,80 @@
             </a:p>
             <a:p>
               <a:pPr algn="ctr"/>
-              <a:endParaRPr lang="en-US" sz="2800" b="1" dirty="0">
+              <a:endParaRPr lang="en-US" sz="2800" b="1">
                 <a:latin typeface="Trebuchet MS" pitchFamily="34" charset="0"/>
               </a:endParaRPr>
             </a:p>
             <a:p>
               <a:pPr defTabSz="3765639"/>
               <a:r>
-                <a:rPr lang="en-US" sz="2800" i="0" dirty="0">
+                <a:rPr lang="en-US" sz="2800" i="0">
                   <a:latin typeface="Trebuchet MS" pitchFamily="34" charset="0"/>
                 </a:rPr>
                 <a:t>This PowerPoint</a:t>
               </a:r>
               <a:r>
-                <a:rPr lang="en-US" sz="2800" i="0" baseline="0" dirty="0">
+                <a:rPr lang="en-US" sz="2800" i="0" baseline="0">
                   <a:latin typeface="Trebuchet MS" pitchFamily="34" charset="0"/>
                 </a:rPr>
                 <a:t> </a:t>
               </a:r>
               <a:r>
-                <a:rPr lang="en-US" sz="2800" i="0" dirty="0">
+                <a:rPr lang="en-US" sz="2800" i="0">
                   <a:latin typeface="Trebuchet MS" pitchFamily="34" charset="0"/>
                 </a:rPr>
                 <a:t>2007 template produces</a:t>
               </a:r>
               <a:r>
-                <a:rPr lang="en-US" sz="2800" i="0" baseline="0" dirty="0">
+                <a:rPr lang="en-US" sz="2800" i="0" baseline="0">
                   <a:latin typeface="Trebuchet MS" pitchFamily="34" charset="0"/>
                 </a:rPr>
                 <a:t> </a:t>
               </a:r>
               <a:r>
-                <a:rPr lang="en-US" sz="2800" i="0" dirty="0">
+                <a:rPr lang="en-US" sz="2800" i="0">
                   <a:latin typeface="Trebuchet MS" pitchFamily="34" charset="0"/>
                 </a:rPr>
                 <a:t>a 36”x48” presentation poster. </a:t>
               </a:r>
               <a:r>
-                <a:rPr lang="en-US" sz="2800" dirty="0">
+                <a:rPr lang="en-US" sz="2800">
                   <a:latin typeface="Trebuchet MS" pitchFamily="34" charset="0"/>
                 </a:rPr>
                 <a:t>You</a:t>
               </a:r>
               <a:r>
-                <a:rPr lang="en-US" sz="2800" baseline="0" dirty="0">
+                <a:rPr lang="en-US" sz="2800" baseline="0">
                   <a:latin typeface="Trebuchet MS" pitchFamily="34" charset="0"/>
                 </a:rPr>
                 <a:t> can u</a:t>
               </a:r>
               <a:r>
-                <a:rPr lang="en-US" sz="2800" dirty="0">
+                <a:rPr lang="en-US" sz="2800">
                   <a:latin typeface="Trebuchet MS" pitchFamily="34" charset="0"/>
                 </a:rPr>
                 <a:t>se</a:t>
               </a:r>
               <a:r>
-                <a:rPr lang="en-US" sz="2800" baseline="0" dirty="0">
+                <a:rPr lang="en-US" sz="2800" baseline="0">
                   <a:latin typeface="Trebuchet MS" pitchFamily="34" charset="0"/>
                 </a:rPr>
                 <a:t> it to create your research poster and </a:t>
               </a:r>
               <a:r>
-                <a:rPr lang="en-US" sz="2800" dirty="0">
+                <a:rPr lang="en-US" sz="2800">
                   <a:latin typeface="Trebuchet MS" pitchFamily="34" charset="0"/>
                 </a:rPr>
                 <a:t>save valuable time placing titles, subtitles,</a:t>
               </a:r>
               <a:r>
-                <a:rPr lang="en-US" sz="2800" baseline="0" dirty="0">
+                <a:rPr lang="en-US" sz="2800" baseline="0">
                   <a:latin typeface="Trebuchet MS" pitchFamily="34" charset="0"/>
                 </a:rPr>
                 <a:t> text, and graphics</a:t>
               </a:r>
               <a:r>
-                <a:rPr lang="en-US" sz="2800" dirty="0">
+                <a:rPr lang="en-US" sz="2800">
                   <a:latin typeface="Trebuchet MS" pitchFamily="34" charset="0"/>
                 </a:rPr>
                 <a:t>. </a:t>
@@ -13439,20 +12694,20 @@
             </a:p>
             <a:p>
               <a:pPr defTabSz="3765639"/>
-              <a:endParaRPr lang="en-US" sz="2800" dirty="0">
+              <a:endParaRPr lang="en-US" sz="2800">
                 <a:latin typeface="Trebuchet MS" pitchFamily="34" charset="0"/>
               </a:endParaRPr>
             </a:p>
             <a:p>
               <a:pPr defTabSz="4389219"/>
               <a:r>
-                <a:rPr lang="en-US" sz="2800" dirty="0">
+                <a:rPr lang="en-US" sz="2800">
                   <a:latin typeface="Trebuchet MS" pitchFamily="34" charset="0"/>
                 </a:rPr>
                 <a:t>We provide a series of online tutorials that will guide you through the poster design process and answer your poster production questions. To view our template tutorials, go online to </a:t>
               </a:r>
               <a:r>
-                <a:rPr lang="en-US" sz="2800" b="1" dirty="0">
+                <a:rPr lang="en-US" sz="2800" b="1">
                   <a:solidFill>
                     <a:srgbClr val="FFC000"/>
                   </a:solidFill>
@@ -13461,7 +12716,7 @@
                 <a:t>PosterPresentations.com</a:t>
               </a:r>
               <a:r>
-                <a:rPr lang="en-US" sz="2800" b="1" dirty="0">
+                <a:rPr lang="en-US" sz="2800" b="1">
                   <a:solidFill>
                     <a:schemeClr val="bg1"/>
                   </a:solidFill>
@@ -13470,7 +12725,7 @@
                 <a:t> </a:t>
               </a:r>
               <a:r>
-                <a:rPr lang="en-US" sz="2800" dirty="0">
+                <a:rPr lang="en-US" sz="2800">
                   <a:solidFill>
                     <a:schemeClr val="bg1"/>
                   </a:solidFill>
@@ -13481,14 +12736,14 @@
             </a:p>
             <a:p>
               <a:pPr defTabSz="4389219"/>
-              <a:endParaRPr lang="en-US" sz="2800" dirty="0">
+              <a:endParaRPr lang="en-US" sz="2800">
                 <a:latin typeface="Trebuchet MS" pitchFamily="34" charset="0"/>
               </a:endParaRPr>
             </a:p>
             <a:p>
               <a:pPr defTabSz="4389219"/>
               <a:r>
-                <a:rPr lang="en-US" sz="2800" dirty="0">
+                <a:rPr lang="en-US" sz="2800">
                   <a:solidFill>
                     <a:schemeClr val="bg1"/>
                   </a:solidFill>
@@ -13497,7 +12752,7 @@
                 <a:t>When</a:t>
               </a:r>
               <a:r>
-                <a:rPr lang="en-US" sz="2800" baseline="0" dirty="0">
+                <a:rPr lang="en-US" sz="2800" baseline="0">
                   <a:solidFill>
                     <a:schemeClr val="bg1"/>
                   </a:solidFill>
@@ -13506,7 +12761,7 @@
                 <a:t> you are ready to print your poster</a:t>
               </a:r>
               <a:r>
-                <a:rPr lang="en-US" sz="2800" dirty="0">
+                <a:rPr lang="en-US" sz="2800">
                   <a:solidFill>
                     <a:schemeClr val="bg1"/>
                   </a:solidFill>
@@ -13515,7 +12770,7 @@
                 <a:t>,</a:t>
               </a:r>
               <a:r>
-                <a:rPr lang="en-US" sz="2800" baseline="0" dirty="0">
+                <a:rPr lang="en-US" sz="2800" baseline="0">
                   <a:solidFill>
                     <a:schemeClr val="bg1"/>
                   </a:solidFill>
@@ -13524,7 +12779,7 @@
                 <a:t> go online to </a:t>
               </a:r>
               <a:r>
-                <a:rPr lang="en-US" sz="2800" b="0" dirty="0">
+                <a:rPr lang="en-US" sz="2800" b="0">
                   <a:solidFill>
                     <a:schemeClr val="bg1"/>
                   </a:solidFill>
@@ -13533,14 +12788,14 @@
                 <a:t>PosterPresentations.com</a:t>
               </a:r>
               <a:br>
-                <a:rPr lang="en-US" sz="2800" dirty="0">
+                <a:rPr lang="en-US" sz="2800">
                   <a:solidFill>
                     <a:schemeClr val="bg1"/>
                   </a:solidFill>
                   <a:latin typeface="Trebuchet MS" pitchFamily="34" charset="0"/>
                 </a:rPr>
               </a:br>
-              <a:endParaRPr lang="en-US" sz="2800" dirty="0">
+              <a:endParaRPr lang="en-US" sz="2800">
                 <a:solidFill>
                   <a:schemeClr val="bg1"/>
                 </a:solidFill>
@@ -13550,7 +12805,7 @@
             <a:p>
               <a:pPr algn="l" defTabSz="3765639"/>
               <a:r>
-                <a:rPr lang="en-US" sz="2800" b="0" dirty="0">
+                <a:rPr lang="en-US" sz="2800" b="0">
                   <a:solidFill>
                     <a:schemeClr val="bg1"/>
                   </a:solidFill>
@@ -13559,7 +12814,7 @@
                 <a:t>Need</a:t>
               </a:r>
               <a:r>
-                <a:rPr lang="en-US" sz="2800" b="0" baseline="0" dirty="0">
+                <a:rPr lang="en-US" sz="2800" b="0" baseline="0">
                   <a:solidFill>
                     <a:schemeClr val="bg1"/>
                   </a:solidFill>
@@ -13568,7 +12823,7 @@
                 <a:t> assistance? Call us at </a:t>
               </a:r>
               <a:r>
-                <a:rPr lang="en-US" sz="2800" b="0" dirty="0">
+                <a:rPr lang="en-US" sz="2800" b="0">
                   <a:solidFill>
                     <a:srgbClr val="FFC000"/>
                   </a:solidFill>
@@ -13579,7 +12834,7 @@
             </a:p>
             <a:p>
               <a:pPr algn="l" defTabSz="3765639"/>
-              <a:endParaRPr lang="en-US" sz="3600" b="1" dirty="0">
+              <a:endParaRPr lang="en-US" sz="3600" b="1">
                 <a:solidFill>
                   <a:srgbClr val="FFFF00"/>
                 </a:solidFill>
@@ -13588,7 +12843,7 @@
             </a:p>
             <a:p>
               <a:pPr algn="ctr"/>
-              <a:endParaRPr lang="en-US" sz="2400" b="1" dirty="0">
+              <a:endParaRPr lang="en-US" sz="2400" b="1">
                 <a:solidFill>
                   <a:schemeClr val="bg1"/>
                 </a:solidFill>
@@ -13598,7 +12853,7 @@
             <a:p>
               <a:pPr algn="ctr"/>
               <a:r>
-                <a:rPr lang="en-US" sz="4000" b="1" spc="600" dirty="0">
+                <a:rPr lang="en-US" sz="4000" b="1" spc="600">
                   <a:solidFill>
                     <a:schemeClr val="bg1"/>
                   </a:solidFill>
@@ -13609,7 +12864,7 @@
             </a:p>
             <a:p>
               <a:pPr algn="ctr"/>
-              <a:endParaRPr lang="en-US" sz="3200" b="1" baseline="0" dirty="0">
+              <a:endParaRPr lang="en-US" sz="3200" b="1" baseline="0">
                 <a:solidFill>
                   <a:schemeClr val="bg1"/>
                 </a:solidFill>
@@ -13619,7 +12874,7 @@
             <a:p>
               <a:pPr algn="ctr"/>
               <a:r>
-                <a:rPr lang="en-US" sz="3200" b="1" baseline="0" dirty="0">
+                <a:rPr lang="en-US" sz="3200" b="1" baseline="0">
                   <a:solidFill>
                     <a:srgbClr val="FFC000"/>
                   </a:solidFill>
@@ -13631,7 +12886,7 @@
             <a:p>
               <a:pPr marL="1892300" indent="-1892300" algn="l" defTabSz="850900"/>
               <a:r>
-                <a:rPr lang="en-US" sz="2400" b="0" baseline="0" dirty="0">
+                <a:rPr lang="en-US" sz="2400" b="0" baseline="0">
                   <a:solidFill>
                     <a:schemeClr val="bg1"/>
                   </a:solidFill>
@@ -13640,7 +12895,7 @@
                 <a:t>	</a:t>
               </a:r>
               <a:r>
-                <a:rPr lang="en-US" sz="2400" b="0" baseline="0" dirty="0">
+                <a:rPr lang="en-US" sz="2400" b="0" baseline="0">
                   <a:solidFill>
                     <a:schemeClr val="bg1">
                       <a:lumMod val="75000"/>
@@ -13654,7 +12909,7 @@
             <a:p>
               <a:pPr marL="1892300" indent="-1892300" algn="l" defTabSz="850900"/>
               <a:r>
-                <a:rPr lang="en-US" sz="2400" b="1" baseline="0" dirty="0">
+                <a:rPr lang="en-US" sz="2400" b="1" baseline="0">
                   <a:solidFill>
                     <a:schemeClr val="bg1">
                       <a:lumMod val="75000"/>
@@ -13665,7 +12920,7 @@
                 <a:t>	</a:t>
               </a:r>
               <a:r>
-                <a:rPr lang="en-US" sz="2400" b="0" baseline="0" dirty="0">
+                <a:rPr lang="en-US" sz="2400" b="0" baseline="0">
                   <a:solidFill>
                     <a:schemeClr val="bg1">
                       <a:lumMod val="75000"/>
@@ -13678,7 +12933,7 @@
             </a:p>
             <a:p>
               <a:pPr algn="l"/>
-              <a:endParaRPr lang="en-US" sz="2800" b="0" baseline="0" dirty="0">
+              <a:endParaRPr lang="en-US" sz="2800" b="0" baseline="0">
                 <a:solidFill>
                   <a:schemeClr val="bg1"/>
                 </a:solidFill>
@@ -13688,7 +12943,7 @@
             <a:p>
               <a:pPr algn="ctr"/>
               <a:r>
-                <a:rPr lang="en-US" sz="3200" b="1" baseline="0" dirty="0">
+                <a:rPr lang="en-US" sz="3200" b="1" baseline="0">
                   <a:solidFill>
                     <a:srgbClr val="FFC000"/>
                   </a:solidFill>
@@ -13700,7 +12955,7 @@
             <a:p>
               <a:pPr algn="l"/>
               <a:r>
-                <a:rPr lang="en-US" sz="2400" b="0" baseline="0" dirty="0">
+                <a:rPr lang="en-US" sz="2400" b="0" baseline="0">
                   <a:solidFill>
                     <a:schemeClr val="bg1">
                       <a:lumMod val="75000"/>
@@ -13711,7 +12966,7 @@
                 <a:t>Start designing your poster by adding the title, the names of the authors, and the affiliated institutions. </a:t>
               </a:r>
               <a:r>
-                <a:rPr lang="en-US" sz="2400" b="0" spc="0" baseline="0" dirty="0">
+                <a:rPr lang="en-US" sz="2400" b="0" spc="0" baseline="0">
                   <a:solidFill>
                     <a:schemeClr val="bg1">
                       <a:lumMod val="75000"/>
@@ -13724,7 +12979,7 @@
             </a:p>
             <a:p>
               <a:pPr algn="l"/>
-              <a:endParaRPr lang="en-US" sz="2400" b="0" spc="0" baseline="0" dirty="0">
+              <a:endParaRPr lang="en-US" sz="2400" b="0" spc="0" baseline="0">
                 <a:solidFill>
                   <a:schemeClr val="bg1">
                     <a:lumMod val="75000"/>
@@ -13736,7 +12991,7 @@
             <a:p>
               <a:pPr algn="l"/>
               <a:r>
-                <a:rPr lang="en-US" sz="2400" b="1" spc="300" baseline="0" dirty="0">
+                <a:rPr lang="en-US" sz="2400" b="1" spc="300" baseline="0">
                   <a:solidFill>
                     <a:srgbClr val="FFC000"/>
                   </a:solidFill>
@@ -13745,7 +13000,7 @@
                 <a:t>TIP</a:t>
               </a:r>
               <a:r>
-                <a:rPr lang="en-US" sz="2400" b="1" baseline="0" dirty="0">
+                <a:rPr lang="en-US" sz="2400" b="1" baseline="0">
                   <a:solidFill>
                     <a:srgbClr val="FFC000"/>
                   </a:solidFill>
@@ -13754,7 +13009,7 @@
                 <a:t>: </a:t>
               </a:r>
               <a:r>
-                <a:rPr lang="en-US" sz="2400" b="0" baseline="0" dirty="0">
+                <a:rPr lang="en-US" sz="2400" b="0" baseline="0">
                   <a:solidFill>
                     <a:schemeClr val="bg1">
                       <a:lumMod val="75000"/>
@@ -13768,14 +13023,14 @@
             <a:p>
               <a:pPr algn="l"/>
               <a:br>
-                <a:rPr lang="en-US" sz="2800" b="1" baseline="0" dirty="0">
+                <a:rPr lang="en-US" sz="2800" b="1" baseline="0">
                   <a:solidFill>
                     <a:schemeClr val="bg1"/>
                   </a:solidFill>
                   <a:latin typeface="Trebuchet MS" pitchFamily="34" charset="0"/>
                 </a:rPr>
               </a:br>
-              <a:endParaRPr lang="en-US" sz="2800" b="1" dirty="0">
+              <a:endParaRPr lang="en-US" sz="2800" b="1">
                 <a:solidFill>
                   <a:schemeClr val="bg1"/>
                 </a:solidFill>
@@ -13784,7 +13039,7 @@
             </a:p>
             <a:p>
               <a:pPr algn="ctr"/>
-              <a:endParaRPr lang="en-US" sz="2800" b="1" dirty="0">
+              <a:endParaRPr lang="en-US" sz="2800" b="1">
                 <a:solidFill>
                   <a:srgbClr val="FFC000"/>
                 </a:solidFill>
@@ -13793,7 +13048,7 @@
             </a:p>
             <a:p>
               <a:pPr algn="ctr"/>
-              <a:endParaRPr lang="en-US" sz="2800" b="1" dirty="0">
+              <a:endParaRPr lang="en-US" sz="2800" b="1">
                 <a:solidFill>
                   <a:srgbClr val="FFC000"/>
                 </a:solidFill>
@@ -13803,7 +13058,7 @@
             <a:p>
               <a:pPr algn="ctr"/>
               <a:r>
-                <a:rPr lang="en-US" sz="3200" b="1" dirty="0">
+                <a:rPr lang="en-US" sz="3200" b="1">
                   <a:solidFill>
                     <a:srgbClr val="FFC000"/>
                   </a:solidFill>
@@ -13812,7 +13067,7 @@
                 <a:t>Adding Logos</a:t>
               </a:r>
               <a:r>
-                <a:rPr lang="en-US" sz="3200" b="1" baseline="0" dirty="0">
+                <a:rPr lang="en-US" sz="3200" b="1" baseline="0">
                   <a:solidFill>
                     <a:srgbClr val="FFC000"/>
                   </a:solidFill>
@@ -13824,7 +13079,7 @@
             <a:p>
               <a:pPr algn="l"/>
               <a:r>
-                <a:rPr lang="en-US" sz="2400" b="0" baseline="0" dirty="0">
+                <a:rPr lang="en-US" sz="2400" b="0" baseline="0">
                   <a:solidFill>
                     <a:schemeClr val="bg1">
                       <a:lumMod val="75000"/>
@@ -13837,7 +13092,7 @@
             </a:p>
             <a:p>
               <a:pPr algn="l"/>
-              <a:endParaRPr lang="en-US" sz="2400" b="0" spc="300" baseline="0" dirty="0">
+              <a:endParaRPr lang="en-US" sz="2400" b="0" spc="300" baseline="0">
                 <a:solidFill>
                   <a:schemeClr val="bg1">
                     <a:lumMod val="75000"/>
@@ -13849,7 +13104,7 @@
             <a:p>
               <a:pPr algn="l"/>
               <a:r>
-                <a:rPr lang="en-US" sz="2400" b="1" spc="300" baseline="0" dirty="0">
+                <a:rPr lang="en-US" sz="2400" b="1" spc="300" baseline="0">
                   <a:solidFill>
                     <a:srgbClr val="FFC000"/>
                   </a:solidFill>
@@ -13858,7 +13113,7 @@
                 <a:t>TIP:</a:t>
               </a:r>
               <a:r>
-                <a:rPr lang="en-US" sz="2400" b="1" spc="0" baseline="0" dirty="0">
+                <a:rPr lang="en-US" sz="2400" b="1" spc="0" baseline="0">
                   <a:solidFill>
                     <a:srgbClr val="FFC000"/>
                   </a:solidFill>
@@ -13867,7 +13122,7 @@
                 <a:t> </a:t>
               </a:r>
               <a:r>
-                <a:rPr lang="en-US" sz="2400" b="0" baseline="0" dirty="0">
+                <a:rPr lang="en-US" sz="2400" b="0" baseline="0">
                   <a:solidFill>
                     <a:schemeClr val="bg1">
                       <a:lumMod val="75000"/>
@@ -13880,14 +13135,14 @@
             </a:p>
             <a:p>
               <a:pPr algn="l"/>
-              <a:endParaRPr lang="en-US" sz="2400" b="0" baseline="0" dirty="0">
+              <a:endParaRPr lang="en-US" sz="2400" b="0" baseline="0">
                 <a:latin typeface="Trebuchet MS" pitchFamily="34" charset="0"/>
               </a:endParaRPr>
             </a:p>
             <a:p>
               <a:pPr algn="ctr"/>
               <a:r>
-                <a:rPr lang="en-US" sz="3200" b="1" baseline="0" dirty="0">
+                <a:rPr lang="en-US" sz="3200" b="1" baseline="0">
                   <a:solidFill>
                     <a:srgbClr val="FFC000"/>
                   </a:solidFill>
@@ -13899,7 +13154,7 @@
             <a:p>
               <a:pPr algn="l" defTabSz="977900"/>
               <a:r>
-                <a:rPr lang="en-US" sz="2400" b="0" baseline="0" dirty="0">
+                <a:rPr lang="en-US" sz="2400" b="0" baseline="0">
                   <a:solidFill>
                     <a:schemeClr val="bg1">
                       <a:lumMod val="75000"/>
@@ -13910,7 +13165,7 @@
                 <a:t>You can add images by dragging and dropping from your desktop, copy and paste, or by going to INSERT &gt; PICTURES. Resize images proportionally by holding down the SHIFT key and dragging one of the corner handles. For a professional-looking poster, do not distort your images by enlarging them </a:t>
               </a:r>
               <a:r>
-                <a:rPr lang="en-US" sz="2400" b="0" spc="0" baseline="0" dirty="0">
+                <a:rPr lang="en-US" sz="2400" b="0" spc="0" baseline="0">
                   <a:solidFill>
                     <a:schemeClr val="bg1">
                       <a:lumMod val="75000"/>
@@ -13923,13 +13178,13 @@
             </a:p>
             <a:p>
               <a:pPr algn="l" defTabSz="977900"/>
-              <a:endParaRPr lang="en-US" sz="2400" b="0" baseline="0" dirty="0">
+              <a:endParaRPr lang="en-US" sz="2400" b="0" baseline="0">
                 <a:latin typeface="Trebuchet MS" pitchFamily="34" charset="0"/>
               </a:endParaRPr>
             </a:p>
             <a:p>
               <a:pPr algn="ctr"/>
-              <a:endParaRPr lang="en-US" sz="2800" b="1" baseline="0" dirty="0">
+              <a:endParaRPr lang="en-US" sz="2800" b="1" baseline="0">
                 <a:solidFill>
                   <a:srgbClr val="FFC000"/>
                 </a:solidFill>
@@ -13938,7 +13193,7 @@
             </a:p>
             <a:p>
               <a:pPr algn="ctr"/>
-              <a:endParaRPr lang="en-US" sz="2800" b="1" baseline="0" dirty="0">
+              <a:endParaRPr lang="en-US" sz="2800" b="1" baseline="0">
                 <a:solidFill>
                   <a:srgbClr val="FFC000"/>
                 </a:solidFill>
@@ -13947,7 +13202,7 @@
             </a:p>
             <a:p>
               <a:pPr algn="ctr"/>
-              <a:endParaRPr lang="en-US" sz="2800" b="1" baseline="0" dirty="0">
+              <a:endParaRPr lang="en-US" sz="2800" b="1" baseline="0">
                 <a:solidFill>
                   <a:srgbClr val="FFC000"/>
                 </a:solidFill>
@@ -13956,7 +13211,7 @@
             </a:p>
             <a:p>
               <a:pPr algn="ctr"/>
-              <a:endParaRPr lang="en-US" sz="2800" b="1" baseline="0" dirty="0">
+              <a:endParaRPr lang="en-US" sz="2800" b="1" baseline="0">
                 <a:solidFill>
                   <a:srgbClr val="FFC000"/>
                 </a:solidFill>
@@ -13965,7 +13220,7 @@
             </a:p>
             <a:p>
               <a:pPr algn="ctr"/>
-              <a:endParaRPr lang="en-US" sz="2800" b="1" baseline="0" dirty="0">
+              <a:endParaRPr lang="en-US" sz="2800" b="1" baseline="0">
                 <a:solidFill>
                   <a:srgbClr val="FFC000"/>
                 </a:solidFill>
@@ -13974,7 +13229,7 @@
             </a:p>
             <a:p>
               <a:pPr algn="ctr"/>
-              <a:endParaRPr lang="en-US" sz="2800" b="1" baseline="0" dirty="0">
+              <a:endParaRPr lang="en-US" sz="2800" b="1" baseline="0">
                 <a:solidFill>
                   <a:srgbClr val="FFC000"/>
                 </a:solidFill>
@@ -13984,7 +13239,7 @@
             <a:p>
               <a:pPr algn="ctr"/>
               <a:r>
-                <a:rPr lang="en-US" sz="3200" b="1" baseline="0" dirty="0">
+                <a:rPr lang="en-US" sz="3200" b="1" baseline="0">
                   <a:solidFill>
                     <a:srgbClr val="FFC000"/>
                   </a:solidFill>
@@ -13996,7 +13251,7 @@
             <a:p>
               <a:pPr lvl="0" algn="l" defTabSz="977900"/>
               <a:r>
-                <a:rPr lang="en-US" sz="2400" b="0" baseline="0" dirty="0">
+                <a:rPr lang="en-US" sz="2400" b="0" baseline="0">
                   <a:solidFill>
                     <a:schemeClr val="bg1">
                       <a:lumMod val="75000"/>
@@ -14006,7 +13261,7 @@
                 </a:rPr>
                 <a:t>Zoom in and look at your images at 100% magnification. If they look good they will print well. </a:t>
               </a:r>
-              <a:endParaRPr lang="en-US" sz="2800" b="0" dirty="0">
+              <a:endParaRPr lang="en-US" sz="2800" b="0">
                 <a:latin typeface="Trebuchet MS" pitchFamily="34" charset="0"/>
               </a:endParaRPr>
             </a:p>
@@ -14176,7 +13431,7 @@
                 <a:p>
                   <a:pPr algn="ctr"/>
                   <a:r>
-                    <a:rPr lang="en-US" sz="1600" b="1" dirty="0">
+                    <a:rPr lang="en-US" sz="1600" b="1">
                       <a:solidFill>
                         <a:schemeClr val="tx1"/>
                       </a:solidFill>
@@ -14251,14 +13506,14 @@
                 <a:p>
                   <a:pPr algn="ctr"/>
                   <a:r>
-                    <a:rPr lang="en-US" sz="1400" b="1" dirty="0">
+                    <a:rPr lang="en-US" sz="1400" b="1">
                       <a:solidFill>
                         <a:schemeClr val="bg1"/>
                       </a:solidFill>
                     </a:rPr>
                     <a:t>DISTORTED</a:t>
                   </a:r>
-                  <a:endParaRPr lang="en-US" sz="700" b="1" dirty="0">
+                  <a:endParaRPr lang="en-US" sz="700" b="1">
                     <a:solidFill>
                       <a:schemeClr val="bg1"/>
                     </a:solidFill>
@@ -14315,7 +13570,7 @@
               <a:p>
                 <a:pPr algn="ctr"/>
                 <a:r>
-                  <a:rPr lang="en-US" sz="1600" dirty="0">
+                  <a:rPr lang="en-US" sz="1600">
                     <a:solidFill>
                       <a:schemeClr val="bg1"/>
                     </a:solidFill>
@@ -14323,14 +13578,14 @@
                   <a:t>Corner</a:t>
                 </a:r>
                 <a:r>
-                  <a:rPr lang="en-US" sz="1600" baseline="0" dirty="0">
+                  <a:rPr lang="en-US" sz="1600" baseline="0">
                     <a:solidFill>
                       <a:schemeClr val="bg1"/>
                     </a:solidFill>
                   </a:rPr>
                   <a:t> handles</a:t>
                 </a:r>
-                <a:endParaRPr lang="en-US" sz="1600" dirty="0">
+                <a:endParaRPr lang="en-US" sz="1600">
                   <a:solidFill>
                     <a:schemeClr val="bg1"/>
                   </a:solidFill>
@@ -14384,7 +13639,7 @@
                       <p:embed/>
                       <p:pic>
                         <p:nvPicPr>
-                          <p:cNvPr id="0" name=""/>
+                          <p:cNvPr id="60" name="Object 59"/>
                           <p:cNvPicPr/>
                           <p:nvPr/>
                         </p:nvPicPr>
@@ -14441,7 +13696,7 @@
                       <p:embed/>
                       <p:pic>
                         <p:nvPicPr>
-                          <p:cNvPr id="0" name=""/>
+                          <p:cNvPr id="61" name="Object 60"/>
                           <p:cNvPicPr/>
                           <p:nvPr/>
                         </p:nvPicPr>
@@ -14491,7 +13746,7 @@
               <a:p>
                 <a:pPr algn="ctr"/>
                 <a:r>
-                  <a:rPr lang="en-US" sz="1600" dirty="0">
+                  <a:rPr lang="en-US" sz="1600">
                     <a:solidFill>
                       <a:srgbClr val="92D050"/>
                     </a:solidFill>
@@ -14499,7 +13754,7 @@
                   <a:t>Good</a:t>
                 </a:r>
                 <a:r>
-                  <a:rPr lang="en-US" sz="1600" baseline="0" dirty="0">
+                  <a:rPr lang="en-US" sz="1600" baseline="0">
                     <a:solidFill>
                       <a:srgbClr val="92D050"/>
                     </a:solidFill>
@@ -14507,14 +13762,14 @@
                   <a:t> </a:t>
                 </a:r>
                 <a:r>
-                  <a:rPr lang="en-US" sz="1600" baseline="0" dirty="0">
+                  <a:rPr lang="en-US" sz="1600" baseline="0">
                     <a:solidFill>
                       <a:schemeClr val="bg1"/>
                     </a:solidFill>
                   </a:rPr>
                   <a:t>printing quality</a:t>
                 </a:r>
-                <a:endParaRPr lang="en-US" sz="1600" dirty="0">
+                <a:endParaRPr lang="en-US" sz="1600">
                   <a:solidFill>
                     <a:schemeClr val="bg1"/>
                   </a:solidFill>
@@ -14546,7 +13801,7 @@
               <a:p>
                 <a:pPr algn="ctr"/>
                 <a:r>
-                  <a:rPr lang="en-US" sz="1600" dirty="0">
+                  <a:rPr lang="en-US" sz="1600">
                     <a:solidFill>
                       <a:srgbClr val="FF0000"/>
                     </a:solidFill>
@@ -14554,7 +13809,7 @@
                   <a:t>Bad </a:t>
                 </a:r>
                 <a:r>
-                  <a:rPr lang="en-US" sz="1600" dirty="0">
+                  <a:rPr lang="en-US" sz="1600">
                     <a:solidFill>
                       <a:schemeClr val="bg1"/>
                     </a:solidFill>
@@ -14607,7 +13862,7 @@
               <a:defRPr/>
             </a:pPr>
             <a:r>
-              <a:rPr lang="en-US" sz="500" b="1" dirty="0">
+              <a:rPr lang="en-US" sz="500" b="1">
                 <a:solidFill>
                   <a:schemeClr val="bg1">
                     <a:lumMod val="75000"/>
@@ -14629,7 +13884,7 @@
               <a:defRPr/>
             </a:pPr>
             <a:r>
-              <a:rPr lang="en-US" sz="1100" b="1" dirty="0">
+              <a:rPr lang="en-US" sz="1100" b="1">
                 <a:solidFill>
                   <a:schemeClr val="bg1">
                     <a:lumMod val="75000"/>
@@ -14942,7 +14197,7 @@
           <a:p>
             <a:pPr algn="just"/>
             <a:r>
-              <a:rPr lang="en-IE" sz="2400" dirty="0">
+              <a:rPr lang="en-IE" sz="2400">
                 <a:solidFill>
                   <a:schemeClr val="tx1"/>
                 </a:solidFill>
@@ -14952,7 +14207,7 @@
               <a:t>This project is focused on implementing a Movie Recommendation System with the use of Machine Learning. The system was developed in Python and the datasets used were 'Movies' and 'Ratings' from </a:t>
             </a:r>
             <a:r>
-              <a:rPr lang="en-IE" sz="2400" dirty="0" err="1">
+              <a:rPr lang="en-IE" sz="2400" err="1">
                 <a:solidFill>
                   <a:schemeClr val="tx1"/>
                 </a:solidFill>
@@ -14962,7 +14217,7 @@
               <a:t>MovieLens</a:t>
             </a:r>
             <a:r>
-              <a:rPr lang="en-IE" sz="2400" dirty="0">
+              <a:rPr lang="en-IE" sz="2400">
                 <a:solidFill>
                   <a:schemeClr val="tx1"/>
                 </a:solidFill>
@@ -14972,7 +14227,7 @@
               <a:t> 25M. This project was developed with the CRISP-DM methodology and each of the phases is detailed in a report and </a:t>
             </a:r>
             <a:r>
-              <a:rPr lang="en-IE" sz="2400" dirty="0" err="1">
+              <a:rPr lang="en-IE" sz="2400" err="1">
                 <a:solidFill>
                   <a:schemeClr val="tx1"/>
                 </a:solidFill>
@@ -14982,7 +14237,7 @@
               <a:t>Jupyter</a:t>
             </a:r>
             <a:r>
-              <a:rPr lang="en-IE" sz="2400" dirty="0">
+              <a:rPr lang="en-IE" sz="2400">
                 <a:solidFill>
                   <a:schemeClr val="tx1"/>
                 </a:solidFill>
@@ -14991,7 +14246,7 @@
               </a:rPr>
               <a:t> Notebook.</a:t>
             </a:r>
-            <a:endParaRPr lang="en-US" sz="2400" dirty="0">
+            <a:endParaRPr lang="en-US" sz="2400">
               <a:solidFill>
                 <a:schemeClr val="tx1"/>
               </a:solidFill>
@@ -14999,7 +14254,7 @@
           </a:p>
           <a:p>
             <a:pPr algn="just"/>
-            <a:endParaRPr lang="en-US" sz="2400" dirty="0">
+            <a:endParaRPr lang="en-US" sz="2400">
               <a:solidFill>
                 <a:schemeClr val="tx1"/>
               </a:solidFill>
@@ -15008,7 +14263,7 @@
           <a:p>
             <a:pPr algn="just"/>
             <a:r>
-              <a:rPr lang="en-IE" sz="2400" dirty="0">
+              <a:rPr lang="en-IE" sz="2400">
                 <a:solidFill>
                   <a:schemeClr val="tx1"/>
                 </a:solidFill>
@@ -15017,7 +14272,7 @@
               </a:rPr>
               <a:t>The system is a hybrid combining best qualities of collaboration filtering and user grouping. In the project we compare some models accuracies, upgrade a chosen model and show the improved performance of our hybrid model, that used the SVM algorithm. We are able to find recommended movies based on user ratings.</a:t>
             </a:r>
-            <a:endParaRPr lang="en-US" dirty="0">
+            <a:endParaRPr lang="en-US">
               <a:solidFill>
                 <a:schemeClr val="tx1"/>
               </a:solidFill>
@@ -15041,7 +14296,7 @@
           <a:lstStyle/>
           <a:p>
             <a:r>
-              <a:rPr lang="en-US" dirty="0">
+              <a:rPr lang="en-US">
                 <a:solidFill>
                   <a:schemeClr val="tx2"/>
                 </a:solidFill>
@@ -15074,7 +14329,7 @@
           <a:lstStyle/>
           <a:p>
             <a:r>
-              <a:rPr lang="en-US" dirty="0">
+              <a:rPr lang="en-US">
                 <a:solidFill>
                   <a:schemeClr val="tx2"/>
                 </a:solidFill>
@@ -15110,7 +14365,7 @@
           <a:p>
             <a:pPr algn="just"/>
             <a:r>
-              <a:rPr lang="en-GB" sz="2400" dirty="0">
+              <a:rPr lang="en-GB" sz="2400">
                 <a:solidFill>
                   <a:schemeClr val="tx1"/>
                 </a:solidFill>
@@ -15119,7 +14374,7 @@
               </a:rPr>
               <a:t>For our business understanding phase we defined our objectives, thought of ours stakeholders and our deliverables. We wanted our model to be accurate, unbiased by the big industries, accessible for the general public and also fill the gap in the movie recommendation industry, that is usually linked with big streaming companies.</a:t>
             </a:r>
-            <a:endParaRPr lang="en-GB" sz="2400" dirty="0">
+            <a:endParaRPr lang="en-GB" sz="2400">
               <a:solidFill>
                 <a:schemeClr val="tx1"/>
               </a:solidFill>
@@ -15129,7 +14384,7 @@
           </a:p>
           <a:p>
             <a:pPr algn="just"/>
-            <a:endParaRPr lang="en-GB" sz="2400" dirty="0">
+            <a:endParaRPr lang="en-GB" sz="2400">
               <a:solidFill>
                 <a:schemeClr val="tx1"/>
               </a:solidFill>
@@ -15140,7 +14395,7 @@
           <a:p>
             <a:pPr algn="just"/>
             <a:r>
-              <a:rPr lang="en-GB" sz="2400" dirty="0">
+              <a:rPr lang="en-GB" sz="2400">
                 <a:solidFill>
                   <a:schemeClr val="tx1"/>
                 </a:solidFill>
@@ -15160,7 +14415,7 @@
               <a:t>numpy</a:t>
             </a:r>
             <a:r>
-              <a:rPr lang="en-GB" sz="2400" dirty="0">
+              <a:rPr lang="en-GB" sz="2400">
                 <a:solidFill>
                   <a:schemeClr val="tx1"/>
                 </a:solidFill>
@@ -15180,7 +14435,7 @@
               <a:t>sklearn</a:t>
             </a:r>
             <a:r>
-              <a:rPr lang="en-GB" sz="2400" dirty="0">
+              <a:rPr lang="en-GB" sz="2400">
                 <a:solidFill>
                   <a:schemeClr val="tx1"/>
                 </a:solidFill>
@@ -15200,7 +14455,7 @@
               <a:t>tkinter</a:t>
             </a:r>
             <a:r>
-              <a:rPr lang="en-GB" sz="2400" dirty="0">
+              <a:rPr lang="en-GB" sz="2400">
                 <a:solidFill>
                   <a:schemeClr val="tx1"/>
                 </a:solidFill>
@@ -15297,7 +14552,7 @@
         </p:nvSpPr>
         <p:spPr>
           <a:xfrm>
-            <a:off x="33398202" y="25053959"/>
+            <a:off x="33316111" y="22228833"/>
             <a:ext cx="10047018" cy="677100"/>
           </a:xfrm>
         </p:spPr>
@@ -15306,7 +14561,7 @@
           <a:lstStyle/>
           <a:p>
             <a:r>
-              <a:rPr lang="en-US" sz="3200" dirty="0">
+              <a:rPr lang="en-US" sz="3200">
                 <a:solidFill>
                   <a:schemeClr val="tx2"/>
                 </a:solidFill>
@@ -15339,7 +14594,7 @@
           <a:lstStyle/>
           <a:p>
             <a:r>
-              <a:rPr lang="en-US" dirty="0">
+              <a:rPr lang="en-US">
                 <a:solidFill>
                   <a:schemeClr val="tx2"/>
                 </a:solidFill>
@@ -15369,21 +14624,21 @@
           <a:lstStyle/>
           <a:p>
             <a:r>
-              <a:rPr lang="en-US" sz="4800" b="1" dirty="0">
+              <a:rPr lang="en-US" sz="4800" b="1">
                 <a:latin typeface="Arial"/>
                 <a:cs typeface="Arial"/>
               </a:rPr>
               <a:t>Ingrid Castro and Robert </a:t>
             </a:r>
             <a:r>
-              <a:rPr lang="en-US" sz="4800" b="1" dirty="0" err="1">
+              <a:rPr lang="en-US" sz="4800" b="1" err="1">
                 <a:latin typeface="Arial"/>
                 <a:cs typeface="Arial"/>
               </a:rPr>
               <a:t>Szlufik</a:t>
             </a:r>
             <a:r>
-              <a:rPr lang="en-US" sz="4800" b="1" dirty="0">
+              <a:rPr lang="en-US" sz="4800" b="1">
                 <a:latin typeface="Arial"/>
                 <a:cs typeface="Arial"/>
               </a:rPr>
@@ -15425,29 +14680,15 @@
           </a:p>
           <a:p>
             <a:r>
-              <a:rPr lang="en-US" b="1" cap="small" dirty="0">
-                <a:latin typeface="Arial"/>
-                <a:cs typeface="Arial"/>
-              </a:rPr>
-              <a:t>Movie </a:t>
-            </a:r>
-            <a:r>
               <a:rPr lang="en-US" b="1" cap="small">
                 <a:latin typeface="Arial"/>
                 <a:cs typeface="Arial"/>
               </a:rPr>
-              <a:t>recommendation</a:t>
-            </a:r>
-            <a:r>
-              <a:rPr lang="en-US" b="1" cap="small" dirty="0">
-                <a:latin typeface="Arial"/>
-                <a:cs typeface="Arial"/>
-              </a:rPr>
-              <a:t> System</a:t>
+              <a:t>Movie recommendation System</a:t>
             </a:r>
           </a:p>
           <a:p>
-            <a:endParaRPr lang="en-US" dirty="0">
+            <a:endParaRPr lang="en-US">
               <a:latin typeface="+mn-lt"/>
               <a:ea typeface="Calibri"/>
               <a:cs typeface="Calibri"/>
@@ -15618,7 +14859,7 @@
               <a:buNone/>
             </a:pPr>
             <a:r>
-              <a:rPr lang="en-GB" sz="2400" dirty="0">
+              <a:rPr lang="en-GB" sz="2400">
                 <a:latin typeface="Arial"/>
                 <a:cs typeface="Arial"/>
               </a:rPr>
@@ -15838,13 +15079,75 @@
               <a:buNone/>
             </a:pPr>
             <a:r>
-              <a:rPr lang="en-IE" sz="2400" dirty="0">
+              <a:rPr lang="en-IE" sz="2400">
                 <a:latin typeface="Arial"/>
                 <a:cs typeface="Arial"/>
               </a:rPr>
-              <a:t>For our modelling phase we started thinking about our alternatives in terms of algorithms. We learned about the types of recommendation systems: Collaborative Filtering, Content Filtering, Context Filtering and Hybrid models. It was a discovery process to get to the final result. We tested the performance of Linear Discriminant Analysis (LDA), Decision Tree Regressor (DT). Random Forest Classifier (RF) and Gaussian Classifier (NB), because according to Portugal, Alencar and Cowan (2018) these were the most used algorithms in terms of a recommendation system. We observed how well they performed according to the RMSE (Root Mean Squared Error).</a:t>
+              <a:t>For our modelling phase we started thinking about our alternatives in terms of algorithms. It was a discovery process to get to the final result. We tested the performance of the following models:</a:t>
             </a:r>
-            <a:endParaRPr lang="en-US" sz="9600" dirty="0">
+            <a:endParaRPr lang="en-US" sz="9600">
+              <a:latin typeface="Calibri"/>
+              <a:ea typeface="Calibri"/>
+              <a:cs typeface="Calibri"/>
+            </a:endParaRPr>
+          </a:p>
+          <a:p>
+            <a:pPr marL="1645285" indent="-1645285" algn="just"/>
+            <a:r>
+              <a:rPr lang="en-IE" sz="2400">
+                <a:latin typeface="Arial"/>
+                <a:cs typeface="Arial"/>
+              </a:rPr>
+              <a:t>Linear Discriminant Analysis (LDA);</a:t>
+            </a:r>
+            <a:endParaRPr lang="en-US" sz="9600">
+              <a:latin typeface="Calibri"/>
+              <a:ea typeface="Calibri"/>
+              <a:cs typeface="Calibri"/>
+            </a:endParaRPr>
+          </a:p>
+          <a:p>
+            <a:pPr marL="1645285" indent="-1645285" algn="just"/>
+            <a:r>
+              <a:rPr lang="en-IE" sz="2400">
+                <a:latin typeface="Arial"/>
+                <a:cs typeface="Arial"/>
+              </a:rPr>
+              <a:t>Decision Tree Regressor (DT);</a:t>
+            </a:r>
+            <a:endParaRPr lang="en-US" sz="9600">
+              <a:latin typeface="Calibri"/>
+              <a:ea typeface="Calibri"/>
+              <a:cs typeface="Calibri"/>
+            </a:endParaRPr>
+          </a:p>
+          <a:p>
+            <a:pPr marL="1645285" indent="-1645285" algn="just"/>
+            <a:r>
+              <a:rPr lang="en-IE" sz="2400">
+                <a:latin typeface="Arial"/>
+                <a:cs typeface="Arial"/>
+              </a:rPr>
+              <a:t>Random Forest Classifier (RF) and </a:t>
+            </a:r>
+            <a:endParaRPr lang="en-US" sz="9600">
+              <a:latin typeface="Calibri"/>
+              <a:ea typeface="Calibri"/>
+              <a:cs typeface="Calibri"/>
+            </a:endParaRPr>
+          </a:p>
+          <a:p>
+            <a:pPr marL="1645285" indent="-1645285" algn="just"/>
+            <a:r>
+              <a:rPr lang="en-IE" sz="2400">
+                <a:latin typeface="Arial"/>
+                <a:cs typeface="Arial"/>
+              </a:rPr>
+              <a:t>Gaussian Classifier (NB)</a:t>
+            </a:r>
+            <a:endParaRPr lang="en-US" sz="9600">
+              <a:latin typeface="Calibri"/>
+              <a:ea typeface="Calibri"/>
               <a:cs typeface="Calibri"/>
             </a:endParaRPr>
           </a:p>
@@ -15852,7 +15155,32 @@
             <a:pPr marL="0" indent="0" algn="just">
               <a:buNone/>
             </a:pPr>
-            <a:endParaRPr lang="en-IE" sz="2400" dirty="0">
+            <a:endParaRPr lang="en-IE" sz="2400">
+              <a:latin typeface="Arial"/>
+              <a:cs typeface="Arial"/>
+            </a:endParaRPr>
+          </a:p>
+          <a:p>
+            <a:pPr marL="0" indent="0" algn="just">
+              <a:buNone/>
+            </a:pPr>
+            <a:r>
+              <a:rPr lang="en-IE" sz="2400">
+                <a:latin typeface="Arial"/>
+                <a:cs typeface="Arial"/>
+              </a:rPr>
+              <a:t>We observed how well they performed according to the RMSE (Root Mean Squared Error).</a:t>
+            </a:r>
+            <a:endParaRPr lang="en-US" sz="9600">
+              <a:ea typeface="Calibri"/>
+              <a:cs typeface="Calibri"/>
+            </a:endParaRPr>
+          </a:p>
+          <a:p>
+            <a:pPr marL="0" indent="0" algn="just">
+              <a:buNone/>
+            </a:pPr>
+            <a:endParaRPr lang="en-IE" sz="2400">
               <a:latin typeface="Arial"/>
               <a:cs typeface="Arial"/>
             </a:endParaRPr>
@@ -15888,7 +15216,7 @@
           <a:lstStyle/>
           <a:p>
             <a:r>
-              <a:rPr lang="en-US" dirty="0">
+              <a:rPr lang="en-US">
                 <a:solidFill>
                   <a:schemeClr val="tx2"/>
                 </a:solidFill>
@@ -15897,7 +15225,7 @@
               </a:rPr>
               <a:t>PROJECT OBJECTIVES</a:t>
             </a:r>
-            <a:endParaRPr lang="en-US" dirty="0">
+            <a:endParaRPr lang="en-US">
               <a:solidFill>
                 <a:schemeClr val="tx2"/>
               </a:solidFill>
@@ -16070,13 +15398,13 @@
               <a:buNone/>
             </a:pPr>
             <a:r>
-              <a:rPr lang="en-IE" sz="2400" dirty="0">
+              <a:rPr lang="en-IE" sz="2400">
                 <a:latin typeface="Arial"/>
                 <a:cs typeface="Arial"/>
               </a:rPr>
               <a:t>The two objectives below represent the core focus of the entire project:</a:t>
             </a:r>
-            <a:endParaRPr lang="en-IE" sz="2400" b="1" dirty="0">
+            <a:endParaRPr lang="en-IE" sz="2400" b="1">
               <a:latin typeface="Arial"/>
               <a:cs typeface="Arial"/>
             </a:endParaRPr>
@@ -16086,7 +15414,7 @@
               <a:buFont typeface="Arial" pitchFamily="34" charset="0"/>
               <a:buNone/>
             </a:pPr>
-            <a:endParaRPr lang="en-IE" sz="2400" b="1" dirty="0">
+            <a:endParaRPr lang="en-IE" sz="2400" b="1">
               <a:latin typeface="Arial" panose="020B0604020202020204" pitchFamily="34" charset="0"/>
               <a:cs typeface="Arial" panose="020B0604020202020204" pitchFamily="34" charset="0"/>
             </a:endParaRPr>
@@ -16097,7 +15425,7 @@
               <a:buChar char="-"/>
             </a:pPr>
             <a:r>
-              <a:rPr lang="en-IE" sz="2400" dirty="0">
+              <a:rPr lang="en-IE" sz="2400">
                 <a:latin typeface="Arial"/>
                 <a:cs typeface="Arial"/>
               </a:rPr>
@@ -16110,7 +15438,7 @@
               <a:buChar char="-"/>
             </a:pPr>
             <a:r>
-              <a:rPr lang="en-IE" sz="2400" dirty="0">
+              <a:rPr lang="en-IE" sz="2400">
                 <a:latin typeface="Arial"/>
                 <a:cs typeface="Arial"/>
               </a:rPr>
@@ -16122,7 +15450,7 @@
               <a:buFont typeface="Arial" pitchFamily="34" charset="0"/>
               <a:buNone/>
             </a:pPr>
-            <a:endParaRPr lang="en-IE" sz="2400" dirty="0">
+            <a:endParaRPr lang="en-IE" sz="2400">
               <a:latin typeface="Arial" panose="020B0604020202020204" pitchFamily="34" charset="0"/>
               <a:cs typeface="Arial" panose="020B0604020202020204" pitchFamily="34" charset="0"/>
             </a:endParaRPr>
@@ -16139,8 +15467,8 @@
         </p:nvSpPr>
         <p:spPr>
           <a:xfrm>
-            <a:off x="33564895" y="25721480"/>
-            <a:ext cx="9667932" cy="4649525"/>
+            <a:off x="33469604" y="22910516"/>
+            <a:ext cx="9708496" cy="3838228"/>
           </a:xfrm>
           <a:prstGeom prst="rect">
             <a:avLst/>
@@ -16292,34 +15620,13 @@
               <a:buNone/>
             </a:pPr>
             <a:r>
-              <a:rPr lang="en-IE" sz="2400" dirty="0">
+              <a:rPr lang="en-IE" sz="2400">
                 <a:latin typeface="Arial"/>
                 <a:cs typeface="Arial"/>
               </a:rPr>
-              <a:t>As a reflection of our overall project development we can say that both objectives were reached and we were able not only to provide the source code for our system (including multiple trained models), but also a User Interface that is able to show the real life usage of the system. </a:t>
+              <a:t>As a reflection of our overall project development we can say that both objectives were reached and we were able not only to provide the source code for our system (including multiple trained models), but also a User Interface that is able to show the real life usage of the system. The project amplified our understanding of the technologies used and explored an alternative approach to this task, since there are many available. The CRISP-DM methodology helped us structuring our research and development steps, as well as made it easier for us to set internal deadlines for certain phases that required more or less time to be completed.</a:t>
             </a:r>
-          </a:p>
-          <a:p>
-            <a:pPr marL="0" indent="0" algn="just" defTabSz="895350">
-              <a:buNone/>
-            </a:pPr>
-            <a:endParaRPr lang="en-IE" sz="2400" dirty="0">
-              <a:latin typeface="Arial" panose="020B0604020202020204" pitchFamily="34" charset="0"/>
-              <a:cs typeface="Arial" panose="020B0604020202020204" pitchFamily="34" charset="0"/>
-            </a:endParaRPr>
-          </a:p>
-          <a:p>
-            <a:pPr marL="0" indent="0" algn="just" defTabSz="895350">
-              <a:buNone/>
-            </a:pPr>
-            <a:r>
-              <a:rPr lang="en-IE" sz="2400" dirty="0">
-                <a:latin typeface="Arial"/>
-                <a:cs typeface="Arial"/>
-              </a:rPr>
-              <a:t>The project amplified our understanding of the technologies used and explored an alternative approach to this task, since there are many available. The CRISP-DM methodology helped us structuring our research and development steps, as well as made it easier for us to set internal deadlines for certain phases that required more or less time to be completed.</a:t>
-            </a:r>
-            <a:endParaRPr lang="en-IE" sz="2400" dirty="0">
+            <a:endParaRPr lang="en-IE" sz="2400">
               <a:latin typeface="Arial" panose="020B0604020202020204" pitchFamily="34" charset="0"/>
               <a:cs typeface="Arial" panose="020B0604020202020204" pitchFamily="34" charset="0"/>
             </a:endParaRPr>
@@ -16494,7 +15801,7 @@
             <a:pPr marL="0" indent="0" algn="just">
               <a:buNone/>
             </a:pPr>
-            <a:endParaRPr lang="en-IE" sz="9600" dirty="0">
+            <a:endParaRPr lang="en-IE" sz="9600">
               <a:latin typeface="Arial" panose="020B0604020202020204" pitchFamily="34" charset="0"/>
               <a:cs typeface="Arial" panose="020B0604020202020204" pitchFamily="34" charset="0"/>
             </a:endParaRPr>
@@ -16670,13 +15977,13 @@
               <a:buNone/>
             </a:pPr>
             <a:r>
-              <a:rPr lang="en-IE" sz="2400" dirty="0">
+              <a:rPr lang="en-IE" sz="2400">
                 <a:latin typeface="Arial"/>
                 <a:cs typeface="Arial"/>
               </a:rPr>
               <a:t>Full reference list with all references of the project:</a:t>
             </a:r>
-            <a:endParaRPr lang="en-IE" sz="2400" dirty="0">
+            <a:endParaRPr lang="en-IE" sz="2400">
               <a:latin typeface="Arial" panose="020B0604020202020204" pitchFamily="34" charset="0"/>
               <a:cs typeface="Arial" panose="020B0604020202020204" pitchFamily="34" charset="0"/>
             </a:endParaRPr>
@@ -16686,7 +15993,7 @@
               <a:buNone/>
             </a:pPr>
             <a:r>
-              <a:rPr lang="en-IE" sz="2400" dirty="0">
+              <a:rPr lang="en-IE" sz="2400">
                 <a:latin typeface="Arial"/>
                 <a:ea typeface="+mn-lt"/>
                 <a:cs typeface="+mn-lt"/>
@@ -16765,7 +16072,7 @@
           <a:p>
             <a:pPr algn="ctr"/>
             <a:r>
-              <a:rPr lang="pt-BR" sz="3700" b="1" u="sng" dirty="0" err="1">
+              <a:rPr lang="pt-BR" sz="3700" b="1" u="sng" err="1">
                 <a:solidFill>
                   <a:schemeClr val="tx2"/>
                 </a:solidFill>
@@ -16775,7 +16082,7 @@
               <a:t>Stage</a:t>
             </a:r>
             <a:r>
-              <a:rPr lang="pt-BR" sz="3700" b="1" u="sng" dirty="0">
+              <a:rPr lang="pt-BR" sz="3700" b="1" u="sng">
                 <a:solidFill>
                   <a:schemeClr val="tx2"/>
                 </a:solidFill>
@@ -16785,7 +16092,7 @@
               <a:t> 2 – Data </a:t>
             </a:r>
             <a:r>
-              <a:rPr lang="pt-BR" sz="3700" b="1" u="sng" dirty="0" err="1">
+              <a:rPr lang="pt-BR" sz="3700" b="1" u="sng" err="1">
                 <a:solidFill>
                   <a:schemeClr val="tx2"/>
                 </a:solidFill>
@@ -16837,32 +16144,25 @@
           <a:p>
             <a:pPr algn="just"/>
             <a:r>
-              <a:rPr lang="en-GB" sz="2400" dirty="0">
+              <a:rPr lang="en-GB" sz="2400">
                 <a:latin typeface="Arial"/>
                 <a:cs typeface="Arial"/>
               </a:rPr>
               <a:t>On our Data Understanding phase we determined that we would be working with two datasets from </a:t>
             </a:r>
             <a:r>
-              <a:rPr lang="en-GB" sz="2400" dirty="0" err="1">
+              <a:rPr lang="en-GB" sz="2400" err="1">
                 <a:latin typeface="Arial"/>
                 <a:cs typeface="Arial"/>
               </a:rPr>
               <a:t>Movielens</a:t>
             </a:r>
             <a:r>
-              <a:rPr lang="en-GB" sz="2400" dirty="0">
-                <a:latin typeface="Arial"/>
-                <a:cs typeface="Arial"/>
-              </a:rPr>
-              <a:t> 25M: 'Movies' and 'Ratings'. </a:t>
-            </a:r>
-            <a:r>
               <a:rPr lang="en-GB" sz="2400">
                 <a:latin typeface="Arial"/>
                 <a:cs typeface="Arial"/>
               </a:rPr>
-              <a:t>The specifics of each dataset were:</a:t>
+              <a:t> 25M: 'Movies' and 'Ratings'. The specifics of each dataset were:</a:t>
             </a:r>
             <a:endParaRPr lang="en-GB">
               <a:latin typeface="Calibri"/>
@@ -16875,13 +16175,13 @@
               <a:buChar char="•"/>
             </a:pPr>
             <a:r>
-              <a:rPr lang="en-GB" sz="2400" dirty="0">
+              <a:rPr lang="en-GB" sz="2400">
                 <a:latin typeface="Arial"/>
                 <a:cs typeface="Arial"/>
               </a:rPr>
               <a:t>‘Movies’ dataset contains 62.423 rows and 3 columns;</a:t>
             </a:r>
-            <a:endParaRPr lang="en-GB" sz="2400" dirty="0">
+            <a:endParaRPr lang="en-GB" sz="2400">
               <a:cs typeface="Calibri"/>
             </a:endParaRPr>
           </a:p>
@@ -16891,7 +16191,7 @@
               <a:buChar char="•"/>
             </a:pPr>
             <a:r>
-              <a:rPr lang="en-GB" sz="2400" dirty="0">
+              <a:rPr lang="en-GB" sz="2400">
                 <a:latin typeface="Arial"/>
                 <a:cs typeface="Arial"/>
               </a:rPr>
@@ -16905,13 +16205,13 @@
               <a:t>movieId</a:t>
             </a:r>
             <a:r>
-              <a:rPr lang="en-GB" sz="2400" dirty="0">
+              <a:rPr lang="en-GB" sz="2400">
                 <a:latin typeface="Arial"/>
                 <a:cs typeface="Arial"/>
               </a:rPr>
               <a:t>’ (int64), ‘title’ (object) and ‘genres’ (object);</a:t>
             </a:r>
-            <a:endParaRPr lang="en-GB" sz="2400" dirty="0">
+            <a:endParaRPr lang="en-GB" sz="2400">
               <a:cs typeface="Calibri"/>
             </a:endParaRPr>
           </a:p>
@@ -16921,13 +16221,13 @@
               <a:buChar char="•"/>
             </a:pPr>
             <a:r>
-              <a:rPr lang="en-GB" sz="2400" dirty="0">
+              <a:rPr lang="en-GB" sz="2400">
                 <a:latin typeface="Arial"/>
                 <a:cs typeface="Arial"/>
               </a:rPr>
               <a:t>No duplicate values;</a:t>
             </a:r>
-            <a:endParaRPr lang="en-GB" sz="2400" dirty="0">
+            <a:endParaRPr lang="en-GB" sz="2400">
               <a:cs typeface="Calibri"/>
             </a:endParaRPr>
           </a:p>
@@ -16937,13 +16237,13 @@
               <a:buChar char="•"/>
             </a:pPr>
             <a:r>
-              <a:rPr lang="en-GB" sz="2400" dirty="0">
+              <a:rPr lang="en-GB" sz="2400">
                 <a:latin typeface="Arial"/>
                 <a:cs typeface="Arial"/>
               </a:rPr>
               <a:t>No null values;</a:t>
             </a:r>
-            <a:endParaRPr lang="en-GB" sz="2400" dirty="0">
+            <a:endParaRPr lang="en-GB" sz="2400">
               <a:cs typeface="Calibri"/>
             </a:endParaRPr>
           </a:p>
@@ -16953,19 +16253,19 @@
               <a:buChar char="•"/>
             </a:pPr>
             <a:r>
-              <a:rPr lang="en-GB" sz="2400" dirty="0">
+              <a:rPr lang="en-GB" sz="2400">
                 <a:latin typeface="Arial"/>
                 <a:cs typeface="Arial"/>
               </a:rPr>
               <a:t>No NA values;</a:t>
             </a:r>
-            <a:endParaRPr lang="en-US" sz="2400" dirty="0">
+            <a:endParaRPr lang="en-US" sz="2400">
               <a:cs typeface="Calibri"/>
             </a:endParaRPr>
           </a:p>
           <a:p>
             <a:pPr algn="just"/>
-            <a:endParaRPr lang="en-GB" sz="2400" dirty="0">
+            <a:endParaRPr lang="en-GB" sz="2400">
               <a:latin typeface="Arial"/>
               <a:cs typeface="Arial"/>
             </a:endParaRPr>
@@ -16976,13 +16276,13 @@
               <a:buChar char="•"/>
             </a:pPr>
             <a:r>
-              <a:rPr lang="en-GB" sz="2400" dirty="0">
+              <a:rPr lang="en-GB" sz="2400">
                 <a:latin typeface="Arial"/>
                 <a:cs typeface="Arial"/>
               </a:rPr>
               <a:t>'Ratings' dataset contains 25.000.095 rows and 4 columns;</a:t>
             </a:r>
-            <a:endParaRPr lang="en-GB" sz="2400" dirty="0">
+            <a:endParaRPr lang="en-GB" sz="2400">
               <a:cs typeface="Calibri"/>
             </a:endParaRPr>
           </a:p>
@@ -16992,7 +16292,7 @@
               <a:buChar char="•"/>
             </a:pPr>
             <a:r>
-              <a:rPr lang="en-GB" sz="2400" dirty="0">
+              <a:rPr lang="en-GB" sz="2400">
                 <a:latin typeface="Arial"/>
                 <a:cs typeface="Arial"/>
               </a:rPr>
@@ -17006,7 +16306,7 @@
               <a:t>userId</a:t>
             </a:r>
             <a:r>
-              <a:rPr lang="en-GB" sz="2400" dirty="0">
+              <a:rPr lang="en-GB" sz="2400">
                 <a:latin typeface="Arial"/>
                 <a:cs typeface="Arial"/>
               </a:rPr>
@@ -17020,13 +16320,13 @@
               <a:t>movieId</a:t>
             </a:r>
             <a:r>
-              <a:rPr lang="en-GB" sz="2400" dirty="0">
+              <a:rPr lang="en-GB" sz="2400">
                 <a:latin typeface="Arial"/>
                 <a:cs typeface="Arial"/>
               </a:rPr>
               <a:t>' (int64), 'rating' (float64), 'timestamp' (int64);</a:t>
             </a:r>
-            <a:endParaRPr lang="en-GB" sz="2400" dirty="0">
+            <a:endParaRPr lang="en-GB" sz="2400">
               <a:cs typeface="Calibri"/>
             </a:endParaRPr>
           </a:p>
@@ -17036,13 +16336,13 @@
               <a:buChar char="•"/>
             </a:pPr>
             <a:r>
-              <a:rPr lang="en-GB" sz="2400" dirty="0">
+              <a:rPr lang="en-GB" sz="2400">
                 <a:latin typeface="Arial"/>
                 <a:cs typeface="Arial"/>
               </a:rPr>
               <a:t>No duplicate values;</a:t>
             </a:r>
-            <a:endParaRPr lang="en-GB" sz="2400" dirty="0">
+            <a:endParaRPr lang="en-GB" sz="2400">
               <a:cs typeface="Calibri"/>
             </a:endParaRPr>
           </a:p>
@@ -17052,13 +16352,13 @@
               <a:buChar char="•"/>
             </a:pPr>
             <a:r>
-              <a:rPr lang="en-GB" sz="2400" dirty="0">
+              <a:rPr lang="en-GB" sz="2400">
                 <a:latin typeface="Arial"/>
                 <a:cs typeface="Arial"/>
               </a:rPr>
               <a:t>No null values;</a:t>
             </a:r>
-            <a:endParaRPr lang="en-GB" sz="2400" dirty="0">
+            <a:endParaRPr lang="en-GB" sz="2400">
               <a:cs typeface="Calibri"/>
             </a:endParaRPr>
           </a:p>
@@ -17078,7 +16378,7 @@
           </a:p>
           <a:p>
             <a:pPr algn="just"/>
-            <a:endParaRPr lang="en-GB" sz="2400" dirty="0">
+            <a:endParaRPr lang="en-GB" sz="2400">
               <a:latin typeface="Arial"/>
               <a:cs typeface="Arial"/>
             </a:endParaRPr>
@@ -17086,18 +16386,11 @@
           <a:p>
             <a:pPr algn="just"/>
             <a:r>
-              <a:rPr lang="en-GB" sz="2400" dirty="0">
-                <a:latin typeface="Arial"/>
-                <a:cs typeface="Arial"/>
-              </a:rPr>
-              <a:t>The data quality of these datasets was very good and allowed us to do some Data Preparation mostly to prepare data for modelling, not to deal with missing values and/or null or NA values. Data visualisations </a:t>
-            </a:r>
-            <a:r>
               <a:rPr lang="en-GB" sz="2400">
                 <a:latin typeface="Arial"/>
                 <a:cs typeface="Arial"/>
               </a:rPr>
-              <a:t>were also included on the report.</a:t>
+              <a:t>The data quality of these datasets was very good and allowed us to do some Data Preparation mostly to prepare data for modelling, not to deal with missing values and/or null or NA values. Data visualisations were also included on the report.</a:t>
             </a:r>
           </a:p>
         </p:txBody>
@@ -17135,7 +16428,7 @@
           <a:p>
             <a:pPr algn="ctr"/>
             <a:r>
-              <a:rPr lang="pt-BR" sz="3700" b="1" u="sng" dirty="0" err="1">
+              <a:rPr lang="pt-BR" sz="3700" b="1" u="sng" err="1">
                 <a:solidFill>
                   <a:schemeClr val="tx2"/>
                 </a:solidFill>
@@ -17145,7 +16438,7 @@
               <a:t>Stage</a:t>
             </a:r>
             <a:r>
-              <a:rPr lang="pt-BR" sz="3700" b="1" u="sng" dirty="0">
+              <a:rPr lang="pt-BR" sz="3700" b="1" u="sng">
                 <a:solidFill>
                   <a:schemeClr val="tx2"/>
                 </a:solidFill>
@@ -17155,7 +16448,7 @@
               <a:t> 3 – Data </a:t>
             </a:r>
             <a:r>
-              <a:rPr lang="pt-BR" sz="3700" b="1" u="sng" dirty="0" err="1">
+              <a:rPr lang="pt-BR" sz="3700" b="1" u="sng" err="1">
                 <a:solidFill>
                   <a:schemeClr val="tx2"/>
                 </a:solidFill>
@@ -17164,7 +16457,7 @@
               </a:rPr>
               <a:t>Preparation</a:t>
             </a:r>
-            <a:endParaRPr lang="pt-BR" dirty="0" err="1">
+            <a:endParaRPr lang="pt-BR" err="1">
               <a:solidFill>
                 <a:schemeClr val="tx2"/>
               </a:solidFill>
@@ -17205,17 +16498,17 @@
           <a:p>
             <a:pPr algn="just"/>
             <a:r>
-              <a:rPr lang="en-GB" sz="2400" dirty="0">
+              <a:rPr lang="en-GB" sz="2400">
                 <a:latin typeface="Arial"/>
                 <a:cs typeface="Arial"/>
               </a:rPr>
               <a:t>In the Data Preparation phase we started preparing the data for our fourth phase (Modelling). Since there was no need for dealing with missing, NA and null values, we focused our efforts in getting more numerical variables from our categorical ones.</a:t>
             </a:r>
-            <a:endParaRPr lang="en-US" dirty="0"/>
+            <a:endParaRPr lang="en-US"/>
           </a:p>
           <a:p>
             <a:pPr algn="just"/>
-            <a:endParaRPr lang="en-GB" sz="2400" dirty="0">
+            <a:endParaRPr lang="en-GB" sz="2400">
               <a:latin typeface="Arial"/>
               <a:cs typeface="Arial"/>
             </a:endParaRPr>
@@ -17223,21 +16516,21 @@
           <a:p>
             <a:pPr algn="just"/>
             <a:r>
-              <a:rPr lang="en-GB" sz="2400" dirty="0">
+              <a:rPr lang="en-GB" sz="2400">
                 <a:latin typeface="Arial"/>
                 <a:cs typeface="Arial"/>
               </a:rPr>
               <a:t>For 'movies' we encoded the genres, adding 19 new columns with int64 being its datatype. We also added the '</a:t>
             </a:r>
             <a:r>
-              <a:rPr lang="en-GB" sz="2400" dirty="0" err="1">
+              <a:rPr lang="en-GB" sz="2400" err="1">
                 <a:latin typeface="Arial"/>
                 <a:cs typeface="Arial"/>
               </a:rPr>
               <a:t>genre_count</a:t>
             </a:r>
             <a:r>
-              <a:rPr lang="en-GB" sz="2400" dirty="0">
+              <a:rPr lang="en-GB" sz="2400">
                 <a:latin typeface="Arial"/>
                 <a:cs typeface="Arial"/>
               </a:rPr>
@@ -17246,7 +16539,7 @@
           </a:p>
           <a:p>
             <a:pPr algn="just"/>
-            <a:endParaRPr lang="en-GB" sz="2400" dirty="0">
+            <a:endParaRPr lang="en-GB" sz="2400">
               <a:latin typeface="Arial"/>
               <a:cs typeface="Arial"/>
             </a:endParaRPr>
@@ -17254,7 +16547,7 @@
           <a:p>
             <a:pPr algn="just"/>
             <a:r>
-              <a:rPr lang="en-GB" sz="2400" dirty="0">
+              <a:rPr lang="en-GB" sz="2400">
                 <a:latin typeface="Arial"/>
                 <a:cs typeface="Arial"/>
               </a:rPr>
@@ -17263,7 +16556,7 @@
           </a:p>
           <a:p>
             <a:pPr algn="just"/>
-            <a:endParaRPr lang="en-GB" sz="2400" dirty="0">
+            <a:endParaRPr lang="en-GB" sz="2400">
               <a:latin typeface="Arial"/>
               <a:cs typeface="Arial"/>
             </a:endParaRPr>
@@ -17271,7 +16564,7 @@
           <a:p>
             <a:pPr algn="just"/>
             <a:r>
-              <a:rPr lang="en-GB" sz="2400" dirty="0">
+              <a:rPr lang="en-GB" sz="2400">
                 <a:latin typeface="Arial"/>
                 <a:cs typeface="Arial"/>
               </a:rPr>
@@ -17280,7 +16573,7 @@
           </a:p>
           <a:p>
             <a:pPr algn="just"/>
-            <a:endParaRPr lang="en-GB" sz="2400" dirty="0">
+            <a:endParaRPr lang="en-GB" sz="2400">
               <a:latin typeface="Arial"/>
               <a:cs typeface="Arial"/>
             </a:endParaRPr>
@@ -17288,25 +16581,11 @@
           <a:p>
             <a:pPr algn="just"/>
             <a:r>
-              <a:rPr lang="en-GB" sz="2400" dirty="0">
+              <a:rPr lang="en-GB" sz="2400">
                 <a:latin typeface="Arial"/>
                 <a:cs typeface="Arial"/>
               </a:rPr>
-              <a:t>After that we were moving back and </a:t>
-            </a:r>
-            <a:r>
-              <a:rPr lang="en-GB" sz="2400" dirty="0" err="1">
-                <a:latin typeface="Arial"/>
-                <a:cs typeface="Arial"/>
-              </a:rPr>
-              <a:t>fourth</a:t>
-            </a:r>
-            <a:r>
-              <a:rPr lang="en-GB" sz="2400" dirty="0">
-                <a:latin typeface="Arial"/>
-                <a:cs typeface="Arial"/>
-              </a:rPr>
-              <a:t> on modelling and data preparation phases, since we would always get to train/ test/ split the data and scale it as we see fit.</a:t>
+              <a:t>After that we were moving back and forth on modelling and data preparation phases, since we would always get to train/ test/ split the data and scale it as we see fit.</a:t>
             </a:r>
           </a:p>
         </p:txBody>
@@ -17325,8 +16604,8 @@
         </p:nvSpPr>
         <p:spPr>
           <a:xfrm>
-            <a:off x="22708610" y="5645360"/>
-            <a:ext cx="9560324" cy="2677656"/>
+            <a:off x="22682853" y="5645360"/>
+            <a:ext cx="9611838" cy="2308324"/>
           </a:xfrm>
           <a:prstGeom prst="rect">
             <a:avLst/>
@@ -17344,16 +16623,16 @@
           <a:p>
             <a:pPr algn="just"/>
             <a:r>
-              <a:rPr lang="en-IE" sz="2400" dirty="0">
+              <a:rPr lang="en-IE" sz="2400">
                 <a:latin typeface="Arial"/>
                 <a:cs typeface="Arial"/>
               </a:rPr>
-              <a:t>From the models tested we chose to optimise the best of them, the LDA, and then compare it with the performance of another algorithm: SVD. This algorithm, also known as Singular Value Decomposition, is effective and commonly used in recommendation systems. We then put the results in a graph and even the initial results were already quite satisfactory: </a:t>
+              <a:t>From the models tested we chose to optimise the best of them, the LDA, and then compare it with the performance of another algorithm: SVD. This algorithm, also known as Singular Value Decomposition, is effective and commonly used in recommendation systems. This was the performance test comparison:</a:t>
             </a:r>
           </a:p>
           <a:p>
             <a:pPr algn="l"/>
-            <a:endParaRPr lang="pt-BR" sz="2400" dirty="0">
+            <a:endParaRPr lang="pt-BR" sz="2400">
               <a:latin typeface="Arial"/>
               <a:ea typeface="Calibri"/>
               <a:cs typeface="Calibri"/>
@@ -17402,7 +16681,7 @@
               <a:t>Fig</a:t>
             </a:r>
             <a:r>
-              <a:rPr lang="pt-BR" sz="2400" dirty="0">
+              <a:rPr lang="pt-BR" sz="2400">
                 <a:latin typeface="Arial"/>
                 <a:ea typeface="Calibri"/>
                 <a:cs typeface="Calibri"/>
@@ -17418,7 +16697,7 @@
               <a:t>comparison</a:t>
             </a:r>
             <a:r>
-              <a:rPr lang="pt-BR" sz="2400" dirty="0">
+              <a:rPr lang="pt-BR" sz="2400">
                 <a:latin typeface="Arial"/>
                 <a:ea typeface="Calibri"/>
                 <a:cs typeface="Calibri"/>
@@ -17457,11 +16736,6 @@
               </a:rPr>
               <a:t>.</a:t>
             </a:r>
-            <a:endParaRPr lang="pt-BR" sz="2400" dirty="0">
-              <a:latin typeface="Arial"/>
-              <a:ea typeface="Calibri"/>
-              <a:cs typeface="Calibri"/>
-            </a:endParaRPr>
           </a:p>
         </p:txBody>
       </p:sp>
@@ -17509,7 +16783,7 @@
         </p:nvSpPr>
         <p:spPr>
           <a:xfrm>
-            <a:off x="22545108" y="14279172"/>
+            <a:off x="22545108" y="14031230"/>
             <a:ext cx="9737451" cy="461665"/>
           </a:xfrm>
           <a:prstGeom prst="rect">
@@ -17552,7 +16826,7 @@
         </p:nvSpPr>
         <p:spPr>
           <a:xfrm>
-            <a:off x="22626858" y="14960432"/>
+            <a:off x="22575342" y="14741459"/>
             <a:ext cx="9701116" cy="1938992"/>
           </a:xfrm>
           <a:prstGeom prst="rect">
@@ -17570,7 +16844,7 @@
           <a:lstStyle/>
           <a:p>
             <a:r>
-              <a:rPr lang="en-GB" sz="2400" dirty="0">
+              <a:rPr lang="en-GB" sz="2400">
                 <a:latin typeface="Arial"/>
                 <a:ea typeface="Calibri"/>
                 <a:cs typeface="Calibri"/>
@@ -17602,7 +16876,7 @@
         </p:blipFill>
         <p:spPr>
           <a:xfrm>
-            <a:off x="22621118" y="8035820"/>
+            <a:off x="22567996" y="7816847"/>
             <a:ext cx="9730766" cy="6219131"/>
           </a:xfrm>
           <a:prstGeom prst="rect">
@@ -17632,7 +16906,7 @@
         </p:blipFill>
         <p:spPr>
           <a:xfrm>
-            <a:off x="22548451" y="16884860"/>
+            <a:off x="22522693" y="16775341"/>
             <a:ext cx="9857933" cy="6124763"/>
           </a:xfrm>
           <a:prstGeom prst="rect">
@@ -17654,7 +16928,7 @@
         </p:nvSpPr>
         <p:spPr>
           <a:xfrm>
-            <a:off x="22632844" y="22996677"/>
+            <a:off x="22555571" y="22914522"/>
             <a:ext cx="9644513" cy="461665"/>
           </a:xfrm>
           <a:prstGeom prst="rect">
@@ -17686,10 +16960,6 @@
               </a:rPr>
               <a:t>.</a:t>
             </a:r>
-            <a:endParaRPr lang="pt-BR" sz="2400" dirty="0">
-              <a:latin typeface="Arial"/>
-              <a:cs typeface="Arial"/>
-            </a:endParaRPr>
           </a:p>
         </p:txBody>
       </p:sp>
@@ -17707,7 +16977,7 @@
         </p:nvSpPr>
         <p:spPr>
           <a:xfrm>
-            <a:off x="22524243" y="23595806"/>
+            <a:off x="22524243" y="23378439"/>
             <a:ext cx="9729787" cy="1938992"/>
           </a:xfrm>
           <a:prstGeom prst="rect">
@@ -17749,11 +17019,6 @@
               </a:rPr>
               <a:t>'. This was trained and validated and we made a evaluation of its performance as the next phase of our project.</a:t>
             </a:r>
-            <a:endParaRPr lang="en-GB" sz="2400" dirty="0">
-              <a:latin typeface="Arial"/>
-              <a:ea typeface="Calibri"/>
-              <a:cs typeface="Calibri"/>
-            </a:endParaRPr>
           </a:p>
         </p:txBody>
       </p:sp>
@@ -17771,7 +17036,7 @@
         </p:nvSpPr>
         <p:spPr>
           <a:xfrm>
-            <a:off x="22695694" y="25567480"/>
+            <a:off x="22669936" y="25482049"/>
             <a:ext cx="9408318" cy="1415772"/>
           </a:xfrm>
           <a:prstGeom prst="rect">
@@ -17791,7 +17056,7 @@
               </a:spcBef>
             </a:pPr>
             <a:r>
-              <a:rPr lang="pt-BR" sz="3700" b="1" u="sng" dirty="0" err="1">
+              <a:rPr lang="pt-BR" sz="3700" b="1" u="sng" err="1">
                 <a:solidFill>
                   <a:schemeClr val="tx2"/>
                 </a:solidFill>
@@ -17801,7 +17066,7 @@
               <a:t>Stage</a:t>
             </a:r>
             <a:r>
-              <a:rPr lang="pt-BR" sz="3700" b="1" u="sng" dirty="0">
+              <a:rPr lang="pt-BR" sz="3700" b="1" u="sng">
                 <a:solidFill>
                   <a:schemeClr val="tx2"/>
                 </a:solidFill>
@@ -17811,7 +17076,7 @@
               <a:t> 5 - </a:t>
             </a:r>
             <a:r>
-              <a:rPr lang="pt-BR" sz="3700" b="1" u="sng" dirty="0" err="1">
+              <a:rPr lang="pt-BR" sz="3700" b="1" u="sng" err="1">
                 <a:solidFill>
                   <a:schemeClr val="tx2"/>
                 </a:solidFill>
@@ -17820,7 +17085,7 @@
               </a:rPr>
               <a:t>Evaluation</a:t>
             </a:r>
-            <a:endParaRPr lang="pt-BR" sz="3700" b="1" u="sng" dirty="0">
+            <a:endParaRPr lang="pt-BR" sz="3700" b="1" u="sng">
               <a:solidFill>
                 <a:schemeClr val="tx2"/>
               </a:solidFill>
@@ -17844,8 +17109,8 @@
         </p:nvSpPr>
         <p:spPr>
           <a:xfrm>
-            <a:off x="22545675" y="26566393"/>
-            <a:ext cx="9751218" cy="5262979"/>
+            <a:off x="22538593" y="26500993"/>
+            <a:ext cx="9751218" cy="4893647"/>
           </a:xfrm>
           <a:prstGeom prst="rect">
             <a:avLst/>
@@ -17870,30 +17135,7 @@
               </a:rPr>
               <a:t>In the evaluation phase we did the assessment of the results of our final model. We could observe that the testing set had an RMSE of 0.895, while the training set had a 0.891 Root Mean Squared Error – way better than the initial indices of 2.24 for the LDA algorithm and 2.04 for the SVD (in a smaller sample of the data).</a:t>
             </a:r>
-          </a:p>
-          <a:p>
-            <a:pPr algn="just"/>
-            <a:endParaRPr lang="en-GB" sz="2400" dirty="0">
-              <a:latin typeface="Arial"/>
-              <a:ea typeface="Calibri"/>
-              <a:cs typeface="Calibri"/>
-            </a:endParaRPr>
-          </a:p>
-          <a:p>
-            <a:pPr algn="just"/>
-            <a:r>
-              <a:rPr lang="en-GB" sz="2400">
-                <a:latin typeface="Arial"/>
-                <a:ea typeface="Calibri"/>
-                <a:cs typeface="Calibri"/>
-              </a:rPr>
-              <a:t>With that assessment we are proved that not only the use of the SVD algorithm already upgraded the efficiency of our model in smaller samples of data, but also got even better results at a bigger sample, which is what we have. With that, 0.89 points up or down.</a:t>
-            </a:r>
-            <a:endParaRPr lang="en-GB" sz="2400" dirty="0">
-              <a:latin typeface="Arial"/>
-              <a:ea typeface="Calibri"/>
-              <a:cs typeface="Calibri"/>
-            </a:endParaRPr>
+            <a:endParaRPr lang="en-US" dirty="0"/>
           </a:p>
           <a:p>
             <a:pPr algn="just"/>
@@ -17909,68 +17151,60 @@
               <a:rPr lang="en-GB" sz="2400" dirty="0">
                 <a:latin typeface="Arial"/>
                 <a:ea typeface="Calibri"/>
-                <a:cs typeface="Arial"/>
+                <a:cs typeface="Calibri"/>
               </a:rPr>
-              <a:t>Another important factor is that the final prediction consists of an average across several users. This might potentially mitigate inaccuracies in predictions for a single user. </a:t>
+              <a:t>With that information we could notice that:</a:t>
             </a:r>
+            <a:endParaRPr lang="en-GB" dirty="0">
+              <a:latin typeface="Calibri"/>
+              <a:ea typeface="Calibri"/>
+              <a:cs typeface="Calibri"/>
+            </a:endParaRPr>
+          </a:p>
+          <a:p>
+            <a:pPr algn="just"/>
             <a:endParaRPr lang="en-GB" sz="2400" dirty="0">
               <a:latin typeface="Arial"/>
               <a:ea typeface="Calibri"/>
               <a:cs typeface="Calibri"/>
             </a:endParaRPr>
           </a:p>
-        </p:txBody>
-      </p:sp>
-      <p:sp>
-        <p:nvSpPr>
-          <p:cNvPr id="22" name="CaixaDeTexto 21">
-            <a:extLst>
-              <a:ext uri="{FF2B5EF4-FFF2-40B4-BE49-F238E27FC236}">
-                <a16:creationId xmlns:a16="http://schemas.microsoft.com/office/drawing/2014/main" id="{F34DA761-C085-E013-6E1A-E77DA63F9F98}"/>
-              </a:ext>
-            </a:extLst>
-          </p:cNvPr>
-          <p:cNvSpPr txBox="1"/>
-          <p:nvPr/>
-        </p:nvSpPr>
-        <p:spPr>
-          <a:xfrm>
-            <a:off x="33582768" y="5722143"/>
-            <a:ext cx="9665493" cy="3046988"/>
-          </a:xfrm>
-          <a:prstGeom prst="rect">
-            <a:avLst/>
-          </a:prstGeom>
-          <a:noFill/>
-        </p:spPr>
-        <p:txBody>
-          <a:bodyPr rot="0" spcFirstLastPara="0" vertOverflow="overflow" horzOverflow="overflow" vert="horz" wrap="square" lIns="91440" tIns="45720" rIns="91440" bIns="45720" numCol="1" spcCol="0" rtlCol="0" fromWordArt="0" anchor="t" anchorCtr="0" forceAA="0" compatLnSpc="1">
-            <a:prstTxWarp prst="textNoShape">
-              <a:avLst/>
-            </a:prstTxWarp>
-            <a:spAutoFit/>
-          </a:bodyPr>
-          <a:lstStyle/>
+          <a:p>
+            <a:pPr marL="342900" indent="-342900" algn="just">
+              <a:buFont typeface="Calibri"/>
+              <a:buChar char="-"/>
+            </a:pPr>
+            <a:r>
+              <a:rPr lang="en-GB" sz="2400" dirty="0">
+                <a:latin typeface="Arial"/>
+                <a:ea typeface="Calibri"/>
+                <a:cs typeface="Calibri"/>
+              </a:rPr>
+              <a:t>The test and train proportion were proper, and it was not overfitting or underfitting.</a:t>
+            </a:r>
+            <a:endParaRPr lang="en-GB" dirty="0">
+              <a:ea typeface="Calibri"/>
+              <a:cs typeface="Calibri"/>
+            </a:endParaRPr>
+          </a:p>
+          <a:p>
+            <a:pPr algn="just"/>
+            <a:endParaRPr lang="en-GB" sz="2400">
+              <a:latin typeface="Arial"/>
+              <a:ea typeface="Calibri"/>
+              <a:cs typeface="Calibri"/>
+            </a:endParaRPr>
+          </a:p>
           <a:p>
             <a:pPr algn="just"/>
             <a:r>
               <a:rPr lang="en-GB" sz="2400" dirty="0">
                 <a:latin typeface="Arial"/>
+                <a:ea typeface="Calibri"/>
                 <a:cs typeface="Arial"/>
               </a:rPr>
-              <a:t>Systems that leverage, both collaborative filtering and prediction estimation, might further benefit from the fact that users are biassed toward their preferences. With this hybrid model, we are combining the best from both approaches, we take into account what similar users like, and tilt toward their preferences and  simultaneously, try to expand the pool of movies to recommend by predicting  rating across the entire final set. </a:t>
+              <a:t>After further evaluation we also dealt with the problem of biases in the rating system as well. </a:t>
             </a:r>
-            <a:endParaRPr lang="pt-BR" sz="2400" dirty="0">
-              <a:latin typeface="Arial"/>
-              <a:cs typeface="Arial"/>
-            </a:endParaRPr>
-          </a:p>
-          <a:p>
-            <a:endParaRPr lang="pt-BR" sz="2400" dirty="0">
-              <a:latin typeface="Arial"/>
-              <a:ea typeface="Calibri"/>
-              <a:cs typeface="Calibri"/>
-            </a:endParaRPr>
           </a:p>
         </p:txBody>
       </p:sp>
@@ -17988,8 +17222,8 @@
         </p:nvSpPr>
         <p:spPr>
           <a:xfrm>
-            <a:off x="33582768" y="8572500"/>
-            <a:ext cx="9665493" cy="2739211"/>
+            <a:off x="33501638" y="5550416"/>
+            <a:ext cx="9746622" cy="661720"/>
           </a:xfrm>
           <a:prstGeom prst="rect">
             <a:avLst/>
@@ -18007,7 +17241,7 @@
           <a:p>
             <a:pPr algn="ctr"/>
             <a:r>
-              <a:rPr lang="pt-BR" sz="3700" b="1" u="sng" dirty="0" err="1">
+              <a:rPr lang="pt-BR" sz="3700" b="1" u="sng" err="1">
                 <a:solidFill>
                   <a:schemeClr val="tx2"/>
                 </a:solidFill>
@@ -18017,7 +17251,7 @@
               <a:t>Stage</a:t>
             </a:r>
             <a:r>
-              <a:rPr lang="pt-BR" sz="3700" b="1" u="sng" dirty="0">
+              <a:rPr lang="pt-BR" sz="3700" b="1" u="sng">
                 <a:solidFill>
                   <a:schemeClr val="tx2"/>
                 </a:solidFill>
@@ -18043,8 +17277,8 @@
         </p:nvSpPr>
         <p:spPr>
           <a:xfrm>
-            <a:off x="33495427" y="9226894"/>
-            <a:ext cx="9748656" cy="8586966"/>
+            <a:off x="33475145" y="6204811"/>
+            <a:ext cx="9748656" cy="3416320"/>
           </a:xfrm>
           <a:prstGeom prst="rect">
             <a:avLst/>
@@ -18099,60 +17333,16 @@
                 <a:ea typeface="Calibri"/>
                 <a:cs typeface="Calibri"/>
               </a:rPr>
-              <a:t>'. This dataset generates rating predictions in advanced so when we run our application it does not have to run for a longer period </a:t>
+              <a:t>'. This dataset generates rating predictions in advanced so when we run our application it saves us time. </a:t>
             </a:r>
-            <a:r>
-              <a:rPr lang="en-GB" sz="2400" dirty="0" err="1">
-                <a:latin typeface="Arial"/>
-                <a:ea typeface="Calibri"/>
-                <a:cs typeface="Calibri"/>
-              </a:rPr>
-              <a:t>period</a:t>
-            </a:r>
-            <a:r>
-              <a:rPr lang="en-GB" sz="2400" dirty="0">
-                <a:latin typeface="Arial"/>
-                <a:ea typeface="Calibri"/>
-                <a:cs typeface="Calibri"/>
-              </a:rPr>
-              <a:t> of time. This dataset has 3 columns ('</a:t>
-            </a:r>
-            <a:r>
-              <a:rPr lang="en-GB" sz="2400" dirty="0" err="1">
-                <a:latin typeface="Arial"/>
-                <a:ea typeface="Calibri"/>
-                <a:cs typeface="Calibri"/>
-              </a:rPr>
-              <a:t>UserId</a:t>
-            </a:r>
-            <a:r>
-              <a:rPr lang="en-GB" sz="2400" dirty="0">
-                <a:latin typeface="Arial"/>
-                <a:ea typeface="Calibri"/>
-                <a:cs typeface="Calibri"/>
-              </a:rPr>
-              <a:t>', '</a:t>
-            </a:r>
-            <a:r>
-              <a:rPr lang="en-GB" sz="2400" dirty="0" err="1">
-                <a:latin typeface="Arial"/>
-                <a:ea typeface="Calibri"/>
-                <a:cs typeface="Calibri"/>
-              </a:rPr>
-              <a:t>movieId</a:t>
-            </a:r>
-            <a:r>
-              <a:rPr lang="en-GB" sz="2400" dirty="0">
-                <a:latin typeface="Arial"/>
-                <a:ea typeface="Calibri"/>
-                <a:cs typeface="Calibri"/>
-              </a:rPr>
-              <a:t>' and 'rating') and more than 95M rows. It contains 588 movies and 162k unique users, giving us enough amplitude to recommend movies from there and eliminate some possible biases.</a:t>
-            </a:r>
+            <a:endParaRPr lang="en-GB" sz="2400" dirty="0">
+              <a:latin typeface="Arial"/>
+              <a:cs typeface="Calibri"/>
+            </a:endParaRPr>
           </a:p>
           <a:p>
             <a:pPr algn="just"/>
-            <a:endParaRPr lang="en-GB" sz="2400" dirty="0">
+            <a:endParaRPr lang="en-GB" sz="2400">
               <a:latin typeface="Arial"/>
               <a:ea typeface="Calibri"/>
               <a:cs typeface="Calibri"/>
@@ -18182,68 +17372,64 @@
                 <a:ea typeface="Calibri"/>
                 <a:cs typeface="Calibri"/>
               </a:rPr>
-              <a:t>' that uses cosine similarity to find users that rated movies in a similar way that we did (or will do) when using the app. This allows us to see how these users rated other movies and use their rating as a recommendation mechanism for us. To validate our model we created a random user, gave this user random ratings to random movies and compared it to other 9 similar users.</a:t>
+              <a:t>' that uses cosine similarity to find users that rated movies in a similar way that we did (or will do) when using the app and created a proof of concept to test our use case.</a:t>
             </a:r>
           </a:p>
+        </p:txBody>
+      </p:sp>
+      <p:sp>
+        <p:nvSpPr>
+          <p:cNvPr id="27" name="CaixaDeTexto 26">
+            <a:extLst>
+              <a:ext uri="{FF2B5EF4-FFF2-40B4-BE49-F238E27FC236}">
+                <a16:creationId xmlns:a16="http://schemas.microsoft.com/office/drawing/2014/main" id="{457DB4A5-0DC3-5E50-25F8-EEEFFA69FD50}"/>
+              </a:ext>
+            </a:extLst>
+          </p:cNvPr>
+          <p:cNvSpPr txBox="1"/>
+          <p:nvPr/>
+        </p:nvSpPr>
+        <p:spPr>
+          <a:xfrm>
+            <a:off x="33510245" y="14936091"/>
+            <a:ext cx="9515474" cy="461665"/>
+          </a:xfrm>
+          <a:prstGeom prst="rect">
+            <a:avLst/>
+          </a:prstGeom>
+          <a:noFill/>
+        </p:spPr>
+        <p:txBody>
+          <a:bodyPr rot="0" spcFirstLastPara="0" vertOverflow="overflow" horzOverflow="overflow" vert="horz" wrap="square" lIns="91440" tIns="45720" rIns="91440" bIns="45720" numCol="1" spcCol="0" rtlCol="0" fromWordArt="0" anchor="t" anchorCtr="0" forceAA="0" compatLnSpc="1">
+            <a:prstTxWarp prst="textNoShape">
+              <a:avLst/>
+            </a:prstTxWarp>
+            <a:spAutoFit/>
+          </a:bodyPr>
+          <a:lstStyle/>
           <a:p>
-            <a:pPr algn="just"/>
-            <a:endParaRPr lang="en-GB" sz="2400" dirty="0">
-              <a:latin typeface="Arial"/>
-              <a:ea typeface="Calibri"/>
-              <a:cs typeface="Calibri"/>
-            </a:endParaRPr>
-          </a:p>
-          <a:p>
-            <a:pPr algn="just"/>
+            <a:pPr algn="ctr"/>
             <a:r>
-              <a:rPr lang="en-GB" sz="2400" dirty="0">
+              <a:rPr lang="pt-BR" sz="2400">
                 <a:latin typeface="Arial"/>
                 <a:ea typeface="Calibri"/>
                 <a:cs typeface="Calibri"/>
               </a:rPr>
-              <a:t>This allowed us to create a decrescent dataset entitled '</a:t>
+              <a:t>Fig. 6.1 - Use Case</a:t>
             </a:r>
-            <a:r>
-              <a:rPr lang="en-GB" sz="2400" dirty="0" err="1">
-                <a:latin typeface="Arial"/>
-                <a:ea typeface="Calibri"/>
-                <a:cs typeface="Calibri"/>
-              </a:rPr>
-              <a:t>sorted_df</a:t>
-            </a:r>
-            <a:r>
-              <a:rPr lang="en-GB" sz="2400" dirty="0">
-                <a:latin typeface="Arial"/>
-                <a:ea typeface="Calibri"/>
-                <a:cs typeface="Calibri"/>
-              </a:rPr>
-              <a:t>' with estimated ratings for all the movies presents in the '</a:t>
-            </a:r>
-            <a:r>
-              <a:rPr lang="en-GB" sz="2400" dirty="0" err="1">
-                <a:latin typeface="Arial"/>
-                <a:ea typeface="Calibri"/>
-                <a:cs typeface="Calibri"/>
-              </a:rPr>
-              <a:t>df_estimated</a:t>
-            </a:r>
-            <a:r>
-              <a:rPr lang="en-GB" sz="2400" dirty="0">
-                <a:latin typeface="Arial"/>
-                <a:ea typeface="Calibri"/>
-                <a:cs typeface="Calibri"/>
-              </a:rPr>
-              <a:t>' dataset (588 movies with 10k+ ratings). This enables us to create a class 'Recommender' to be used in our last item: Our GUI. Where our user can give a rating between 1-10 to how many movies they want (we recommend 10) and obtain a decrescent list of titles.</a:t>
-            </a:r>
+            <a:endParaRPr lang="pt-BR" sz="2400">
+              <a:latin typeface="Arial"/>
+              <a:cs typeface="Arial"/>
+            </a:endParaRPr>
           </a:p>
         </p:txBody>
       </p:sp>
       <p:pic>
         <p:nvPicPr>
-          <p:cNvPr id="26" name="Imagem 25" descr="Tabela&#10;&#10;Descrição gerada automaticamente">
+          <p:cNvPr id="28" name="Picture 27" descr="A diagram of a system&#10;&#10;Descrição gerada automaticamente">
             <a:extLst>
               <a:ext uri="{FF2B5EF4-FFF2-40B4-BE49-F238E27FC236}">
-                <a16:creationId xmlns:a16="http://schemas.microsoft.com/office/drawing/2014/main" id="{2F68D4EE-63B4-B304-F1DF-2719624F6DC5}"/>
+                <a16:creationId xmlns:a16="http://schemas.microsoft.com/office/drawing/2014/main" id="{4FC3E80C-999D-6912-9410-887317F9212F}"/>
               </a:ext>
             </a:extLst>
           </p:cNvPr>
@@ -18260,8 +17446,8 @@
         </p:blipFill>
         <p:spPr>
           <a:xfrm>
-            <a:off x="33867632" y="18232036"/>
-            <a:ext cx="8981310" cy="6201481"/>
+            <a:off x="33525730" y="9468122"/>
+            <a:ext cx="9717576" cy="5497016"/>
           </a:xfrm>
           <a:prstGeom prst="rect">
             <a:avLst/>
@@ -18270,10 +17456,10 @@
       </p:pic>
       <p:sp>
         <p:nvSpPr>
-          <p:cNvPr id="27" name="CaixaDeTexto 26">
+          <p:cNvPr id="29" name="TextBox 28">
             <a:extLst>
               <a:ext uri="{FF2B5EF4-FFF2-40B4-BE49-F238E27FC236}">
-                <a16:creationId xmlns:a16="http://schemas.microsoft.com/office/drawing/2014/main" id="{457DB4A5-0DC3-5E50-25F8-EEEFFA69FD50}"/>
+                <a16:creationId xmlns:a16="http://schemas.microsoft.com/office/drawing/2014/main" id="{FDC1BC0A-E4AC-82E2-5269-14A6812B9C1A}"/>
               </a:ext>
             </a:extLst>
           </p:cNvPr>
@@ -18282,7 +17468,267 @@
         </p:nvSpPr>
         <p:spPr>
           <a:xfrm>
-            <a:off x="33647063" y="24453056"/>
+            <a:off x="33697217" y="26492000"/>
+            <a:ext cx="9329922" cy="661720"/>
+          </a:xfrm>
+          <a:prstGeom prst="rect">
+            <a:avLst/>
+          </a:prstGeom>
+          <a:noFill/>
+        </p:spPr>
+        <p:txBody>
+          <a:bodyPr rot="0" spcFirstLastPara="0" vertOverflow="overflow" horzOverflow="overflow" vert="horz" wrap="square" lIns="91440" tIns="45720" rIns="91440" bIns="45720" numCol="1" spcCol="0" rtlCol="0" fromWordArt="0" anchor="t" anchorCtr="0" forceAA="0" compatLnSpc="1">
+            <a:prstTxWarp prst="textNoShape">
+              <a:avLst/>
+            </a:prstTxWarp>
+            <a:spAutoFit/>
+          </a:bodyPr>
+          <a:lstStyle/>
+          <a:p>
+            <a:pPr algn="ctr"/>
+            <a:r>
+              <a:rPr lang="en-US" sz="3700" b="1" u="sng">
+                <a:solidFill>
+                  <a:schemeClr val="tx2"/>
+                </a:solidFill>
+                <a:latin typeface="Arial"/>
+                <a:cs typeface="Arial"/>
+              </a:rPr>
+              <a:t>Individual Contribution</a:t>
+            </a:r>
+            <a:endParaRPr lang="en-US"/>
+          </a:p>
+        </p:txBody>
+      </p:sp>
+      <p:sp>
+        <p:nvSpPr>
+          <p:cNvPr id="22" name="TextBox 21">
+            <a:extLst>
+              <a:ext uri="{FF2B5EF4-FFF2-40B4-BE49-F238E27FC236}">
+                <a16:creationId xmlns:a16="http://schemas.microsoft.com/office/drawing/2014/main" id="{908B623B-426F-93DC-376D-FE8182746E46}"/>
+              </a:ext>
+            </a:extLst>
+          </p:cNvPr>
+          <p:cNvSpPr txBox="1"/>
+          <p:nvPr/>
+        </p:nvSpPr>
+        <p:spPr>
+          <a:xfrm>
+            <a:off x="33437137" y="27249022"/>
+            <a:ext cx="9874250" cy="3416320"/>
+          </a:xfrm>
+          <a:prstGeom prst="rect">
+            <a:avLst/>
+          </a:prstGeom>
+          <a:noFill/>
+        </p:spPr>
+        <p:txBody>
+          <a:bodyPr rot="0" spcFirstLastPara="0" vertOverflow="overflow" horzOverflow="overflow" vert="horz" wrap="square" lIns="91440" tIns="45720" rIns="91440" bIns="45720" numCol="1" spcCol="0" rtlCol="0" fromWordArt="0" anchor="t" anchorCtr="0" forceAA="0" compatLnSpc="1">
+            <a:prstTxWarp prst="textNoShape">
+              <a:avLst/>
+            </a:prstTxWarp>
+            <a:spAutoFit/>
+          </a:bodyPr>
+          <a:lstStyle/>
+          <a:p>
+            <a:r>
+              <a:rPr lang="en-US" sz="2400">
+                <a:latin typeface="Arial"/>
+                <a:cs typeface="Arial"/>
+              </a:rPr>
+              <a:t>As for this project, we decided to divide workload between us by phases, as such:</a:t>
+            </a:r>
+          </a:p>
+          <a:p>
+            <a:pPr marL="285750" indent="-285750">
+              <a:buFont typeface="Arial"/>
+              <a:buChar char="•"/>
+            </a:pPr>
+            <a:r>
+              <a:rPr lang="en-US" sz="2400">
+                <a:latin typeface="Arial"/>
+                <a:cs typeface="Arial"/>
+              </a:rPr>
+              <a:t>Phase 1 - Ingrid, Robert</a:t>
+            </a:r>
+          </a:p>
+          <a:p>
+            <a:pPr marL="285750" indent="-285750">
+              <a:buFont typeface="Arial"/>
+              <a:buChar char="•"/>
+            </a:pPr>
+            <a:r>
+              <a:rPr lang="en-US" sz="2400">
+                <a:latin typeface="Arial"/>
+                <a:cs typeface="Arial"/>
+              </a:rPr>
+              <a:t>Phase 2 - Ingrid</a:t>
+            </a:r>
+          </a:p>
+          <a:p>
+            <a:pPr marL="285750" indent="-285750">
+              <a:buFont typeface="Arial"/>
+              <a:buChar char="•"/>
+            </a:pPr>
+            <a:r>
+              <a:rPr lang="en-US" sz="2400">
+                <a:latin typeface="Arial"/>
+                <a:cs typeface="Arial"/>
+              </a:rPr>
+              <a:t>Phase 3 - Ingrid</a:t>
+            </a:r>
+          </a:p>
+          <a:p>
+            <a:pPr marL="285750" indent="-285750">
+              <a:buFont typeface="Arial"/>
+              <a:buChar char="•"/>
+            </a:pPr>
+            <a:r>
+              <a:rPr lang="en-US" sz="2400">
+                <a:latin typeface="Arial"/>
+                <a:cs typeface="Arial"/>
+              </a:rPr>
+              <a:t>Phase 4 - Robert </a:t>
+            </a:r>
+          </a:p>
+          <a:p>
+            <a:pPr marL="285750" indent="-285750">
+              <a:buFont typeface="Arial"/>
+              <a:buChar char="•"/>
+            </a:pPr>
+            <a:r>
+              <a:rPr lang="en-US" sz="2400">
+                <a:latin typeface="Arial"/>
+                <a:cs typeface="Arial"/>
+              </a:rPr>
+              <a:t>Phase 5 - Ingrid </a:t>
+            </a:r>
+          </a:p>
+          <a:p>
+            <a:pPr marL="285750" indent="-285750">
+              <a:buFont typeface="Arial"/>
+              <a:buChar char="•"/>
+            </a:pPr>
+            <a:r>
+              <a:rPr lang="en-US" sz="2400">
+                <a:latin typeface="Arial"/>
+                <a:cs typeface="Arial"/>
+              </a:rPr>
+              <a:t>Phase 6 - Robert </a:t>
+            </a:r>
+          </a:p>
+          <a:p>
+            <a:pPr marL="285750" indent="-285750">
+              <a:buFont typeface="Arial"/>
+              <a:buChar char="•"/>
+            </a:pPr>
+            <a:r>
+              <a:rPr lang="en-US" sz="2400">
+                <a:latin typeface="Arial"/>
+                <a:cs typeface="Arial"/>
+              </a:rPr>
+              <a:t>Gui - Ingrid, Robert </a:t>
+            </a:r>
+          </a:p>
+        </p:txBody>
+      </p:sp>
+      <p:sp>
+        <p:nvSpPr>
+          <p:cNvPr id="26" name="CaixaDeTexto 25">
+            <a:extLst>
+              <a:ext uri="{FF2B5EF4-FFF2-40B4-BE49-F238E27FC236}">
+                <a16:creationId xmlns:a16="http://schemas.microsoft.com/office/drawing/2014/main" id="{D8EB15DC-5276-57AC-6A05-E2D9C9F39BEF}"/>
+              </a:ext>
+            </a:extLst>
+          </p:cNvPr>
+          <p:cNvSpPr txBox="1"/>
+          <p:nvPr/>
+        </p:nvSpPr>
+        <p:spPr>
+          <a:xfrm>
+            <a:off x="33520399" y="15487792"/>
+            <a:ext cx="9741438" cy="830997"/>
+          </a:xfrm>
+          <a:prstGeom prst="rect">
+            <a:avLst/>
+          </a:prstGeom>
+          <a:noFill/>
+        </p:spPr>
+        <p:txBody>
+          <a:bodyPr rot="0" spcFirstLastPara="0" vertOverflow="overflow" horzOverflow="overflow" vert="horz" wrap="square" lIns="91440" tIns="45720" rIns="91440" bIns="45720" numCol="1" spcCol="0" rtlCol="0" fromWordArt="0" anchor="t" anchorCtr="0" forceAA="0" compatLnSpc="1">
+            <a:prstTxWarp prst="textNoShape">
+              <a:avLst/>
+            </a:prstTxWarp>
+            <a:spAutoFit/>
+          </a:bodyPr>
+          <a:lstStyle/>
+          <a:p>
+            <a:pPr algn="just"/>
+            <a:r>
+              <a:rPr lang="en-GB" sz="2400" dirty="0">
+                <a:latin typeface="Arial"/>
+                <a:cs typeface="Arial"/>
+              </a:rPr>
+              <a:t>After testing and upgrading our code so it eliminates genre and </a:t>
+            </a:r>
+            <a:r>
+              <a:rPr lang="en-GB" sz="2400">
+                <a:latin typeface="Arial"/>
+                <a:cs typeface="Arial"/>
+              </a:rPr>
+              <a:t>rating bias we created our GUI, that can be seen below:</a:t>
+            </a:r>
+            <a:endParaRPr lang="pt-BR" dirty="0">
+              <a:cs typeface="Calibri"/>
+            </a:endParaRPr>
+          </a:p>
+        </p:txBody>
+      </p:sp>
+      <p:pic>
+        <p:nvPicPr>
+          <p:cNvPr id="30" name="Imagem 29" descr="Tabela&#10;&#10;Descrição gerada automaticamente">
+            <a:extLst>
+              <a:ext uri="{FF2B5EF4-FFF2-40B4-BE49-F238E27FC236}">
+                <a16:creationId xmlns:a16="http://schemas.microsoft.com/office/drawing/2014/main" id="{BACC93AD-ADBD-175B-B8D8-65E16085F433}"/>
+              </a:ext>
+            </a:extLst>
+          </p:cNvPr>
+          <p:cNvPicPr>
+            <a:picLocks noChangeAspect="1"/>
+          </p:cNvPicPr>
+          <p:nvPr/>
+        </p:nvPicPr>
+        <p:blipFill>
+          <a:blip r:embed="rId9"/>
+          <a:stretch>
+            <a:fillRect/>
+          </a:stretch>
+        </p:blipFill>
+        <p:spPr>
+          <a:xfrm>
+            <a:off x="34593731" y="16397002"/>
+            <a:ext cx="7622138" cy="5296113"/>
+          </a:xfrm>
+          <a:prstGeom prst="rect">
+            <a:avLst/>
+          </a:prstGeom>
+        </p:spPr>
+      </p:pic>
+      <p:sp>
+        <p:nvSpPr>
+          <p:cNvPr id="31" name="CaixaDeTexto 30">
+            <a:extLst>
+              <a:ext uri="{FF2B5EF4-FFF2-40B4-BE49-F238E27FC236}">
+                <a16:creationId xmlns:a16="http://schemas.microsoft.com/office/drawing/2014/main" id="{3E09DBEB-11DE-7FB4-FF6B-7BC696F1E130}"/>
+              </a:ext>
+            </a:extLst>
+          </p:cNvPr>
+          <p:cNvSpPr txBox="1"/>
+          <p:nvPr/>
+        </p:nvSpPr>
+        <p:spPr>
+          <a:xfrm>
+            <a:off x="33592335" y="21694898"/>
             <a:ext cx="9515474" cy="461665"/>
           </a:xfrm>
           <a:prstGeom prst="rect">
@@ -18306,7 +17752,7 @@
                 <a:ea typeface="Calibri"/>
                 <a:cs typeface="Calibri"/>
               </a:rPr>
-              <a:t>Fig. 6.1 - GUI</a:t>
+              <a:t>Fig. 6.2 - GUI</a:t>
             </a:r>
             <a:endParaRPr lang="pt-BR" sz="2400" dirty="0">
               <a:latin typeface="Arial"/>
